--- a/_posts/k8s/Kubernetes原理.pptx
+++ b/_posts/k8s/Kubernetes原理.pptx
@@ -5,7 +5,7 @@
     <p:sldMasterId id="2147483660" r:id="rId1"/>
   </p:sldMasterIdLst>
   <p:notesMasterIdLst>
-    <p:notesMasterId r:id="rId34"/>
+    <p:notesMasterId r:id="rId36"/>
   </p:notesMasterIdLst>
   <p:sldIdLst>
     <p:sldId id="256" r:id="rId2"/>
@@ -27,19 +27,21 @@
     <p:sldId id="263" r:id="rId18"/>
     <p:sldId id="299" r:id="rId19"/>
     <p:sldId id="298" r:id="rId20"/>
-    <p:sldId id="265" r:id="rId21"/>
-    <p:sldId id="266" r:id="rId22"/>
-    <p:sldId id="267" r:id="rId23"/>
-    <p:sldId id="268" r:id="rId24"/>
-    <p:sldId id="270" r:id="rId25"/>
-    <p:sldId id="272" r:id="rId26"/>
-    <p:sldId id="273" r:id="rId27"/>
-    <p:sldId id="274" r:id="rId28"/>
-    <p:sldId id="275" r:id="rId29"/>
-    <p:sldId id="277" r:id="rId30"/>
-    <p:sldId id="278" r:id="rId31"/>
-    <p:sldId id="279" r:id="rId32"/>
-    <p:sldId id="280" r:id="rId33"/>
+    <p:sldId id="300" r:id="rId21"/>
+    <p:sldId id="301" r:id="rId22"/>
+    <p:sldId id="265" r:id="rId23"/>
+    <p:sldId id="266" r:id="rId24"/>
+    <p:sldId id="267" r:id="rId25"/>
+    <p:sldId id="268" r:id="rId26"/>
+    <p:sldId id="270" r:id="rId27"/>
+    <p:sldId id="272" r:id="rId28"/>
+    <p:sldId id="273" r:id="rId29"/>
+    <p:sldId id="274" r:id="rId30"/>
+    <p:sldId id="275" r:id="rId31"/>
+    <p:sldId id="277" r:id="rId32"/>
+    <p:sldId id="278" r:id="rId33"/>
+    <p:sldId id="279" r:id="rId34"/>
+    <p:sldId id="280" r:id="rId35"/>
   </p:sldIdLst>
   <p:sldSz cx="12192000" cy="6858000"/>
   <p:notesSz cx="6858000" cy="9144000"/>
@@ -162,6 +164,8 @@
             <p14:sldId id="263"/>
             <p14:sldId id="299"/>
             <p14:sldId id="298"/>
+            <p14:sldId id="300"/>
+            <p14:sldId id="301"/>
             <p14:sldId id="265"/>
             <p14:sldId id="266"/>
             <p14:sldId id="267"/>
@@ -3962,6 +3966,753 @@
 </file>
 
 <file path=ppt/diagrams/colors14.xml><?xml version="1.0" encoding="utf-8"?>
+<dgm:colorsDef xmlns:dgm="http://schemas.openxmlformats.org/drawingml/2006/diagram" xmlns:a="http://schemas.openxmlformats.org/drawingml/2006/main" uniqueId="urn:microsoft.com/office/officeart/2005/8/colors/accent1_2">
+  <dgm:title val=""/>
+  <dgm:desc val=""/>
+  <dgm:catLst>
+    <dgm:cat type="accent1" pri="11200"/>
+  </dgm:catLst>
+  <dgm:styleLbl name="node0">
+    <dgm:fillClrLst meth="repeat">
+      <a:schemeClr val="accent1"/>
+    </dgm:fillClrLst>
+    <dgm:linClrLst meth="repeat">
+      <a:schemeClr val="lt1"/>
+    </dgm:linClrLst>
+    <dgm:effectClrLst/>
+    <dgm:txLinClrLst/>
+    <dgm:txFillClrLst/>
+    <dgm:txEffectClrLst/>
+  </dgm:styleLbl>
+  <dgm:styleLbl name="alignNode1">
+    <dgm:fillClrLst meth="repeat">
+      <a:schemeClr val="accent1"/>
+    </dgm:fillClrLst>
+    <dgm:linClrLst meth="repeat">
+      <a:schemeClr val="accent1"/>
+    </dgm:linClrLst>
+    <dgm:effectClrLst/>
+    <dgm:txLinClrLst/>
+    <dgm:txFillClrLst/>
+    <dgm:txEffectClrLst/>
+  </dgm:styleLbl>
+  <dgm:styleLbl name="node1">
+    <dgm:fillClrLst meth="repeat">
+      <a:schemeClr val="accent1"/>
+    </dgm:fillClrLst>
+    <dgm:linClrLst meth="repeat">
+      <a:schemeClr val="lt1"/>
+    </dgm:linClrLst>
+    <dgm:effectClrLst/>
+    <dgm:txLinClrLst/>
+    <dgm:txFillClrLst/>
+    <dgm:txEffectClrLst/>
+  </dgm:styleLbl>
+  <dgm:styleLbl name="lnNode1">
+    <dgm:fillClrLst meth="repeat">
+      <a:schemeClr val="accent1"/>
+    </dgm:fillClrLst>
+    <dgm:linClrLst meth="repeat">
+      <a:schemeClr val="lt1"/>
+    </dgm:linClrLst>
+    <dgm:effectClrLst/>
+    <dgm:txLinClrLst/>
+    <dgm:txFillClrLst/>
+    <dgm:txEffectClrLst/>
+  </dgm:styleLbl>
+  <dgm:styleLbl name="vennNode1">
+    <dgm:fillClrLst meth="repeat">
+      <a:schemeClr val="accent1">
+        <a:alpha val="50000"/>
+      </a:schemeClr>
+    </dgm:fillClrLst>
+    <dgm:linClrLst meth="repeat">
+      <a:schemeClr val="lt1"/>
+    </dgm:linClrLst>
+    <dgm:effectClrLst/>
+    <dgm:txLinClrLst/>
+    <dgm:txFillClrLst/>
+    <dgm:txEffectClrLst/>
+  </dgm:styleLbl>
+  <dgm:styleLbl name="node2">
+    <dgm:fillClrLst meth="repeat">
+      <a:schemeClr val="accent1"/>
+    </dgm:fillClrLst>
+    <dgm:linClrLst meth="repeat">
+      <a:schemeClr val="lt1"/>
+    </dgm:linClrLst>
+    <dgm:effectClrLst/>
+    <dgm:txLinClrLst/>
+    <dgm:txFillClrLst/>
+    <dgm:txEffectClrLst/>
+  </dgm:styleLbl>
+  <dgm:styleLbl name="node3">
+    <dgm:fillClrLst meth="repeat">
+      <a:schemeClr val="accent1"/>
+    </dgm:fillClrLst>
+    <dgm:linClrLst meth="repeat">
+      <a:schemeClr val="lt1"/>
+    </dgm:linClrLst>
+    <dgm:effectClrLst/>
+    <dgm:txLinClrLst/>
+    <dgm:txFillClrLst/>
+    <dgm:txEffectClrLst/>
+  </dgm:styleLbl>
+  <dgm:styleLbl name="node4">
+    <dgm:fillClrLst meth="repeat">
+      <a:schemeClr val="accent1"/>
+    </dgm:fillClrLst>
+    <dgm:linClrLst meth="repeat">
+      <a:schemeClr val="lt1"/>
+    </dgm:linClrLst>
+    <dgm:effectClrLst/>
+    <dgm:txLinClrLst/>
+    <dgm:txFillClrLst/>
+    <dgm:txEffectClrLst/>
+  </dgm:styleLbl>
+  <dgm:styleLbl name="fgImgPlace1">
+    <dgm:fillClrLst meth="repeat">
+      <a:schemeClr val="accent1">
+        <a:tint val="50000"/>
+      </a:schemeClr>
+    </dgm:fillClrLst>
+    <dgm:linClrLst meth="repeat">
+      <a:schemeClr val="lt1"/>
+    </dgm:linClrLst>
+    <dgm:effectClrLst/>
+    <dgm:txLinClrLst/>
+    <dgm:txFillClrLst meth="repeat">
+      <a:schemeClr val="lt1"/>
+    </dgm:txFillClrLst>
+    <dgm:txEffectClrLst/>
+  </dgm:styleLbl>
+  <dgm:styleLbl name="alignImgPlace1">
+    <dgm:fillClrLst meth="repeat">
+      <a:schemeClr val="accent1">
+        <a:tint val="50000"/>
+      </a:schemeClr>
+    </dgm:fillClrLst>
+    <dgm:linClrLst meth="repeat">
+      <a:schemeClr val="lt1"/>
+    </dgm:linClrLst>
+    <dgm:effectClrLst/>
+    <dgm:txLinClrLst/>
+    <dgm:txFillClrLst meth="repeat">
+      <a:schemeClr val="lt1"/>
+    </dgm:txFillClrLst>
+    <dgm:txEffectClrLst/>
+  </dgm:styleLbl>
+  <dgm:styleLbl name="bgImgPlace1">
+    <dgm:fillClrLst meth="repeat">
+      <a:schemeClr val="accent1">
+        <a:tint val="50000"/>
+      </a:schemeClr>
+    </dgm:fillClrLst>
+    <dgm:linClrLst meth="repeat">
+      <a:schemeClr val="lt1"/>
+    </dgm:linClrLst>
+    <dgm:effectClrLst/>
+    <dgm:txLinClrLst/>
+    <dgm:txFillClrLst meth="repeat">
+      <a:schemeClr val="lt1"/>
+    </dgm:txFillClrLst>
+    <dgm:txEffectClrLst/>
+  </dgm:styleLbl>
+  <dgm:styleLbl name="sibTrans2D1">
+    <dgm:fillClrLst meth="repeat">
+      <a:schemeClr val="accent1">
+        <a:tint val="60000"/>
+      </a:schemeClr>
+    </dgm:fillClrLst>
+    <dgm:linClrLst meth="repeat">
+      <a:schemeClr val="accent1">
+        <a:tint val="60000"/>
+      </a:schemeClr>
+    </dgm:linClrLst>
+    <dgm:effectClrLst/>
+    <dgm:txLinClrLst/>
+    <dgm:txFillClrLst/>
+    <dgm:txEffectClrLst/>
+  </dgm:styleLbl>
+  <dgm:styleLbl name="fgSibTrans2D1">
+    <dgm:fillClrLst meth="repeat">
+      <a:schemeClr val="accent1">
+        <a:tint val="60000"/>
+      </a:schemeClr>
+    </dgm:fillClrLst>
+    <dgm:linClrLst meth="repeat">
+      <a:schemeClr val="accent1">
+        <a:tint val="60000"/>
+      </a:schemeClr>
+    </dgm:linClrLst>
+    <dgm:effectClrLst/>
+    <dgm:txLinClrLst/>
+    <dgm:txFillClrLst/>
+    <dgm:txEffectClrLst/>
+  </dgm:styleLbl>
+  <dgm:styleLbl name="bgSibTrans2D1">
+    <dgm:fillClrLst meth="repeat">
+      <a:schemeClr val="accent1">
+        <a:tint val="60000"/>
+      </a:schemeClr>
+    </dgm:fillClrLst>
+    <dgm:linClrLst meth="repeat">
+      <a:schemeClr val="accent1">
+        <a:tint val="60000"/>
+      </a:schemeClr>
+    </dgm:linClrLst>
+    <dgm:effectClrLst/>
+    <dgm:txLinClrLst/>
+    <dgm:txFillClrLst/>
+    <dgm:txEffectClrLst/>
+  </dgm:styleLbl>
+  <dgm:styleLbl name="sibTrans1D1">
+    <dgm:fillClrLst meth="repeat">
+      <a:schemeClr val="accent1"/>
+    </dgm:fillClrLst>
+    <dgm:linClrLst meth="repeat">
+      <a:schemeClr val="accent1"/>
+    </dgm:linClrLst>
+    <dgm:effectClrLst/>
+    <dgm:txLinClrLst/>
+    <dgm:txFillClrLst meth="repeat">
+      <a:schemeClr val="tx1"/>
+    </dgm:txFillClrLst>
+    <dgm:txEffectClrLst/>
+  </dgm:styleLbl>
+  <dgm:styleLbl name="callout">
+    <dgm:fillClrLst meth="repeat">
+      <a:schemeClr val="accent1"/>
+    </dgm:fillClrLst>
+    <dgm:linClrLst meth="repeat">
+      <a:schemeClr val="accent1">
+        <a:tint val="50000"/>
+      </a:schemeClr>
+    </dgm:linClrLst>
+    <dgm:effectClrLst/>
+    <dgm:txLinClrLst/>
+    <dgm:txFillClrLst meth="repeat">
+      <a:schemeClr val="tx1"/>
+    </dgm:txFillClrLst>
+    <dgm:txEffectClrLst/>
+  </dgm:styleLbl>
+  <dgm:styleLbl name="asst0">
+    <dgm:fillClrLst meth="repeat">
+      <a:schemeClr val="accent1"/>
+    </dgm:fillClrLst>
+    <dgm:linClrLst meth="repeat">
+      <a:schemeClr val="lt1"/>
+    </dgm:linClrLst>
+    <dgm:effectClrLst/>
+    <dgm:txLinClrLst/>
+    <dgm:txFillClrLst/>
+    <dgm:txEffectClrLst/>
+  </dgm:styleLbl>
+  <dgm:styleLbl name="asst1">
+    <dgm:fillClrLst meth="repeat">
+      <a:schemeClr val="accent1"/>
+    </dgm:fillClrLst>
+    <dgm:linClrLst meth="repeat">
+      <a:schemeClr val="lt1"/>
+    </dgm:linClrLst>
+    <dgm:effectClrLst/>
+    <dgm:txLinClrLst/>
+    <dgm:txFillClrLst/>
+    <dgm:txEffectClrLst/>
+  </dgm:styleLbl>
+  <dgm:styleLbl name="asst2">
+    <dgm:fillClrLst meth="repeat">
+      <a:schemeClr val="accent1"/>
+    </dgm:fillClrLst>
+    <dgm:linClrLst meth="repeat">
+      <a:schemeClr val="lt1"/>
+    </dgm:linClrLst>
+    <dgm:effectClrLst/>
+    <dgm:txLinClrLst/>
+    <dgm:txFillClrLst/>
+    <dgm:txEffectClrLst/>
+  </dgm:styleLbl>
+  <dgm:styleLbl name="asst3">
+    <dgm:fillClrLst meth="repeat">
+      <a:schemeClr val="accent1"/>
+    </dgm:fillClrLst>
+    <dgm:linClrLst meth="repeat">
+      <a:schemeClr val="lt1"/>
+    </dgm:linClrLst>
+    <dgm:effectClrLst/>
+    <dgm:txLinClrLst/>
+    <dgm:txFillClrLst/>
+    <dgm:txEffectClrLst/>
+  </dgm:styleLbl>
+  <dgm:styleLbl name="asst4">
+    <dgm:fillClrLst meth="repeat">
+      <a:schemeClr val="accent1"/>
+    </dgm:fillClrLst>
+    <dgm:linClrLst meth="repeat">
+      <a:schemeClr val="lt1"/>
+    </dgm:linClrLst>
+    <dgm:effectClrLst/>
+    <dgm:txLinClrLst/>
+    <dgm:txFillClrLst/>
+    <dgm:txEffectClrLst/>
+  </dgm:styleLbl>
+  <dgm:styleLbl name="parChTrans2D1">
+    <dgm:fillClrLst meth="repeat">
+      <a:schemeClr val="accent1">
+        <a:tint val="60000"/>
+      </a:schemeClr>
+    </dgm:fillClrLst>
+    <dgm:linClrLst meth="repeat">
+      <a:schemeClr val="accent1">
+        <a:tint val="60000"/>
+      </a:schemeClr>
+    </dgm:linClrLst>
+    <dgm:effectClrLst/>
+    <dgm:txLinClrLst/>
+    <dgm:txFillClrLst meth="repeat">
+      <a:schemeClr val="lt1"/>
+    </dgm:txFillClrLst>
+    <dgm:txEffectClrLst/>
+  </dgm:styleLbl>
+  <dgm:styleLbl name="parChTrans2D2">
+    <dgm:fillClrLst meth="repeat">
+      <a:schemeClr val="accent1"/>
+    </dgm:fillClrLst>
+    <dgm:linClrLst meth="repeat">
+      <a:schemeClr val="accent1"/>
+    </dgm:linClrLst>
+    <dgm:effectClrLst/>
+    <dgm:txLinClrLst/>
+    <dgm:txFillClrLst meth="repeat">
+      <a:schemeClr val="lt1"/>
+    </dgm:txFillClrLst>
+    <dgm:txEffectClrLst/>
+  </dgm:styleLbl>
+  <dgm:styleLbl name="parChTrans2D3">
+    <dgm:fillClrLst meth="repeat">
+      <a:schemeClr val="accent1"/>
+    </dgm:fillClrLst>
+    <dgm:linClrLst meth="repeat">
+      <a:schemeClr val="accent1"/>
+    </dgm:linClrLst>
+    <dgm:effectClrLst/>
+    <dgm:txLinClrLst/>
+    <dgm:txFillClrLst meth="repeat">
+      <a:schemeClr val="lt1"/>
+    </dgm:txFillClrLst>
+    <dgm:txEffectClrLst/>
+  </dgm:styleLbl>
+  <dgm:styleLbl name="parChTrans2D4">
+    <dgm:fillClrLst meth="repeat">
+      <a:schemeClr val="accent1"/>
+    </dgm:fillClrLst>
+    <dgm:linClrLst meth="repeat">
+      <a:schemeClr val="accent1"/>
+    </dgm:linClrLst>
+    <dgm:effectClrLst/>
+    <dgm:txLinClrLst/>
+    <dgm:txFillClrLst meth="repeat">
+      <a:schemeClr val="lt1"/>
+    </dgm:txFillClrLst>
+    <dgm:txEffectClrLst/>
+  </dgm:styleLbl>
+  <dgm:styleLbl name="parChTrans1D1">
+    <dgm:fillClrLst meth="repeat">
+      <a:schemeClr val="accent1"/>
+    </dgm:fillClrLst>
+    <dgm:linClrLst meth="repeat">
+      <a:schemeClr val="accent1">
+        <a:shade val="60000"/>
+      </a:schemeClr>
+    </dgm:linClrLst>
+    <dgm:effectClrLst/>
+    <dgm:txLinClrLst/>
+    <dgm:txFillClrLst meth="repeat">
+      <a:schemeClr val="tx1"/>
+    </dgm:txFillClrLst>
+    <dgm:txEffectClrLst/>
+  </dgm:styleLbl>
+  <dgm:styleLbl name="parChTrans1D2">
+    <dgm:fillClrLst meth="repeat">
+      <a:schemeClr val="accent1"/>
+    </dgm:fillClrLst>
+    <dgm:linClrLst meth="repeat">
+      <a:schemeClr val="accent1">
+        <a:shade val="60000"/>
+      </a:schemeClr>
+    </dgm:linClrLst>
+    <dgm:effectClrLst/>
+    <dgm:txLinClrLst/>
+    <dgm:txFillClrLst meth="repeat">
+      <a:schemeClr val="tx1"/>
+    </dgm:txFillClrLst>
+    <dgm:txEffectClrLst/>
+  </dgm:styleLbl>
+  <dgm:styleLbl name="parChTrans1D3">
+    <dgm:fillClrLst meth="repeat">
+      <a:schemeClr val="accent1"/>
+    </dgm:fillClrLst>
+    <dgm:linClrLst meth="repeat">
+      <a:schemeClr val="accent1">
+        <a:shade val="80000"/>
+      </a:schemeClr>
+    </dgm:linClrLst>
+    <dgm:effectClrLst/>
+    <dgm:txLinClrLst/>
+    <dgm:txFillClrLst meth="repeat">
+      <a:schemeClr val="tx1"/>
+    </dgm:txFillClrLst>
+    <dgm:txEffectClrLst/>
+  </dgm:styleLbl>
+  <dgm:styleLbl name="parChTrans1D4">
+    <dgm:fillClrLst meth="repeat">
+      <a:schemeClr val="accent1"/>
+    </dgm:fillClrLst>
+    <dgm:linClrLst meth="repeat">
+      <a:schemeClr val="accent1">
+        <a:shade val="80000"/>
+      </a:schemeClr>
+    </dgm:linClrLst>
+    <dgm:effectClrLst/>
+    <dgm:txLinClrLst/>
+    <dgm:txFillClrLst meth="repeat">
+      <a:schemeClr val="tx1"/>
+    </dgm:txFillClrLst>
+    <dgm:txEffectClrLst/>
+  </dgm:styleLbl>
+  <dgm:styleLbl name="fgAcc1">
+    <dgm:fillClrLst meth="repeat">
+      <a:schemeClr val="lt1">
+        <a:alpha val="90000"/>
+      </a:schemeClr>
+    </dgm:fillClrLst>
+    <dgm:linClrLst meth="repeat">
+      <a:schemeClr val="accent1"/>
+    </dgm:linClrLst>
+    <dgm:effectClrLst/>
+    <dgm:txLinClrLst/>
+    <dgm:txFillClrLst meth="repeat">
+      <a:schemeClr val="dk1"/>
+    </dgm:txFillClrLst>
+    <dgm:txEffectClrLst/>
+  </dgm:styleLbl>
+  <dgm:styleLbl name="conFgAcc1">
+    <dgm:fillClrLst meth="repeat">
+      <a:schemeClr val="lt1">
+        <a:alpha val="90000"/>
+      </a:schemeClr>
+    </dgm:fillClrLst>
+    <dgm:linClrLst meth="repeat">
+      <a:schemeClr val="accent1"/>
+    </dgm:linClrLst>
+    <dgm:effectClrLst/>
+    <dgm:txLinClrLst/>
+    <dgm:txFillClrLst meth="repeat">
+      <a:schemeClr val="dk1"/>
+    </dgm:txFillClrLst>
+    <dgm:txEffectClrLst/>
+  </dgm:styleLbl>
+  <dgm:styleLbl name="alignAcc1">
+    <dgm:fillClrLst meth="repeat">
+      <a:schemeClr val="lt1">
+        <a:alpha val="90000"/>
+      </a:schemeClr>
+    </dgm:fillClrLst>
+    <dgm:linClrLst meth="repeat">
+      <a:schemeClr val="accent1"/>
+    </dgm:linClrLst>
+    <dgm:effectClrLst/>
+    <dgm:txLinClrLst/>
+    <dgm:txFillClrLst meth="repeat">
+      <a:schemeClr val="dk1"/>
+    </dgm:txFillClrLst>
+    <dgm:txEffectClrLst/>
+  </dgm:styleLbl>
+  <dgm:styleLbl name="trAlignAcc1">
+    <dgm:fillClrLst meth="repeat">
+      <a:schemeClr val="lt1">
+        <a:alpha val="40000"/>
+      </a:schemeClr>
+    </dgm:fillClrLst>
+    <dgm:linClrLst meth="repeat">
+      <a:schemeClr val="accent1"/>
+    </dgm:linClrLst>
+    <dgm:effectClrLst/>
+    <dgm:txLinClrLst/>
+    <dgm:txFillClrLst meth="repeat">
+      <a:schemeClr val="dk1"/>
+    </dgm:txFillClrLst>
+    <dgm:txEffectClrLst/>
+  </dgm:styleLbl>
+  <dgm:styleLbl name="bgAcc1">
+    <dgm:fillClrLst meth="repeat">
+      <a:schemeClr val="lt1">
+        <a:alpha val="90000"/>
+      </a:schemeClr>
+    </dgm:fillClrLst>
+    <dgm:linClrLst meth="repeat">
+      <a:schemeClr val="accent1"/>
+    </dgm:linClrLst>
+    <dgm:effectClrLst/>
+    <dgm:txLinClrLst/>
+    <dgm:txFillClrLst meth="repeat">
+      <a:schemeClr val="dk1"/>
+    </dgm:txFillClrLst>
+    <dgm:txEffectClrLst/>
+  </dgm:styleLbl>
+  <dgm:styleLbl name="solidFgAcc1">
+    <dgm:fillClrLst meth="repeat">
+      <a:schemeClr val="lt1"/>
+    </dgm:fillClrLst>
+    <dgm:linClrLst meth="repeat">
+      <a:schemeClr val="accent1"/>
+    </dgm:linClrLst>
+    <dgm:effectClrLst/>
+    <dgm:txLinClrLst/>
+    <dgm:txFillClrLst meth="repeat">
+      <a:schemeClr val="dk1"/>
+    </dgm:txFillClrLst>
+    <dgm:txEffectClrLst/>
+  </dgm:styleLbl>
+  <dgm:styleLbl name="solidAlignAcc1">
+    <dgm:fillClrLst meth="repeat">
+      <a:schemeClr val="lt1"/>
+    </dgm:fillClrLst>
+    <dgm:linClrLst meth="repeat">
+      <a:schemeClr val="accent1"/>
+    </dgm:linClrLst>
+    <dgm:effectClrLst/>
+    <dgm:txLinClrLst/>
+    <dgm:txFillClrLst meth="repeat">
+      <a:schemeClr val="dk1"/>
+    </dgm:txFillClrLst>
+    <dgm:txEffectClrLst/>
+  </dgm:styleLbl>
+  <dgm:styleLbl name="solidBgAcc1">
+    <dgm:fillClrLst meth="repeat">
+      <a:schemeClr val="lt1"/>
+    </dgm:fillClrLst>
+    <dgm:linClrLst meth="repeat">
+      <a:schemeClr val="accent1"/>
+    </dgm:linClrLst>
+    <dgm:effectClrLst/>
+    <dgm:txLinClrLst/>
+    <dgm:txFillClrLst meth="repeat">
+      <a:schemeClr val="dk1"/>
+    </dgm:txFillClrLst>
+    <dgm:txEffectClrLst/>
+  </dgm:styleLbl>
+  <dgm:styleLbl name="fgAccFollowNode1">
+    <dgm:fillClrLst meth="repeat">
+      <a:schemeClr val="accent1">
+        <a:alpha val="90000"/>
+        <a:tint val="40000"/>
+      </a:schemeClr>
+    </dgm:fillClrLst>
+    <dgm:linClrLst meth="repeat">
+      <a:schemeClr val="accent1">
+        <a:alpha val="90000"/>
+        <a:tint val="40000"/>
+      </a:schemeClr>
+    </dgm:linClrLst>
+    <dgm:effectClrLst/>
+    <dgm:txLinClrLst/>
+    <dgm:txFillClrLst meth="repeat">
+      <a:schemeClr val="dk1"/>
+    </dgm:txFillClrLst>
+    <dgm:txEffectClrLst/>
+  </dgm:styleLbl>
+  <dgm:styleLbl name="alignAccFollowNode1">
+    <dgm:fillClrLst meth="repeat">
+      <a:schemeClr val="accent1">
+        <a:alpha val="90000"/>
+        <a:tint val="40000"/>
+      </a:schemeClr>
+    </dgm:fillClrLst>
+    <dgm:linClrLst meth="repeat">
+      <a:schemeClr val="accent1">
+        <a:alpha val="90000"/>
+        <a:tint val="40000"/>
+      </a:schemeClr>
+    </dgm:linClrLst>
+    <dgm:effectClrLst/>
+    <dgm:txLinClrLst/>
+    <dgm:txFillClrLst meth="repeat">
+      <a:schemeClr val="dk1"/>
+    </dgm:txFillClrLst>
+    <dgm:txEffectClrLst/>
+  </dgm:styleLbl>
+  <dgm:styleLbl name="bgAccFollowNode1">
+    <dgm:fillClrLst meth="repeat">
+      <a:schemeClr val="accent1">
+        <a:alpha val="90000"/>
+        <a:tint val="40000"/>
+      </a:schemeClr>
+    </dgm:fillClrLst>
+    <dgm:linClrLst meth="repeat">
+      <a:schemeClr val="accent1">
+        <a:alpha val="90000"/>
+        <a:tint val="40000"/>
+      </a:schemeClr>
+    </dgm:linClrLst>
+    <dgm:effectClrLst/>
+    <dgm:txLinClrLst/>
+    <dgm:txFillClrLst meth="repeat">
+      <a:schemeClr val="dk1"/>
+    </dgm:txFillClrLst>
+    <dgm:txEffectClrLst/>
+  </dgm:styleLbl>
+  <dgm:styleLbl name="fgAcc0">
+    <dgm:fillClrLst meth="repeat">
+      <a:schemeClr val="lt1">
+        <a:alpha val="90000"/>
+      </a:schemeClr>
+    </dgm:fillClrLst>
+    <dgm:linClrLst meth="repeat">
+      <a:schemeClr val="accent1"/>
+    </dgm:linClrLst>
+    <dgm:effectClrLst/>
+    <dgm:txLinClrLst/>
+    <dgm:txFillClrLst meth="repeat">
+      <a:schemeClr val="dk1"/>
+    </dgm:txFillClrLst>
+    <dgm:txEffectClrLst/>
+  </dgm:styleLbl>
+  <dgm:styleLbl name="fgAcc2">
+    <dgm:fillClrLst meth="repeat">
+      <a:schemeClr val="lt1">
+        <a:alpha val="90000"/>
+      </a:schemeClr>
+    </dgm:fillClrLst>
+    <dgm:linClrLst meth="repeat">
+      <a:schemeClr val="accent1"/>
+    </dgm:linClrLst>
+    <dgm:effectClrLst/>
+    <dgm:txLinClrLst/>
+    <dgm:txFillClrLst meth="repeat">
+      <a:schemeClr val="dk1"/>
+    </dgm:txFillClrLst>
+    <dgm:txEffectClrLst/>
+  </dgm:styleLbl>
+  <dgm:styleLbl name="fgAcc3">
+    <dgm:fillClrLst meth="repeat">
+      <a:schemeClr val="lt1">
+        <a:alpha val="90000"/>
+      </a:schemeClr>
+    </dgm:fillClrLst>
+    <dgm:linClrLst meth="repeat">
+      <a:schemeClr val="accent1"/>
+    </dgm:linClrLst>
+    <dgm:effectClrLst/>
+    <dgm:txLinClrLst/>
+    <dgm:txFillClrLst meth="repeat">
+      <a:schemeClr val="dk1"/>
+    </dgm:txFillClrLst>
+    <dgm:txEffectClrLst/>
+  </dgm:styleLbl>
+  <dgm:styleLbl name="fgAcc4">
+    <dgm:fillClrLst meth="repeat">
+      <a:schemeClr val="lt1">
+        <a:alpha val="90000"/>
+      </a:schemeClr>
+    </dgm:fillClrLst>
+    <dgm:linClrLst meth="repeat">
+      <a:schemeClr val="accent1"/>
+    </dgm:linClrLst>
+    <dgm:effectClrLst/>
+    <dgm:txLinClrLst/>
+    <dgm:txFillClrLst meth="repeat">
+      <a:schemeClr val="dk1"/>
+    </dgm:txFillClrLst>
+    <dgm:txEffectClrLst/>
+  </dgm:styleLbl>
+  <dgm:styleLbl name="bgShp">
+    <dgm:fillClrLst meth="repeat">
+      <a:schemeClr val="accent1">
+        <a:tint val="40000"/>
+      </a:schemeClr>
+    </dgm:fillClrLst>
+    <dgm:linClrLst meth="repeat">
+      <a:schemeClr val="accent1"/>
+    </dgm:linClrLst>
+    <dgm:effectClrLst/>
+    <dgm:txLinClrLst/>
+    <dgm:txFillClrLst meth="repeat">
+      <a:schemeClr val="dk1"/>
+    </dgm:txFillClrLst>
+    <dgm:txEffectClrLst/>
+  </dgm:styleLbl>
+  <dgm:styleLbl name="dkBgShp">
+    <dgm:fillClrLst meth="repeat">
+      <a:schemeClr val="accent1">
+        <a:shade val="80000"/>
+      </a:schemeClr>
+    </dgm:fillClrLst>
+    <dgm:linClrLst meth="repeat">
+      <a:schemeClr val="accent1"/>
+    </dgm:linClrLst>
+    <dgm:effectClrLst/>
+    <dgm:txLinClrLst/>
+    <dgm:txFillClrLst meth="repeat">
+      <a:schemeClr val="lt1"/>
+    </dgm:txFillClrLst>
+    <dgm:txEffectClrLst/>
+  </dgm:styleLbl>
+  <dgm:styleLbl name="trBgShp">
+    <dgm:fillClrLst meth="repeat">
+      <a:schemeClr val="accent1">
+        <a:tint val="50000"/>
+        <a:alpha val="40000"/>
+      </a:schemeClr>
+    </dgm:fillClrLst>
+    <dgm:linClrLst meth="repeat">
+      <a:schemeClr val="accent1"/>
+    </dgm:linClrLst>
+    <dgm:effectClrLst/>
+    <dgm:txLinClrLst/>
+    <dgm:txFillClrLst meth="repeat">
+      <a:schemeClr val="lt1"/>
+    </dgm:txFillClrLst>
+    <dgm:txEffectClrLst/>
+  </dgm:styleLbl>
+  <dgm:styleLbl name="fgShp">
+    <dgm:fillClrLst meth="repeat">
+      <a:schemeClr val="accent1">
+        <a:tint val="60000"/>
+      </a:schemeClr>
+    </dgm:fillClrLst>
+    <dgm:linClrLst meth="repeat">
+      <a:schemeClr val="lt1"/>
+    </dgm:linClrLst>
+    <dgm:effectClrLst/>
+    <dgm:txLinClrLst/>
+    <dgm:txFillClrLst meth="repeat">
+      <a:schemeClr val="dk1"/>
+    </dgm:txFillClrLst>
+    <dgm:txEffectClrLst/>
+  </dgm:styleLbl>
+  <dgm:styleLbl name="revTx">
+    <dgm:fillClrLst meth="repeat">
+      <a:schemeClr val="lt1">
+        <a:alpha val="0"/>
+      </a:schemeClr>
+    </dgm:fillClrLst>
+    <dgm:linClrLst meth="repeat">
+      <a:schemeClr val="dk1">
+        <a:alpha val="0"/>
+      </a:schemeClr>
+    </dgm:linClrLst>
+    <dgm:effectClrLst/>
+    <dgm:txLinClrLst/>
+    <dgm:txFillClrLst meth="repeat">
+      <a:schemeClr val="tx1"/>
+    </dgm:txFillClrLst>
+    <dgm:txEffectClrLst/>
+  </dgm:styleLbl>
+</dgm:colorsDef>
+</file>
+
+<file path=ppt/diagrams/colors15.xml><?xml version="1.0" encoding="utf-8"?>
 <dgm:colorsDef xmlns:dgm="http://schemas.openxmlformats.org/drawingml/2006/diagram" xmlns:a="http://schemas.openxmlformats.org/drawingml/2006/main" uniqueId="urn:microsoft.com/office/officeart/2005/8/colors/accent1_2">
   <dgm:title val=""/>
   <dgm:desc val=""/>
@@ -10950,6 +11701,253 @@
 </file>
 
 <file path=ppt/diagrams/data10.xml><?xml version="1.0" encoding="utf-8"?>
+<dgm:dataModel xmlns:dgm="http://schemas.openxmlformats.org/drawingml/2006/diagram" xmlns:a="http://schemas.openxmlformats.org/drawingml/2006/main">
+  <dgm:ptLst>
+    <dgm:pt modelId="{6EC4E029-039E-4982-AA22-23E97750D620}" type="doc">
+      <dgm:prSet loTypeId="urn:microsoft.com/office/officeart/2005/8/layout/vList2" loCatId="list" qsTypeId="urn:microsoft.com/office/officeart/2005/8/quickstyle/simple1" qsCatId="simple" csTypeId="urn:microsoft.com/office/officeart/2005/8/colors/accent1_2" csCatId="accent1" phldr="1"/>
+      <dgm:spPr/>
+      <dgm:t>
+        <a:bodyPr/>
+        <a:lstStyle/>
+        <a:p>
+          <a:endParaRPr lang="zh-CN" altLang="en-US"/>
+        </a:p>
+      </dgm:t>
+    </dgm:pt>
+    <dgm:pt modelId="{3D8CC648-9E66-4DE2-B1D1-AB1B9A436307}">
+      <dgm:prSet/>
+      <dgm:spPr/>
+      <dgm:t>
+        <a:bodyPr/>
+        <a:lstStyle/>
+        <a:p>
+          <a:r>
+            <a:rPr lang="zh-CN" dirty="0"/>
+            <a:t>当 </a:t>
+          </a:r>
+          <a:r>
+            <a:rPr lang="en-US" dirty="0"/>
+            <a:t>Pod </a:t>
+          </a:r>
+          <a:r>
+            <a:rPr lang="zh-CN" dirty="0"/>
+            <a:t>被创建之后，就会进入健康检查状态，当 </a:t>
+          </a:r>
+          <a:r>
+            <a:rPr lang="en-US" dirty="0"/>
+            <a:t>Kubernetes </a:t>
+          </a:r>
+          <a:r>
+            <a:rPr lang="zh-CN" dirty="0"/>
+            <a:t>确定当前 </a:t>
+          </a:r>
+          <a:r>
+            <a:rPr lang="en-US" dirty="0"/>
+            <a:t>Pod </a:t>
+          </a:r>
+          <a:r>
+            <a:rPr lang="zh-CN" dirty="0"/>
+            <a:t>已经能够接受外部的请求时，才会将流量打到新的 </a:t>
+          </a:r>
+          <a:r>
+            <a:rPr lang="en-US" dirty="0"/>
+            <a:t>Pod </a:t>
+          </a:r>
+          <a:r>
+            <a:rPr lang="zh-CN" dirty="0"/>
+            <a:t>上并继续对外提供服务，在这期间如果发生了错误就可能会触发重启机制，在 </a:t>
+          </a:r>
+          <a:r>
+            <a:rPr lang="en-US" dirty="0"/>
+            <a:t>Pod </a:t>
+          </a:r>
+          <a:r>
+            <a:rPr lang="zh-CN" dirty="0"/>
+            <a:t>被删除之前都会触发一个 </a:t>
+          </a:r>
+          <a:r>
+            <a:rPr lang="en-US" dirty="0" err="1"/>
+            <a:t>PreStop</a:t>
+          </a:r>
+          <a:r>
+            <a:rPr lang="en-US" dirty="0"/>
+            <a:t> </a:t>
+          </a:r>
+          <a:r>
+            <a:rPr lang="zh-CN" dirty="0"/>
+            <a:t>的钩子，其中的方法完成之后 </a:t>
+          </a:r>
+          <a:r>
+            <a:rPr lang="en-US" dirty="0"/>
+            <a:t>Pod </a:t>
+          </a:r>
+          <a:r>
+            <a:rPr lang="zh-CN" dirty="0"/>
+            <a:t>才会被删除，接下来我们就会按照这里的顺序依次介绍 </a:t>
+          </a:r>
+          <a:r>
+            <a:rPr lang="en-US" dirty="0"/>
+            <a:t>Pod 『</a:t>
+          </a:r>
+          <a:r>
+            <a:rPr lang="zh-CN" dirty="0"/>
+            <a:t>从生到死</a:t>
+          </a:r>
+          <a:r>
+            <a:rPr lang="en-US" dirty="0"/>
+            <a:t>』</a:t>
+          </a:r>
+          <a:r>
+            <a:rPr lang="zh-CN" dirty="0"/>
+            <a:t>的过程。</a:t>
+          </a:r>
+        </a:p>
+      </dgm:t>
+    </dgm:pt>
+    <dgm:pt modelId="{A443C5D5-6DEA-4875-847B-E5F074DF1EC9}" type="parTrans" cxnId="{35F67286-17A6-4F95-897D-B84372F03A76}">
+      <dgm:prSet/>
+      <dgm:spPr/>
+      <dgm:t>
+        <a:bodyPr/>
+        <a:lstStyle/>
+        <a:p>
+          <a:endParaRPr lang="zh-CN" altLang="en-US"/>
+        </a:p>
+      </dgm:t>
+    </dgm:pt>
+    <dgm:pt modelId="{C50A6D71-F060-44F9-AB99-8900D570C24B}" type="sibTrans" cxnId="{35F67286-17A6-4F95-897D-B84372F03A76}">
+      <dgm:prSet/>
+      <dgm:spPr/>
+      <dgm:t>
+        <a:bodyPr/>
+        <a:lstStyle/>
+        <a:p>
+          <a:endParaRPr lang="zh-CN" altLang="en-US"/>
+        </a:p>
+      </dgm:t>
+    </dgm:pt>
+    <dgm:pt modelId="{3E142A25-BE83-49D1-AC1D-EFE1674F94A2}">
+      <dgm:prSet/>
+      <dgm:spPr/>
+      <dgm:t>
+        <a:bodyPr/>
+        <a:lstStyle/>
+        <a:p>
+          <a:r>
+            <a:rPr lang="zh-CN" altLang="en-US" b="0" i="0" dirty="0"/>
+            <a:t>想要深入理解 </a:t>
+          </a:r>
+          <a:r>
+            <a:rPr lang="en-US" b="0" i="0" dirty="0"/>
+            <a:t>Pod </a:t>
+          </a:r>
+          <a:r>
+            <a:rPr lang="zh-CN" altLang="en-US" b="0" i="0" dirty="0"/>
+            <a:t>的实现原理，最好最快的办法就是从 </a:t>
+          </a:r>
+          <a:r>
+            <a:rPr lang="en-US" b="0" i="0" dirty="0"/>
+            <a:t>Pod </a:t>
+          </a:r>
+          <a:r>
+            <a:rPr lang="zh-CN" altLang="en-US" b="0" i="0" dirty="0"/>
+            <a:t>的生命周期入手，通过理解 </a:t>
+          </a:r>
+          <a:r>
+            <a:rPr lang="en-US" b="0" i="0" dirty="0"/>
+            <a:t>Pod </a:t>
+          </a:r>
+          <a:r>
+            <a:rPr lang="zh-CN" altLang="en-US" b="0" i="0" dirty="0"/>
+            <a:t>创建、重启和删除的原理我们最终就能够系统地掌握 </a:t>
+          </a:r>
+          <a:r>
+            <a:rPr lang="en-US" b="0" i="0" dirty="0"/>
+            <a:t>Pod </a:t>
+          </a:r>
+          <a:r>
+            <a:rPr lang="zh-CN" altLang="en-US" b="0" i="0" dirty="0"/>
+            <a:t>的生命周期与核心原理。</a:t>
+          </a:r>
+          <a:endParaRPr lang="zh-CN" altLang="en-US" dirty="0"/>
+        </a:p>
+      </dgm:t>
+    </dgm:pt>
+    <dgm:pt modelId="{D0FFD66F-1131-41FC-8422-DB5A1150D79C}" type="parTrans" cxnId="{9C0D8899-6B16-4CF8-B3E4-CD7D3A3E8B0D}">
+      <dgm:prSet/>
+      <dgm:spPr/>
+      <dgm:t>
+        <a:bodyPr/>
+        <a:lstStyle/>
+        <a:p>
+          <a:endParaRPr lang="zh-CN" altLang="en-US"/>
+        </a:p>
+      </dgm:t>
+    </dgm:pt>
+    <dgm:pt modelId="{C9808E1E-84AD-4FA7-9B31-D3DABCA3993E}" type="sibTrans" cxnId="{9C0D8899-6B16-4CF8-B3E4-CD7D3A3E8B0D}">
+      <dgm:prSet/>
+      <dgm:spPr/>
+      <dgm:t>
+        <a:bodyPr/>
+        <a:lstStyle/>
+        <a:p>
+          <a:endParaRPr lang="zh-CN" altLang="en-US"/>
+        </a:p>
+      </dgm:t>
+    </dgm:pt>
+    <dgm:pt modelId="{ACF5DBEC-A2C4-434F-BE1D-7C0555EECDB1}" type="pres">
+      <dgm:prSet presAssocID="{6EC4E029-039E-4982-AA22-23E97750D620}" presName="linear" presStyleCnt="0">
+        <dgm:presLayoutVars>
+          <dgm:animLvl val="lvl"/>
+          <dgm:resizeHandles val="exact"/>
+        </dgm:presLayoutVars>
+      </dgm:prSet>
+      <dgm:spPr/>
+    </dgm:pt>
+    <dgm:pt modelId="{7F7B99DC-F75D-4A7E-855B-5B05F3CDD4A5}" type="pres">
+      <dgm:prSet presAssocID="{3E142A25-BE83-49D1-AC1D-EFE1674F94A2}" presName="parentText" presStyleLbl="node1" presStyleIdx="0" presStyleCnt="2">
+        <dgm:presLayoutVars>
+          <dgm:chMax val="0"/>
+          <dgm:bulletEnabled val="1"/>
+        </dgm:presLayoutVars>
+      </dgm:prSet>
+      <dgm:spPr/>
+    </dgm:pt>
+    <dgm:pt modelId="{82998B98-A613-4CF7-9593-77395DE33809}" type="pres">
+      <dgm:prSet presAssocID="{C9808E1E-84AD-4FA7-9B31-D3DABCA3993E}" presName="spacer" presStyleCnt="0"/>
+      <dgm:spPr/>
+    </dgm:pt>
+    <dgm:pt modelId="{1BB3112F-B381-4F3D-AD42-CD51E5148602}" type="pres">
+      <dgm:prSet presAssocID="{3D8CC648-9E66-4DE2-B1D1-AB1B9A436307}" presName="parentText" presStyleLbl="node1" presStyleIdx="1" presStyleCnt="2">
+        <dgm:presLayoutVars>
+          <dgm:chMax val="0"/>
+          <dgm:bulletEnabled val="1"/>
+        </dgm:presLayoutVars>
+      </dgm:prSet>
+      <dgm:spPr/>
+    </dgm:pt>
+  </dgm:ptLst>
+  <dgm:cxnLst>
+    <dgm:cxn modelId="{B033A67B-6A47-44AA-8C81-087876D7F8B1}" type="presOf" srcId="{3D8CC648-9E66-4DE2-B1D1-AB1B9A436307}" destId="{1BB3112F-B381-4F3D-AD42-CD51E5148602}" srcOrd="0" destOrd="0" presId="urn:microsoft.com/office/officeart/2005/8/layout/vList2"/>
+    <dgm:cxn modelId="{35F67286-17A6-4F95-897D-B84372F03A76}" srcId="{6EC4E029-039E-4982-AA22-23E97750D620}" destId="{3D8CC648-9E66-4DE2-B1D1-AB1B9A436307}" srcOrd="1" destOrd="0" parTransId="{A443C5D5-6DEA-4875-847B-E5F074DF1EC9}" sibTransId="{C50A6D71-F060-44F9-AB99-8900D570C24B}"/>
+    <dgm:cxn modelId="{DA786997-F35B-4846-82A6-8E3953D3C652}" type="presOf" srcId="{6EC4E029-039E-4982-AA22-23E97750D620}" destId="{ACF5DBEC-A2C4-434F-BE1D-7C0555EECDB1}" srcOrd="0" destOrd="0" presId="urn:microsoft.com/office/officeart/2005/8/layout/vList2"/>
+    <dgm:cxn modelId="{9C0D8899-6B16-4CF8-B3E4-CD7D3A3E8B0D}" srcId="{6EC4E029-039E-4982-AA22-23E97750D620}" destId="{3E142A25-BE83-49D1-AC1D-EFE1674F94A2}" srcOrd="0" destOrd="0" parTransId="{D0FFD66F-1131-41FC-8422-DB5A1150D79C}" sibTransId="{C9808E1E-84AD-4FA7-9B31-D3DABCA3993E}"/>
+    <dgm:cxn modelId="{335D50F2-6983-4841-9E76-2E6DA7101704}" type="presOf" srcId="{3E142A25-BE83-49D1-AC1D-EFE1674F94A2}" destId="{7F7B99DC-F75D-4A7E-855B-5B05F3CDD4A5}" srcOrd="0" destOrd="0" presId="urn:microsoft.com/office/officeart/2005/8/layout/vList2"/>
+    <dgm:cxn modelId="{BD283389-206C-4A0F-AAB4-C42BEB70C326}" type="presParOf" srcId="{ACF5DBEC-A2C4-434F-BE1D-7C0555EECDB1}" destId="{7F7B99DC-F75D-4A7E-855B-5B05F3CDD4A5}" srcOrd="0" destOrd="0" presId="urn:microsoft.com/office/officeart/2005/8/layout/vList2"/>
+    <dgm:cxn modelId="{6C7509EF-1A66-429D-A2BB-93864FDC68E2}" type="presParOf" srcId="{ACF5DBEC-A2C4-434F-BE1D-7C0555EECDB1}" destId="{82998B98-A613-4CF7-9593-77395DE33809}" srcOrd="1" destOrd="0" presId="urn:microsoft.com/office/officeart/2005/8/layout/vList2"/>
+    <dgm:cxn modelId="{0705AAB0-6C28-4ECA-B6AB-E53B47790F03}" type="presParOf" srcId="{ACF5DBEC-A2C4-434F-BE1D-7C0555EECDB1}" destId="{1BB3112F-B381-4F3D-AD42-CD51E5148602}" srcOrd="2" destOrd="0" presId="urn:microsoft.com/office/officeart/2005/8/layout/vList2"/>
+  </dgm:cxnLst>
+  <dgm:bg/>
+  <dgm:whole/>
+  <dgm:extLst>
+    <a:ext uri="http://schemas.microsoft.com/office/drawing/2008/diagram">
+      <dsp:dataModelExt xmlns:dsp="http://schemas.microsoft.com/office/drawing/2008/diagram" relId="rId7" minVer="http://schemas.openxmlformats.org/drawingml/2006/diagram"/>
+    </a:ext>
+  </dgm:extLst>
+</dgm:dataModel>
+</file>
+
+<file path=ppt/diagrams/data11.xml><?xml version="1.0" encoding="utf-8"?>
 <dgm:dataModel xmlns:dgm="http://schemas.openxmlformats.org/drawingml/2006/diagram" xmlns:a="http://schemas.openxmlformats.org/drawingml/2006/main">
   <dgm:ptLst>
     <dgm:pt modelId="{0E0009B2-43D6-4EAB-987A-F3CE82F3A35A}" type="doc">
@@ -11275,7 +12273,7 @@
 </dgm:dataModel>
 </file>
 
-<file path=ppt/diagrams/data11.xml><?xml version="1.0" encoding="utf-8"?>
+<file path=ppt/diagrams/data12.xml><?xml version="1.0" encoding="utf-8"?>
 <dgm:dataModel xmlns:dgm="http://schemas.openxmlformats.org/drawingml/2006/diagram" xmlns:a="http://schemas.openxmlformats.org/drawingml/2006/main">
   <dgm:ptLst>
     <dgm:pt modelId="{18F1B22C-A4D4-4241-8103-385A4AF7B970}" type="doc">
@@ -11455,7 +12453,7 @@
 </dgm:dataModel>
 </file>
 
-<file path=ppt/diagrams/data12.xml><?xml version="1.0" encoding="utf-8"?>
+<file path=ppt/diagrams/data13.xml><?xml version="1.0" encoding="utf-8"?>
 <dgm:dataModel xmlns:dgm="http://schemas.openxmlformats.org/drawingml/2006/diagram" xmlns:a="http://schemas.openxmlformats.org/drawingml/2006/main">
   <dgm:ptLst>
     <dgm:pt modelId="{1C336287-000A-4721-A61E-260975455955}" type="doc">
@@ -11797,7 +12795,7 @@
 </dgm:dataModel>
 </file>
 
-<file path=ppt/diagrams/data13.xml><?xml version="1.0" encoding="utf-8"?>
+<file path=ppt/diagrams/data14.xml><?xml version="1.0" encoding="utf-8"?>
 <dgm:dataModel xmlns:dgm="http://schemas.openxmlformats.org/drawingml/2006/diagram" xmlns:a="http://schemas.openxmlformats.org/drawingml/2006/main">
   <dgm:ptLst>
     <dgm:pt modelId="{6CECD71F-FEC8-441D-B956-3473183BB51E}" type="doc">
@@ -12023,7 +13021,7 @@
 </dgm:dataModel>
 </file>
 
-<file path=ppt/diagrams/data14.xml><?xml version="1.0" encoding="utf-8"?>
+<file path=ppt/diagrams/data15.xml><?xml version="1.0" encoding="utf-8"?>
 <dgm:dataModel xmlns:dgm="http://schemas.openxmlformats.org/drawingml/2006/diagram" xmlns:a="http://schemas.openxmlformats.org/drawingml/2006/main">
   <dgm:ptLst>
     <dgm:pt modelId="{6D12DA3E-543C-4D24-AF20-34FAC1D6887A}" type="doc">
@@ -14620,6 +15618,281 @@
       <dsp:cNvGrpSpPr/>
     </dsp:nvGrpSpPr>
     <dsp:grpSpPr/>
+    <dsp:sp modelId="{7F7B99DC-F75D-4A7E-855B-5B05F3CDD4A5}">
+      <dsp:nvSpPr>
+        <dsp:cNvPr id="0" name=""/>
+        <dsp:cNvSpPr/>
+      </dsp:nvSpPr>
+      <dsp:spPr>
+        <a:xfrm>
+          <a:off x="0" y="196282"/>
+          <a:ext cx="4184034" cy="1725384"/>
+        </a:xfrm>
+        <a:prstGeom prst="roundRect">
+          <a:avLst/>
+        </a:prstGeom>
+        <a:solidFill>
+          <a:schemeClr val="accent1">
+            <a:hueOff val="0"/>
+            <a:satOff val="0"/>
+            <a:lumOff val="0"/>
+            <a:alphaOff val="0"/>
+          </a:schemeClr>
+        </a:solidFill>
+        <a:ln w="19050" cap="rnd" cmpd="sng" algn="ctr">
+          <a:solidFill>
+            <a:schemeClr val="lt1">
+              <a:hueOff val="0"/>
+              <a:satOff val="0"/>
+              <a:lumOff val="0"/>
+              <a:alphaOff val="0"/>
+            </a:schemeClr>
+          </a:solidFill>
+          <a:prstDash val="solid"/>
+        </a:ln>
+        <a:effectLst/>
+      </dsp:spPr>
+      <dsp:style>
+        <a:lnRef idx="2">
+          <a:scrgbClr r="0" g="0" b="0"/>
+        </a:lnRef>
+        <a:fillRef idx="1">
+          <a:scrgbClr r="0" g="0" b="0"/>
+        </a:fillRef>
+        <a:effectRef idx="0">
+          <a:scrgbClr r="0" g="0" b="0"/>
+        </a:effectRef>
+        <a:fontRef idx="minor">
+          <a:schemeClr val="lt1"/>
+        </a:fontRef>
+      </dsp:style>
+      <dsp:txBody>
+        <a:bodyPr spcFirstLastPara="0" vert="horz" wrap="square" lIns="49530" tIns="49530" rIns="49530" bIns="49530" numCol="1" spcCol="1270" anchor="ctr" anchorCtr="0">
+          <a:noAutofit/>
+        </a:bodyPr>
+        <a:lstStyle/>
+        <a:p>
+          <a:pPr marL="0" lvl="0" indent="0" algn="l" defTabSz="577850">
+            <a:lnSpc>
+              <a:spcPct val="90000"/>
+            </a:lnSpc>
+            <a:spcBef>
+              <a:spcPct val="0"/>
+            </a:spcBef>
+            <a:spcAft>
+              <a:spcPct val="35000"/>
+            </a:spcAft>
+            <a:buNone/>
+          </a:pPr>
+          <a:r>
+            <a:rPr lang="zh-CN" altLang="en-US" sz="1300" b="0" i="0" kern="1200" dirty="0"/>
+            <a:t>想要深入理解 </a:t>
+          </a:r>
+          <a:r>
+            <a:rPr lang="en-US" sz="1300" b="0" i="0" kern="1200" dirty="0"/>
+            <a:t>Pod </a:t>
+          </a:r>
+          <a:r>
+            <a:rPr lang="zh-CN" altLang="en-US" sz="1300" b="0" i="0" kern="1200" dirty="0"/>
+            <a:t>的实现原理，最好最快的办法就是从 </a:t>
+          </a:r>
+          <a:r>
+            <a:rPr lang="en-US" sz="1300" b="0" i="0" kern="1200" dirty="0"/>
+            <a:t>Pod </a:t>
+          </a:r>
+          <a:r>
+            <a:rPr lang="zh-CN" altLang="en-US" sz="1300" b="0" i="0" kern="1200" dirty="0"/>
+            <a:t>的生命周期入手，通过理解 </a:t>
+          </a:r>
+          <a:r>
+            <a:rPr lang="en-US" sz="1300" b="0" i="0" kern="1200" dirty="0"/>
+            <a:t>Pod </a:t>
+          </a:r>
+          <a:r>
+            <a:rPr lang="zh-CN" altLang="en-US" sz="1300" b="0" i="0" kern="1200" dirty="0"/>
+            <a:t>创建、重启和删除的原理我们最终就能够系统地掌握 </a:t>
+          </a:r>
+          <a:r>
+            <a:rPr lang="en-US" sz="1300" b="0" i="0" kern="1200" dirty="0"/>
+            <a:t>Pod </a:t>
+          </a:r>
+          <a:r>
+            <a:rPr lang="zh-CN" altLang="en-US" sz="1300" b="0" i="0" kern="1200" dirty="0"/>
+            <a:t>的生命周期与核心原理。</a:t>
+          </a:r>
+          <a:endParaRPr lang="zh-CN" altLang="en-US" sz="1300" kern="1200" dirty="0"/>
+        </a:p>
+      </dsp:txBody>
+      <dsp:txXfrm>
+        <a:off x="84226" y="280508"/>
+        <a:ext cx="4015582" cy="1556932"/>
+      </dsp:txXfrm>
+    </dsp:sp>
+    <dsp:sp modelId="{1BB3112F-B381-4F3D-AD42-CD51E5148602}">
+      <dsp:nvSpPr>
+        <dsp:cNvPr id="0" name=""/>
+        <dsp:cNvSpPr/>
+      </dsp:nvSpPr>
+      <dsp:spPr>
+        <a:xfrm>
+          <a:off x="0" y="1959106"/>
+          <a:ext cx="4184034" cy="1725384"/>
+        </a:xfrm>
+        <a:prstGeom prst="roundRect">
+          <a:avLst/>
+        </a:prstGeom>
+        <a:solidFill>
+          <a:schemeClr val="accent1">
+            <a:hueOff val="0"/>
+            <a:satOff val="0"/>
+            <a:lumOff val="0"/>
+            <a:alphaOff val="0"/>
+          </a:schemeClr>
+        </a:solidFill>
+        <a:ln w="19050" cap="rnd" cmpd="sng" algn="ctr">
+          <a:solidFill>
+            <a:schemeClr val="lt1">
+              <a:hueOff val="0"/>
+              <a:satOff val="0"/>
+              <a:lumOff val="0"/>
+              <a:alphaOff val="0"/>
+            </a:schemeClr>
+          </a:solidFill>
+          <a:prstDash val="solid"/>
+        </a:ln>
+        <a:effectLst/>
+      </dsp:spPr>
+      <dsp:style>
+        <a:lnRef idx="2">
+          <a:scrgbClr r="0" g="0" b="0"/>
+        </a:lnRef>
+        <a:fillRef idx="1">
+          <a:scrgbClr r="0" g="0" b="0"/>
+        </a:fillRef>
+        <a:effectRef idx="0">
+          <a:scrgbClr r="0" g="0" b="0"/>
+        </a:effectRef>
+        <a:fontRef idx="minor">
+          <a:schemeClr val="lt1"/>
+        </a:fontRef>
+      </dsp:style>
+      <dsp:txBody>
+        <a:bodyPr spcFirstLastPara="0" vert="horz" wrap="square" lIns="49530" tIns="49530" rIns="49530" bIns="49530" numCol="1" spcCol="1270" anchor="ctr" anchorCtr="0">
+          <a:noAutofit/>
+        </a:bodyPr>
+        <a:lstStyle/>
+        <a:p>
+          <a:pPr marL="0" lvl="0" indent="0" algn="l" defTabSz="577850">
+            <a:lnSpc>
+              <a:spcPct val="90000"/>
+            </a:lnSpc>
+            <a:spcBef>
+              <a:spcPct val="0"/>
+            </a:spcBef>
+            <a:spcAft>
+              <a:spcPct val="35000"/>
+            </a:spcAft>
+            <a:buNone/>
+          </a:pPr>
+          <a:r>
+            <a:rPr lang="zh-CN" sz="1300" kern="1200" dirty="0"/>
+            <a:t>当 </a:t>
+          </a:r>
+          <a:r>
+            <a:rPr lang="en-US" sz="1300" kern="1200" dirty="0"/>
+            <a:t>Pod </a:t>
+          </a:r>
+          <a:r>
+            <a:rPr lang="zh-CN" sz="1300" kern="1200" dirty="0"/>
+            <a:t>被创建之后，就会进入健康检查状态，当 </a:t>
+          </a:r>
+          <a:r>
+            <a:rPr lang="en-US" sz="1300" kern="1200" dirty="0"/>
+            <a:t>Kubernetes </a:t>
+          </a:r>
+          <a:r>
+            <a:rPr lang="zh-CN" sz="1300" kern="1200" dirty="0"/>
+            <a:t>确定当前 </a:t>
+          </a:r>
+          <a:r>
+            <a:rPr lang="en-US" sz="1300" kern="1200" dirty="0"/>
+            <a:t>Pod </a:t>
+          </a:r>
+          <a:r>
+            <a:rPr lang="zh-CN" sz="1300" kern="1200" dirty="0"/>
+            <a:t>已经能够接受外部的请求时，才会将流量打到新的 </a:t>
+          </a:r>
+          <a:r>
+            <a:rPr lang="en-US" sz="1300" kern="1200" dirty="0"/>
+            <a:t>Pod </a:t>
+          </a:r>
+          <a:r>
+            <a:rPr lang="zh-CN" sz="1300" kern="1200" dirty="0"/>
+            <a:t>上并继续对外提供服务，在这期间如果发生了错误就可能会触发重启机制，在 </a:t>
+          </a:r>
+          <a:r>
+            <a:rPr lang="en-US" sz="1300" kern="1200" dirty="0"/>
+            <a:t>Pod </a:t>
+          </a:r>
+          <a:r>
+            <a:rPr lang="zh-CN" sz="1300" kern="1200" dirty="0"/>
+            <a:t>被删除之前都会触发一个 </a:t>
+          </a:r>
+          <a:r>
+            <a:rPr lang="en-US" sz="1300" kern="1200" dirty="0" err="1"/>
+            <a:t>PreStop</a:t>
+          </a:r>
+          <a:r>
+            <a:rPr lang="en-US" sz="1300" kern="1200" dirty="0"/>
+            <a:t> </a:t>
+          </a:r>
+          <a:r>
+            <a:rPr lang="zh-CN" sz="1300" kern="1200" dirty="0"/>
+            <a:t>的钩子，其中的方法完成之后 </a:t>
+          </a:r>
+          <a:r>
+            <a:rPr lang="en-US" sz="1300" kern="1200" dirty="0"/>
+            <a:t>Pod </a:t>
+          </a:r>
+          <a:r>
+            <a:rPr lang="zh-CN" sz="1300" kern="1200" dirty="0"/>
+            <a:t>才会被删除，接下来我们就会按照这里的顺序依次介绍 </a:t>
+          </a:r>
+          <a:r>
+            <a:rPr lang="en-US" sz="1300" kern="1200" dirty="0"/>
+            <a:t>Pod 『</a:t>
+          </a:r>
+          <a:r>
+            <a:rPr lang="zh-CN" sz="1300" kern="1200" dirty="0"/>
+            <a:t>从生到死</a:t>
+          </a:r>
+          <a:r>
+            <a:rPr lang="en-US" sz="1300" kern="1200" dirty="0"/>
+            <a:t>』</a:t>
+          </a:r>
+          <a:r>
+            <a:rPr lang="zh-CN" sz="1300" kern="1200" dirty="0"/>
+            <a:t>的过程。</a:t>
+          </a:r>
+        </a:p>
+      </dsp:txBody>
+      <dsp:txXfrm>
+        <a:off x="84226" y="2043332"/>
+        <a:ext cx="4015582" cy="1556932"/>
+      </dsp:txXfrm>
+    </dsp:sp>
+  </dsp:spTree>
+</dsp:drawing>
+</file>
+
+<file path=ppt/diagrams/drawing11.xml><?xml version="1.0" encoding="utf-8"?>
+<dsp:drawing xmlns:dgm="http://schemas.openxmlformats.org/drawingml/2006/diagram" xmlns:dsp="http://schemas.microsoft.com/office/drawing/2008/diagram" xmlns:a="http://schemas.openxmlformats.org/drawingml/2006/main">
+  <dsp:spTree>
+    <dsp:nvGrpSpPr>
+      <dsp:cNvPr id="0" name=""/>
+      <dsp:cNvGrpSpPr/>
+    </dsp:nvGrpSpPr>
+    <dsp:grpSpPr/>
     <dsp:sp modelId="{36848C7B-6AB9-4B5D-85B2-8131F9FF0F3C}">
       <dsp:nvSpPr>
         <dsp:cNvPr id="0" name=""/>
@@ -15038,7 +16311,7 @@
 </dsp:drawing>
 </file>
 
-<file path=ppt/diagrams/drawing11.xml><?xml version="1.0" encoding="utf-8"?>
+<file path=ppt/diagrams/drawing12.xml><?xml version="1.0" encoding="utf-8"?>
 <dsp:drawing xmlns:dgm="http://schemas.openxmlformats.org/drawingml/2006/diagram" xmlns:dsp="http://schemas.microsoft.com/office/drawing/2008/diagram" xmlns:a="http://schemas.openxmlformats.org/drawingml/2006/main">
   <dsp:spTree>
     <dsp:nvGrpSpPr>
@@ -15294,7 +16567,7 @@
 </dsp:drawing>
 </file>
 
-<file path=ppt/diagrams/drawing12.xml><?xml version="1.0" encoding="utf-8"?>
+<file path=ppt/diagrams/drawing13.xml><?xml version="1.0" encoding="utf-8"?>
 <dsp:drawing xmlns:dgm="http://schemas.openxmlformats.org/drawingml/2006/diagram" xmlns:dsp="http://schemas.microsoft.com/office/drawing/2008/diagram" xmlns:a="http://schemas.openxmlformats.org/drawingml/2006/main">
   <dsp:spTree>
     <dsp:nvGrpSpPr>
@@ -15803,7 +17076,7 @@
 </dsp:drawing>
 </file>
 
-<file path=ppt/diagrams/drawing13.xml><?xml version="1.0" encoding="utf-8"?>
+<file path=ppt/diagrams/drawing14.xml><?xml version="1.0" encoding="utf-8"?>
 <dsp:drawing xmlns:dgm="http://schemas.openxmlformats.org/drawingml/2006/diagram" xmlns:dsp="http://schemas.microsoft.com/office/drawing/2008/diagram" xmlns:a="http://schemas.openxmlformats.org/drawingml/2006/main">
   <dsp:spTree>
     <dsp:nvGrpSpPr>
@@ -16057,7 +17330,7 @@
 </dsp:drawing>
 </file>
 
-<file path=ppt/diagrams/drawing14.xml><?xml version="1.0" encoding="utf-8"?>
+<file path=ppt/diagrams/drawing15.xml><?xml version="1.0" encoding="utf-8"?>
 <dsp:drawing xmlns:dgm="http://schemas.openxmlformats.org/drawingml/2006/diagram" xmlns:dsp="http://schemas.microsoft.com/office/drawing/2008/diagram" xmlns:a="http://schemas.openxmlformats.org/drawingml/2006/main">
   <dsp:spTree>
     <dsp:nvGrpSpPr>
@@ -19455,6 +20728,173 @@
 </file>
 
 <file path=ppt/diagrams/layout12.xml><?xml version="1.0" encoding="utf-8"?>
+<dgm:layoutDef xmlns:dgm="http://schemas.openxmlformats.org/drawingml/2006/diagram" xmlns:a="http://schemas.openxmlformats.org/drawingml/2006/main" uniqueId="urn:microsoft.com/office/officeart/2005/8/layout/vList2">
+  <dgm:title val=""/>
+  <dgm:desc val=""/>
+  <dgm:catLst>
+    <dgm:cat type="list" pri="3000"/>
+    <dgm:cat type="convert" pri="1000"/>
+  </dgm:catLst>
+  <dgm:sampData>
+    <dgm:dataModel>
+      <dgm:ptLst>
+        <dgm:pt modelId="0" type="doc"/>
+        <dgm:pt modelId="1">
+          <dgm:prSet phldr="1"/>
+        </dgm:pt>
+        <dgm:pt modelId="11">
+          <dgm:prSet phldr="1"/>
+        </dgm:pt>
+        <dgm:pt modelId="2">
+          <dgm:prSet phldr="1"/>
+        </dgm:pt>
+        <dgm:pt modelId="21">
+          <dgm:prSet phldr="1"/>
+        </dgm:pt>
+      </dgm:ptLst>
+      <dgm:cxnLst>
+        <dgm:cxn modelId="4" srcId="0" destId="1" srcOrd="0" destOrd="0"/>
+        <dgm:cxn modelId="5" srcId="0" destId="2" srcOrd="1" destOrd="0"/>
+        <dgm:cxn modelId="12" srcId="1" destId="11" srcOrd="0" destOrd="0"/>
+        <dgm:cxn modelId="23" srcId="2" destId="21" srcOrd="0" destOrd="0"/>
+      </dgm:cxnLst>
+      <dgm:bg/>
+      <dgm:whole/>
+    </dgm:dataModel>
+  </dgm:sampData>
+  <dgm:styleData>
+    <dgm:dataModel>
+      <dgm:ptLst>
+        <dgm:pt modelId="0" type="doc"/>
+        <dgm:pt modelId="1"/>
+        <dgm:pt modelId="2"/>
+      </dgm:ptLst>
+      <dgm:cxnLst>
+        <dgm:cxn modelId="3" srcId="0" destId="1" srcOrd="0" destOrd="0"/>
+        <dgm:cxn modelId="4" srcId="0" destId="2" srcOrd="1" destOrd="0"/>
+      </dgm:cxnLst>
+      <dgm:bg/>
+      <dgm:whole/>
+    </dgm:dataModel>
+  </dgm:styleData>
+  <dgm:clrData>
+    <dgm:dataModel>
+      <dgm:ptLst>
+        <dgm:pt modelId="0" type="doc"/>
+        <dgm:pt modelId="1"/>
+        <dgm:pt modelId="2"/>
+        <dgm:pt modelId="3"/>
+        <dgm:pt modelId="4"/>
+      </dgm:ptLst>
+      <dgm:cxnLst>
+        <dgm:cxn modelId="5" srcId="0" destId="1" srcOrd="0" destOrd="0"/>
+        <dgm:cxn modelId="6" srcId="0" destId="2" srcOrd="1" destOrd="0"/>
+        <dgm:cxn modelId="7" srcId="0" destId="3" srcOrd="2" destOrd="0"/>
+        <dgm:cxn modelId="8" srcId="0" destId="4" srcOrd="3" destOrd="0"/>
+      </dgm:cxnLst>
+      <dgm:bg/>
+      <dgm:whole/>
+    </dgm:dataModel>
+  </dgm:clrData>
+  <dgm:layoutNode name="linear">
+    <dgm:varLst>
+      <dgm:animLvl val="lvl"/>
+      <dgm:resizeHandles val="exact"/>
+    </dgm:varLst>
+    <dgm:alg type="lin">
+      <dgm:param type="linDir" val="fromT"/>
+      <dgm:param type="vertAlign" val="mid"/>
+    </dgm:alg>
+    <dgm:shape xmlns:r="http://schemas.openxmlformats.org/officeDocument/2006/relationships" r:blip="">
+      <dgm:adjLst/>
+    </dgm:shape>
+    <dgm:presOf/>
+    <dgm:constrLst>
+      <dgm:constr type="w" for="ch" forName="parentText" refType="w"/>
+      <dgm:constr type="h" for="ch" forName="parentText" refType="primFontSz" refFor="ch" refForName="parentText" fact="0.52"/>
+      <dgm:constr type="w" for="ch" forName="childText" refType="w"/>
+      <dgm:constr type="h" for="ch" forName="childText" refType="primFontSz" refFor="ch" refForName="parentText" fact="0.46"/>
+      <dgm:constr type="h" for="ch" forName="parentText" op="equ"/>
+      <dgm:constr type="primFontSz" for="ch" forName="parentText" op="equ" val="65"/>
+      <dgm:constr type="primFontSz" for="ch" forName="childText" refType="primFontSz" refFor="ch" refForName="parentText" op="equ"/>
+      <dgm:constr type="h" for="ch" forName="spacer" refType="primFontSz" refFor="ch" refForName="parentText" fact="0.08"/>
+    </dgm:constrLst>
+    <dgm:ruleLst>
+      <dgm:rule type="primFontSz" for="ch" forName="parentText" val="5" fact="NaN" max="NaN"/>
+    </dgm:ruleLst>
+    <dgm:forEach name="Name0" axis="ch" ptType="node">
+      <dgm:layoutNode name="parentText" styleLbl="node1">
+        <dgm:varLst>
+          <dgm:chMax val="0"/>
+          <dgm:bulletEnabled val="1"/>
+        </dgm:varLst>
+        <dgm:alg type="tx">
+          <dgm:param type="parTxLTRAlign" val="l"/>
+          <dgm:param type="parTxRTLAlign" val="r"/>
+        </dgm:alg>
+        <dgm:shape xmlns:r="http://schemas.openxmlformats.org/officeDocument/2006/relationships" type="roundRect" r:blip="">
+          <dgm:adjLst/>
+        </dgm:shape>
+        <dgm:presOf axis="self"/>
+        <dgm:constrLst>
+          <dgm:constr type="tMarg" refType="primFontSz" fact="0.3"/>
+          <dgm:constr type="bMarg" refType="primFontSz" fact="0.3"/>
+          <dgm:constr type="lMarg" refType="primFontSz" fact="0.3"/>
+          <dgm:constr type="rMarg" refType="primFontSz" fact="0.3"/>
+        </dgm:constrLst>
+        <dgm:ruleLst>
+          <dgm:rule type="h" val="INF" fact="NaN" max="NaN"/>
+        </dgm:ruleLst>
+      </dgm:layoutNode>
+      <dgm:choose name="Name1">
+        <dgm:if name="Name2" axis="ch" ptType="node" func="cnt" op="gte" val="1">
+          <dgm:layoutNode name="childText" styleLbl="revTx">
+            <dgm:varLst>
+              <dgm:bulletEnabled val="1"/>
+            </dgm:varLst>
+            <dgm:alg type="tx">
+              <dgm:param type="stBulletLvl" val="1"/>
+              <dgm:param type="lnSpAfChP" val="20"/>
+            </dgm:alg>
+            <dgm:shape xmlns:r="http://schemas.openxmlformats.org/officeDocument/2006/relationships" type="rect" r:blip="">
+              <dgm:adjLst/>
+            </dgm:shape>
+            <dgm:presOf axis="des" ptType="node"/>
+            <dgm:constrLst>
+              <dgm:constr type="tMarg" refType="primFontSz" fact="0.1"/>
+              <dgm:constr type="bMarg" refType="primFontSz" fact="0.1"/>
+              <dgm:constr type="lMarg" refType="w" fact="0.09"/>
+            </dgm:constrLst>
+            <dgm:ruleLst>
+              <dgm:rule type="h" val="INF" fact="NaN" max="NaN"/>
+            </dgm:ruleLst>
+          </dgm:layoutNode>
+        </dgm:if>
+        <dgm:else name="Name3">
+          <dgm:choose name="Name4">
+            <dgm:if name="Name5" axis="par ch" ptType="doc node" func="cnt" op="gte" val="2">
+              <dgm:forEach name="Name6" axis="followSib" ptType="sibTrans" cnt="1">
+                <dgm:layoutNode name="spacer">
+                  <dgm:alg type="sp"/>
+                  <dgm:shape xmlns:r="http://schemas.openxmlformats.org/officeDocument/2006/relationships" r:blip="">
+                    <dgm:adjLst/>
+                  </dgm:shape>
+                  <dgm:presOf/>
+                  <dgm:constrLst/>
+                  <dgm:ruleLst/>
+                </dgm:layoutNode>
+              </dgm:forEach>
+            </dgm:if>
+            <dgm:else name="Name7"/>
+          </dgm:choose>
+        </dgm:else>
+      </dgm:choose>
+    </dgm:forEach>
+  </dgm:layoutNode>
+</dgm:layoutDef>
+</file>
+
+<file path=ppt/diagrams/layout13.xml><?xml version="1.0" encoding="utf-8"?>
 <dgm:layoutDef xmlns:dgm="http://schemas.openxmlformats.org/drawingml/2006/diagram" xmlns:a="http://schemas.openxmlformats.org/drawingml/2006/main" uniqueId="urn:microsoft.com/office/officeart/2005/8/layout/list1">
   <dgm:title val=""/>
   <dgm:desc val=""/>
@@ -19679,7 +21119,7 @@
 </dgm:layoutDef>
 </file>
 
-<file path=ppt/diagrams/layout13.xml><?xml version="1.0" encoding="utf-8"?>
+<file path=ppt/diagrams/layout14.xml><?xml version="1.0" encoding="utf-8"?>
 <dgm:layoutDef xmlns:dgm="http://schemas.openxmlformats.org/drawingml/2006/diagram" xmlns:a="http://schemas.openxmlformats.org/drawingml/2006/main" uniqueId="urn:microsoft.com/office/officeart/2005/8/layout/vList2">
   <dgm:title val=""/>
   <dgm:desc val=""/>
@@ -19846,7 +21286,7 @@
 </dgm:layoutDef>
 </file>
 
-<file path=ppt/diagrams/layout14.xml><?xml version="1.0" encoding="utf-8"?>
+<file path=ppt/diagrams/layout15.xml><?xml version="1.0" encoding="utf-8"?>
 <dgm:layoutDef xmlns:dgm="http://schemas.openxmlformats.org/drawingml/2006/diagram" xmlns:a="http://schemas.openxmlformats.org/drawingml/2006/main" uniqueId="urn:microsoft.com/office/officeart/2005/8/layout/vList2">
   <dgm:title val=""/>
   <dgm:desc val=""/>
@@ -27545,6 +28985,1040 @@
 </dgm:styleDef>
 </file>
 
+<file path=ppt/diagrams/quickStyle15.xml><?xml version="1.0" encoding="utf-8"?>
+<dgm:styleDef xmlns:dgm="http://schemas.openxmlformats.org/drawingml/2006/diagram" xmlns:a="http://schemas.openxmlformats.org/drawingml/2006/main" uniqueId="urn:microsoft.com/office/officeart/2005/8/quickstyle/simple1">
+  <dgm:title val=""/>
+  <dgm:desc val=""/>
+  <dgm:catLst>
+    <dgm:cat type="simple" pri="10100"/>
+  </dgm:catLst>
+  <dgm:scene3d>
+    <a:camera prst="orthographicFront"/>
+    <a:lightRig rig="threePt" dir="t"/>
+  </dgm:scene3d>
+  <dgm:styleLbl name="node0">
+    <dgm:scene3d>
+      <a:camera prst="orthographicFront"/>
+      <a:lightRig rig="threePt" dir="t"/>
+    </dgm:scene3d>
+    <dgm:sp3d/>
+    <dgm:txPr/>
+    <dgm:style>
+      <a:lnRef idx="2">
+        <a:scrgbClr r="0" g="0" b="0"/>
+      </a:lnRef>
+      <a:fillRef idx="1">
+        <a:scrgbClr r="0" g="0" b="0"/>
+      </a:fillRef>
+      <a:effectRef idx="0">
+        <a:scrgbClr r="0" g="0" b="0"/>
+      </a:effectRef>
+      <a:fontRef idx="minor">
+        <a:schemeClr val="lt1"/>
+      </a:fontRef>
+    </dgm:style>
+  </dgm:styleLbl>
+  <dgm:styleLbl name="lnNode1">
+    <dgm:scene3d>
+      <a:camera prst="orthographicFront"/>
+      <a:lightRig rig="threePt" dir="t"/>
+    </dgm:scene3d>
+    <dgm:sp3d/>
+    <dgm:txPr/>
+    <dgm:style>
+      <a:lnRef idx="2">
+        <a:scrgbClr r="0" g="0" b="0"/>
+      </a:lnRef>
+      <a:fillRef idx="1">
+        <a:scrgbClr r="0" g="0" b="0"/>
+      </a:fillRef>
+      <a:effectRef idx="0">
+        <a:scrgbClr r="0" g="0" b="0"/>
+      </a:effectRef>
+      <a:fontRef idx="minor">
+        <a:schemeClr val="lt1"/>
+      </a:fontRef>
+    </dgm:style>
+  </dgm:styleLbl>
+  <dgm:styleLbl name="vennNode1">
+    <dgm:scene3d>
+      <a:camera prst="orthographicFront"/>
+      <a:lightRig rig="threePt" dir="t"/>
+    </dgm:scene3d>
+    <dgm:sp3d/>
+    <dgm:txPr/>
+    <dgm:style>
+      <a:lnRef idx="2">
+        <a:scrgbClr r="0" g="0" b="0"/>
+      </a:lnRef>
+      <a:fillRef idx="1">
+        <a:scrgbClr r="0" g="0" b="0"/>
+      </a:fillRef>
+      <a:effectRef idx="0">
+        <a:scrgbClr r="0" g="0" b="0"/>
+      </a:effectRef>
+      <a:fontRef idx="minor">
+        <a:schemeClr val="tx1"/>
+      </a:fontRef>
+    </dgm:style>
+  </dgm:styleLbl>
+  <dgm:styleLbl name="alignNode1">
+    <dgm:scene3d>
+      <a:camera prst="orthographicFront"/>
+      <a:lightRig rig="threePt" dir="t"/>
+    </dgm:scene3d>
+    <dgm:sp3d/>
+    <dgm:txPr/>
+    <dgm:style>
+      <a:lnRef idx="2">
+        <a:scrgbClr r="0" g="0" b="0"/>
+      </a:lnRef>
+      <a:fillRef idx="1">
+        <a:scrgbClr r="0" g="0" b="0"/>
+      </a:fillRef>
+      <a:effectRef idx="0">
+        <a:scrgbClr r="0" g="0" b="0"/>
+      </a:effectRef>
+      <a:fontRef idx="minor">
+        <a:schemeClr val="lt1"/>
+      </a:fontRef>
+    </dgm:style>
+  </dgm:styleLbl>
+  <dgm:styleLbl name="node1">
+    <dgm:scene3d>
+      <a:camera prst="orthographicFront"/>
+      <a:lightRig rig="threePt" dir="t"/>
+    </dgm:scene3d>
+    <dgm:sp3d/>
+    <dgm:txPr/>
+    <dgm:style>
+      <a:lnRef idx="2">
+        <a:scrgbClr r="0" g="0" b="0"/>
+      </a:lnRef>
+      <a:fillRef idx="1">
+        <a:scrgbClr r="0" g="0" b="0"/>
+      </a:fillRef>
+      <a:effectRef idx="0">
+        <a:scrgbClr r="0" g="0" b="0"/>
+      </a:effectRef>
+      <a:fontRef idx="minor">
+        <a:schemeClr val="lt1"/>
+      </a:fontRef>
+    </dgm:style>
+  </dgm:styleLbl>
+  <dgm:styleLbl name="node2">
+    <dgm:scene3d>
+      <a:camera prst="orthographicFront"/>
+      <a:lightRig rig="threePt" dir="t"/>
+    </dgm:scene3d>
+    <dgm:sp3d/>
+    <dgm:txPr/>
+    <dgm:style>
+      <a:lnRef idx="2">
+        <a:scrgbClr r="0" g="0" b="0"/>
+      </a:lnRef>
+      <a:fillRef idx="1">
+        <a:scrgbClr r="0" g="0" b="0"/>
+      </a:fillRef>
+      <a:effectRef idx="0">
+        <a:scrgbClr r="0" g="0" b="0"/>
+      </a:effectRef>
+      <a:fontRef idx="minor">
+        <a:schemeClr val="lt1"/>
+      </a:fontRef>
+    </dgm:style>
+  </dgm:styleLbl>
+  <dgm:styleLbl name="node3">
+    <dgm:scene3d>
+      <a:camera prst="orthographicFront"/>
+      <a:lightRig rig="threePt" dir="t"/>
+    </dgm:scene3d>
+    <dgm:sp3d/>
+    <dgm:txPr/>
+    <dgm:style>
+      <a:lnRef idx="2">
+        <a:scrgbClr r="0" g="0" b="0"/>
+      </a:lnRef>
+      <a:fillRef idx="1">
+        <a:scrgbClr r="0" g="0" b="0"/>
+      </a:fillRef>
+      <a:effectRef idx="0">
+        <a:scrgbClr r="0" g="0" b="0"/>
+      </a:effectRef>
+      <a:fontRef idx="minor">
+        <a:schemeClr val="lt1"/>
+      </a:fontRef>
+    </dgm:style>
+  </dgm:styleLbl>
+  <dgm:styleLbl name="node4">
+    <dgm:scene3d>
+      <a:camera prst="orthographicFront"/>
+      <a:lightRig rig="threePt" dir="t"/>
+    </dgm:scene3d>
+    <dgm:sp3d/>
+    <dgm:txPr/>
+    <dgm:style>
+      <a:lnRef idx="2">
+        <a:scrgbClr r="0" g="0" b="0"/>
+      </a:lnRef>
+      <a:fillRef idx="1">
+        <a:scrgbClr r="0" g="0" b="0"/>
+      </a:fillRef>
+      <a:effectRef idx="0">
+        <a:scrgbClr r="0" g="0" b="0"/>
+      </a:effectRef>
+      <a:fontRef idx="minor">
+        <a:schemeClr val="lt1"/>
+      </a:fontRef>
+    </dgm:style>
+  </dgm:styleLbl>
+  <dgm:styleLbl name="fgImgPlace1">
+    <dgm:scene3d>
+      <a:camera prst="orthographicFront"/>
+      <a:lightRig rig="threePt" dir="t"/>
+    </dgm:scene3d>
+    <dgm:sp3d/>
+    <dgm:txPr/>
+    <dgm:style>
+      <a:lnRef idx="2">
+        <a:scrgbClr r="0" g="0" b="0"/>
+      </a:lnRef>
+      <a:fillRef idx="1">
+        <a:scrgbClr r="0" g="0" b="0"/>
+      </a:fillRef>
+      <a:effectRef idx="0">
+        <a:scrgbClr r="0" g="0" b="0"/>
+      </a:effectRef>
+      <a:fontRef idx="minor"/>
+    </dgm:style>
+  </dgm:styleLbl>
+  <dgm:styleLbl name="alignImgPlace1">
+    <dgm:scene3d>
+      <a:camera prst="orthographicFront"/>
+      <a:lightRig rig="threePt" dir="t"/>
+    </dgm:scene3d>
+    <dgm:sp3d/>
+    <dgm:txPr/>
+    <dgm:style>
+      <a:lnRef idx="2">
+        <a:scrgbClr r="0" g="0" b="0"/>
+      </a:lnRef>
+      <a:fillRef idx="1">
+        <a:scrgbClr r="0" g="0" b="0"/>
+      </a:fillRef>
+      <a:effectRef idx="0">
+        <a:scrgbClr r="0" g="0" b="0"/>
+      </a:effectRef>
+      <a:fontRef idx="minor"/>
+    </dgm:style>
+  </dgm:styleLbl>
+  <dgm:styleLbl name="bgImgPlace1">
+    <dgm:scene3d>
+      <a:camera prst="orthographicFront"/>
+      <a:lightRig rig="threePt" dir="t"/>
+    </dgm:scene3d>
+    <dgm:sp3d/>
+    <dgm:txPr/>
+    <dgm:style>
+      <a:lnRef idx="2">
+        <a:scrgbClr r="0" g="0" b="0"/>
+      </a:lnRef>
+      <a:fillRef idx="1">
+        <a:scrgbClr r="0" g="0" b="0"/>
+      </a:fillRef>
+      <a:effectRef idx="0">
+        <a:scrgbClr r="0" g="0" b="0"/>
+      </a:effectRef>
+      <a:fontRef idx="minor"/>
+    </dgm:style>
+  </dgm:styleLbl>
+  <dgm:styleLbl name="sibTrans2D1">
+    <dgm:scene3d>
+      <a:camera prst="orthographicFront"/>
+      <a:lightRig rig="threePt" dir="t"/>
+    </dgm:scene3d>
+    <dgm:sp3d/>
+    <dgm:txPr/>
+    <dgm:style>
+      <a:lnRef idx="0">
+        <a:scrgbClr r="0" g="0" b="0"/>
+      </a:lnRef>
+      <a:fillRef idx="1">
+        <a:scrgbClr r="0" g="0" b="0"/>
+      </a:fillRef>
+      <a:effectRef idx="0">
+        <a:scrgbClr r="0" g="0" b="0"/>
+      </a:effectRef>
+      <a:fontRef idx="minor">
+        <a:schemeClr val="lt1"/>
+      </a:fontRef>
+    </dgm:style>
+  </dgm:styleLbl>
+  <dgm:styleLbl name="fgSibTrans2D1">
+    <dgm:scene3d>
+      <a:camera prst="orthographicFront"/>
+      <a:lightRig rig="threePt" dir="t"/>
+    </dgm:scene3d>
+    <dgm:sp3d/>
+    <dgm:txPr/>
+    <dgm:style>
+      <a:lnRef idx="0">
+        <a:scrgbClr r="0" g="0" b="0"/>
+      </a:lnRef>
+      <a:fillRef idx="1">
+        <a:scrgbClr r="0" g="0" b="0"/>
+      </a:fillRef>
+      <a:effectRef idx="0">
+        <a:scrgbClr r="0" g="0" b="0"/>
+      </a:effectRef>
+      <a:fontRef idx="minor">
+        <a:schemeClr val="lt1"/>
+      </a:fontRef>
+    </dgm:style>
+  </dgm:styleLbl>
+  <dgm:styleLbl name="bgSibTrans2D1">
+    <dgm:scene3d>
+      <a:camera prst="orthographicFront"/>
+      <a:lightRig rig="threePt" dir="t"/>
+    </dgm:scene3d>
+    <dgm:sp3d/>
+    <dgm:txPr/>
+    <dgm:style>
+      <a:lnRef idx="0">
+        <a:scrgbClr r="0" g="0" b="0"/>
+      </a:lnRef>
+      <a:fillRef idx="1">
+        <a:scrgbClr r="0" g="0" b="0"/>
+      </a:fillRef>
+      <a:effectRef idx="0">
+        <a:scrgbClr r="0" g="0" b="0"/>
+      </a:effectRef>
+      <a:fontRef idx="minor">
+        <a:schemeClr val="lt1"/>
+      </a:fontRef>
+    </dgm:style>
+  </dgm:styleLbl>
+  <dgm:styleLbl name="sibTrans1D1">
+    <dgm:scene3d>
+      <a:camera prst="orthographicFront"/>
+      <a:lightRig rig="threePt" dir="t"/>
+    </dgm:scene3d>
+    <dgm:sp3d/>
+    <dgm:txPr/>
+    <dgm:style>
+      <a:lnRef idx="1">
+        <a:scrgbClr r="0" g="0" b="0"/>
+      </a:lnRef>
+      <a:fillRef idx="0">
+        <a:scrgbClr r="0" g="0" b="0"/>
+      </a:fillRef>
+      <a:effectRef idx="0">
+        <a:scrgbClr r="0" g="0" b="0"/>
+      </a:effectRef>
+      <a:fontRef idx="minor"/>
+    </dgm:style>
+  </dgm:styleLbl>
+  <dgm:styleLbl name="callout">
+    <dgm:scene3d>
+      <a:camera prst="orthographicFront"/>
+      <a:lightRig rig="threePt" dir="t"/>
+    </dgm:scene3d>
+    <dgm:sp3d/>
+    <dgm:txPr/>
+    <dgm:style>
+      <a:lnRef idx="2">
+        <a:scrgbClr r="0" g="0" b="0"/>
+      </a:lnRef>
+      <a:fillRef idx="1">
+        <a:scrgbClr r="0" g="0" b="0"/>
+      </a:fillRef>
+      <a:effectRef idx="0">
+        <a:scrgbClr r="0" g="0" b="0"/>
+      </a:effectRef>
+      <a:fontRef idx="minor"/>
+    </dgm:style>
+  </dgm:styleLbl>
+  <dgm:styleLbl name="asst0">
+    <dgm:scene3d>
+      <a:camera prst="orthographicFront"/>
+      <a:lightRig rig="threePt" dir="t"/>
+    </dgm:scene3d>
+    <dgm:sp3d/>
+    <dgm:txPr/>
+    <dgm:style>
+      <a:lnRef idx="2">
+        <a:scrgbClr r="0" g="0" b="0"/>
+      </a:lnRef>
+      <a:fillRef idx="1">
+        <a:scrgbClr r="0" g="0" b="0"/>
+      </a:fillRef>
+      <a:effectRef idx="0">
+        <a:scrgbClr r="0" g="0" b="0"/>
+      </a:effectRef>
+      <a:fontRef idx="minor">
+        <a:schemeClr val="lt1"/>
+      </a:fontRef>
+    </dgm:style>
+  </dgm:styleLbl>
+  <dgm:styleLbl name="asst1">
+    <dgm:scene3d>
+      <a:camera prst="orthographicFront"/>
+      <a:lightRig rig="threePt" dir="t"/>
+    </dgm:scene3d>
+    <dgm:sp3d/>
+    <dgm:txPr/>
+    <dgm:style>
+      <a:lnRef idx="2">
+        <a:scrgbClr r="0" g="0" b="0"/>
+      </a:lnRef>
+      <a:fillRef idx="1">
+        <a:scrgbClr r="0" g="0" b="0"/>
+      </a:fillRef>
+      <a:effectRef idx="0">
+        <a:scrgbClr r="0" g="0" b="0"/>
+      </a:effectRef>
+      <a:fontRef idx="minor">
+        <a:schemeClr val="lt1"/>
+      </a:fontRef>
+    </dgm:style>
+  </dgm:styleLbl>
+  <dgm:styleLbl name="asst2">
+    <dgm:scene3d>
+      <a:camera prst="orthographicFront"/>
+      <a:lightRig rig="threePt" dir="t"/>
+    </dgm:scene3d>
+    <dgm:sp3d/>
+    <dgm:txPr/>
+    <dgm:style>
+      <a:lnRef idx="2">
+        <a:scrgbClr r="0" g="0" b="0"/>
+      </a:lnRef>
+      <a:fillRef idx="1">
+        <a:scrgbClr r="0" g="0" b="0"/>
+      </a:fillRef>
+      <a:effectRef idx="0">
+        <a:scrgbClr r="0" g="0" b="0"/>
+      </a:effectRef>
+      <a:fontRef idx="minor">
+        <a:schemeClr val="lt1"/>
+      </a:fontRef>
+    </dgm:style>
+  </dgm:styleLbl>
+  <dgm:styleLbl name="asst3">
+    <dgm:scene3d>
+      <a:camera prst="orthographicFront"/>
+      <a:lightRig rig="threePt" dir="t"/>
+    </dgm:scene3d>
+    <dgm:sp3d/>
+    <dgm:txPr/>
+    <dgm:style>
+      <a:lnRef idx="2">
+        <a:scrgbClr r="0" g="0" b="0"/>
+      </a:lnRef>
+      <a:fillRef idx="1">
+        <a:scrgbClr r="0" g="0" b="0"/>
+      </a:fillRef>
+      <a:effectRef idx="0">
+        <a:scrgbClr r="0" g="0" b="0"/>
+      </a:effectRef>
+      <a:fontRef idx="minor">
+        <a:schemeClr val="lt1"/>
+      </a:fontRef>
+    </dgm:style>
+  </dgm:styleLbl>
+  <dgm:styleLbl name="asst4">
+    <dgm:scene3d>
+      <a:camera prst="orthographicFront"/>
+      <a:lightRig rig="threePt" dir="t"/>
+    </dgm:scene3d>
+    <dgm:sp3d/>
+    <dgm:txPr/>
+    <dgm:style>
+      <a:lnRef idx="2">
+        <a:scrgbClr r="0" g="0" b="0"/>
+      </a:lnRef>
+      <a:fillRef idx="1">
+        <a:scrgbClr r="0" g="0" b="0"/>
+      </a:fillRef>
+      <a:effectRef idx="0">
+        <a:scrgbClr r="0" g="0" b="0"/>
+      </a:effectRef>
+      <a:fontRef idx="minor">
+        <a:schemeClr val="lt1"/>
+      </a:fontRef>
+    </dgm:style>
+  </dgm:styleLbl>
+  <dgm:styleLbl name="parChTrans2D1">
+    <dgm:scene3d>
+      <a:camera prst="orthographicFront"/>
+      <a:lightRig rig="threePt" dir="t"/>
+    </dgm:scene3d>
+    <dgm:sp3d/>
+    <dgm:txPr/>
+    <dgm:style>
+      <a:lnRef idx="2">
+        <a:scrgbClr r="0" g="0" b="0"/>
+      </a:lnRef>
+      <a:fillRef idx="1">
+        <a:scrgbClr r="0" g="0" b="0"/>
+      </a:fillRef>
+      <a:effectRef idx="0">
+        <a:scrgbClr r="0" g="0" b="0"/>
+      </a:effectRef>
+      <a:fontRef idx="minor">
+        <a:schemeClr val="lt1"/>
+      </a:fontRef>
+    </dgm:style>
+  </dgm:styleLbl>
+  <dgm:styleLbl name="parChTrans2D2">
+    <dgm:scene3d>
+      <a:camera prst="orthographicFront"/>
+      <a:lightRig rig="threePt" dir="t"/>
+    </dgm:scene3d>
+    <dgm:sp3d/>
+    <dgm:txPr/>
+    <dgm:style>
+      <a:lnRef idx="2">
+        <a:scrgbClr r="0" g="0" b="0"/>
+      </a:lnRef>
+      <a:fillRef idx="1">
+        <a:scrgbClr r="0" g="0" b="0"/>
+      </a:fillRef>
+      <a:effectRef idx="0">
+        <a:scrgbClr r="0" g="0" b="0"/>
+      </a:effectRef>
+      <a:fontRef idx="minor">
+        <a:schemeClr val="lt1"/>
+      </a:fontRef>
+    </dgm:style>
+  </dgm:styleLbl>
+  <dgm:styleLbl name="parChTrans2D3">
+    <dgm:scene3d>
+      <a:camera prst="orthographicFront"/>
+      <a:lightRig rig="threePt" dir="t"/>
+    </dgm:scene3d>
+    <dgm:sp3d/>
+    <dgm:txPr/>
+    <dgm:style>
+      <a:lnRef idx="2">
+        <a:scrgbClr r="0" g="0" b="0"/>
+      </a:lnRef>
+      <a:fillRef idx="1">
+        <a:scrgbClr r="0" g="0" b="0"/>
+      </a:fillRef>
+      <a:effectRef idx="0">
+        <a:scrgbClr r="0" g="0" b="0"/>
+      </a:effectRef>
+      <a:fontRef idx="minor">
+        <a:schemeClr val="lt1"/>
+      </a:fontRef>
+    </dgm:style>
+  </dgm:styleLbl>
+  <dgm:styleLbl name="parChTrans2D4">
+    <dgm:scene3d>
+      <a:camera prst="orthographicFront"/>
+      <a:lightRig rig="threePt" dir="t"/>
+    </dgm:scene3d>
+    <dgm:sp3d/>
+    <dgm:txPr/>
+    <dgm:style>
+      <a:lnRef idx="2">
+        <a:scrgbClr r="0" g="0" b="0"/>
+      </a:lnRef>
+      <a:fillRef idx="1">
+        <a:scrgbClr r="0" g="0" b="0"/>
+      </a:fillRef>
+      <a:effectRef idx="0">
+        <a:scrgbClr r="0" g="0" b="0"/>
+      </a:effectRef>
+      <a:fontRef idx="minor">
+        <a:schemeClr val="lt1"/>
+      </a:fontRef>
+    </dgm:style>
+  </dgm:styleLbl>
+  <dgm:styleLbl name="parChTrans1D1">
+    <dgm:scene3d>
+      <a:camera prst="orthographicFront"/>
+      <a:lightRig rig="threePt" dir="t"/>
+    </dgm:scene3d>
+    <dgm:sp3d/>
+    <dgm:txPr/>
+    <dgm:style>
+      <a:lnRef idx="2">
+        <a:scrgbClr r="0" g="0" b="0"/>
+      </a:lnRef>
+      <a:fillRef idx="0">
+        <a:scrgbClr r="0" g="0" b="0"/>
+      </a:fillRef>
+      <a:effectRef idx="0">
+        <a:scrgbClr r="0" g="0" b="0"/>
+      </a:effectRef>
+      <a:fontRef idx="minor"/>
+    </dgm:style>
+  </dgm:styleLbl>
+  <dgm:styleLbl name="parChTrans1D2">
+    <dgm:scene3d>
+      <a:camera prst="orthographicFront"/>
+      <a:lightRig rig="threePt" dir="t"/>
+    </dgm:scene3d>
+    <dgm:sp3d/>
+    <dgm:txPr/>
+    <dgm:style>
+      <a:lnRef idx="2">
+        <a:scrgbClr r="0" g="0" b="0"/>
+      </a:lnRef>
+      <a:fillRef idx="0">
+        <a:scrgbClr r="0" g="0" b="0"/>
+      </a:fillRef>
+      <a:effectRef idx="0">
+        <a:scrgbClr r="0" g="0" b="0"/>
+      </a:effectRef>
+      <a:fontRef idx="minor"/>
+    </dgm:style>
+  </dgm:styleLbl>
+  <dgm:styleLbl name="parChTrans1D3">
+    <dgm:scene3d>
+      <a:camera prst="orthographicFront"/>
+      <a:lightRig rig="threePt" dir="t"/>
+    </dgm:scene3d>
+    <dgm:sp3d/>
+    <dgm:txPr/>
+    <dgm:style>
+      <a:lnRef idx="2">
+        <a:scrgbClr r="0" g="0" b="0"/>
+      </a:lnRef>
+      <a:fillRef idx="0">
+        <a:scrgbClr r="0" g="0" b="0"/>
+      </a:fillRef>
+      <a:effectRef idx="0">
+        <a:scrgbClr r="0" g="0" b="0"/>
+      </a:effectRef>
+      <a:fontRef idx="minor"/>
+    </dgm:style>
+  </dgm:styleLbl>
+  <dgm:styleLbl name="parChTrans1D4">
+    <dgm:scene3d>
+      <a:camera prst="orthographicFront"/>
+      <a:lightRig rig="threePt" dir="t"/>
+    </dgm:scene3d>
+    <dgm:sp3d/>
+    <dgm:txPr/>
+    <dgm:style>
+      <a:lnRef idx="2">
+        <a:scrgbClr r="0" g="0" b="0"/>
+      </a:lnRef>
+      <a:fillRef idx="0">
+        <a:scrgbClr r="0" g="0" b="0"/>
+      </a:fillRef>
+      <a:effectRef idx="0">
+        <a:scrgbClr r="0" g="0" b="0"/>
+      </a:effectRef>
+      <a:fontRef idx="minor"/>
+    </dgm:style>
+  </dgm:styleLbl>
+  <dgm:styleLbl name="fgAcc1">
+    <dgm:scene3d>
+      <a:camera prst="orthographicFront"/>
+      <a:lightRig rig="threePt" dir="t"/>
+    </dgm:scene3d>
+    <dgm:sp3d/>
+    <dgm:txPr/>
+    <dgm:style>
+      <a:lnRef idx="2">
+        <a:scrgbClr r="0" g="0" b="0"/>
+      </a:lnRef>
+      <a:fillRef idx="1">
+        <a:scrgbClr r="0" g="0" b="0"/>
+      </a:fillRef>
+      <a:effectRef idx="0">
+        <a:scrgbClr r="0" g="0" b="0"/>
+      </a:effectRef>
+      <a:fontRef idx="minor"/>
+    </dgm:style>
+  </dgm:styleLbl>
+  <dgm:styleLbl name="conFgAcc1">
+    <dgm:scene3d>
+      <a:camera prst="orthographicFront"/>
+      <a:lightRig rig="threePt" dir="t"/>
+    </dgm:scene3d>
+    <dgm:sp3d/>
+    <dgm:txPr/>
+    <dgm:style>
+      <a:lnRef idx="2">
+        <a:scrgbClr r="0" g="0" b="0"/>
+      </a:lnRef>
+      <a:fillRef idx="1">
+        <a:scrgbClr r="0" g="0" b="0"/>
+      </a:fillRef>
+      <a:effectRef idx="0">
+        <a:scrgbClr r="0" g="0" b="0"/>
+      </a:effectRef>
+      <a:fontRef idx="minor"/>
+    </dgm:style>
+  </dgm:styleLbl>
+  <dgm:styleLbl name="alignAcc1">
+    <dgm:scene3d>
+      <a:camera prst="orthographicFront"/>
+      <a:lightRig rig="threePt" dir="t"/>
+    </dgm:scene3d>
+    <dgm:sp3d/>
+    <dgm:txPr/>
+    <dgm:style>
+      <a:lnRef idx="2">
+        <a:scrgbClr r="0" g="0" b="0"/>
+      </a:lnRef>
+      <a:fillRef idx="1">
+        <a:scrgbClr r="0" g="0" b="0"/>
+      </a:fillRef>
+      <a:effectRef idx="0">
+        <a:scrgbClr r="0" g="0" b="0"/>
+      </a:effectRef>
+      <a:fontRef idx="minor"/>
+    </dgm:style>
+  </dgm:styleLbl>
+  <dgm:styleLbl name="trAlignAcc1">
+    <dgm:scene3d>
+      <a:camera prst="orthographicFront"/>
+      <a:lightRig rig="threePt" dir="t"/>
+    </dgm:scene3d>
+    <dgm:sp3d/>
+    <dgm:txPr/>
+    <dgm:style>
+      <a:lnRef idx="1">
+        <a:scrgbClr r="0" g="0" b="0"/>
+      </a:lnRef>
+      <a:fillRef idx="1">
+        <a:scrgbClr r="0" g="0" b="0"/>
+      </a:fillRef>
+      <a:effectRef idx="0">
+        <a:scrgbClr r="0" g="0" b="0"/>
+      </a:effectRef>
+      <a:fontRef idx="minor"/>
+    </dgm:style>
+  </dgm:styleLbl>
+  <dgm:styleLbl name="bgAcc1">
+    <dgm:scene3d>
+      <a:camera prst="orthographicFront"/>
+      <a:lightRig rig="threePt" dir="t"/>
+    </dgm:scene3d>
+    <dgm:sp3d/>
+    <dgm:txPr/>
+    <dgm:style>
+      <a:lnRef idx="2">
+        <a:scrgbClr r="0" g="0" b="0"/>
+      </a:lnRef>
+      <a:fillRef idx="1">
+        <a:scrgbClr r="0" g="0" b="0"/>
+      </a:fillRef>
+      <a:effectRef idx="0">
+        <a:scrgbClr r="0" g="0" b="0"/>
+      </a:effectRef>
+      <a:fontRef idx="minor"/>
+    </dgm:style>
+  </dgm:styleLbl>
+  <dgm:styleLbl name="solidFgAcc1">
+    <dgm:scene3d>
+      <a:camera prst="orthographicFront"/>
+      <a:lightRig rig="threePt" dir="t"/>
+    </dgm:scene3d>
+    <dgm:sp3d/>
+    <dgm:txPr/>
+    <dgm:style>
+      <a:lnRef idx="2">
+        <a:scrgbClr r="0" g="0" b="0"/>
+      </a:lnRef>
+      <a:fillRef idx="1">
+        <a:scrgbClr r="0" g="0" b="0"/>
+      </a:fillRef>
+      <a:effectRef idx="0">
+        <a:scrgbClr r="0" g="0" b="0"/>
+      </a:effectRef>
+      <a:fontRef idx="minor"/>
+    </dgm:style>
+  </dgm:styleLbl>
+  <dgm:styleLbl name="solidAlignAcc1">
+    <dgm:scene3d>
+      <a:camera prst="orthographicFront"/>
+      <a:lightRig rig="threePt" dir="t"/>
+    </dgm:scene3d>
+    <dgm:sp3d/>
+    <dgm:txPr/>
+    <dgm:style>
+      <a:lnRef idx="2">
+        <a:scrgbClr r="0" g="0" b="0"/>
+      </a:lnRef>
+      <a:fillRef idx="1">
+        <a:scrgbClr r="0" g="0" b="0"/>
+      </a:fillRef>
+      <a:effectRef idx="0">
+        <a:scrgbClr r="0" g="0" b="0"/>
+      </a:effectRef>
+      <a:fontRef idx="minor"/>
+    </dgm:style>
+  </dgm:styleLbl>
+  <dgm:styleLbl name="solidBgAcc1">
+    <dgm:scene3d>
+      <a:camera prst="orthographicFront"/>
+      <a:lightRig rig="threePt" dir="t"/>
+    </dgm:scene3d>
+    <dgm:sp3d/>
+    <dgm:txPr/>
+    <dgm:style>
+      <a:lnRef idx="2">
+        <a:scrgbClr r="0" g="0" b="0"/>
+      </a:lnRef>
+      <a:fillRef idx="1">
+        <a:scrgbClr r="0" g="0" b="0"/>
+      </a:fillRef>
+      <a:effectRef idx="0">
+        <a:scrgbClr r="0" g="0" b="0"/>
+      </a:effectRef>
+      <a:fontRef idx="minor"/>
+    </dgm:style>
+  </dgm:styleLbl>
+  <dgm:styleLbl name="fgAccFollowNode1">
+    <dgm:scene3d>
+      <a:camera prst="orthographicFront"/>
+      <a:lightRig rig="threePt" dir="t"/>
+    </dgm:scene3d>
+    <dgm:sp3d/>
+    <dgm:txPr/>
+    <dgm:style>
+      <a:lnRef idx="2">
+        <a:scrgbClr r="0" g="0" b="0"/>
+      </a:lnRef>
+      <a:fillRef idx="1">
+        <a:scrgbClr r="0" g="0" b="0"/>
+      </a:fillRef>
+      <a:effectRef idx="0">
+        <a:scrgbClr r="0" g="0" b="0"/>
+      </a:effectRef>
+      <a:fontRef idx="minor"/>
+    </dgm:style>
+  </dgm:styleLbl>
+  <dgm:styleLbl name="alignAccFollowNode1">
+    <dgm:scene3d>
+      <a:camera prst="orthographicFront"/>
+      <a:lightRig rig="threePt" dir="t"/>
+    </dgm:scene3d>
+    <dgm:sp3d/>
+    <dgm:txPr/>
+    <dgm:style>
+      <a:lnRef idx="2">
+        <a:scrgbClr r="0" g="0" b="0"/>
+      </a:lnRef>
+      <a:fillRef idx="1">
+        <a:scrgbClr r="0" g="0" b="0"/>
+      </a:fillRef>
+      <a:effectRef idx="0">
+        <a:scrgbClr r="0" g="0" b="0"/>
+      </a:effectRef>
+      <a:fontRef idx="minor"/>
+    </dgm:style>
+  </dgm:styleLbl>
+  <dgm:styleLbl name="bgAccFollowNode1">
+    <dgm:scene3d>
+      <a:camera prst="orthographicFront"/>
+      <a:lightRig rig="threePt" dir="t"/>
+    </dgm:scene3d>
+    <dgm:sp3d/>
+    <dgm:txPr/>
+    <dgm:style>
+      <a:lnRef idx="2">
+        <a:scrgbClr r="0" g="0" b="0"/>
+      </a:lnRef>
+      <a:fillRef idx="1">
+        <a:scrgbClr r="0" g="0" b="0"/>
+      </a:fillRef>
+      <a:effectRef idx="0">
+        <a:scrgbClr r="0" g="0" b="0"/>
+      </a:effectRef>
+      <a:fontRef idx="minor"/>
+    </dgm:style>
+  </dgm:styleLbl>
+  <dgm:styleLbl name="fgAcc0">
+    <dgm:scene3d>
+      <a:camera prst="orthographicFront"/>
+      <a:lightRig rig="threePt" dir="t"/>
+    </dgm:scene3d>
+    <dgm:sp3d/>
+    <dgm:txPr/>
+    <dgm:style>
+      <a:lnRef idx="2">
+        <a:scrgbClr r="0" g="0" b="0"/>
+      </a:lnRef>
+      <a:fillRef idx="1">
+        <a:scrgbClr r="0" g="0" b="0"/>
+      </a:fillRef>
+      <a:effectRef idx="0">
+        <a:scrgbClr r="0" g="0" b="0"/>
+      </a:effectRef>
+      <a:fontRef idx="minor"/>
+    </dgm:style>
+  </dgm:styleLbl>
+  <dgm:styleLbl name="fgAcc2">
+    <dgm:scene3d>
+      <a:camera prst="orthographicFront"/>
+      <a:lightRig rig="threePt" dir="t"/>
+    </dgm:scene3d>
+    <dgm:sp3d/>
+    <dgm:txPr/>
+    <dgm:style>
+      <a:lnRef idx="2">
+        <a:scrgbClr r="0" g="0" b="0"/>
+      </a:lnRef>
+      <a:fillRef idx="1">
+        <a:scrgbClr r="0" g="0" b="0"/>
+      </a:fillRef>
+      <a:effectRef idx="0">
+        <a:scrgbClr r="0" g="0" b="0"/>
+      </a:effectRef>
+      <a:fontRef idx="minor"/>
+    </dgm:style>
+  </dgm:styleLbl>
+  <dgm:styleLbl name="fgAcc3">
+    <dgm:scene3d>
+      <a:camera prst="orthographicFront"/>
+      <a:lightRig rig="threePt" dir="t"/>
+    </dgm:scene3d>
+    <dgm:sp3d/>
+    <dgm:txPr/>
+    <dgm:style>
+      <a:lnRef idx="2">
+        <a:scrgbClr r="0" g="0" b="0"/>
+      </a:lnRef>
+      <a:fillRef idx="1">
+        <a:scrgbClr r="0" g="0" b="0"/>
+      </a:fillRef>
+      <a:effectRef idx="0">
+        <a:scrgbClr r="0" g="0" b="0"/>
+      </a:effectRef>
+      <a:fontRef idx="minor"/>
+    </dgm:style>
+  </dgm:styleLbl>
+  <dgm:styleLbl name="fgAcc4">
+    <dgm:scene3d>
+      <a:camera prst="orthographicFront"/>
+      <a:lightRig rig="threePt" dir="t"/>
+    </dgm:scene3d>
+    <dgm:sp3d/>
+    <dgm:txPr/>
+    <dgm:style>
+      <a:lnRef idx="2">
+        <a:scrgbClr r="0" g="0" b="0"/>
+      </a:lnRef>
+      <a:fillRef idx="1">
+        <a:scrgbClr r="0" g="0" b="0"/>
+      </a:fillRef>
+      <a:effectRef idx="0">
+        <a:scrgbClr r="0" g="0" b="0"/>
+      </a:effectRef>
+      <a:fontRef idx="minor"/>
+    </dgm:style>
+  </dgm:styleLbl>
+  <dgm:styleLbl name="bgShp">
+    <dgm:scene3d>
+      <a:camera prst="orthographicFront"/>
+      <a:lightRig rig="threePt" dir="t"/>
+    </dgm:scene3d>
+    <dgm:sp3d/>
+    <dgm:txPr/>
+    <dgm:style>
+      <a:lnRef idx="0">
+        <a:scrgbClr r="0" g="0" b="0"/>
+      </a:lnRef>
+      <a:fillRef idx="1">
+        <a:scrgbClr r="0" g="0" b="0"/>
+      </a:fillRef>
+      <a:effectRef idx="0">
+        <a:scrgbClr r="0" g="0" b="0"/>
+      </a:effectRef>
+      <a:fontRef idx="minor"/>
+    </dgm:style>
+  </dgm:styleLbl>
+  <dgm:styleLbl name="dkBgShp">
+    <dgm:scene3d>
+      <a:camera prst="orthographicFront"/>
+      <a:lightRig rig="threePt" dir="t"/>
+    </dgm:scene3d>
+    <dgm:sp3d/>
+    <dgm:txPr/>
+    <dgm:style>
+      <a:lnRef idx="0">
+        <a:scrgbClr r="0" g="0" b="0"/>
+      </a:lnRef>
+      <a:fillRef idx="1">
+        <a:scrgbClr r="0" g="0" b="0"/>
+      </a:fillRef>
+      <a:effectRef idx="0">
+        <a:scrgbClr r="0" g="0" b="0"/>
+      </a:effectRef>
+      <a:fontRef idx="minor"/>
+    </dgm:style>
+  </dgm:styleLbl>
+  <dgm:styleLbl name="trBgShp">
+    <dgm:scene3d>
+      <a:camera prst="orthographicFront"/>
+      <a:lightRig rig="threePt" dir="t"/>
+    </dgm:scene3d>
+    <dgm:sp3d/>
+    <dgm:txPr/>
+    <dgm:style>
+      <a:lnRef idx="0">
+        <a:scrgbClr r="0" g="0" b="0"/>
+      </a:lnRef>
+      <a:fillRef idx="1">
+        <a:scrgbClr r="0" g="0" b="0"/>
+      </a:fillRef>
+      <a:effectRef idx="0">
+        <a:scrgbClr r="0" g="0" b="0"/>
+      </a:effectRef>
+      <a:fontRef idx="minor"/>
+    </dgm:style>
+  </dgm:styleLbl>
+  <dgm:styleLbl name="fgShp">
+    <dgm:scene3d>
+      <a:camera prst="orthographicFront"/>
+      <a:lightRig rig="threePt" dir="t"/>
+    </dgm:scene3d>
+    <dgm:sp3d/>
+    <dgm:txPr/>
+    <dgm:style>
+      <a:lnRef idx="2">
+        <a:scrgbClr r="0" g="0" b="0"/>
+      </a:lnRef>
+      <a:fillRef idx="1">
+        <a:scrgbClr r="0" g="0" b="0"/>
+      </a:fillRef>
+      <a:effectRef idx="0">
+        <a:scrgbClr r="0" g="0" b="0"/>
+      </a:effectRef>
+      <a:fontRef idx="minor"/>
+    </dgm:style>
+  </dgm:styleLbl>
+  <dgm:styleLbl name="revTx">
+    <dgm:scene3d>
+      <a:camera prst="orthographicFront"/>
+      <a:lightRig rig="threePt" dir="t"/>
+    </dgm:scene3d>
+    <dgm:sp3d/>
+    <dgm:txPr/>
+    <dgm:style>
+      <a:lnRef idx="0">
+        <a:scrgbClr r="0" g="0" b="0"/>
+      </a:lnRef>
+      <a:fillRef idx="0">
+        <a:scrgbClr r="0" g="0" b="0"/>
+      </a:fillRef>
+      <a:effectRef idx="0">
+        <a:scrgbClr r="0" g="0" b="0"/>
+      </a:effectRef>
+      <a:fontRef idx="minor"/>
+    </dgm:style>
+  </dgm:styleLbl>
+</dgm:styleDef>
+</file>
+
 <file path=ppt/diagrams/quickStyle2.xml><?xml version="1.0" encoding="utf-8"?>
 <dgm:styleDef xmlns:dgm="http://schemas.openxmlformats.org/drawingml/2006/diagram" xmlns:a="http://schemas.openxmlformats.org/drawingml/2006/main" uniqueId="urn:microsoft.com/office/officeart/2005/8/quickstyle/simple1">
   <dgm:title val=""/>
@@ -35899,7 +38373,7 @@
           <a:p>
             <a:fld id="{B545A12E-A9A4-4075-8B34-6840EFC874D8}" type="datetimeFigureOut">
               <a:rPr lang="zh-CN" altLang="en-US" smtClean="0"/>
-              <a:t>2022/10/23</a:t>
+              <a:t>2022/10/24</a:t>
             </a:fld>
             <a:endParaRPr lang="zh-CN" altLang="en-US"/>
           </a:p>
@@ -36452,6 +38926,383 @@
     <p:extLst>
       <p:ext uri="{BB962C8B-B14F-4D97-AF65-F5344CB8AC3E}">
         <p14:creationId xmlns:p14="http://schemas.microsoft.com/office/powerpoint/2010/main" val="150677319"/>
+      </p:ext>
+    </p:extLst>
+  </p:cSld>
+  <p:clrMapOvr>
+    <a:masterClrMapping/>
+  </p:clrMapOvr>
+</p:notes>
+</file>
+
+<file path=ppt/notesSlides/notesSlide4.xml><?xml version="1.0" encoding="utf-8"?>
+<p:notes xmlns:a="http://schemas.openxmlformats.org/drawingml/2006/main" xmlns:r="http://schemas.openxmlformats.org/officeDocument/2006/relationships" xmlns:p="http://schemas.openxmlformats.org/presentationml/2006/main">
+  <p:cSld>
+    <p:spTree>
+      <p:nvGrpSpPr>
+        <p:cNvPr id="1" name=""/>
+        <p:cNvGrpSpPr/>
+        <p:nvPr/>
+      </p:nvGrpSpPr>
+      <p:grpSpPr>
+        <a:xfrm>
+          <a:off x="0" y="0"/>
+          <a:ext cx="0" cy="0"/>
+          <a:chOff x="0" y="0"/>
+          <a:chExt cx="0" cy="0"/>
+        </a:xfrm>
+      </p:grpSpPr>
+      <p:sp>
+        <p:nvSpPr>
+          <p:cNvPr id="2" name="幻灯片图像占位符 1"/>
+          <p:cNvSpPr>
+            <a:spLocks noGrp="1" noRot="1" noChangeAspect="1"/>
+          </p:cNvSpPr>
+          <p:nvPr>
+            <p:ph type="sldImg"/>
+          </p:nvPr>
+        </p:nvSpPr>
+        <p:spPr/>
+      </p:sp>
+      <p:sp>
+        <p:nvSpPr>
+          <p:cNvPr id="3" name="备注占位符 2"/>
+          <p:cNvSpPr>
+            <a:spLocks noGrp="1"/>
+          </p:cNvSpPr>
+          <p:nvPr>
+            <p:ph type="body" idx="1"/>
+          </p:nvPr>
+        </p:nvSpPr>
+        <p:spPr/>
+        <p:txBody>
+          <a:bodyPr/>
+          <a:lstStyle/>
+          <a:p>
+            <a:pPr marL="171450" indent="-171450">
+              <a:buFont typeface="Arial" panose="020B0604020202020204" pitchFamily="34" charset="0"/>
+              <a:buChar char="•"/>
+            </a:pPr>
+            <a:r>
+              <a:rPr lang="en-US" altLang="zh-CN" dirty="0"/>
+              <a:t>pkg/</a:t>
+            </a:r>
+            <a:r>
+              <a:rPr lang="en-US" altLang="zh-CN" dirty="0" err="1"/>
+              <a:t>kubelet</a:t>
+            </a:r>
+            <a:r>
+              <a:rPr lang="en-US" altLang="zh-CN" dirty="0"/>
+              <a:t>/</a:t>
+            </a:r>
+            <a:r>
+              <a:rPr lang="en-US" altLang="zh-CN" dirty="0" err="1"/>
+              <a:t>kuberuntime</a:t>
+            </a:r>
+            <a:r>
+              <a:rPr lang="en-US" altLang="zh-CN" dirty="0"/>
+              <a:t>/</a:t>
+            </a:r>
+            <a:r>
+              <a:rPr lang="en-US" altLang="zh-CN" dirty="0" err="1"/>
+              <a:t>kuberuntime_manager.go</a:t>
+            </a:r>
+            <a:r>
+              <a:rPr lang="en-US" altLang="zh-CN" dirty="0"/>
+              <a:t> </a:t>
+            </a:r>
+            <a:r>
+              <a:rPr lang="en-US" altLang="zh-CN" dirty="0" err="1">
+                <a:solidFill>
+                  <a:srgbClr val="E6B163"/>
+                </a:solidFill>
+                <a:effectLst/>
+              </a:rPr>
+              <a:t>SyncPod</a:t>
+            </a:r>
+            <a:endParaRPr lang="en-US" altLang="zh-CN" dirty="0"/>
+          </a:p>
+          <a:p>
+            <a:pPr marL="171450" indent="-171450">
+              <a:buFont typeface="Arial" panose="020B0604020202020204" pitchFamily="34" charset="0"/>
+              <a:buChar char="•"/>
+            </a:pPr>
+            <a:r>
+              <a:rPr lang="en-US" altLang="zh-CN" dirty="0"/>
+              <a:t>Sandbox </a:t>
+            </a:r>
+            <a:r>
+              <a:rPr lang="zh-CN" altLang="en-US" dirty="0"/>
+              <a:t>为 </a:t>
+            </a:r>
+            <a:r>
+              <a:rPr lang="en-US" altLang="zh-CN" dirty="0"/>
+              <a:t>Container </a:t>
+            </a:r>
+            <a:r>
+              <a:rPr lang="zh-CN" altLang="en-US" dirty="0"/>
+              <a:t>提供一定的运行环境，这其中包括 </a:t>
+            </a:r>
+            <a:r>
+              <a:rPr lang="en-US" altLang="zh-CN" dirty="0"/>
+              <a:t>pod </a:t>
+            </a:r>
+            <a:r>
+              <a:rPr lang="zh-CN" altLang="en-US" dirty="0"/>
+              <a:t>的网络等。 </a:t>
+            </a:r>
+            <a:r>
+              <a:rPr lang="en-US" altLang="zh-CN" dirty="0"/>
+              <a:t>Container </a:t>
+            </a:r>
+            <a:r>
+              <a:rPr lang="zh-CN" altLang="en-US" dirty="0"/>
+              <a:t>包括容器生命周期的具体操作，</a:t>
+            </a:r>
+            <a:r>
+              <a:rPr lang="en-US" altLang="zh-CN" dirty="0"/>
+              <a:t>Image </a:t>
+            </a:r>
+            <a:r>
+              <a:rPr lang="zh-CN" altLang="en-US" dirty="0"/>
+              <a:t>则提供对镜像的操作。</a:t>
+            </a:r>
+            <a:endParaRPr lang="en-US" altLang="zh-CN" dirty="0"/>
+          </a:p>
+          <a:p>
+            <a:pPr marL="171450" indent="-171450">
+              <a:buFont typeface="Arial" panose="020B0604020202020204" pitchFamily="34" charset="0"/>
+              <a:buChar char="•"/>
+            </a:pPr>
+            <a:r>
+              <a:rPr lang="en-US" altLang="zh-CN" b="0" i="0" dirty="0">
+                <a:solidFill>
+                  <a:srgbClr val="121212"/>
+                </a:solidFill>
+                <a:effectLst/>
+                <a:latin typeface="-apple-system"/>
+              </a:rPr>
+              <a:t>CRI </a:t>
+            </a:r>
+            <a:r>
+              <a:rPr lang="zh-CN" altLang="en-US" b="0" i="0" dirty="0">
+                <a:solidFill>
+                  <a:srgbClr val="121212"/>
+                </a:solidFill>
+                <a:effectLst/>
+                <a:latin typeface="-apple-system"/>
+              </a:rPr>
+              <a:t>体系里，</a:t>
+            </a:r>
+            <a:r>
+              <a:rPr lang="en-US" altLang="zh-CN" b="0" i="0" dirty="0">
+                <a:solidFill>
+                  <a:srgbClr val="121212"/>
+                </a:solidFill>
+                <a:effectLst/>
+                <a:latin typeface="-apple-system"/>
+              </a:rPr>
+              <a:t>Pod Sandbox </a:t>
+            </a:r>
+            <a:r>
+              <a:rPr lang="zh-CN" altLang="en-US" b="0" i="0" dirty="0">
+                <a:solidFill>
+                  <a:srgbClr val="121212"/>
+                </a:solidFill>
+                <a:effectLst/>
+                <a:latin typeface="-apple-system"/>
+              </a:rPr>
+              <a:t>其实就是 </a:t>
+            </a:r>
+            <a:r>
+              <a:rPr lang="en-US" altLang="zh-CN" b="0" i="0" dirty="0">
+                <a:solidFill>
+                  <a:srgbClr val="121212"/>
+                </a:solidFill>
+                <a:effectLst/>
+                <a:latin typeface="-apple-system"/>
+              </a:rPr>
+              <a:t>pause </a:t>
+            </a:r>
+            <a:r>
+              <a:rPr lang="zh-CN" altLang="en-US" b="0" i="0" dirty="0">
+                <a:solidFill>
+                  <a:srgbClr val="121212"/>
+                </a:solidFill>
+                <a:effectLst/>
+                <a:latin typeface="-apple-system"/>
+              </a:rPr>
+              <a:t>容器。</a:t>
+            </a:r>
+            <a:endParaRPr lang="zh-CN" altLang="en-US" dirty="0"/>
+          </a:p>
+        </p:txBody>
+      </p:sp>
+      <p:sp>
+        <p:nvSpPr>
+          <p:cNvPr id="4" name="灯片编号占位符 3"/>
+          <p:cNvSpPr>
+            <a:spLocks noGrp="1"/>
+          </p:cNvSpPr>
+          <p:nvPr>
+            <p:ph type="sldNum" sz="quarter" idx="5"/>
+          </p:nvPr>
+        </p:nvSpPr>
+        <p:spPr/>
+        <p:txBody>
+          <a:bodyPr/>
+          <a:lstStyle/>
+          <a:p>
+            <a:fld id="{A2233CC5-F75D-4D11-A25F-1E852ECE9806}" type="slidenum">
+              <a:rPr lang="zh-CN" altLang="en-US" smtClean="0"/>
+              <a:t>19</a:t>
+            </a:fld>
+            <a:endParaRPr lang="zh-CN" altLang="en-US"/>
+          </a:p>
+        </p:txBody>
+      </p:sp>
+    </p:spTree>
+    <p:extLst>
+      <p:ext uri="{BB962C8B-B14F-4D97-AF65-F5344CB8AC3E}">
+        <p14:creationId xmlns:p14="http://schemas.microsoft.com/office/powerpoint/2010/main" val="1256627606"/>
+      </p:ext>
+    </p:extLst>
+  </p:cSld>
+  <p:clrMapOvr>
+    <a:masterClrMapping/>
+  </p:clrMapOvr>
+</p:notes>
+</file>
+
+<file path=ppt/notesSlides/notesSlide5.xml><?xml version="1.0" encoding="utf-8"?>
+<p:notes xmlns:a="http://schemas.openxmlformats.org/drawingml/2006/main" xmlns:r="http://schemas.openxmlformats.org/officeDocument/2006/relationships" xmlns:p="http://schemas.openxmlformats.org/presentationml/2006/main">
+  <p:cSld>
+    <p:spTree>
+      <p:nvGrpSpPr>
+        <p:cNvPr id="1" name=""/>
+        <p:cNvGrpSpPr/>
+        <p:nvPr/>
+      </p:nvGrpSpPr>
+      <p:grpSpPr>
+        <a:xfrm>
+          <a:off x="0" y="0"/>
+          <a:ext cx="0" cy="0"/>
+          <a:chOff x="0" y="0"/>
+          <a:chExt cx="0" cy="0"/>
+        </a:xfrm>
+      </p:grpSpPr>
+      <p:sp>
+        <p:nvSpPr>
+          <p:cNvPr id="2" name="幻灯片图像占位符 1"/>
+          <p:cNvSpPr>
+            <a:spLocks noGrp="1" noRot="1" noChangeAspect="1"/>
+          </p:cNvSpPr>
+          <p:nvPr>
+            <p:ph type="sldImg"/>
+          </p:nvPr>
+        </p:nvSpPr>
+        <p:spPr/>
+      </p:sp>
+      <p:sp>
+        <p:nvSpPr>
+          <p:cNvPr id="3" name="备注占位符 2"/>
+          <p:cNvSpPr>
+            <a:spLocks noGrp="1"/>
+          </p:cNvSpPr>
+          <p:nvPr>
+            <p:ph type="body" idx="1"/>
+          </p:nvPr>
+        </p:nvSpPr>
+        <p:spPr/>
+        <p:txBody>
+          <a:bodyPr/>
+          <a:lstStyle/>
+          <a:p>
+            <a:r>
+              <a:rPr lang="zh-CN" altLang="en-US" b="0" i="0" dirty="0">
+                <a:solidFill>
+                  <a:srgbClr val="333333"/>
+                </a:solidFill>
+                <a:effectLst/>
+                <a:latin typeface="Merriweather" panose="020B0604020202020204" pitchFamily="2" charset="0"/>
+              </a:rPr>
+              <a:t>调用内部的生命周期方法 </a:t>
+            </a:r>
+            <a:r>
+              <a:rPr lang="en-US" altLang="zh-CN" dirty="0" err="1"/>
+              <a:t>PreStartContainer</a:t>
+            </a:r>
+            <a:r>
+              <a:rPr lang="en-US" altLang="zh-CN" b="0" i="0" dirty="0">
+                <a:solidFill>
+                  <a:srgbClr val="333333"/>
+                </a:solidFill>
+                <a:effectLst/>
+                <a:latin typeface="Merriweather" panose="020B0604020202020204" pitchFamily="2" charset="0"/>
+              </a:rPr>
+              <a:t> </a:t>
+            </a:r>
+            <a:r>
+              <a:rPr lang="zh-CN" altLang="en-US" b="0" i="0" dirty="0">
+                <a:solidFill>
+                  <a:srgbClr val="333333"/>
+                </a:solidFill>
+                <a:effectLst/>
+                <a:latin typeface="Merriweather" panose="020B0604020202020204" pitchFamily="2" charset="0"/>
+              </a:rPr>
+              <a:t>为当前的容器设置分配的 </a:t>
+            </a:r>
+            <a:r>
+              <a:rPr lang="en-US" altLang="zh-CN" b="0" i="0" dirty="0">
+                <a:solidFill>
+                  <a:srgbClr val="333333"/>
+                </a:solidFill>
+                <a:effectLst/>
+                <a:latin typeface="Merriweather" panose="020B0604020202020204" pitchFamily="2" charset="0"/>
+              </a:rPr>
+              <a:t>CPU </a:t>
+            </a:r>
+            <a:r>
+              <a:rPr lang="zh-CN" altLang="en-US" b="0" i="0" dirty="0">
+                <a:solidFill>
+                  <a:srgbClr val="333333"/>
+                </a:solidFill>
+                <a:effectLst/>
+                <a:latin typeface="Merriweather" panose="020B0604020202020204" pitchFamily="2" charset="0"/>
+              </a:rPr>
+              <a:t>等资源</a:t>
+            </a:r>
+            <a:endParaRPr lang="zh-CN" altLang="en-US" dirty="0"/>
+          </a:p>
+        </p:txBody>
+      </p:sp>
+      <p:sp>
+        <p:nvSpPr>
+          <p:cNvPr id="4" name="灯片编号占位符 3"/>
+          <p:cNvSpPr>
+            <a:spLocks noGrp="1"/>
+          </p:cNvSpPr>
+          <p:nvPr>
+            <p:ph type="sldNum" sz="quarter" idx="5"/>
+          </p:nvPr>
+        </p:nvSpPr>
+        <p:spPr/>
+        <p:txBody>
+          <a:bodyPr/>
+          <a:lstStyle/>
+          <a:p>
+            <a:fld id="{A2233CC5-F75D-4D11-A25F-1E852ECE9806}" type="slidenum">
+              <a:rPr lang="zh-CN" altLang="en-US" smtClean="0"/>
+              <a:t>20</a:t>
+            </a:fld>
+            <a:endParaRPr lang="zh-CN" altLang="en-US"/>
+          </a:p>
+        </p:txBody>
+      </p:sp>
+    </p:spTree>
+    <p:extLst>
+      <p:ext uri="{BB962C8B-B14F-4D97-AF65-F5344CB8AC3E}">
+        <p14:creationId xmlns:p14="http://schemas.microsoft.com/office/powerpoint/2010/main" val="2056220364"/>
       </p:ext>
     </p:extLst>
   </p:cSld>
@@ -37183,7 +40034,7 @@
           <a:p>
             <a:fld id="{8BA9216E-B78E-4B37-A46B-9D5E94D01D3E}" type="datetimeFigureOut">
               <a:rPr lang="zh-CN" altLang="en-US" smtClean="0"/>
-              <a:t>2022/10/19</a:t>
+              <a:t>2022/10/24</a:t>
             </a:fld>
             <a:endParaRPr lang="zh-CN" altLang="en-US"/>
           </a:p>
@@ -37434,7 +40285,7 @@
           <a:p>
             <a:fld id="{8BA9216E-B78E-4B37-A46B-9D5E94D01D3E}" type="datetimeFigureOut">
               <a:rPr lang="zh-CN" altLang="en-US" smtClean="0"/>
-              <a:t>2022/10/19</a:t>
+              <a:t>2022/10/24</a:t>
             </a:fld>
             <a:endParaRPr lang="zh-CN" altLang="en-US"/>
           </a:p>
@@ -37748,7 +40599,7 @@
           <a:p>
             <a:fld id="{8BA9216E-B78E-4B37-A46B-9D5E94D01D3E}" type="datetimeFigureOut">
               <a:rPr lang="zh-CN" altLang="en-US" smtClean="0"/>
-              <a:t>2022/10/19</a:t>
+              <a:t>2022/10/24</a:t>
             </a:fld>
             <a:endParaRPr lang="zh-CN" altLang="en-US"/>
           </a:p>
@@ -38089,7 +40940,7 @@
           <a:p>
             <a:fld id="{8BA9216E-B78E-4B37-A46B-9D5E94D01D3E}" type="datetimeFigureOut">
               <a:rPr lang="zh-CN" altLang="en-US" smtClean="0"/>
-              <a:t>2022/10/19</a:t>
+              <a:t>2022/10/24</a:t>
             </a:fld>
             <a:endParaRPr lang="zh-CN" altLang="en-US"/>
           </a:p>
@@ -38403,7 +41254,7 @@
           <a:p>
             <a:fld id="{8BA9216E-B78E-4B37-A46B-9D5E94D01D3E}" type="datetimeFigureOut">
               <a:rPr lang="zh-CN" altLang="en-US" smtClean="0"/>
-              <a:t>2022/10/19</a:t>
+              <a:t>2022/10/24</a:t>
             </a:fld>
             <a:endParaRPr lang="zh-CN" altLang="en-US"/>
           </a:p>
@@ -38796,7 +41647,7 @@
           <a:p>
             <a:fld id="{8BA9216E-B78E-4B37-A46B-9D5E94D01D3E}" type="datetimeFigureOut">
               <a:rPr lang="zh-CN" altLang="en-US" smtClean="0"/>
-              <a:t>2022/10/19</a:t>
+              <a:t>2022/10/24</a:t>
             </a:fld>
             <a:endParaRPr lang="zh-CN" altLang="en-US"/>
           </a:p>
@@ -38966,7 +41817,7 @@
           <a:p>
             <a:fld id="{8BA9216E-B78E-4B37-A46B-9D5E94D01D3E}" type="datetimeFigureOut">
               <a:rPr lang="zh-CN" altLang="en-US" smtClean="0"/>
-              <a:t>2022/10/19</a:t>
+              <a:t>2022/10/24</a:t>
             </a:fld>
             <a:endParaRPr lang="zh-CN" altLang="en-US"/>
           </a:p>
@@ -39146,7 +41997,7 @@
           <a:p>
             <a:fld id="{8BA9216E-B78E-4B37-A46B-9D5E94D01D3E}" type="datetimeFigureOut">
               <a:rPr lang="zh-CN" altLang="en-US" smtClean="0"/>
-              <a:t>2022/10/19</a:t>
+              <a:t>2022/10/24</a:t>
             </a:fld>
             <a:endParaRPr lang="zh-CN" altLang="en-US"/>
           </a:p>
@@ -39322,7 +42173,7 @@
           <a:p>
             <a:fld id="{8BA9216E-B78E-4B37-A46B-9D5E94D01D3E}" type="datetimeFigureOut">
               <a:rPr lang="zh-CN" altLang="en-US" smtClean="0"/>
-              <a:t>2022/10/19</a:t>
+              <a:t>2022/10/24</a:t>
             </a:fld>
             <a:endParaRPr lang="zh-CN" altLang="en-US"/>
           </a:p>
@@ -39569,7 +42420,7 @@
           <a:p>
             <a:fld id="{8BA9216E-B78E-4B37-A46B-9D5E94D01D3E}" type="datetimeFigureOut">
               <a:rPr lang="zh-CN" altLang="en-US" smtClean="0"/>
-              <a:t>2022/10/19</a:t>
+              <a:t>2022/10/24</a:t>
             </a:fld>
             <a:endParaRPr lang="zh-CN" altLang="en-US"/>
           </a:p>
@@ -39801,7 +42652,7 @@
           <a:p>
             <a:fld id="{8BA9216E-B78E-4B37-A46B-9D5E94D01D3E}" type="datetimeFigureOut">
               <a:rPr lang="zh-CN" altLang="en-US" smtClean="0"/>
-              <a:t>2022/10/19</a:t>
+              <a:t>2022/10/24</a:t>
             </a:fld>
             <a:endParaRPr lang="zh-CN" altLang="en-US"/>
           </a:p>
@@ -40175,7 +43026,7 @@
           <a:p>
             <a:fld id="{8BA9216E-B78E-4B37-A46B-9D5E94D01D3E}" type="datetimeFigureOut">
               <a:rPr lang="zh-CN" altLang="en-US" smtClean="0"/>
-              <a:t>2022/10/19</a:t>
+              <a:t>2022/10/24</a:t>
             </a:fld>
             <a:endParaRPr lang="zh-CN" altLang="en-US"/>
           </a:p>
@@ -40298,7 +43149,7 @@
           <a:p>
             <a:fld id="{8BA9216E-B78E-4B37-A46B-9D5E94D01D3E}" type="datetimeFigureOut">
               <a:rPr lang="zh-CN" altLang="en-US" smtClean="0"/>
-              <a:t>2022/10/19</a:t>
+              <a:t>2022/10/24</a:t>
             </a:fld>
             <a:endParaRPr lang="zh-CN" altLang="en-US"/>
           </a:p>
@@ -40393,7 +43244,7 @@
           <a:p>
             <a:fld id="{8BA9216E-B78E-4B37-A46B-9D5E94D01D3E}" type="datetimeFigureOut">
               <a:rPr lang="zh-CN" altLang="en-US" smtClean="0"/>
-              <a:t>2022/10/19</a:t>
+              <a:t>2022/10/24</a:t>
             </a:fld>
             <a:endParaRPr lang="zh-CN" altLang="en-US"/>
           </a:p>
@@ -40648,7 +43499,7 @@
           <a:p>
             <a:fld id="{8BA9216E-B78E-4B37-A46B-9D5E94D01D3E}" type="datetimeFigureOut">
               <a:rPr lang="zh-CN" altLang="en-US" smtClean="0"/>
-              <a:t>2022/10/19</a:t>
+              <a:t>2022/10/24</a:t>
             </a:fld>
             <a:endParaRPr lang="zh-CN" altLang="en-US"/>
           </a:p>
@@ -40911,7 +43762,7 @@
           <a:p>
             <a:fld id="{8BA9216E-B78E-4B37-A46B-9D5E94D01D3E}" type="datetimeFigureOut">
               <a:rPr lang="zh-CN" altLang="en-US" smtClean="0"/>
-              <a:t>2022/10/19</a:t>
+              <a:t>2022/10/24</a:t>
             </a:fld>
             <a:endParaRPr lang="zh-CN" altLang="en-US"/>
           </a:p>
@@ -41654,7 +44505,7 @@
           <a:p>
             <a:fld id="{8BA9216E-B78E-4B37-A46B-9D5E94D01D3E}" type="datetimeFigureOut">
               <a:rPr lang="zh-CN" altLang="en-US" smtClean="0"/>
-              <a:t>2022/10/19</a:t>
+              <a:t>2022/10/24</a:t>
             </a:fld>
             <a:endParaRPr lang="zh-CN" altLang="en-US"/>
           </a:p>
@@ -43729,7 +46580,14 @@
           <a:bodyPr/>
           <a:lstStyle/>
           <a:p>
-            <a:endParaRPr lang="zh-CN" altLang="en-US"/>
+            <a:r>
+              <a:rPr lang="en-US" altLang="zh-CN" dirty="0"/>
+              <a:t>Pod </a:t>
+            </a:r>
+            <a:r>
+              <a:rPr lang="zh-CN" altLang="en-US" dirty="0"/>
+              <a:t>的生命周期</a:t>
+            </a:r>
           </a:p>
         </p:txBody>
       </p:sp>
@@ -43746,7 +46604,7 @@
             <a:picLocks noGrp="1" noChangeAspect="1" noChangeArrowheads="1"/>
           </p:cNvPicPr>
           <p:nvPr>
-            <p:ph idx="1"/>
+            <p:ph sz="half" idx="1"/>
           </p:nvPr>
         </p:nvPicPr>
         <p:blipFill>
@@ -43757,15 +46615,14 @@
               </a:ext>
             </a:extLst>
           </a:blip>
-          <a:srcRect/>
           <a:stretch>
             <a:fillRect/>
           </a:stretch>
         </p:blipFill>
         <p:spPr bwMode="auto">
           <a:xfrm>
-            <a:off x="741724" y="2160588"/>
-            <a:ext cx="8468589" cy="3881437"/>
+            <a:off x="677863" y="2160589"/>
+            <a:ext cx="4183062" cy="3880773"/>
           </a:xfrm>
           <a:prstGeom prst="rect">
             <a:avLst/>
@@ -43782,6 +46639,37 @@
           </a:extLst>
         </p:spPr>
       </p:pic>
+      <p:graphicFrame>
+        <p:nvGraphicFramePr>
+          <p:cNvPr id="5" name="内容占位符 4">
+            <a:extLst>
+              <a:ext uri="{FF2B5EF4-FFF2-40B4-BE49-F238E27FC236}">
+                <a16:creationId xmlns:a16="http://schemas.microsoft.com/office/drawing/2014/main" id="{837E7FEE-1ED7-FD44-BB8E-7D024A7BE7CB}"/>
+              </a:ext>
+            </a:extLst>
+          </p:cNvPr>
+          <p:cNvGraphicFramePr>
+            <a:graphicFrameLocks noGrp="1"/>
+          </p:cNvGraphicFramePr>
+          <p:nvPr>
+            <p:ph sz="half" idx="2"/>
+            <p:extLst>
+              <p:ext uri="{D42A27DB-BD31-4B8C-83A1-F6EECF244321}">
+                <p14:modId xmlns:p14="http://schemas.microsoft.com/office/powerpoint/2010/main" val="2747849665"/>
+              </p:ext>
+            </p:extLst>
+          </p:nvPr>
+        </p:nvGraphicFramePr>
+        <p:xfrm>
+          <a:off x="5089970" y="2160589"/>
+          <a:ext cx="4184034" cy="3880773"/>
+        </p:xfrm>
+        <a:graphic>
+          <a:graphicData uri="http://schemas.openxmlformats.org/drawingml/2006/diagram">
+            <dgm:relIds xmlns:dgm="http://schemas.openxmlformats.org/drawingml/2006/diagram" xmlns:r="http://schemas.openxmlformats.org/officeDocument/2006/relationships" r:dm="rId3" r:lo="rId4" r:qs="rId5" r:cs="rId6"/>
+          </a:graphicData>
+        </a:graphic>
+      </p:graphicFrame>
     </p:spTree>
     <p:extLst>
       <p:ext uri="{BB962C8B-B14F-4D97-AF65-F5344CB8AC3E}">
@@ -43861,7 +46749,7 @@
           </p:nvPr>
         </p:nvPicPr>
         <p:blipFill>
-          <a:blip r:embed="rId2"/>
+          <a:blip r:embed="rId3"/>
           <a:stretch>
             <a:fillRect/>
           </a:stretch>
@@ -43890,7 +46778,7 @@
           </p:nvPr>
         </p:nvPicPr>
         <p:blipFill>
-          <a:blip r:embed="rId3"/>
+          <a:blip r:embed="rId4"/>
           <a:stretch>
             <a:fillRect/>
           </a:stretch>
@@ -44034,6 +46922,230 @@
           <p:cNvPr id="2" name="标题 1">
             <a:extLst>
               <a:ext uri="{FF2B5EF4-FFF2-40B4-BE49-F238E27FC236}">
+                <a16:creationId xmlns:a16="http://schemas.microsoft.com/office/drawing/2014/main" id="{DFBFB2F0-6F50-DDA3-8D02-96779A09BB1C}"/>
+              </a:ext>
+            </a:extLst>
+          </p:cNvPr>
+          <p:cNvSpPr>
+            <a:spLocks noGrp="1"/>
+          </p:cNvSpPr>
+          <p:nvPr>
+            <p:ph type="title"/>
+          </p:nvPr>
+        </p:nvSpPr>
+        <p:spPr/>
+        <p:txBody>
+          <a:bodyPr/>
+          <a:lstStyle/>
+          <a:p>
+            <a:r>
+              <a:rPr lang="zh-CN" altLang="en-US" dirty="0"/>
+              <a:t>创建容器过程</a:t>
+            </a:r>
+          </a:p>
+        </p:txBody>
+      </p:sp>
+      <p:pic>
+        <p:nvPicPr>
+          <p:cNvPr id="8" name="内容占位符 7">
+            <a:extLst>
+              <a:ext uri="{FF2B5EF4-FFF2-40B4-BE49-F238E27FC236}">
+                <a16:creationId xmlns:a16="http://schemas.microsoft.com/office/drawing/2014/main" id="{C4457874-D443-72B8-9102-19091EBA41B2}"/>
+              </a:ext>
+            </a:extLst>
+          </p:cNvPr>
+          <p:cNvPicPr>
+            <a:picLocks noGrp="1" noChangeAspect="1"/>
+          </p:cNvPicPr>
+          <p:nvPr>
+            <p:ph sz="half" idx="2"/>
+          </p:nvPr>
+        </p:nvPicPr>
+        <p:blipFill>
+          <a:blip r:embed="rId3"/>
+          <a:stretch>
+            <a:fillRect/>
+          </a:stretch>
+        </p:blipFill>
+        <p:spPr>
+          <a:xfrm>
+            <a:off x="5089525" y="2716458"/>
+            <a:ext cx="4184650" cy="2769696"/>
+          </a:xfrm>
+        </p:spPr>
+      </p:pic>
+      <p:pic>
+        <p:nvPicPr>
+          <p:cNvPr id="12" name="内容占位符 11">
+            <a:extLst>
+              <a:ext uri="{FF2B5EF4-FFF2-40B4-BE49-F238E27FC236}">
+                <a16:creationId xmlns:a16="http://schemas.microsoft.com/office/drawing/2014/main" id="{F6DA6510-50C8-70D8-3CBD-FB9A0D82FD35}"/>
+              </a:ext>
+            </a:extLst>
+          </p:cNvPr>
+          <p:cNvPicPr>
+            <a:picLocks noGrp="1" noChangeAspect="1"/>
+          </p:cNvPicPr>
+          <p:nvPr>
+            <p:ph sz="half" idx="1"/>
+          </p:nvPr>
+        </p:nvPicPr>
+        <p:blipFill>
+          <a:blip r:embed="rId4"/>
+          <a:stretch>
+            <a:fillRect/>
+          </a:stretch>
+        </p:blipFill>
+        <p:spPr>
+          <a:xfrm>
+            <a:off x="1967902" y="2160588"/>
+            <a:ext cx="1602983" cy="3881437"/>
+          </a:xfrm>
+        </p:spPr>
+      </p:pic>
+    </p:spTree>
+    <p:extLst>
+      <p:ext uri="{BB962C8B-B14F-4D97-AF65-F5344CB8AC3E}">
+        <p14:creationId xmlns:p14="http://schemas.microsoft.com/office/powerpoint/2010/main" val="1659118853"/>
+      </p:ext>
+    </p:extLst>
+  </p:cSld>
+  <p:clrMapOvr>
+    <a:masterClrMapping/>
+  </p:clrMapOvr>
+</p:sld>
+</file>
+
+<file path=ppt/slides/slide21.xml><?xml version="1.0" encoding="utf-8"?>
+<p:sld xmlns:a="http://schemas.openxmlformats.org/drawingml/2006/main" xmlns:r="http://schemas.openxmlformats.org/officeDocument/2006/relationships" xmlns:p="http://schemas.openxmlformats.org/presentationml/2006/main">
+  <p:cSld>
+    <p:spTree>
+      <p:nvGrpSpPr>
+        <p:cNvPr id="1" name=""/>
+        <p:cNvGrpSpPr/>
+        <p:nvPr/>
+      </p:nvGrpSpPr>
+      <p:grpSpPr>
+        <a:xfrm>
+          <a:off x="0" y="0"/>
+          <a:ext cx="0" cy="0"/>
+          <a:chOff x="0" y="0"/>
+          <a:chExt cx="0" cy="0"/>
+        </a:xfrm>
+      </p:grpSpPr>
+      <p:sp>
+        <p:nvSpPr>
+          <p:cNvPr id="2" name="标题 1">
+            <a:extLst>
+              <a:ext uri="{FF2B5EF4-FFF2-40B4-BE49-F238E27FC236}">
+                <a16:creationId xmlns:a16="http://schemas.microsoft.com/office/drawing/2014/main" id="{2AA6A035-A4CF-A20C-5FC0-3458D8E0682F}"/>
+              </a:ext>
+            </a:extLst>
+          </p:cNvPr>
+          <p:cNvSpPr>
+            <a:spLocks noGrp="1"/>
+          </p:cNvSpPr>
+          <p:nvPr>
+            <p:ph type="title"/>
+          </p:nvPr>
+        </p:nvSpPr>
+        <p:spPr/>
+        <p:txBody>
+          <a:bodyPr/>
+          <a:lstStyle/>
+          <a:p>
+            <a:r>
+              <a:rPr lang="zh-CN" altLang="en-US"/>
+              <a:t>健康检查过程</a:t>
+            </a:r>
+          </a:p>
+        </p:txBody>
+      </p:sp>
+      <p:sp>
+        <p:nvSpPr>
+          <p:cNvPr id="3" name="内容占位符 2">
+            <a:extLst>
+              <a:ext uri="{FF2B5EF4-FFF2-40B4-BE49-F238E27FC236}">
+                <a16:creationId xmlns:a16="http://schemas.microsoft.com/office/drawing/2014/main" id="{2C9BE720-0699-FAC2-544C-F4329FA6F3F5}"/>
+              </a:ext>
+            </a:extLst>
+          </p:cNvPr>
+          <p:cNvSpPr>
+            <a:spLocks noGrp="1"/>
+          </p:cNvSpPr>
+          <p:nvPr>
+            <p:ph sz="half" idx="1"/>
+          </p:nvPr>
+        </p:nvSpPr>
+        <p:spPr/>
+        <p:txBody>
+          <a:bodyPr/>
+          <a:lstStyle/>
+          <a:p>
+            <a:endParaRPr lang="zh-CN" altLang="en-US"/>
+          </a:p>
+        </p:txBody>
+      </p:sp>
+      <p:sp>
+        <p:nvSpPr>
+          <p:cNvPr id="4" name="内容占位符 3">
+            <a:extLst>
+              <a:ext uri="{FF2B5EF4-FFF2-40B4-BE49-F238E27FC236}">
+                <a16:creationId xmlns:a16="http://schemas.microsoft.com/office/drawing/2014/main" id="{C4F0DDD1-F180-B32B-1168-FAEF3598A530}"/>
+              </a:ext>
+            </a:extLst>
+          </p:cNvPr>
+          <p:cNvSpPr>
+            <a:spLocks noGrp="1"/>
+          </p:cNvSpPr>
+          <p:nvPr>
+            <p:ph sz="half" idx="2"/>
+          </p:nvPr>
+        </p:nvSpPr>
+        <p:spPr/>
+        <p:txBody>
+          <a:bodyPr/>
+          <a:lstStyle/>
+          <a:p>
+            <a:endParaRPr lang="zh-CN" altLang="en-US"/>
+          </a:p>
+        </p:txBody>
+      </p:sp>
+    </p:spTree>
+    <p:extLst>
+      <p:ext uri="{BB962C8B-B14F-4D97-AF65-F5344CB8AC3E}">
+        <p14:creationId xmlns:p14="http://schemas.microsoft.com/office/powerpoint/2010/main" val="2219481250"/>
+      </p:ext>
+    </p:extLst>
+  </p:cSld>
+  <p:clrMapOvr>
+    <a:masterClrMapping/>
+  </p:clrMapOvr>
+</p:sld>
+</file>
+
+<file path=ppt/slides/slide22.xml><?xml version="1.0" encoding="utf-8"?>
+<p:sld xmlns:a="http://schemas.openxmlformats.org/drawingml/2006/main" xmlns:r="http://schemas.openxmlformats.org/officeDocument/2006/relationships" xmlns:p="http://schemas.openxmlformats.org/presentationml/2006/main">
+  <p:cSld>
+    <p:spTree>
+      <p:nvGrpSpPr>
+        <p:cNvPr id="1" name=""/>
+        <p:cNvGrpSpPr/>
+        <p:nvPr/>
+      </p:nvGrpSpPr>
+      <p:grpSpPr>
+        <a:xfrm>
+          <a:off x="0" y="0"/>
+          <a:ext cx="0" cy="0"/>
+          <a:chOff x="0" y="0"/>
+          <a:chExt cx="0" cy="0"/>
+        </a:xfrm>
+      </p:grpSpPr>
+      <p:sp>
+        <p:nvSpPr>
+          <p:cNvPr id="2" name="标题 1">
+            <a:extLst>
+              <a:ext uri="{FF2B5EF4-FFF2-40B4-BE49-F238E27FC236}">
                 <a16:creationId xmlns:a16="http://schemas.microsoft.com/office/drawing/2014/main" id="{4D791E6F-3EE2-8CA3-E498-1FDF1DAAD624}"/>
               </a:ext>
             </a:extLst>
@@ -44102,7 +47214,7 @@
 </p:sld>
 </file>
 
-<file path=ppt/slides/slide21.xml><?xml version="1.0" encoding="utf-8"?>
+<file path=ppt/slides/slide23.xml><?xml version="1.0" encoding="utf-8"?>
 <p:sld xmlns:a="http://schemas.openxmlformats.org/drawingml/2006/main" xmlns:r="http://schemas.openxmlformats.org/officeDocument/2006/relationships" xmlns:p="http://schemas.openxmlformats.org/presentationml/2006/main">
   <p:cSld>
     <p:spTree>
@@ -44344,7 +47456,7 @@
 </p:sld>
 </file>
 
-<file path=ppt/slides/slide22.xml><?xml version="1.0" encoding="utf-8"?>
+<file path=ppt/slides/slide24.xml><?xml version="1.0" encoding="utf-8"?>
 <p:sld xmlns:a="http://schemas.openxmlformats.org/drawingml/2006/main" xmlns:r="http://schemas.openxmlformats.org/officeDocument/2006/relationships" xmlns:p="http://schemas.openxmlformats.org/presentationml/2006/main">
   <p:cSld>
     <p:spTree>
@@ -44836,7 +47948,7 @@
 </p:sld>
 </file>
 
-<file path=ppt/slides/slide23.xml><?xml version="1.0" encoding="utf-8"?>
+<file path=ppt/slides/slide25.xml><?xml version="1.0" encoding="utf-8"?>
 <p:sld xmlns:a="http://schemas.openxmlformats.org/drawingml/2006/main" xmlns:r="http://schemas.openxmlformats.org/officeDocument/2006/relationships" xmlns:p="http://schemas.openxmlformats.org/presentationml/2006/main">
   <p:cSld>
     <p:spTree>
@@ -45593,7 +48705,7 @@
 </p:sld>
 </file>
 
-<file path=ppt/slides/slide24.xml><?xml version="1.0" encoding="utf-8"?>
+<file path=ppt/slides/slide26.xml><?xml version="1.0" encoding="utf-8"?>
 <p:sld xmlns:a="http://schemas.openxmlformats.org/drawingml/2006/main" xmlns:r="http://schemas.openxmlformats.org/officeDocument/2006/relationships" xmlns:p="http://schemas.openxmlformats.org/presentationml/2006/main">
   <p:cSld>
     <p:spTree>
@@ -45686,7 +48798,7 @@
 </p:sld>
 </file>
 
-<file path=ppt/slides/slide25.xml><?xml version="1.0" encoding="utf-8"?>
+<file path=ppt/slides/slide27.xml><?xml version="1.0" encoding="utf-8"?>
 <p:sld xmlns:a="http://schemas.openxmlformats.org/drawingml/2006/main" xmlns:r="http://schemas.openxmlformats.org/officeDocument/2006/relationships" xmlns:p="http://schemas.openxmlformats.org/presentationml/2006/main">
   <p:cSld>
     <p:spTree>
@@ -46175,7 +49287,7 @@
 </p:sld>
 </file>
 
-<file path=ppt/slides/slide26.xml><?xml version="1.0" encoding="utf-8"?>
+<file path=ppt/slides/slide28.xml><?xml version="1.0" encoding="utf-8"?>
 <p:sld xmlns:a="http://schemas.openxmlformats.org/drawingml/2006/main" xmlns:r="http://schemas.openxmlformats.org/officeDocument/2006/relationships" xmlns:p="http://schemas.openxmlformats.org/presentationml/2006/main">
   <p:cSld>
     <p:spTree>
@@ -46367,7 +49479,7 @@
 </p:sld>
 </file>
 
-<file path=ppt/slides/slide27.xml><?xml version="1.0" encoding="utf-8"?>
+<file path=ppt/slides/slide29.xml><?xml version="1.0" encoding="utf-8"?>
 <p:sld xmlns:a="http://schemas.openxmlformats.org/drawingml/2006/main" xmlns:r="http://schemas.openxmlformats.org/officeDocument/2006/relationships" xmlns:p="http://schemas.openxmlformats.org/presentationml/2006/main">
   <p:cSld>
     <p:spTree>
@@ -46464,7 +49576,101 @@
 </p:sld>
 </file>
 
-<file path=ppt/slides/slide28.xml><?xml version="1.0" encoding="utf-8"?>
+<file path=ppt/slides/slide3.xml><?xml version="1.0" encoding="utf-8"?>
+<p:sld xmlns:a="http://schemas.openxmlformats.org/drawingml/2006/main" xmlns:r="http://schemas.openxmlformats.org/officeDocument/2006/relationships" xmlns:p="http://schemas.openxmlformats.org/presentationml/2006/main">
+  <p:cSld>
+    <p:spTree>
+      <p:nvGrpSpPr>
+        <p:cNvPr id="1" name=""/>
+        <p:cNvGrpSpPr/>
+        <p:nvPr/>
+      </p:nvGrpSpPr>
+      <p:grpSpPr>
+        <a:xfrm>
+          <a:off x="0" y="0"/>
+          <a:ext cx="0" cy="0"/>
+          <a:chOff x="0" y="0"/>
+          <a:chExt cx="0" cy="0"/>
+        </a:xfrm>
+      </p:grpSpPr>
+      <p:sp>
+        <p:nvSpPr>
+          <p:cNvPr id="2" name="标题 1">
+            <a:extLst>
+              <a:ext uri="{FF2B5EF4-FFF2-40B4-BE49-F238E27FC236}">
+                <a16:creationId xmlns:a16="http://schemas.microsoft.com/office/drawing/2014/main" id="{4D791E6F-3EE2-8CA3-E498-1FDF1DAAD624}"/>
+              </a:ext>
+            </a:extLst>
+          </p:cNvPr>
+          <p:cNvSpPr>
+            <a:spLocks noGrp="1"/>
+          </p:cNvSpPr>
+          <p:nvPr>
+            <p:ph type="title"/>
+          </p:nvPr>
+        </p:nvSpPr>
+        <p:spPr/>
+        <p:txBody>
+          <a:bodyPr/>
+          <a:lstStyle/>
+          <a:p>
+            <a:r>
+              <a:rPr lang="zh-CN" altLang="en-US" dirty="0"/>
+              <a:t>一、</a:t>
+            </a:r>
+            <a:r>
+              <a:rPr lang="en-US" altLang="zh-CN" dirty="0"/>
+              <a:t>Kubernetes Pod</a:t>
+            </a:r>
+            <a:endParaRPr lang="zh-CN" altLang="en-US" dirty="0"/>
+          </a:p>
+        </p:txBody>
+      </p:sp>
+      <p:graphicFrame>
+        <p:nvGraphicFramePr>
+          <p:cNvPr id="17" name="内容占位符 16">
+            <a:extLst>
+              <a:ext uri="{FF2B5EF4-FFF2-40B4-BE49-F238E27FC236}">
+                <a16:creationId xmlns:a16="http://schemas.microsoft.com/office/drawing/2014/main" id="{20B99BEE-5749-4C00-AA0C-8A7D64AC73CC}"/>
+              </a:ext>
+            </a:extLst>
+          </p:cNvPr>
+          <p:cNvGraphicFramePr>
+            <a:graphicFrameLocks noGrp="1"/>
+          </p:cNvGraphicFramePr>
+          <p:nvPr>
+            <p:ph idx="1"/>
+            <p:extLst>
+              <p:ext uri="{D42A27DB-BD31-4B8C-83A1-F6EECF244321}">
+                <p14:modId xmlns:p14="http://schemas.microsoft.com/office/powerpoint/2010/main" val="945295105"/>
+              </p:ext>
+            </p:extLst>
+          </p:nvPr>
+        </p:nvGraphicFramePr>
+        <p:xfrm>
+          <a:off x="677334" y="2160589"/>
+          <a:ext cx="8596668" cy="3880773"/>
+        </p:xfrm>
+        <a:graphic>
+          <a:graphicData uri="http://schemas.openxmlformats.org/drawingml/2006/diagram">
+            <dgm:relIds xmlns:dgm="http://schemas.openxmlformats.org/drawingml/2006/diagram" xmlns:r="http://schemas.openxmlformats.org/officeDocument/2006/relationships" r:dm="rId2" r:lo="rId3" r:qs="rId4" r:cs="rId5"/>
+          </a:graphicData>
+        </a:graphic>
+      </p:graphicFrame>
+    </p:spTree>
+    <p:extLst>
+      <p:ext uri="{BB962C8B-B14F-4D97-AF65-F5344CB8AC3E}">
+        <p14:creationId xmlns:p14="http://schemas.microsoft.com/office/powerpoint/2010/main" val="725947467"/>
+      </p:ext>
+    </p:extLst>
+  </p:cSld>
+  <p:clrMapOvr>
+    <a:masterClrMapping/>
+  </p:clrMapOvr>
+</p:sld>
+</file>
+
+<file path=ppt/slides/slide30.xml><?xml version="1.0" encoding="utf-8"?>
 <p:sld xmlns:a="http://schemas.openxmlformats.org/drawingml/2006/main" xmlns:r="http://schemas.openxmlformats.org/officeDocument/2006/relationships" xmlns:p="http://schemas.openxmlformats.org/presentationml/2006/main">
   <p:cSld>
     <p:spTree>
@@ -46586,7 +49792,7 @@
 </p:sld>
 </file>
 
-<file path=ppt/slides/slide29.xml><?xml version="1.0" encoding="utf-8"?>
+<file path=ppt/slides/slide31.xml><?xml version="1.0" encoding="utf-8"?>
 <p:sld xmlns:a="http://schemas.openxmlformats.org/drawingml/2006/main" xmlns:r="http://schemas.openxmlformats.org/officeDocument/2006/relationships" xmlns:p="http://schemas.openxmlformats.org/presentationml/2006/main">
   <p:cSld>
     <p:spTree>
@@ -46721,101 +49927,7 @@
 </p:sld>
 </file>
 
-<file path=ppt/slides/slide3.xml><?xml version="1.0" encoding="utf-8"?>
-<p:sld xmlns:a="http://schemas.openxmlformats.org/drawingml/2006/main" xmlns:r="http://schemas.openxmlformats.org/officeDocument/2006/relationships" xmlns:p="http://schemas.openxmlformats.org/presentationml/2006/main">
-  <p:cSld>
-    <p:spTree>
-      <p:nvGrpSpPr>
-        <p:cNvPr id="1" name=""/>
-        <p:cNvGrpSpPr/>
-        <p:nvPr/>
-      </p:nvGrpSpPr>
-      <p:grpSpPr>
-        <a:xfrm>
-          <a:off x="0" y="0"/>
-          <a:ext cx="0" cy="0"/>
-          <a:chOff x="0" y="0"/>
-          <a:chExt cx="0" cy="0"/>
-        </a:xfrm>
-      </p:grpSpPr>
-      <p:sp>
-        <p:nvSpPr>
-          <p:cNvPr id="2" name="标题 1">
-            <a:extLst>
-              <a:ext uri="{FF2B5EF4-FFF2-40B4-BE49-F238E27FC236}">
-                <a16:creationId xmlns:a16="http://schemas.microsoft.com/office/drawing/2014/main" id="{4D791E6F-3EE2-8CA3-E498-1FDF1DAAD624}"/>
-              </a:ext>
-            </a:extLst>
-          </p:cNvPr>
-          <p:cNvSpPr>
-            <a:spLocks noGrp="1"/>
-          </p:cNvSpPr>
-          <p:nvPr>
-            <p:ph type="title"/>
-          </p:nvPr>
-        </p:nvSpPr>
-        <p:spPr/>
-        <p:txBody>
-          <a:bodyPr/>
-          <a:lstStyle/>
-          <a:p>
-            <a:r>
-              <a:rPr lang="zh-CN" altLang="en-US" dirty="0"/>
-              <a:t>一、</a:t>
-            </a:r>
-            <a:r>
-              <a:rPr lang="en-US" altLang="zh-CN" dirty="0"/>
-              <a:t>Kubernetes Pod</a:t>
-            </a:r>
-            <a:endParaRPr lang="zh-CN" altLang="en-US" dirty="0"/>
-          </a:p>
-        </p:txBody>
-      </p:sp>
-      <p:graphicFrame>
-        <p:nvGraphicFramePr>
-          <p:cNvPr id="17" name="内容占位符 16">
-            <a:extLst>
-              <a:ext uri="{FF2B5EF4-FFF2-40B4-BE49-F238E27FC236}">
-                <a16:creationId xmlns:a16="http://schemas.microsoft.com/office/drawing/2014/main" id="{20B99BEE-5749-4C00-AA0C-8A7D64AC73CC}"/>
-              </a:ext>
-            </a:extLst>
-          </p:cNvPr>
-          <p:cNvGraphicFramePr>
-            <a:graphicFrameLocks noGrp="1"/>
-          </p:cNvGraphicFramePr>
-          <p:nvPr>
-            <p:ph idx="1"/>
-            <p:extLst>
-              <p:ext uri="{D42A27DB-BD31-4B8C-83A1-F6EECF244321}">
-                <p14:modId xmlns:p14="http://schemas.microsoft.com/office/powerpoint/2010/main" val="945295105"/>
-              </p:ext>
-            </p:extLst>
-          </p:nvPr>
-        </p:nvGraphicFramePr>
-        <p:xfrm>
-          <a:off x="677334" y="2160589"/>
-          <a:ext cx="8596668" cy="3880773"/>
-        </p:xfrm>
-        <a:graphic>
-          <a:graphicData uri="http://schemas.openxmlformats.org/drawingml/2006/diagram">
-            <dgm:relIds xmlns:dgm="http://schemas.openxmlformats.org/drawingml/2006/diagram" xmlns:r="http://schemas.openxmlformats.org/officeDocument/2006/relationships" r:dm="rId2" r:lo="rId3" r:qs="rId4" r:cs="rId5"/>
-          </a:graphicData>
-        </a:graphic>
-      </p:graphicFrame>
-    </p:spTree>
-    <p:extLst>
-      <p:ext uri="{BB962C8B-B14F-4D97-AF65-F5344CB8AC3E}">
-        <p14:creationId xmlns:p14="http://schemas.microsoft.com/office/powerpoint/2010/main" val="725947467"/>
-      </p:ext>
-    </p:extLst>
-  </p:cSld>
-  <p:clrMapOvr>
-    <a:masterClrMapping/>
-  </p:clrMapOvr>
-</p:sld>
-</file>
-
-<file path=ppt/slides/slide30.xml><?xml version="1.0" encoding="utf-8"?>
+<file path=ppt/slides/slide32.xml><?xml version="1.0" encoding="utf-8"?>
 <p:sld xmlns:a="http://schemas.openxmlformats.org/drawingml/2006/main" xmlns:r="http://schemas.openxmlformats.org/officeDocument/2006/relationships" xmlns:p="http://schemas.openxmlformats.org/presentationml/2006/main">
   <p:cSld>
     <p:spTree>
@@ -46936,7 +50048,7 @@
 </p:sld>
 </file>
 
-<file path=ppt/slides/slide31.xml><?xml version="1.0" encoding="utf-8"?>
+<file path=ppt/slides/slide33.xml><?xml version="1.0" encoding="utf-8"?>
 <p:sld xmlns:a="http://schemas.openxmlformats.org/drawingml/2006/main" xmlns:r="http://schemas.openxmlformats.org/officeDocument/2006/relationships" xmlns:p="http://schemas.openxmlformats.org/presentationml/2006/main">
   <p:cSld>
     <p:spTree>
@@ -47056,7 +50168,7 @@
 </p:sld>
 </file>
 
-<file path=ppt/slides/slide32.xml><?xml version="1.0" encoding="utf-8"?>
+<file path=ppt/slides/slide34.xml><?xml version="1.0" encoding="utf-8"?>
 <p:sld xmlns:a="http://schemas.openxmlformats.org/drawingml/2006/main" xmlns:r="http://schemas.openxmlformats.org/officeDocument/2006/relationships" xmlns:p="http://schemas.openxmlformats.org/presentationml/2006/main">
   <p:cSld>
     <p:spTree>

--- a/_posts/k8s/Kubernetes原理.pptx
+++ b/_posts/k8s/Kubernetes原理.pptx
@@ -5,7 +5,7 @@
     <p:sldMasterId id="2147483660" r:id="rId1"/>
   </p:sldMasterIdLst>
   <p:notesMasterIdLst>
-    <p:notesMasterId r:id="rId36"/>
+    <p:notesMasterId r:id="rId37"/>
   </p:notesMasterIdLst>
   <p:sldIdLst>
     <p:sldId id="256" r:id="rId2"/>
@@ -27,21 +27,22 @@
     <p:sldId id="263" r:id="rId18"/>
     <p:sldId id="299" r:id="rId19"/>
     <p:sldId id="298" r:id="rId20"/>
-    <p:sldId id="300" r:id="rId21"/>
+    <p:sldId id="303" r:id="rId21"/>
     <p:sldId id="301" r:id="rId22"/>
-    <p:sldId id="265" r:id="rId23"/>
-    <p:sldId id="266" r:id="rId24"/>
-    <p:sldId id="267" r:id="rId25"/>
-    <p:sldId id="268" r:id="rId26"/>
-    <p:sldId id="270" r:id="rId27"/>
-    <p:sldId id="272" r:id="rId28"/>
-    <p:sldId id="273" r:id="rId29"/>
-    <p:sldId id="274" r:id="rId30"/>
-    <p:sldId id="275" r:id="rId31"/>
-    <p:sldId id="277" r:id="rId32"/>
-    <p:sldId id="278" r:id="rId33"/>
-    <p:sldId id="279" r:id="rId34"/>
-    <p:sldId id="280" r:id="rId35"/>
+    <p:sldId id="302" r:id="rId23"/>
+    <p:sldId id="300" r:id="rId24"/>
+    <p:sldId id="270" r:id="rId25"/>
+    <p:sldId id="272" r:id="rId26"/>
+    <p:sldId id="273" r:id="rId27"/>
+    <p:sldId id="304" r:id="rId28"/>
+    <p:sldId id="305" r:id="rId29"/>
+    <p:sldId id="268" r:id="rId30"/>
+    <p:sldId id="274" r:id="rId31"/>
+    <p:sldId id="275" r:id="rId32"/>
+    <p:sldId id="277" r:id="rId33"/>
+    <p:sldId id="278" r:id="rId34"/>
+    <p:sldId id="279" r:id="rId35"/>
+    <p:sldId id="280" r:id="rId36"/>
   </p:sldIdLst>
   <p:sldSz cx="12192000" cy="6858000"/>
   <p:notesSz cx="6858000" cy="9144000"/>
@@ -164,15 +165,16 @@
             <p14:sldId id="263"/>
             <p14:sldId id="299"/>
             <p14:sldId id="298"/>
+            <p14:sldId id="303"/>
+            <p14:sldId id="301"/>
+            <p14:sldId id="302"/>
             <p14:sldId id="300"/>
-            <p14:sldId id="301"/>
-            <p14:sldId id="265"/>
-            <p14:sldId id="266"/>
-            <p14:sldId id="267"/>
-            <p14:sldId id="268"/>
             <p14:sldId id="270"/>
             <p14:sldId id="272"/>
             <p14:sldId id="273"/>
+            <p14:sldId id="304"/>
+            <p14:sldId id="305"/>
+            <p14:sldId id="268"/>
             <p14:sldId id="274"/>
             <p14:sldId id="275"/>
             <p14:sldId id="277"/>
@@ -4713,6 +4715,753 @@
 </file>
 
 <file path=ppt/diagrams/colors15.xml><?xml version="1.0" encoding="utf-8"?>
+<dgm:colorsDef xmlns:dgm="http://schemas.openxmlformats.org/drawingml/2006/diagram" xmlns:a="http://schemas.openxmlformats.org/drawingml/2006/main" uniqueId="urn:microsoft.com/office/officeart/2005/8/colors/accent1_2">
+  <dgm:title val=""/>
+  <dgm:desc val=""/>
+  <dgm:catLst>
+    <dgm:cat type="accent1" pri="11200"/>
+  </dgm:catLst>
+  <dgm:styleLbl name="node0">
+    <dgm:fillClrLst meth="repeat">
+      <a:schemeClr val="accent1"/>
+    </dgm:fillClrLst>
+    <dgm:linClrLst meth="repeat">
+      <a:schemeClr val="lt1"/>
+    </dgm:linClrLst>
+    <dgm:effectClrLst/>
+    <dgm:txLinClrLst/>
+    <dgm:txFillClrLst/>
+    <dgm:txEffectClrLst/>
+  </dgm:styleLbl>
+  <dgm:styleLbl name="alignNode1">
+    <dgm:fillClrLst meth="repeat">
+      <a:schemeClr val="accent1"/>
+    </dgm:fillClrLst>
+    <dgm:linClrLst meth="repeat">
+      <a:schemeClr val="accent1"/>
+    </dgm:linClrLst>
+    <dgm:effectClrLst/>
+    <dgm:txLinClrLst/>
+    <dgm:txFillClrLst/>
+    <dgm:txEffectClrLst/>
+  </dgm:styleLbl>
+  <dgm:styleLbl name="node1">
+    <dgm:fillClrLst meth="repeat">
+      <a:schemeClr val="accent1"/>
+    </dgm:fillClrLst>
+    <dgm:linClrLst meth="repeat">
+      <a:schemeClr val="lt1"/>
+    </dgm:linClrLst>
+    <dgm:effectClrLst/>
+    <dgm:txLinClrLst/>
+    <dgm:txFillClrLst/>
+    <dgm:txEffectClrLst/>
+  </dgm:styleLbl>
+  <dgm:styleLbl name="lnNode1">
+    <dgm:fillClrLst meth="repeat">
+      <a:schemeClr val="accent1"/>
+    </dgm:fillClrLst>
+    <dgm:linClrLst meth="repeat">
+      <a:schemeClr val="lt1"/>
+    </dgm:linClrLst>
+    <dgm:effectClrLst/>
+    <dgm:txLinClrLst/>
+    <dgm:txFillClrLst/>
+    <dgm:txEffectClrLst/>
+  </dgm:styleLbl>
+  <dgm:styleLbl name="vennNode1">
+    <dgm:fillClrLst meth="repeat">
+      <a:schemeClr val="accent1">
+        <a:alpha val="50000"/>
+      </a:schemeClr>
+    </dgm:fillClrLst>
+    <dgm:linClrLst meth="repeat">
+      <a:schemeClr val="lt1"/>
+    </dgm:linClrLst>
+    <dgm:effectClrLst/>
+    <dgm:txLinClrLst/>
+    <dgm:txFillClrLst/>
+    <dgm:txEffectClrLst/>
+  </dgm:styleLbl>
+  <dgm:styleLbl name="node2">
+    <dgm:fillClrLst meth="repeat">
+      <a:schemeClr val="accent1"/>
+    </dgm:fillClrLst>
+    <dgm:linClrLst meth="repeat">
+      <a:schemeClr val="lt1"/>
+    </dgm:linClrLst>
+    <dgm:effectClrLst/>
+    <dgm:txLinClrLst/>
+    <dgm:txFillClrLst/>
+    <dgm:txEffectClrLst/>
+  </dgm:styleLbl>
+  <dgm:styleLbl name="node3">
+    <dgm:fillClrLst meth="repeat">
+      <a:schemeClr val="accent1"/>
+    </dgm:fillClrLst>
+    <dgm:linClrLst meth="repeat">
+      <a:schemeClr val="lt1"/>
+    </dgm:linClrLst>
+    <dgm:effectClrLst/>
+    <dgm:txLinClrLst/>
+    <dgm:txFillClrLst/>
+    <dgm:txEffectClrLst/>
+  </dgm:styleLbl>
+  <dgm:styleLbl name="node4">
+    <dgm:fillClrLst meth="repeat">
+      <a:schemeClr val="accent1"/>
+    </dgm:fillClrLst>
+    <dgm:linClrLst meth="repeat">
+      <a:schemeClr val="lt1"/>
+    </dgm:linClrLst>
+    <dgm:effectClrLst/>
+    <dgm:txLinClrLst/>
+    <dgm:txFillClrLst/>
+    <dgm:txEffectClrLst/>
+  </dgm:styleLbl>
+  <dgm:styleLbl name="fgImgPlace1">
+    <dgm:fillClrLst meth="repeat">
+      <a:schemeClr val="accent1">
+        <a:tint val="50000"/>
+      </a:schemeClr>
+    </dgm:fillClrLst>
+    <dgm:linClrLst meth="repeat">
+      <a:schemeClr val="lt1"/>
+    </dgm:linClrLst>
+    <dgm:effectClrLst/>
+    <dgm:txLinClrLst/>
+    <dgm:txFillClrLst meth="repeat">
+      <a:schemeClr val="lt1"/>
+    </dgm:txFillClrLst>
+    <dgm:txEffectClrLst/>
+  </dgm:styleLbl>
+  <dgm:styleLbl name="alignImgPlace1">
+    <dgm:fillClrLst meth="repeat">
+      <a:schemeClr val="accent1">
+        <a:tint val="50000"/>
+      </a:schemeClr>
+    </dgm:fillClrLst>
+    <dgm:linClrLst meth="repeat">
+      <a:schemeClr val="lt1"/>
+    </dgm:linClrLst>
+    <dgm:effectClrLst/>
+    <dgm:txLinClrLst/>
+    <dgm:txFillClrLst meth="repeat">
+      <a:schemeClr val="lt1"/>
+    </dgm:txFillClrLst>
+    <dgm:txEffectClrLst/>
+  </dgm:styleLbl>
+  <dgm:styleLbl name="bgImgPlace1">
+    <dgm:fillClrLst meth="repeat">
+      <a:schemeClr val="accent1">
+        <a:tint val="50000"/>
+      </a:schemeClr>
+    </dgm:fillClrLst>
+    <dgm:linClrLst meth="repeat">
+      <a:schemeClr val="lt1"/>
+    </dgm:linClrLst>
+    <dgm:effectClrLst/>
+    <dgm:txLinClrLst/>
+    <dgm:txFillClrLst meth="repeat">
+      <a:schemeClr val="lt1"/>
+    </dgm:txFillClrLst>
+    <dgm:txEffectClrLst/>
+  </dgm:styleLbl>
+  <dgm:styleLbl name="sibTrans2D1">
+    <dgm:fillClrLst meth="repeat">
+      <a:schemeClr val="accent1">
+        <a:tint val="60000"/>
+      </a:schemeClr>
+    </dgm:fillClrLst>
+    <dgm:linClrLst meth="repeat">
+      <a:schemeClr val="accent1">
+        <a:tint val="60000"/>
+      </a:schemeClr>
+    </dgm:linClrLst>
+    <dgm:effectClrLst/>
+    <dgm:txLinClrLst/>
+    <dgm:txFillClrLst/>
+    <dgm:txEffectClrLst/>
+  </dgm:styleLbl>
+  <dgm:styleLbl name="fgSibTrans2D1">
+    <dgm:fillClrLst meth="repeat">
+      <a:schemeClr val="accent1">
+        <a:tint val="60000"/>
+      </a:schemeClr>
+    </dgm:fillClrLst>
+    <dgm:linClrLst meth="repeat">
+      <a:schemeClr val="accent1">
+        <a:tint val="60000"/>
+      </a:schemeClr>
+    </dgm:linClrLst>
+    <dgm:effectClrLst/>
+    <dgm:txLinClrLst/>
+    <dgm:txFillClrLst/>
+    <dgm:txEffectClrLst/>
+  </dgm:styleLbl>
+  <dgm:styleLbl name="bgSibTrans2D1">
+    <dgm:fillClrLst meth="repeat">
+      <a:schemeClr val="accent1">
+        <a:tint val="60000"/>
+      </a:schemeClr>
+    </dgm:fillClrLst>
+    <dgm:linClrLst meth="repeat">
+      <a:schemeClr val="accent1">
+        <a:tint val="60000"/>
+      </a:schemeClr>
+    </dgm:linClrLst>
+    <dgm:effectClrLst/>
+    <dgm:txLinClrLst/>
+    <dgm:txFillClrLst/>
+    <dgm:txEffectClrLst/>
+  </dgm:styleLbl>
+  <dgm:styleLbl name="sibTrans1D1">
+    <dgm:fillClrLst meth="repeat">
+      <a:schemeClr val="accent1"/>
+    </dgm:fillClrLst>
+    <dgm:linClrLst meth="repeat">
+      <a:schemeClr val="accent1"/>
+    </dgm:linClrLst>
+    <dgm:effectClrLst/>
+    <dgm:txLinClrLst/>
+    <dgm:txFillClrLst meth="repeat">
+      <a:schemeClr val="tx1"/>
+    </dgm:txFillClrLst>
+    <dgm:txEffectClrLst/>
+  </dgm:styleLbl>
+  <dgm:styleLbl name="callout">
+    <dgm:fillClrLst meth="repeat">
+      <a:schemeClr val="accent1"/>
+    </dgm:fillClrLst>
+    <dgm:linClrLst meth="repeat">
+      <a:schemeClr val="accent1">
+        <a:tint val="50000"/>
+      </a:schemeClr>
+    </dgm:linClrLst>
+    <dgm:effectClrLst/>
+    <dgm:txLinClrLst/>
+    <dgm:txFillClrLst meth="repeat">
+      <a:schemeClr val="tx1"/>
+    </dgm:txFillClrLst>
+    <dgm:txEffectClrLst/>
+  </dgm:styleLbl>
+  <dgm:styleLbl name="asst0">
+    <dgm:fillClrLst meth="repeat">
+      <a:schemeClr val="accent1"/>
+    </dgm:fillClrLst>
+    <dgm:linClrLst meth="repeat">
+      <a:schemeClr val="lt1"/>
+    </dgm:linClrLst>
+    <dgm:effectClrLst/>
+    <dgm:txLinClrLst/>
+    <dgm:txFillClrLst/>
+    <dgm:txEffectClrLst/>
+  </dgm:styleLbl>
+  <dgm:styleLbl name="asst1">
+    <dgm:fillClrLst meth="repeat">
+      <a:schemeClr val="accent1"/>
+    </dgm:fillClrLst>
+    <dgm:linClrLst meth="repeat">
+      <a:schemeClr val="lt1"/>
+    </dgm:linClrLst>
+    <dgm:effectClrLst/>
+    <dgm:txLinClrLst/>
+    <dgm:txFillClrLst/>
+    <dgm:txEffectClrLst/>
+  </dgm:styleLbl>
+  <dgm:styleLbl name="asst2">
+    <dgm:fillClrLst meth="repeat">
+      <a:schemeClr val="accent1"/>
+    </dgm:fillClrLst>
+    <dgm:linClrLst meth="repeat">
+      <a:schemeClr val="lt1"/>
+    </dgm:linClrLst>
+    <dgm:effectClrLst/>
+    <dgm:txLinClrLst/>
+    <dgm:txFillClrLst/>
+    <dgm:txEffectClrLst/>
+  </dgm:styleLbl>
+  <dgm:styleLbl name="asst3">
+    <dgm:fillClrLst meth="repeat">
+      <a:schemeClr val="accent1"/>
+    </dgm:fillClrLst>
+    <dgm:linClrLst meth="repeat">
+      <a:schemeClr val="lt1"/>
+    </dgm:linClrLst>
+    <dgm:effectClrLst/>
+    <dgm:txLinClrLst/>
+    <dgm:txFillClrLst/>
+    <dgm:txEffectClrLst/>
+  </dgm:styleLbl>
+  <dgm:styleLbl name="asst4">
+    <dgm:fillClrLst meth="repeat">
+      <a:schemeClr val="accent1"/>
+    </dgm:fillClrLst>
+    <dgm:linClrLst meth="repeat">
+      <a:schemeClr val="lt1"/>
+    </dgm:linClrLst>
+    <dgm:effectClrLst/>
+    <dgm:txLinClrLst/>
+    <dgm:txFillClrLst/>
+    <dgm:txEffectClrLst/>
+  </dgm:styleLbl>
+  <dgm:styleLbl name="parChTrans2D1">
+    <dgm:fillClrLst meth="repeat">
+      <a:schemeClr val="accent1">
+        <a:tint val="60000"/>
+      </a:schemeClr>
+    </dgm:fillClrLst>
+    <dgm:linClrLst meth="repeat">
+      <a:schemeClr val="accent1">
+        <a:tint val="60000"/>
+      </a:schemeClr>
+    </dgm:linClrLst>
+    <dgm:effectClrLst/>
+    <dgm:txLinClrLst/>
+    <dgm:txFillClrLst meth="repeat">
+      <a:schemeClr val="lt1"/>
+    </dgm:txFillClrLst>
+    <dgm:txEffectClrLst/>
+  </dgm:styleLbl>
+  <dgm:styleLbl name="parChTrans2D2">
+    <dgm:fillClrLst meth="repeat">
+      <a:schemeClr val="accent1"/>
+    </dgm:fillClrLst>
+    <dgm:linClrLst meth="repeat">
+      <a:schemeClr val="accent1"/>
+    </dgm:linClrLst>
+    <dgm:effectClrLst/>
+    <dgm:txLinClrLst/>
+    <dgm:txFillClrLst meth="repeat">
+      <a:schemeClr val="lt1"/>
+    </dgm:txFillClrLst>
+    <dgm:txEffectClrLst/>
+  </dgm:styleLbl>
+  <dgm:styleLbl name="parChTrans2D3">
+    <dgm:fillClrLst meth="repeat">
+      <a:schemeClr val="accent1"/>
+    </dgm:fillClrLst>
+    <dgm:linClrLst meth="repeat">
+      <a:schemeClr val="accent1"/>
+    </dgm:linClrLst>
+    <dgm:effectClrLst/>
+    <dgm:txLinClrLst/>
+    <dgm:txFillClrLst meth="repeat">
+      <a:schemeClr val="lt1"/>
+    </dgm:txFillClrLst>
+    <dgm:txEffectClrLst/>
+  </dgm:styleLbl>
+  <dgm:styleLbl name="parChTrans2D4">
+    <dgm:fillClrLst meth="repeat">
+      <a:schemeClr val="accent1"/>
+    </dgm:fillClrLst>
+    <dgm:linClrLst meth="repeat">
+      <a:schemeClr val="accent1"/>
+    </dgm:linClrLst>
+    <dgm:effectClrLst/>
+    <dgm:txLinClrLst/>
+    <dgm:txFillClrLst meth="repeat">
+      <a:schemeClr val="lt1"/>
+    </dgm:txFillClrLst>
+    <dgm:txEffectClrLst/>
+  </dgm:styleLbl>
+  <dgm:styleLbl name="parChTrans1D1">
+    <dgm:fillClrLst meth="repeat">
+      <a:schemeClr val="accent1"/>
+    </dgm:fillClrLst>
+    <dgm:linClrLst meth="repeat">
+      <a:schemeClr val="accent1">
+        <a:shade val="60000"/>
+      </a:schemeClr>
+    </dgm:linClrLst>
+    <dgm:effectClrLst/>
+    <dgm:txLinClrLst/>
+    <dgm:txFillClrLst meth="repeat">
+      <a:schemeClr val="tx1"/>
+    </dgm:txFillClrLst>
+    <dgm:txEffectClrLst/>
+  </dgm:styleLbl>
+  <dgm:styleLbl name="parChTrans1D2">
+    <dgm:fillClrLst meth="repeat">
+      <a:schemeClr val="accent1"/>
+    </dgm:fillClrLst>
+    <dgm:linClrLst meth="repeat">
+      <a:schemeClr val="accent1">
+        <a:shade val="60000"/>
+      </a:schemeClr>
+    </dgm:linClrLst>
+    <dgm:effectClrLst/>
+    <dgm:txLinClrLst/>
+    <dgm:txFillClrLst meth="repeat">
+      <a:schemeClr val="tx1"/>
+    </dgm:txFillClrLst>
+    <dgm:txEffectClrLst/>
+  </dgm:styleLbl>
+  <dgm:styleLbl name="parChTrans1D3">
+    <dgm:fillClrLst meth="repeat">
+      <a:schemeClr val="accent1"/>
+    </dgm:fillClrLst>
+    <dgm:linClrLst meth="repeat">
+      <a:schemeClr val="accent1">
+        <a:shade val="80000"/>
+      </a:schemeClr>
+    </dgm:linClrLst>
+    <dgm:effectClrLst/>
+    <dgm:txLinClrLst/>
+    <dgm:txFillClrLst meth="repeat">
+      <a:schemeClr val="tx1"/>
+    </dgm:txFillClrLst>
+    <dgm:txEffectClrLst/>
+  </dgm:styleLbl>
+  <dgm:styleLbl name="parChTrans1D4">
+    <dgm:fillClrLst meth="repeat">
+      <a:schemeClr val="accent1"/>
+    </dgm:fillClrLst>
+    <dgm:linClrLst meth="repeat">
+      <a:schemeClr val="accent1">
+        <a:shade val="80000"/>
+      </a:schemeClr>
+    </dgm:linClrLst>
+    <dgm:effectClrLst/>
+    <dgm:txLinClrLst/>
+    <dgm:txFillClrLst meth="repeat">
+      <a:schemeClr val="tx1"/>
+    </dgm:txFillClrLst>
+    <dgm:txEffectClrLst/>
+  </dgm:styleLbl>
+  <dgm:styleLbl name="fgAcc1">
+    <dgm:fillClrLst meth="repeat">
+      <a:schemeClr val="lt1">
+        <a:alpha val="90000"/>
+      </a:schemeClr>
+    </dgm:fillClrLst>
+    <dgm:linClrLst meth="repeat">
+      <a:schemeClr val="accent1"/>
+    </dgm:linClrLst>
+    <dgm:effectClrLst/>
+    <dgm:txLinClrLst/>
+    <dgm:txFillClrLst meth="repeat">
+      <a:schemeClr val="dk1"/>
+    </dgm:txFillClrLst>
+    <dgm:txEffectClrLst/>
+  </dgm:styleLbl>
+  <dgm:styleLbl name="conFgAcc1">
+    <dgm:fillClrLst meth="repeat">
+      <a:schemeClr val="lt1">
+        <a:alpha val="90000"/>
+      </a:schemeClr>
+    </dgm:fillClrLst>
+    <dgm:linClrLst meth="repeat">
+      <a:schemeClr val="accent1"/>
+    </dgm:linClrLst>
+    <dgm:effectClrLst/>
+    <dgm:txLinClrLst/>
+    <dgm:txFillClrLst meth="repeat">
+      <a:schemeClr val="dk1"/>
+    </dgm:txFillClrLst>
+    <dgm:txEffectClrLst/>
+  </dgm:styleLbl>
+  <dgm:styleLbl name="alignAcc1">
+    <dgm:fillClrLst meth="repeat">
+      <a:schemeClr val="lt1">
+        <a:alpha val="90000"/>
+      </a:schemeClr>
+    </dgm:fillClrLst>
+    <dgm:linClrLst meth="repeat">
+      <a:schemeClr val="accent1"/>
+    </dgm:linClrLst>
+    <dgm:effectClrLst/>
+    <dgm:txLinClrLst/>
+    <dgm:txFillClrLst meth="repeat">
+      <a:schemeClr val="dk1"/>
+    </dgm:txFillClrLst>
+    <dgm:txEffectClrLst/>
+  </dgm:styleLbl>
+  <dgm:styleLbl name="trAlignAcc1">
+    <dgm:fillClrLst meth="repeat">
+      <a:schemeClr val="lt1">
+        <a:alpha val="40000"/>
+      </a:schemeClr>
+    </dgm:fillClrLst>
+    <dgm:linClrLst meth="repeat">
+      <a:schemeClr val="accent1"/>
+    </dgm:linClrLst>
+    <dgm:effectClrLst/>
+    <dgm:txLinClrLst/>
+    <dgm:txFillClrLst meth="repeat">
+      <a:schemeClr val="dk1"/>
+    </dgm:txFillClrLst>
+    <dgm:txEffectClrLst/>
+  </dgm:styleLbl>
+  <dgm:styleLbl name="bgAcc1">
+    <dgm:fillClrLst meth="repeat">
+      <a:schemeClr val="lt1">
+        <a:alpha val="90000"/>
+      </a:schemeClr>
+    </dgm:fillClrLst>
+    <dgm:linClrLst meth="repeat">
+      <a:schemeClr val="accent1"/>
+    </dgm:linClrLst>
+    <dgm:effectClrLst/>
+    <dgm:txLinClrLst/>
+    <dgm:txFillClrLst meth="repeat">
+      <a:schemeClr val="dk1"/>
+    </dgm:txFillClrLst>
+    <dgm:txEffectClrLst/>
+  </dgm:styleLbl>
+  <dgm:styleLbl name="solidFgAcc1">
+    <dgm:fillClrLst meth="repeat">
+      <a:schemeClr val="lt1"/>
+    </dgm:fillClrLst>
+    <dgm:linClrLst meth="repeat">
+      <a:schemeClr val="accent1"/>
+    </dgm:linClrLst>
+    <dgm:effectClrLst/>
+    <dgm:txLinClrLst/>
+    <dgm:txFillClrLst meth="repeat">
+      <a:schemeClr val="dk1"/>
+    </dgm:txFillClrLst>
+    <dgm:txEffectClrLst/>
+  </dgm:styleLbl>
+  <dgm:styleLbl name="solidAlignAcc1">
+    <dgm:fillClrLst meth="repeat">
+      <a:schemeClr val="lt1"/>
+    </dgm:fillClrLst>
+    <dgm:linClrLst meth="repeat">
+      <a:schemeClr val="accent1"/>
+    </dgm:linClrLst>
+    <dgm:effectClrLst/>
+    <dgm:txLinClrLst/>
+    <dgm:txFillClrLst meth="repeat">
+      <a:schemeClr val="dk1"/>
+    </dgm:txFillClrLst>
+    <dgm:txEffectClrLst/>
+  </dgm:styleLbl>
+  <dgm:styleLbl name="solidBgAcc1">
+    <dgm:fillClrLst meth="repeat">
+      <a:schemeClr val="lt1"/>
+    </dgm:fillClrLst>
+    <dgm:linClrLst meth="repeat">
+      <a:schemeClr val="accent1"/>
+    </dgm:linClrLst>
+    <dgm:effectClrLst/>
+    <dgm:txLinClrLst/>
+    <dgm:txFillClrLst meth="repeat">
+      <a:schemeClr val="dk1"/>
+    </dgm:txFillClrLst>
+    <dgm:txEffectClrLst/>
+  </dgm:styleLbl>
+  <dgm:styleLbl name="fgAccFollowNode1">
+    <dgm:fillClrLst meth="repeat">
+      <a:schemeClr val="accent1">
+        <a:alpha val="90000"/>
+        <a:tint val="40000"/>
+      </a:schemeClr>
+    </dgm:fillClrLst>
+    <dgm:linClrLst meth="repeat">
+      <a:schemeClr val="accent1">
+        <a:alpha val="90000"/>
+        <a:tint val="40000"/>
+      </a:schemeClr>
+    </dgm:linClrLst>
+    <dgm:effectClrLst/>
+    <dgm:txLinClrLst/>
+    <dgm:txFillClrLst meth="repeat">
+      <a:schemeClr val="dk1"/>
+    </dgm:txFillClrLst>
+    <dgm:txEffectClrLst/>
+  </dgm:styleLbl>
+  <dgm:styleLbl name="alignAccFollowNode1">
+    <dgm:fillClrLst meth="repeat">
+      <a:schemeClr val="accent1">
+        <a:alpha val="90000"/>
+        <a:tint val="40000"/>
+      </a:schemeClr>
+    </dgm:fillClrLst>
+    <dgm:linClrLst meth="repeat">
+      <a:schemeClr val="accent1">
+        <a:alpha val="90000"/>
+        <a:tint val="40000"/>
+      </a:schemeClr>
+    </dgm:linClrLst>
+    <dgm:effectClrLst/>
+    <dgm:txLinClrLst/>
+    <dgm:txFillClrLst meth="repeat">
+      <a:schemeClr val="dk1"/>
+    </dgm:txFillClrLst>
+    <dgm:txEffectClrLst/>
+  </dgm:styleLbl>
+  <dgm:styleLbl name="bgAccFollowNode1">
+    <dgm:fillClrLst meth="repeat">
+      <a:schemeClr val="accent1">
+        <a:alpha val="90000"/>
+        <a:tint val="40000"/>
+      </a:schemeClr>
+    </dgm:fillClrLst>
+    <dgm:linClrLst meth="repeat">
+      <a:schemeClr val="accent1">
+        <a:alpha val="90000"/>
+        <a:tint val="40000"/>
+      </a:schemeClr>
+    </dgm:linClrLst>
+    <dgm:effectClrLst/>
+    <dgm:txLinClrLst/>
+    <dgm:txFillClrLst meth="repeat">
+      <a:schemeClr val="dk1"/>
+    </dgm:txFillClrLst>
+    <dgm:txEffectClrLst/>
+  </dgm:styleLbl>
+  <dgm:styleLbl name="fgAcc0">
+    <dgm:fillClrLst meth="repeat">
+      <a:schemeClr val="lt1">
+        <a:alpha val="90000"/>
+      </a:schemeClr>
+    </dgm:fillClrLst>
+    <dgm:linClrLst meth="repeat">
+      <a:schemeClr val="accent1"/>
+    </dgm:linClrLst>
+    <dgm:effectClrLst/>
+    <dgm:txLinClrLst/>
+    <dgm:txFillClrLst meth="repeat">
+      <a:schemeClr val="dk1"/>
+    </dgm:txFillClrLst>
+    <dgm:txEffectClrLst/>
+  </dgm:styleLbl>
+  <dgm:styleLbl name="fgAcc2">
+    <dgm:fillClrLst meth="repeat">
+      <a:schemeClr val="lt1">
+        <a:alpha val="90000"/>
+      </a:schemeClr>
+    </dgm:fillClrLst>
+    <dgm:linClrLst meth="repeat">
+      <a:schemeClr val="accent1"/>
+    </dgm:linClrLst>
+    <dgm:effectClrLst/>
+    <dgm:txLinClrLst/>
+    <dgm:txFillClrLst meth="repeat">
+      <a:schemeClr val="dk1"/>
+    </dgm:txFillClrLst>
+    <dgm:txEffectClrLst/>
+  </dgm:styleLbl>
+  <dgm:styleLbl name="fgAcc3">
+    <dgm:fillClrLst meth="repeat">
+      <a:schemeClr val="lt1">
+        <a:alpha val="90000"/>
+      </a:schemeClr>
+    </dgm:fillClrLst>
+    <dgm:linClrLst meth="repeat">
+      <a:schemeClr val="accent1"/>
+    </dgm:linClrLst>
+    <dgm:effectClrLst/>
+    <dgm:txLinClrLst/>
+    <dgm:txFillClrLst meth="repeat">
+      <a:schemeClr val="dk1"/>
+    </dgm:txFillClrLst>
+    <dgm:txEffectClrLst/>
+  </dgm:styleLbl>
+  <dgm:styleLbl name="fgAcc4">
+    <dgm:fillClrLst meth="repeat">
+      <a:schemeClr val="lt1">
+        <a:alpha val="90000"/>
+      </a:schemeClr>
+    </dgm:fillClrLst>
+    <dgm:linClrLst meth="repeat">
+      <a:schemeClr val="accent1"/>
+    </dgm:linClrLst>
+    <dgm:effectClrLst/>
+    <dgm:txLinClrLst/>
+    <dgm:txFillClrLst meth="repeat">
+      <a:schemeClr val="dk1"/>
+    </dgm:txFillClrLst>
+    <dgm:txEffectClrLst/>
+  </dgm:styleLbl>
+  <dgm:styleLbl name="bgShp">
+    <dgm:fillClrLst meth="repeat">
+      <a:schemeClr val="accent1">
+        <a:tint val="40000"/>
+      </a:schemeClr>
+    </dgm:fillClrLst>
+    <dgm:linClrLst meth="repeat">
+      <a:schemeClr val="accent1"/>
+    </dgm:linClrLst>
+    <dgm:effectClrLst/>
+    <dgm:txLinClrLst/>
+    <dgm:txFillClrLst meth="repeat">
+      <a:schemeClr val="dk1"/>
+    </dgm:txFillClrLst>
+    <dgm:txEffectClrLst/>
+  </dgm:styleLbl>
+  <dgm:styleLbl name="dkBgShp">
+    <dgm:fillClrLst meth="repeat">
+      <a:schemeClr val="accent1">
+        <a:shade val="80000"/>
+      </a:schemeClr>
+    </dgm:fillClrLst>
+    <dgm:linClrLst meth="repeat">
+      <a:schemeClr val="accent1"/>
+    </dgm:linClrLst>
+    <dgm:effectClrLst/>
+    <dgm:txLinClrLst/>
+    <dgm:txFillClrLst meth="repeat">
+      <a:schemeClr val="lt1"/>
+    </dgm:txFillClrLst>
+    <dgm:txEffectClrLst/>
+  </dgm:styleLbl>
+  <dgm:styleLbl name="trBgShp">
+    <dgm:fillClrLst meth="repeat">
+      <a:schemeClr val="accent1">
+        <a:tint val="50000"/>
+        <a:alpha val="40000"/>
+      </a:schemeClr>
+    </dgm:fillClrLst>
+    <dgm:linClrLst meth="repeat">
+      <a:schemeClr val="accent1"/>
+    </dgm:linClrLst>
+    <dgm:effectClrLst/>
+    <dgm:txLinClrLst/>
+    <dgm:txFillClrLst meth="repeat">
+      <a:schemeClr val="lt1"/>
+    </dgm:txFillClrLst>
+    <dgm:txEffectClrLst/>
+  </dgm:styleLbl>
+  <dgm:styleLbl name="fgShp">
+    <dgm:fillClrLst meth="repeat">
+      <a:schemeClr val="accent1">
+        <a:tint val="60000"/>
+      </a:schemeClr>
+    </dgm:fillClrLst>
+    <dgm:linClrLst meth="repeat">
+      <a:schemeClr val="lt1"/>
+    </dgm:linClrLst>
+    <dgm:effectClrLst/>
+    <dgm:txLinClrLst/>
+    <dgm:txFillClrLst meth="repeat">
+      <a:schemeClr val="dk1"/>
+    </dgm:txFillClrLst>
+    <dgm:txEffectClrLst/>
+  </dgm:styleLbl>
+  <dgm:styleLbl name="revTx">
+    <dgm:fillClrLst meth="repeat">
+      <a:schemeClr val="lt1">
+        <a:alpha val="0"/>
+      </a:schemeClr>
+    </dgm:fillClrLst>
+    <dgm:linClrLst meth="repeat">
+      <a:schemeClr val="dk1">
+        <a:alpha val="0"/>
+      </a:schemeClr>
+    </dgm:linClrLst>
+    <dgm:effectClrLst/>
+    <dgm:txLinClrLst/>
+    <dgm:txFillClrLst meth="repeat">
+      <a:schemeClr val="tx1"/>
+    </dgm:txFillClrLst>
+    <dgm:txEffectClrLst/>
+  </dgm:styleLbl>
+</dgm:colorsDef>
+</file>
+
+<file path=ppt/diagrams/colors16.xml><?xml version="1.0" encoding="utf-8"?>
 <dgm:colorsDef xmlns:dgm="http://schemas.openxmlformats.org/drawingml/2006/diagram" xmlns:a="http://schemas.openxmlformats.org/drawingml/2006/main" uniqueId="urn:microsoft.com/office/officeart/2005/8/colors/accent1_2">
   <dgm:title val=""/>
   <dgm:desc val=""/>
@@ -11703,7 +12452,93 @@
 <file path=ppt/diagrams/data10.xml><?xml version="1.0" encoding="utf-8"?>
 <dgm:dataModel xmlns:dgm="http://schemas.openxmlformats.org/drawingml/2006/diagram" xmlns:a="http://schemas.openxmlformats.org/drawingml/2006/main">
   <dgm:ptLst>
-    <dgm:pt modelId="{6EC4E029-039E-4982-AA22-23E97750D620}" type="doc">
+    <dgm:pt modelId="{249F81D5-1A64-4AC2-817E-7C1522FF7623}" type="doc">
+      <dgm:prSet loTypeId="urn:microsoft.com/office/officeart/2005/8/layout/vList2" loCatId="list" qsTypeId="urn:microsoft.com/office/officeart/2005/8/quickstyle/simple1" qsCatId="simple" csTypeId="urn:microsoft.com/office/officeart/2005/8/colors/accent1_2" csCatId="accent1"/>
+      <dgm:spPr/>
+      <dgm:t>
+        <a:bodyPr/>
+        <a:lstStyle/>
+        <a:p>
+          <a:endParaRPr lang="zh-CN" altLang="en-US"/>
+        </a:p>
+      </dgm:t>
+    </dgm:pt>
+    <dgm:pt modelId="{24A82A6C-A58A-4A40-9ACE-CC3D35304D1C}">
+      <dgm:prSet/>
+      <dgm:spPr/>
+      <dgm:t>
+        <a:bodyPr/>
+        <a:lstStyle/>
+        <a:p>
+          <a:r>
+            <a:rPr lang="zh-CN" b="0" i="0" baseline="0" dirty="0"/>
+            <a:t>如果我们遵循 Pod 的最佳实践，其实应该尽可能地为每一个 Pod 添加 livenessProbe 和 readinessProbe 的健康检查，这两者能够为 Kubernetes 提供额外的存活信息，如果我们配置了合适的健康检查方法和规则，那么就不会出现服务未启动就被打入流量或者长时间未响应依然没有重启等问题。 </a:t>
+          </a:r>
+          <a:endParaRPr lang="zh-CN" dirty="0"/>
+        </a:p>
+      </dgm:t>
+    </dgm:pt>
+    <dgm:pt modelId="{E750C220-0894-4D49-B351-3C6FAF9FDCAD}" type="parTrans" cxnId="{5EE46D5C-36DA-45E8-B448-BCED1E4594DE}">
+      <dgm:prSet/>
+      <dgm:spPr/>
+      <dgm:t>
+        <a:bodyPr/>
+        <a:lstStyle/>
+        <a:p>
+          <a:endParaRPr lang="zh-CN" altLang="en-US"/>
+        </a:p>
+      </dgm:t>
+    </dgm:pt>
+    <dgm:pt modelId="{85513DBA-909B-4C09-BAE9-7C3EE6F25910}" type="sibTrans" cxnId="{5EE46D5C-36DA-45E8-B448-BCED1E4594DE}">
+      <dgm:prSet/>
+      <dgm:spPr/>
+      <dgm:t>
+        <a:bodyPr/>
+        <a:lstStyle/>
+        <a:p>
+          <a:endParaRPr lang="zh-CN" altLang="en-US"/>
+        </a:p>
+      </dgm:t>
+    </dgm:pt>
+    <dgm:pt modelId="{BFCDE2CA-7841-49D1-8552-E04C69A95F95}" type="pres">
+      <dgm:prSet presAssocID="{249F81D5-1A64-4AC2-817E-7C1522FF7623}" presName="linear" presStyleCnt="0">
+        <dgm:presLayoutVars>
+          <dgm:animLvl val="lvl"/>
+          <dgm:resizeHandles val="exact"/>
+        </dgm:presLayoutVars>
+      </dgm:prSet>
+      <dgm:spPr/>
+    </dgm:pt>
+    <dgm:pt modelId="{9CA2FC9F-C943-4567-8D0B-902FBC6FC29D}" type="pres">
+      <dgm:prSet presAssocID="{24A82A6C-A58A-4A40-9ACE-CC3D35304D1C}" presName="parentText" presStyleLbl="node1" presStyleIdx="0" presStyleCnt="1">
+        <dgm:presLayoutVars>
+          <dgm:chMax val="0"/>
+          <dgm:bulletEnabled val="1"/>
+        </dgm:presLayoutVars>
+      </dgm:prSet>
+      <dgm:spPr/>
+    </dgm:pt>
+  </dgm:ptLst>
+  <dgm:cxnLst>
+    <dgm:cxn modelId="{BAE05C0A-3269-422E-BD8E-B5457C8AB59B}" type="presOf" srcId="{249F81D5-1A64-4AC2-817E-7C1522FF7623}" destId="{BFCDE2CA-7841-49D1-8552-E04C69A95F95}" srcOrd="0" destOrd="0" presId="urn:microsoft.com/office/officeart/2005/8/layout/vList2"/>
+    <dgm:cxn modelId="{5EE46D5C-36DA-45E8-B448-BCED1E4594DE}" srcId="{249F81D5-1A64-4AC2-817E-7C1522FF7623}" destId="{24A82A6C-A58A-4A40-9ACE-CC3D35304D1C}" srcOrd="0" destOrd="0" parTransId="{E750C220-0894-4D49-B351-3C6FAF9FDCAD}" sibTransId="{85513DBA-909B-4C09-BAE9-7C3EE6F25910}"/>
+    <dgm:cxn modelId="{58F21265-9BCC-4F4F-8ED0-5150F04AC594}" type="presOf" srcId="{24A82A6C-A58A-4A40-9ACE-CC3D35304D1C}" destId="{9CA2FC9F-C943-4567-8D0B-902FBC6FC29D}" srcOrd="0" destOrd="0" presId="urn:microsoft.com/office/officeart/2005/8/layout/vList2"/>
+    <dgm:cxn modelId="{479C607F-CFFD-4C99-83C7-3E3699A3ABAA}" type="presParOf" srcId="{BFCDE2CA-7841-49D1-8552-E04C69A95F95}" destId="{9CA2FC9F-C943-4567-8D0B-902FBC6FC29D}" srcOrd="0" destOrd="0" presId="urn:microsoft.com/office/officeart/2005/8/layout/vList2"/>
+  </dgm:cxnLst>
+  <dgm:bg/>
+  <dgm:whole/>
+  <dgm:extLst>
+    <a:ext uri="http://schemas.microsoft.com/office/drawing/2008/diagram">
+      <dsp:dataModelExt xmlns:dsp="http://schemas.microsoft.com/office/drawing/2008/diagram" relId="rId6" minVer="http://schemas.openxmlformats.org/drawingml/2006/diagram"/>
+    </a:ext>
+  </dgm:extLst>
+</dgm:dataModel>
+</file>
+
+<file path=ppt/diagrams/data11.xml><?xml version="1.0" encoding="utf-8"?>
+<dgm:dataModel xmlns:dgm="http://schemas.openxmlformats.org/drawingml/2006/diagram" xmlns:a="http://schemas.openxmlformats.org/drawingml/2006/main">
+  <dgm:ptLst>
+    <dgm:pt modelId="{A2C6B91E-8B29-4D82-83BD-DCAC602F8B1E}" type="doc">
       <dgm:prSet loTypeId="urn:microsoft.com/office/officeart/2005/8/layout/vList2" loCatId="list" qsTypeId="urn:microsoft.com/office/officeart/2005/8/quickstyle/simple1" qsCatId="simple" csTypeId="urn:microsoft.com/office/officeart/2005/8/colors/accent1_2" csCatId="accent1" phldr="1"/>
       <dgm:spPr/>
       <dgm:t>
@@ -11714,7 +12549,7 @@
         </a:p>
       </dgm:t>
     </dgm:pt>
-    <dgm:pt modelId="{3D8CC648-9E66-4DE2-B1D1-AB1B9A436307}">
+    <dgm:pt modelId="{559690CD-D843-4BA7-A739-818D67E84896}">
       <dgm:prSet/>
       <dgm:spPr/>
       <dgm:t>
@@ -11722,89 +12557,94 @@
         <a:lstStyle/>
         <a:p>
           <a:r>
-            <a:rPr lang="zh-CN" dirty="0"/>
-            <a:t>当 </a:t>
+            <a:rPr lang="zh-CN" altLang="en-US" b="0" i="0" baseline="0" dirty="0"/>
+            <a:t>每一个新的 </a:t>
           </a:r>
           <a:r>
-            <a:rPr lang="en-US" dirty="0"/>
+            <a:rPr lang="en-US" altLang="zh-CN" b="0" i="0" baseline="0" dirty="0"/>
             <a:t>Pod </a:t>
           </a:r>
           <a:r>
-            <a:rPr lang="zh-CN" dirty="0"/>
-            <a:t>被创建之后，就会进入健康检查状态，当 </a:t>
+            <a:rPr lang="zh-CN" altLang="en-US" b="0" i="0" baseline="0" dirty="0"/>
+            <a:t>都会被调用 </a:t>
           </a:r>
           <a:r>
-            <a:rPr lang="en-US" dirty="0"/>
-            <a:t>Kubernetes </a:t>
+            <a:rPr lang="en-US" altLang="zh-CN" b="0" i="0" baseline="0" dirty="0" err="1"/>
+            <a:t>ProbeManager</a:t>
           </a:r>
           <a:r>
-            <a:rPr lang="zh-CN" dirty="0"/>
-            <a:t>确定当前 </a:t>
+            <a:rPr lang="en-US" altLang="zh-CN" b="0" i="0" baseline="0" dirty="0"/>
+            <a:t> </a:t>
           </a:r>
           <a:r>
-            <a:rPr lang="en-US" dirty="0"/>
+            <a:rPr lang="zh-CN" altLang="en-US" b="0" i="0" baseline="0" dirty="0"/>
+            <a:t>的 </a:t>
+          </a:r>
+          <a:r>
+            <a:rPr lang="en-US" altLang="zh-CN" b="0" i="0" baseline="0" dirty="0" err="1"/>
+            <a:t>AddPod</a:t>
+          </a:r>
+          <a:r>
+            <a:rPr lang="en-US" altLang="zh-CN" b="0" i="0" baseline="0" dirty="0"/>
+            <a:t> </a:t>
+          </a:r>
+          <a:r>
+            <a:rPr lang="zh-CN" altLang="en-US" b="0" i="0" baseline="0" dirty="0"/>
+            <a:t>函数。这个函数将 </a:t>
+          </a:r>
+          <a:r>
+            <a:rPr lang="en-US" altLang="zh-CN" b="0" i="0" baseline="0" dirty="0"/>
             <a:t>Pod </a:t>
           </a:r>
           <a:r>
-            <a:rPr lang="zh-CN" dirty="0"/>
-            <a:t>已经能够接受外部的请求时，才会将流量打到新的 </a:t>
+            <a:rPr lang="zh-CN" altLang="en-US" b="0" i="0" baseline="0" dirty="0"/>
+            <a:t>配置的 </a:t>
           </a:r>
           <a:r>
-            <a:rPr lang="en-US" dirty="0"/>
+            <a:rPr lang="en-US" altLang="zh-CN" b="0" i="0" baseline="0" dirty="0"/>
+            <a:t>Probe </a:t>
+          </a:r>
+          <a:r>
+            <a:rPr lang="zh-CN" altLang="en-US" b="0" i="0" baseline="0" dirty="0"/>
+            <a:t>类型，添加到一个结构体为 </a:t>
+          </a:r>
+          <a:r>
+            <a:rPr lang="en-US" altLang="zh-CN" b="0" i="0" baseline="0" dirty="0"/>
+            <a:t>Map </a:t>
+          </a:r>
+          <a:r>
+            <a:rPr lang="zh-CN" altLang="en-US" b="0" i="0" baseline="0" dirty="0"/>
+            <a:t>的 </a:t>
+          </a:r>
+          <a:r>
+            <a:rPr lang="en-US" altLang="zh-CN" b="0" i="0" baseline="0" dirty="0"/>
+            <a:t>Workers </a:t>
+          </a:r>
+          <a:r>
+            <a:rPr lang="zh-CN" altLang="en-US" b="0" i="0" baseline="0" dirty="0"/>
+            <a:t>中，然后初始化一个新的 </a:t>
+          </a:r>
+          <a:r>
+            <a:rPr lang="en-US" altLang="zh-CN" b="0" i="0" baseline="0" dirty="0"/>
+            <a:t>Goroutine</a:t>
+          </a:r>
+          <a:r>
+            <a:rPr lang="zh-CN" altLang="en-US" b="0" i="0" baseline="0" dirty="0"/>
+            <a:t>，并在其中运行对当前 </a:t>
+          </a:r>
+          <a:r>
+            <a:rPr lang="en-US" altLang="zh-CN" b="0" i="0" baseline="0" dirty="0"/>
             <a:t>Pod </a:t>
           </a:r>
           <a:r>
-            <a:rPr lang="zh-CN" dirty="0"/>
-            <a:t>上并继续对外提供服务，在这期间如果发生了错误就可能会触发重启机制，在 </a:t>
+            <a:rPr lang="zh-CN" altLang="en-US" b="0" i="0" baseline="0" dirty="0"/>
+            <a:t>进行健康检查。</a:t>
           </a:r>
-          <a:r>
-            <a:rPr lang="en-US" dirty="0"/>
-            <a:t>Pod </a:t>
-          </a:r>
-          <a:r>
-            <a:rPr lang="zh-CN" dirty="0"/>
-            <a:t>被删除之前都会触发一个 </a:t>
-          </a:r>
-          <a:r>
-            <a:rPr lang="en-US" dirty="0" err="1"/>
-            <a:t>PreStop</a:t>
-          </a:r>
-          <a:r>
-            <a:rPr lang="en-US" dirty="0"/>
-            <a:t> </a:t>
-          </a:r>
-          <a:r>
-            <a:rPr lang="zh-CN" dirty="0"/>
-            <a:t>的钩子，其中的方法完成之后 </a:t>
-          </a:r>
-          <a:r>
-            <a:rPr lang="en-US" dirty="0"/>
-            <a:t>Pod </a:t>
-          </a:r>
-          <a:r>
-            <a:rPr lang="zh-CN" dirty="0"/>
-            <a:t>才会被删除，接下来我们就会按照这里的顺序依次介绍 </a:t>
-          </a:r>
-          <a:r>
-            <a:rPr lang="en-US" dirty="0"/>
-            <a:t>Pod 『</a:t>
-          </a:r>
-          <a:r>
-            <a:rPr lang="zh-CN" dirty="0"/>
-            <a:t>从生到死</a:t>
-          </a:r>
-          <a:r>
-            <a:rPr lang="en-US" dirty="0"/>
-            <a:t>』</a:t>
-          </a:r>
-          <a:r>
-            <a:rPr lang="zh-CN" dirty="0"/>
-            <a:t>的过程。</a:t>
-          </a:r>
+          <a:endParaRPr lang="zh-CN" dirty="0"/>
         </a:p>
       </dgm:t>
     </dgm:pt>
-    <dgm:pt modelId="{A443C5D5-6DEA-4875-847B-E5F074DF1EC9}" type="parTrans" cxnId="{35F67286-17A6-4F95-897D-B84372F03A76}">
+    <dgm:pt modelId="{F7BEC299-5722-4879-9FC5-A79E94763EAA}" type="parTrans" cxnId="{0F1CB60A-AEE2-44EC-A60D-B5D7CEFCA6A1}">
       <dgm:prSet/>
       <dgm:spPr/>
       <dgm:t>
@@ -11815,7 +12655,7 @@
         </a:p>
       </dgm:t>
     </dgm:pt>
-    <dgm:pt modelId="{C50A6D71-F060-44F9-AB99-8900D570C24B}" type="sibTrans" cxnId="{35F67286-17A6-4F95-897D-B84372F03A76}">
+    <dgm:pt modelId="{5222145F-29D4-4F2B-B9C5-6918B3EEDEE0}" type="sibTrans" cxnId="{0F1CB60A-AEE2-44EC-A60D-B5D7CEFCA6A1}">
       <dgm:prSet/>
       <dgm:spPr/>
       <dgm:t>
@@ -11826,7 +12666,7 @@
         </a:p>
       </dgm:t>
     </dgm:pt>
-    <dgm:pt modelId="{3E142A25-BE83-49D1-AC1D-EFE1674F94A2}">
+    <dgm:pt modelId="{1F6FEDBF-8C89-4619-84AE-EC6371363CA6}">
       <dgm:prSet/>
       <dgm:spPr/>
       <dgm:t>
@@ -11834,46 +12674,81 @@
         <a:lstStyle/>
         <a:p>
           <a:r>
-            <a:rPr lang="zh-CN" altLang="en-US" b="0" i="0" dirty="0"/>
-            <a:t>想要深入理解 </a:t>
+            <a:rPr lang="zh-CN" dirty="0"/>
+            <a:t>在执行健康检查的过程中，</a:t>
           </a:r>
           <a:r>
-            <a:rPr lang="en-US" b="0" i="0" dirty="0"/>
+            <a:rPr lang="en-US" dirty="0"/>
+            <a:t>Worker </a:t>
+          </a:r>
+          <a:r>
+            <a:rPr lang="zh-CN" dirty="0"/>
+            <a:t>只是负责根据当前 </a:t>
+          </a:r>
+          <a:r>
+            <a:rPr lang="en-US" dirty="0"/>
             <a:t>Pod </a:t>
           </a:r>
           <a:r>
-            <a:rPr lang="zh-CN" altLang="en-US" b="0" i="0" dirty="0"/>
-            <a:t>的实现原理，最好最快的办法就是从 </a:t>
+            <a:rPr lang="zh-CN" dirty="0"/>
+            <a:t>的状态定期触发一次 </a:t>
           </a:r>
           <a:r>
-            <a:rPr lang="en-US" b="0" i="0" dirty="0"/>
+            <a:rPr lang="en-US" dirty="0"/>
+            <a:t>Probe</a:t>
+          </a:r>
+          <a:r>
+            <a:rPr lang="zh-CN" dirty="0"/>
+            <a:t>，它会根据 </a:t>
+          </a:r>
+          <a:r>
+            <a:rPr lang="en-US" dirty="0"/>
             <a:t>Pod </a:t>
           </a:r>
           <a:r>
-            <a:rPr lang="zh-CN" altLang="en-US" b="0" i="0" dirty="0"/>
-            <a:t>的生命周期入手，通过理解 </a:t>
+            <a:rPr lang="zh-CN" dirty="0"/>
+            <a:t>的配置分别选择调用 </a:t>
           </a:r>
           <a:r>
-            <a:rPr lang="en-US" b="0" i="0" dirty="0"/>
-            <a:t>Pod </a:t>
+            <a:rPr lang="en-US" dirty="0"/>
+            <a:t>Exec</a:t>
           </a:r>
           <a:r>
-            <a:rPr lang="zh-CN" altLang="en-US" b="0" i="0" dirty="0"/>
-            <a:t>创建、重启和删除的原理我们最终就能够系统地掌握 </a:t>
+            <a:rPr lang="zh-CN" dirty="0"/>
+            <a:t>、</a:t>
           </a:r>
           <a:r>
-            <a:rPr lang="en-US" b="0" i="0" dirty="0"/>
-            <a:t>Pod </a:t>
+            <a:rPr lang="en-US" dirty="0" err="1"/>
+            <a:t>HTTPGet</a:t>
           </a:r>
           <a:r>
-            <a:rPr lang="zh-CN" altLang="en-US" b="0" i="0" dirty="0"/>
-            <a:t>的生命周期与核心原理。</a:t>
+            <a:rPr lang="zh-CN" dirty="0"/>
+            <a:t>、</a:t>
           </a:r>
-          <a:endParaRPr lang="zh-CN" altLang="en-US" dirty="0"/>
+          <a:r>
+            <a:rPr lang="en-US" dirty="0" err="1"/>
+            <a:t>TCPSocket</a:t>
+          </a:r>
+          <a:r>
+            <a:rPr lang="en-US" dirty="0"/>
+            <a:t> </a:t>
+          </a:r>
+          <a:r>
+            <a:rPr lang="zh-CN" dirty="0"/>
+            <a:t>或 </a:t>
+          </a:r>
+          <a:r>
+            <a:rPr lang="en-US" dirty="0"/>
+            <a:t>GRPC </a:t>
+          </a:r>
+          <a:r>
+            <a:rPr lang="zh-CN" dirty="0"/>
+            <a:t>四种不同的检查机制。</a:t>
+          </a:r>
         </a:p>
       </dgm:t>
     </dgm:pt>
-    <dgm:pt modelId="{D0FFD66F-1131-41FC-8422-DB5A1150D79C}" type="parTrans" cxnId="{9C0D8899-6B16-4CF8-B3E4-CD7D3A3E8B0D}">
+    <dgm:pt modelId="{DECAA573-3E9E-4AF7-8919-318EE89AC577}" type="parTrans" cxnId="{8FB6CF14-A2AA-4699-BCDC-39D1148137D4}">
       <dgm:prSet/>
       <dgm:spPr/>
       <dgm:t>
@@ -11884,7 +12759,7 @@
         </a:p>
       </dgm:t>
     </dgm:pt>
-    <dgm:pt modelId="{C9808E1E-84AD-4FA7-9B31-D3DABCA3993E}" type="sibTrans" cxnId="{9C0D8899-6B16-4CF8-B3E4-CD7D3A3E8B0D}">
+    <dgm:pt modelId="{B0CF78EC-10DA-4D9C-B7BB-76BED7D71FD1}" type="sibTrans" cxnId="{8FB6CF14-A2AA-4699-BCDC-39D1148137D4}">
       <dgm:prSet/>
       <dgm:spPr/>
       <dgm:t>
@@ -11895,8 +12770,8 @@
         </a:p>
       </dgm:t>
     </dgm:pt>
-    <dgm:pt modelId="{ACF5DBEC-A2C4-434F-BE1D-7C0555EECDB1}" type="pres">
-      <dgm:prSet presAssocID="{6EC4E029-039E-4982-AA22-23E97750D620}" presName="linear" presStyleCnt="0">
+    <dgm:pt modelId="{74DAC10D-DCA4-47F3-A6AD-80FF2C002BA4}" type="pres">
+      <dgm:prSet presAssocID="{A2C6B91E-8B29-4D82-83BD-DCAC602F8B1E}" presName="linear" presStyleCnt="0">
         <dgm:presLayoutVars>
           <dgm:animLvl val="lvl"/>
           <dgm:resizeHandles val="exact"/>
@@ -11904,8 +12779,8 @@
       </dgm:prSet>
       <dgm:spPr/>
     </dgm:pt>
-    <dgm:pt modelId="{7F7B99DC-F75D-4A7E-855B-5B05F3CDD4A5}" type="pres">
-      <dgm:prSet presAssocID="{3E142A25-BE83-49D1-AC1D-EFE1674F94A2}" presName="parentText" presStyleLbl="node1" presStyleIdx="0" presStyleCnt="2">
+    <dgm:pt modelId="{3B5E15F8-E9B6-49BC-8642-89A8E73EF233}" type="pres">
+      <dgm:prSet presAssocID="{559690CD-D843-4BA7-A739-818D67E84896}" presName="parentText" presStyleLbl="node1" presStyleIdx="0" presStyleCnt="2">
         <dgm:presLayoutVars>
           <dgm:chMax val="0"/>
           <dgm:bulletEnabled val="1"/>
@@ -11913,12 +12788,12 @@
       </dgm:prSet>
       <dgm:spPr/>
     </dgm:pt>
-    <dgm:pt modelId="{82998B98-A613-4CF7-9593-77395DE33809}" type="pres">
-      <dgm:prSet presAssocID="{C9808E1E-84AD-4FA7-9B31-D3DABCA3993E}" presName="spacer" presStyleCnt="0"/>
+    <dgm:pt modelId="{62AC1A42-9041-4350-A8B7-C0EDADB108C8}" type="pres">
+      <dgm:prSet presAssocID="{5222145F-29D4-4F2B-B9C5-6918B3EEDEE0}" presName="spacer" presStyleCnt="0"/>
       <dgm:spPr/>
     </dgm:pt>
-    <dgm:pt modelId="{1BB3112F-B381-4F3D-AD42-CD51E5148602}" type="pres">
-      <dgm:prSet presAssocID="{3D8CC648-9E66-4DE2-B1D1-AB1B9A436307}" presName="parentText" presStyleLbl="node1" presStyleIdx="1" presStyleCnt="2">
+    <dgm:pt modelId="{0939E1E3-1680-4769-A9F5-C739853F4ABA}" type="pres">
+      <dgm:prSet presAssocID="{1F6FEDBF-8C89-4619-84AE-EC6371363CA6}" presName="parentText" presStyleLbl="node1" presStyleIdx="1" presStyleCnt="2">
         <dgm:presLayoutVars>
           <dgm:chMax val="0"/>
           <dgm:bulletEnabled val="1"/>
@@ -11928,340 +12803,14 @@
     </dgm:pt>
   </dgm:ptLst>
   <dgm:cxnLst>
-    <dgm:cxn modelId="{B033A67B-6A47-44AA-8C81-087876D7F8B1}" type="presOf" srcId="{3D8CC648-9E66-4DE2-B1D1-AB1B9A436307}" destId="{1BB3112F-B381-4F3D-AD42-CD51E5148602}" srcOrd="0" destOrd="0" presId="urn:microsoft.com/office/officeart/2005/8/layout/vList2"/>
-    <dgm:cxn modelId="{35F67286-17A6-4F95-897D-B84372F03A76}" srcId="{6EC4E029-039E-4982-AA22-23E97750D620}" destId="{3D8CC648-9E66-4DE2-B1D1-AB1B9A436307}" srcOrd="1" destOrd="0" parTransId="{A443C5D5-6DEA-4875-847B-E5F074DF1EC9}" sibTransId="{C50A6D71-F060-44F9-AB99-8900D570C24B}"/>
-    <dgm:cxn modelId="{DA786997-F35B-4846-82A6-8E3953D3C652}" type="presOf" srcId="{6EC4E029-039E-4982-AA22-23E97750D620}" destId="{ACF5DBEC-A2C4-434F-BE1D-7C0555EECDB1}" srcOrd="0" destOrd="0" presId="urn:microsoft.com/office/officeart/2005/8/layout/vList2"/>
-    <dgm:cxn modelId="{9C0D8899-6B16-4CF8-B3E4-CD7D3A3E8B0D}" srcId="{6EC4E029-039E-4982-AA22-23E97750D620}" destId="{3E142A25-BE83-49D1-AC1D-EFE1674F94A2}" srcOrd="0" destOrd="0" parTransId="{D0FFD66F-1131-41FC-8422-DB5A1150D79C}" sibTransId="{C9808E1E-84AD-4FA7-9B31-D3DABCA3993E}"/>
-    <dgm:cxn modelId="{335D50F2-6983-4841-9E76-2E6DA7101704}" type="presOf" srcId="{3E142A25-BE83-49D1-AC1D-EFE1674F94A2}" destId="{7F7B99DC-F75D-4A7E-855B-5B05F3CDD4A5}" srcOrd="0" destOrd="0" presId="urn:microsoft.com/office/officeart/2005/8/layout/vList2"/>
-    <dgm:cxn modelId="{BD283389-206C-4A0F-AAB4-C42BEB70C326}" type="presParOf" srcId="{ACF5DBEC-A2C4-434F-BE1D-7C0555EECDB1}" destId="{7F7B99DC-F75D-4A7E-855B-5B05F3CDD4A5}" srcOrd="0" destOrd="0" presId="urn:microsoft.com/office/officeart/2005/8/layout/vList2"/>
-    <dgm:cxn modelId="{6C7509EF-1A66-429D-A2BB-93864FDC68E2}" type="presParOf" srcId="{ACF5DBEC-A2C4-434F-BE1D-7C0555EECDB1}" destId="{82998B98-A613-4CF7-9593-77395DE33809}" srcOrd="1" destOrd="0" presId="urn:microsoft.com/office/officeart/2005/8/layout/vList2"/>
-    <dgm:cxn modelId="{0705AAB0-6C28-4ECA-B6AB-E53B47790F03}" type="presParOf" srcId="{ACF5DBEC-A2C4-434F-BE1D-7C0555EECDB1}" destId="{1BB3112F-B381-4F3D-AD42-CD51E5148602}" srcOrd="2" destOrd="0" presId="urn:microsoft.com/office/officeart/2005/8/layout/vList2"/>
-  </dgm:cxnLst>
-  <dgm:bg/>
-  <dgm:whole/>
-  <dgm:extLst>
-    <a:ext uri="http://schemas.microsoft.com/office/drawing/2008/diagram">
-      <dsp:dataModelExt xmlns:dsp="http://schemas.microsoft.com/office/drawing/2008/diagram" relId="rId7" minVer="http://schemas.openxmlformats.org/drawingml/2006/diagram"/>
-    </a:ext>
-  </dgm:extLst>
-</dgm:dataModel>
-</file>
-
-<file path=ppt/diagrams/data11.xml><?xml version="1.0" encoding="utf-8"?>
-<dgm:dataModel xmlns:dgm="http://schemas.openxmlformats.org/drawingml/2006/diagram" xmlns:a="http://schemas.openxmlformats.org/drawingml/2006/main">
-  <dgm:ptLst>
-    <dgm:pt modelId="{0E0009B2-43D6-4EAB-987A-F3CE82F3A35A}" type="doc">
-      <dgm:prSet loTypeId="urn:microsoft.com/office/officeart/2005/8/layout/vList2" loCatId="list" qsTypeId="urn:microsoft.com/office/officeart/2005/8/quickstyle/simple1" qsCatId="simple" csTypeId="urn:microsoft.com/office/officeart/2005/8/colors/accent1_2" csCatId="accent1" phldr="1"/>
-      <dgm:spPr/>
-      <dgm:t>
-        <a:bodyPr/>
-        <a:lstStyle/>
-        <a:p>
-          <a:endParaRPr lang="zh-CN" altLang="en-US"/>
-        </a:p>
-      </dgm:t>
-    </dgm:pt>
-    <dgm:pt modelId="{B4218118-6434-4BBF-A3AA-31A731299430}">
-      <dgm:prSet/>
-      <dgm:spPr/>
-      <dgm:t>
-        <a:bodyPr/>
-        <a:lstStyle/>
-        <a:p>
-          <a:r>
-            <a:rPr lang="en-US" b="1" dirty="0"/>
-            <a:t>Container </a:t>
-          </a:r>
-          <a:r>
-            <a:rPr lang="zh-CN" b="1" dirty="0"/>
-            <a:t>状态</a:t>
-          </a:r>
-          <a:endParaRPr lang="zh-CN" dirty="0"/>
-        </a:p>
-      </dgm:t>
-    </dgm:pt>
-    <dgm:pt modelId="{40100F17-FEC4-4820-87C0-88A091F8816E}" type="parTrans" cxnId="{10BE6EEC-8F3A-4D9A-9476-D108293697F7}">
-      <dgm:prSet/>
-      <dgm:spPr/>
-      <dgm:t>
-        <a:bodyPr/>
-        <a:lstStyle/>
-        <a:p>
-          <a:endParaRPr lang="zh-CN" altLang="en-US"/>
-        </a:p>
-      </dgm:t>
-    </dgm:pt>
-    <dgm:pt modelId="{85125A16-FEBD-4BC9-AEED-B28C82E98298}" type="sibTrans" cxnId="{10BE6EEC-8F3A-4D9A-9476-D108293697F7}">
-      <dgm:prSet/>
-      <dgm:spPr/>
-      <dgm:t>
-        <a:bodyPr/>
-        <a:lstStyle/>
-        <a:p>
-          <a:endParaRPr lang="zh-CN" altLang="en-US"/>
-        </a:p>
-      </dgm:t>
-    </dgm:pt>
-    <dgm:pt modelId="{25D87D0F-B608-4BAD-917E-4DAB5C61B39B}">
-      <dgm:prSet/>
-      <dgm:spPr/>
-      <dgm:t>
-        <a:bodyPr/>
-        <a:lstStyle/>
-        <a:p>
-          <a:r>
-            <a:rPr lang="en-US" b="1" dirty="0"/>
-            <a:t>Container </a:t>
-          </a:r>
-          <a:r>
-            <a:rPr lang="zh-CN" b="1" dirty="0"/>
-            <a:t>重启策略</a:t>
-          </a:r>
-          <a:endParaRPr lang="zh-CN" dirty="0"/>
-        </a:p>
-      </dgm:t>
-    </dgm:pt>
-    <dgm:pt modelId="{41D0FCAB-33F7-46CA-91A5-CB4DE8775FFF}" type="parTrans" cxnId="{7E4E0C6E-47E9-4306-9680-DBCA9645B21B}">
-      <dgm:prSet/>
-      <dgm:spPr/>
-      <dgm:t>
-        <a:bodyPr/>
-        <a:lstStyle/>
-        <a:p>
-          <a:endParaRPr lang="zh-CN" altLang="en-US"/>
-        </a:p>
-      </dgm:t>
-    </dgm:pt>
-    <dgm:pt modelId="{7CA84F46-68BC-4B85-A530-2AD801784A48}" type="sibTrans" cxnId="{7E4E0C6E-47E9-4306-9680-DBCA9645B21B}">
-      <dgm:prSet/>
-      <dgm:spPr/>
-      <dgm:t>
-        <a:bodyPr/>
-        <a:lstStyle/>
-        <a:p>
-          <a:endParaRPr lang="zh-CN" altLang="en-US"/>
-        </a:p>
-      </dgm:t>
-    </dgm:pt>
-    <dgm:pt modelId="{3AAC46DA-584A-4AA3-A952-A1B0ABAC9753}">
-      <dgm:prSet/>
-      <dgm:spPr/>
-      <dgm:t>
-        <a:bodyPr/>
-        <a:lstStyle/>
-        <a:p>
-          <a:r>
-            <a:rPr lang="en-US" b="1"/>
-            <a:t>Container </a:t>
-          </a:r>
-          <a:r>
-            <a:rPr lang="zh-CN" b="1"/>
-            <a:t>探针</a:t>
-          </a:r>
-          <a:endParaRPr lang="zh-CN"/>
-        </a:p>
-      </dgm:t>
-    </dgm:pt>
-    <dgm:pt modelId="{736646AE-0548-48FD-96BE-1F006E338706}" type="parTrans" cxnId="{26BA460E-09F0-4D50-A6F1-2DA7937371E3}">
-      <dgm:prSet/>
-      <dgm:spPr/>
-      <dgm:t>
-        <a:bodyPr/>
-        <a:lstStyle/>
-        <a:p>
-          <a:endParaRPr lang="zh-CN" altLang="en-US"/>
-        </a:p>
-      </dgm:t>
-    </dgm:pt>
-    <dgm:pt modelId="{BB4B683A-DC0B-4BC7-A791-8C92F164C0AF}" type="sibTrans" cxnId="{26BA460E-09F0-4D50-A6F1-2DA7937371E3}">
-      <dgm:prSet/>
-      <dgm:spPr/>
-      <dgm:t>
-        <a:bodyPr/>
-        <a:lstStyle/>
-        <a:p>
-          <a:endParaRPr lang="zh-CN" altLang="en-US"/>
-        </a:p>
-      </dgm:t>
-    </dgm:pt>
-    <dgm:pt modelId="{5FD402D0-7829-4BA6-B372-75DE43C403F5}">
-      <dgm:prSet/>
-      <dgm:spPr/>
-      <dgm:t>
-        <a:bodyPr/>
-        <a:lstStyle/>
-        <a:p>
-          <a:r>
-            <a:rPr lang="en-US" b="1"/>
-            <a:t>Probe</a:t>
-          </a:r>
-          <a:r>
-            <a:rPr lang="zh-CN" b="1"/>
-            <a:t> 类型</a:t>
-          </a:r>
-          <a:endParaRPr lang="zh-CN"/>
-        </a:p>
-      </dgm:t>
-    </dgm:pt>
-    <dgm:pt modelId="{7A701418-6E02-493D-9252-F6870BE4012A}" type="parTrans" cxnId="{587103D3-1E63-4485-95BF-445ECC67B2AA}">
-      <dgm:prSet/>
-      <dgm:spPr/>
-      <dgm:t>
-        <a:bodyPr/>
-        <a:lstStyle/>
-        <a:p>
-          <a:endParaRPr lang="zh-CN" altLang="en-US"/>
-        </a:p>
-      </dgm:t>
-    </dgm:pt>
-    <dgm:pt modelId="{708A73C5-8034-4A24-8DE7-078246690AB0}" type="sibTrans" cxnId="{587103D3-1E63-4485-95BF-445ECC67B2AA}">
-      <dgm:prSet/>
-      <dgm:spPr/>
-      <dgm:t>
-        <a:bodyPr/>
-        <a:lstStyle/>
-        <a:p>
-          <a:endParaRPr lang="zh-CN" altLang="en-US"/>
-        </a:p>
-      </dgm:t>
-    </dgm:pt>
-    <dgm:pt modelId="{97B7E6F5-6C50-4B0B-823B-99FF45460BC9}">
-      <dgm:prSet/>
-      <dgm:spPr/>
-      <dgm:t>
-        <a:bodyPr/>
-        <a:lstStyle/>
-        <a:p>
-          <a:r>
-            <a:rPr lang="zh-CN" b="1"/>
-            <a:t>各个 </a:t>
-          </a:r>
-          <a:r>
-            <a:rPr lang="en-US" b="1"/>
-            <a:t>Probe </a:t>
-          </a:r>
-          <a:r>
-            <a:rPr lang="zh-CN" b="1"/>
-            <a:t>何时使用</a:t>
-          </a:r>
-          <a:endParaRPr lang="zh-CN"/>
-        </a:p>
-      </dgm:t>
-    </dgm:pt>
-    <dgm:pt modelId="{E66BA659-B9E4-4CB0-B462-25B180C4A28B}" type="parTrans" cxnId="{83F373FC-CC21-46C2-AAA2-E00A87D01718}">
-      <dgm:prSet/>
-      <dgm:spPr/>
-      <dgm:t>
-        <a:bodyPr/>
-        <a:lstStyle/>
-        <a:p>
-          <a:endParaRPr lang="zh-CN" altLang="en-US"/>
-        </a:p>
-      </dgm:t>
-    </dgm:pt>
-    <dgm:pt modelId="{8439006A-58DB-4CD7-A836-71AD09C06D01}" type="sibTrans" cxnId="{83F373FC-CC21-46C2-AAA2-E00A87D01718}">
-      <dgm:prSet/>
-      <dgm:spPr/>
-      <dgm:t>
-        <a:bodyPr/>
-        <a:lstStyle/>
-        <a:p>
-          <a:endParaRPr lang="zh-CN" altLang="en-US"/>
-        </a:p>
-      </dgm:t>
-    </dgm:pt>
-    <dgm:pt modelId="{58222B2B-36EF-4C0C-867F-696A9887F3ED}" type="pres">
-      <dgm:prSet presAssocID="{0E0009B2-43D6-4EAB-987A-F3CE82F3A35A}" presName="linear" presStyleCnt="0">
-        <dgm:presLayoutVars>
-          <dgm:animLvl val="lvl"/>
-          <dgm:resizeHandles val="exact"/>
-        </dgm:presLayoutVars>
-      </dgm:prSet>
-      <dgm:spPr/>
-    </dgm:pt>
-    <dgm:pt modelId="{36848C7B-6AB9-4B5D-85B2-8131F9FF0F3C}" type="pres">
-      <dgm:prSet presAssocID="{B4218118-6434-4BBF-A3AA-31A731299430}" presName="parentText" presStyleLbl="node1" presStyleIdx="0" presStyleCnt="5">
-        <dgm:presLayoutVars>
-          <dgm:chMax val="0"/>
-          <dgm:bulletEnabled val="1"/>
-        </dgm:presLayoutVars>
-      </dgm:prSet>
-      <dgm:spPr/>
-    </dgm:pt>
-    <dgm:pt modelId="{AFB26621-106F-41A0-B039-A79BE39B64A0}" type="pres">
-      <dgm:prSet presAssocID="{85125A16-FEBD-4BC9-AEED-B28C82E98298}" presName="spacer" presStyleCnt="0"/>
-      <dgm:spPr/>
-    </dgm:pt>
-    <dgm:pt modelId="{04C250A8-E720-4DED-8438-04AF37D6BC47}" type="pres">
-      <dgm:prSet presAssocID="{25D87D0F-B608-4BAD-917E-4DAB5C61B39B}" presName="parentText" presStyleLbl="node1" presStyleIdx="1" presStyleCnt="5">
-        <dgm:presLayoutVars>
-          <dgm:chMax val="0"/>
-          <dgm:bulletEnabled val="1"/>
-        </dgm:presLayoutVars>
-      </dgm:prSet>
-      <dgm:spPr/>
-    </dgm:pt>
-    <dgm:pt modelId="{E33DC916-1420-4306-8402-19EF198A64A1}" type="pres">
-      <dgm:prSet presAssocID="{7CA84F46-68BC-4B85-A530-2AD801784A48}" presName="spacer" presStyleCnt="0"/>
-      <dgm:spPr/>
-    </dgm:pt>
-    <dgm:pt modelId="{CD181B26-2CAA-4408-A768-381EA75ECB7F}" type="pres">
-      <dgm:prSet presAssocID="{3AAC46DA-584A-4AA3-A952-A1B0ABAC9753}" presName="parentText" presStyleLbl="node1" presStyleIdx="2" presStyleCnt="5">
-        <dgm:presLayoutVars>
-          <dgm:chMax val="0"/>
-          <dgm:bulletEnabled val="1"/>
-        </dgm:presLayoutVars>
-      </dgm:prSet>
-      <dgm:spPr/>
-    </dgm:pt>
-    <dgm:pt modelId="{8DF44365-5DEE-42FD-A099-5B3E0D6A9955}" type="pres">
-      <dgm:prSet presAssocID="{BB4B683A-DC0B-4BC7-A791-8C92F164C0AF}" presName="spacer" presStyleCnt="0"/>
-      <dgm:spPr/>
-    </dgm:pt>
-    <dgm:pt modelId="{1880FC18-7C9F-4AE4-8FDF-172D586A5864}" type="pres">
-      <dgm:prSet presAssocID="{5FD402D0-7829-4BA6-B372-75DE43C403F5}" presName="parentText" presStyleLbl="node1" presStyleIdx="3" presStyleCnt="5">
-        <dgm:presLayoutVars>
-          <dgm:chMax val="0"/>
-          <dgm:bulletEnabled val="1"/>
-        </dgm:presLayoutVars>
-      </dgm:prSet>
-      <dgm:spPr/>
-    </dgm:pt>
-    <dgm:pt modelId="{00CA03C9-FC97-4258-B691-F54587BC3EAB}" type="pres">
-      <dgm:prSet presAssocID="{708A73C5-8034-4A24-8DE7-078246690AB0}" presName="spacer" presStyleCnt="0"/>
-      <dgm:spPr/>
-    </dgm:pt>
-    <dgm:pt modelId="{2FB1CBB3-EC04-448D-B945-B53D98360041}" type="pres">
-      <dgm:prSet presAssocID="{97B7E6F5-6C50-4B0B-823B-99FF45460BC9}" presName="parentText" presStyleLbl="node1" presStyleIdx="4" presStyleCnt="5">
-        <dgm:presLayoutVars>
-          <dgm:chMax val="0"/>
-          <dgm:bulletEnabled val="1"/>
-        </dgm:presLayoutVars>
-      </dgm:prSet>
-      <dgm:spPr/>
-    </dgm:pt>
-  </dgm:ptLst>
-  <dgm:cxnLst>
-    <dgm:cxn modelId="{26BA460E-09F0-4D50-A6F1-2DA7937371E3}" srcId="{0E0009B2-43D6-4EAB-987A-F3CE82F3A35A}" destId="{3AAC46DA-584A-4AA3-A952-A1B0ABAC9753}" srcOrd="2" destOrd="0" parTransId="{736646AE-0548-48FD-96BE-1F006E338706}" sibTransId="{BB4B683A-DC0B-4BC7-A791-8C92F164C0AF}"/>
-    <dgm:cxn modelId="{0C217418-0A60-483B-9629-6CBCC860D872}" type="presOf" srcId="{97B7E6F5-6C50-4B0B-823B-99FF45460BC9}" destId="{2FB1CBB3-EC04-448D-B945-B53D98360041}" srcOrd="0" destOrd="0" presId="urn:microsoft.com/office/officeart/2005/8/layout/vList2"/>
-    <dgm:cxn modelId="{86A20423-7C4F-41AC-9107-6DC07FF33061}" type="presOf" srcId="{B4218118-6434-4BBF-A3AA-31A731299430}" destId="{36848C7B-6AB9-4B5D-85B2-8131F9FF0F3C}" srcOrd="0" destOrd="0" presId="urn:microsoft.com/office/officeart/2005/8/layout/vList2"/>
-    <dgm:cxn modelId="{45E33E32-D007-4FF1-BC5E-60B38027D7D2}" type="presOf" srcId="{25D87D0F-B608-4BAD-917E-4DAB5C61B39B}" destId="{04C250A8-E720-4DED-8438-04AF37D6BC47}" srcOrd="0" destOrd="0" presId="urn:microsoft.com/office/officeart/2005/8/layout/vList2"/>
-    <dgm:cxn modelId="{7E4E0C6E-47E9-4306-9680-DBCA9645B21B}" srcId="{0E0009B2-43D6-4EAB-987A-F3CE82F3A35A}" destId="{25D87D0F-B608-4BAD-917E-4DAB5C61B39B}" srcOrd="1" destOrd="0" parTransId="{41D0FCAB-33F7-46CA-91A5-CB4DE8775FFF}" sibTransId="{7CA84F46-68BC-4B85-A530-2AD801784A48}"/>
-    <dgm:cxn modelId="{21975F59-EF45-414F-9C9E-7302EE0BC587}" type="presOf" srcId="{3AAC46DA-584A-4AA3-A952-A1B0ABAC9753}" destId="{CD181B26-2CAA-4408-A768-381EA75ECB7F}" srcOrd="0" destOrd="0" presId="urn:microsoft.com/office/officeart/2005/8/layout/vList2"/>
-    <dgm:cxn modelId="{587103D3-1E63-4485-95BF-445ECC67B2AA}" srcId="{0E0009B2-43D6-4EAB-987A-F3CE82F3A35A}" destId="{5FD402D0-7829-4BA6-B372-75DE43C403F5}" srcOrd="3" destOrd="0" parTransId="{7A701418-6E02-493D-9252-F6870BE4012A}" sibTransId="{708A73C5-8034-4A24-8DE7-078246690AB0}"/>
-    <dgm:cxn modelId="{185547DA-4AC6-4F07-8C82-6F6DC37FC379}" type="presOf" srcId="{0E0009B2-43D6-4EAB-987A-F3CE82F3A35A}" destId="{58222B2B-36EF-4C0C-867F-696A9887F3ED}" srcOrd="0" destOrd="0" presId="urn:microsoft.com/office/officeart/2005/8/layout/vList2"/>
-    <dgm:cxn modelId="{10BE6EEC-8F3A-4D9A-9476-D108293697F7}" srcId="{0E0009B2-43D6-4EAB-987A-F3CE82F3A35A}" destId="{B4218118-6434-4BBF-A3AA-31A731299430}" srcOrd="0" destOrd="0" parTransId="{40100F17-FEC4-4820-87C0-88A091F8816E}" sibTransId="{85125A16-FEBD-4BC9-AEED-B28C82E98298}"/>
-    <dgm:cxn modelId="{CF76F2F5-E19D-45A6-91FD-F39BE982ED1B}" type="presOf" srcId="{5FD402D0-7829-4BA6-B372-75DE43C403F5}" destId="{1880FC18-7C9F-4AE4-8FDF-172D586A5864}" srcOrd="0" destOrd="0" presId="urn:microsoft.com/office/officeart/2005/8/layout/vList2"/>
-    <dgm:cxn modelId="{83F373FC-CC21-46C2-AAA2-E00A87D01718}" srcId="{0E0009B2-43D6-4EAB-987A-F3CE82F3A35A}" destId="{97B7E6F5-6C50-4B0B-823B-99FF45460BC9}" srcOrd="4" destOrd="0" parTransId="{E66BA659-B9E4-4CB0-B462-25B180C4A28B}" sibTransId="{8439006A-58DB-4CD7-A836-71AD09C06D01}"/>
-    <dgm:cxn modelId="{32BB3091-2F77-425E-8E2C-A3F613268E8A}" type="presParOf" srcId="{58222B2B-36EF-4C0C-867F-696A9887F3ED}" destId="{36848C7B-6AB9-4B5D-85B2-8131F9FF0F3C}" srcOrd="0" destOrd="0" presId="urn:microsoft.com/office/officeart/2005/8/layout/vList2"/>
-    <dgm:cxn modelId="{FE6D8C73-AA6A-42C4-B72E-2324D0736C5D}" type="presParOf" srcId="{58222B2B-36EF-4C0C-867F-696A9887F3ED}" destId="{AFB26621-106F-41A0-B039-A79BE39B64A0}" srcOrd="1" destOrd="0" presId="urn:microsoft.com/office/officeart/2005/8/layout/vList2"/>
-    <dgm:cxn modelId="{7C1688B1-A23B-42B2-8906-AF2918A26FC6}" type="presParOf" srcId="{58222B2B-36EF-4C0C-867F-696A9887F3ED}" destId="{04C250A8-E720-4DED-8438-04AF37D6BC47}" srcOrd="2" destOrd="0" presId="urn:microsoft.com/office/officeart/2005/8/layout/vList2"/>
-    <dgm:cxn modelId="{71328805-62B7-43BD-B00C-75E3776AB3AE}" type="presParOf" srcId="{58222B2B-36EF-4C0C-867F-696A9887F3ED}" destId="{E33DC916-1420-4306-8402-19EF198A64A1}" srcOrd="3" destOrd="0" presId="urn:microsoft.com/office/officeart/2005/8/layout/vList2"/>
-    <dgm:cxn modelId="{73606AFB-D53B-489F-9F46-B849B55C3F23}" type="presParOf" srcId="{58222B2B-36EF-4C0C-867F-696A9887F3ED}" destId="{CD181B26-2CAA-4408-A768-381EA75ECB7F}" srcOrd="4" destOrd="0" presId="urn:microsoft.com/office/officeart/2005/8/layout/vList2"/>
-    <dgm:cxn modelId="{93FC57F6-0542-418D-B20A-F831D51A10CB}" type="presParOf" srcId="{58222B2B-36EF-4C0C-867F-696A9887F3ED}" destId="{8DF44365-5DEE-42FD-A099-5B3E0D6A9955}" srcOrd="5" destOrd="0" presId="urn:microsoft.com/office/officeart/2005/8/layout/vList2"/>
-    <dgm:cxn modelId="{DBA09B92-B639-4BF9-81ED-9500C7422DC7}" type="presParOf" srcId="{58222B2B-36EF-4C0C-867F-696A9887F3ED}" destId="{1880FC18-7C9F-4AE4-8FDF-172D586A5864}" srcOrd="6" destOrd="0" presId="urn:microsoft.com/office/officeart/2005/8/layout/vList2"/>
-    <dgm:cxn modelId="{FD923ACD-E839-435D-9552-97A33F648E65}" type="presParOf" srcId="{58222B2B-36EF-4C0C-867F-696A9887F3ED}" destId="{00CA03C9-FC97-4258-B691-F54587BC3EAB}" srcOrd="7" destOrd="0" presId="urn:microsoft.com/office/officeart/2005/8/layout/vList2"/>
-    <dgm:cxn modelId="{81D204E0-5E85-4F14-8E3C-4C6530D94BC3}" type="presParOf" srcId="{58222B2B-36EF-4C0C-867F-696A9887F3ED}" destId="{2FB1CBB3-EC04-448D-B945-B53D98360041}" srcOrd="8" destOrd="0" presId="urn:microsoft.com/office/officeart/2005/8/layout/vList2"/>
+    <dgm:cxn modelId="{0F1CB60A-AEE2-44EC-A60D-B5D7CEFCA6A1}" srcId="{A2C6B91E-8B29-4D82-83BD-DCAC602F8B1E}" destId="{559690CD-D843-4BA7-A739-818D67E84896}" srcOrd="0" destOrd="0" parTransId="{F7BEC299-5722-4879-9FC5-A79E94763EAA}" sibTransId="{5222145F-29D4-4F2B-B9C5-6918B3EEDEE0}"/>
+    <dgm:cxn modelId="{8FB6CF14-A2AA-4699-BCDC-39D1148137D4}" srcId="{A2C6B91E-8B29-4D82-83BD-DCAC602F8B1E}" destId="{1F6FEDBF-8C89-4619-84AE-EC6371363CA6}" srcOrd="1" destOrd="0" parTransId="{DECAA573-3E9E-4AF7-8919-318EE89AC577}" sibTransId="{B0CF78EC-10DA-4D9C-B7BB-76BED7D71FD1}"/>
+    <dgm:cxn modelId="{55961655-41DD-45A6-8BC1-73C6489C50CE}" type="presOf" srcId="{1F6FEDBF-8C89-4619-84AE-EC6371363CA6}" destId="{0939E1E3-1680-4769-A9F5-C739853F4ABA}" srcOrd="0" destOrd="0" presId="urn:microsoft.com/office/officeart/2005/8/layout/vList2"/>
+    <dgm:cxn modelId="{713358A4-20BD-4580-A31E-9FA9D2B23A51}" type="presOf" srcId="{559690CD-D843-4BA7-A739-818D67E84896}" destId="{3B5E15F8-E9B6-49BC-8642-89A8E73EF233}" srcOrd="0" destOrd="0" presId="urn:microsoft.com/office/officeart/2005/8/layout/vList2"/>
+    <dgm:cxn modelId="{8CBCF6F0-5C4C-4C8C-9171-F64F5CB28638}" type="presOf" srcId="{A2C6B91E-8B29-4D82-83BD-DCAC602F8B1E}" destId="{74DAC10D-DCA4-47F3-A6AD-80FF2C002BA4}" srcOrd="0" destOrd="0" presId="urn:microsoft.com/office/officeart/2005/8/layout/vList2"/>
+    <dgm:cxn modelId="{A8B53654-18BF-4110-B10C-E0F57EA570EA}" type="presParOf" srcId="{74DAC10D-DCA4-47F3-A6AD-80FF2C002BA4}" destId="{3B5E15F8-E9B6-49BC-8642-89A8E73EF233}" srcOrd="0" destOrd="0" presId="urn:microsoft.com/office/officeart/2005/8/layout/vList2"/>
+    <dgm:cxn modelId="{06FB6B33-1454-4B29-8EAB-F17C34AA2633}" type="presParOf" srcId="{74DAC10D-DCA4-47F3-A6AD-80FF2C002BA4}" destId="{62AC1A42-9041-4350-A8B7-C0EDADB108C8}" srcOrd="1" destOrd="0" presId="urn:microsoft.com/office/officeart/2005/8/layout/vList2"/>
+    <dgm:cxn modelId="{F4CC0D46-27C4-4F2A-B0C1-1A06C98648A8}" type="presParOf" srcId="{74DAC10D-DCA4-47F3-A6AD-80FF2C002BA4}" destId="{0939E1E3-1680-4769-A9F5-C739853F4ABA}" srcOrd="2" destOrd="0" presId="urn:microsoft.com/office/officeart/2005/8/layout/vList2"/>
   </dgm:cxnLst>
   <dgm:bg/>
   <dgm:whole/>
@@ -12274,6 +12823,50 @@
 </file>
 
 <file path=ppt/diagrams/data12.xml><?xml version="1.0" encoding="utf-8"?>
+<dgm:dataModel xmlns:dgm="http://schemas.openxmlformats.org/drawingml/2006/diagram" xmlns:a="http://schemas.openxmlformats.org/drawingml/2006/main">
+  <dgm:ptLst>
+    <dgm:pt modelId="{7B59E968-2FCD-4AB8-A98B-8D054E25BFFF}" type="doc">
+      <dgm:prSet loTypeId="urn:microsoft.com/office/officeart/2005/8/layout/vList2" loCatId="list" qsTypeId="urn:microsoft.com/office/officeart/2005/8/quickstyle/simple1" qsCatId="simple" csTypeId="urn:microsoft.com/office/officeart/2005/8/colors/accent1_2" csCatId="accent1" phldr="1"/>
+      <dgm:spPr/>
+      <dgm:t>
+        <a:bodyPr/>
+        <a:lstStyle/>
+        <a:p>
+          <a:endParaRPr lang="zh-CN" altLang="en-US"/>
+        </a:p>
+      </dgm:t>
+    </dgm:pt>
+    <dgm:pt modelId="{C89F1B8E-95DC-4A83-8535-87BE20560D40}" type="pres">
+      <dgm:prSet presAssocID="{7B59E968-2FCD-4AB8-A98B-8D054E25BFFF}" presName="linear" presStyleCnt="0">
+        <dgm:presLayoutVars>
+          <dgm:animLvl val="lvl"/>
+          <dgm:resizeHandles val="exact"/>
+        </dgm:presLayoutVars>
+      </dgm:prSet>
+      <dgm:spPr/>
+    </dgm:pt>
+  </dgm:ptLst>
+  <dgm:cxnLst>
+    <dgm:cxn modelId="{4B515B1A-9AAA-4E31-AFA2-A68F540C447E}" type="presOf" srcId="{7B59E968-2FCD-4AB8-A98B-8D054E25BFFF}" destId="{C89F1B8E-95DC-4A83-8535-87BE20560D40}" srcOrd="0" destOrd="0" presId="urn:microsoft.com/office/officeart/2005/8/layout/vList2"/>
+  </dgm:cxnLst>
+  <dgm:bg>
+    <a:blipFill>
+      <a:blip xmlns:r="http://schemas.openxmlformats.org/officeDocument/2006/relationships" r:embed="rId1"/>
+      <a:stretch>
+        <a:fillRect/>
+      </a:stretch>
+    </a:blipFill>
+  </dgm:bg>
+  <dgm:whole/>
+  <dgm:extLst>
+    <a:ext uri="http://schemas.microsoft.com/office/drawing/2008/diagram">
+      <dsp:dataModelExt xmlns:dsp="http://schemas.microsoft.com/office/drawing/2008/diagram" relId="rId6" minVer="http://schemas.openxmlformats.org/drawingml/2006/diagram"/>
+    </a:ext>
+  </dgm:extLst>
+</dgm:dataModel>
+</file>
+
+<file path=ppt/diagrams/data13.xml><?xml version="1.0" encoding="utf-8"?>
 <dgm:dataModel xmlns:dgm="http://schemas.openxmlformats.org/drawingml/2006/diagram" xmlns:a="http://schemas.openxmlformats.org/drawingml/2006/main">
   <dgm:ptLst>
     <dgm:pt modelId="{18F1B22C-A4D4-4241-8103-385A4AF7B970}" type="doc">
@@ -12453,7 +13046,7 @@
 </dgm:dataModel>
 </file>
 
-<file path=ppt/diagrams/data13.xml><?xml version="1.0" encoding="utf-8"?>
+<file path=ppt/diagrams/data14.xml><?xml version="1.0" encoding="utf-8"?>
 <dgm:dataModel xmlns:dgm="http://schemas.openxmlformats.org/drawingml/2006/diagram" xmlns:a="http://schemas.openxmlformats.org/drawingml/2006/main">
   <dgm:ptLst>
     <dgm:pt modelId="{1C336287-000A-4721-A61E-260975455955}" type="doc">
@@ -12795,7 +13388,7 @@
 </dgm:dataModel>
 </file>
 
-<file path=ppt/diagrams/data14.xml><?xml version="1.0" encoding="utf-8"?>
+<file path=ppt/diagrams/data15.xml><?xml version="1.0" encoding="utf-8"?>
 <dgm:dataModel xmlns:dgm="http://schemas.openxmlformats.org/drawingml/2006/diagram" xmlns:a="http://schemas.openxmlformats.org/drawingml/2006/main">
   <dgm:ptLst>
     <dgm:pt modelId="{6CECD71F-FEC8-441D-B956-3473183BB51E}" type="doc">
@@ -13021,7 +13614,7 @@
 </dgm:dataModel>
 </file>
 
-<file path=ppt/diagrams/data15.xml><?xml version="1.0" encoding="utf-8"?>
+<file path=ppt/diagrams/data16.xml><?xml version="1.0" encoding="utf-8"?>
 <dgm:dataModel xmlns:dgm="http://schemas.openxmlformats.org/drawingml/2006/diagram" xmlns:a="http://schemas.openxmlformats.org/drawingml/2006/main">
   <dgm:ptLst>
     <dgm:pt modelId="{6D12DA3E-543C-4D24-AF20-34FAC1D6887A}" type="doc">
@@ -15618,15 +16211,15 @@
       <dsp:cNvGrpSpPr/>
     </dsp:nvGrpSpPr>
     <dsp:grpSpPr/>
-    <dsp:sp modelId="{7F7B99DC-F75D-4A7E-855B-5B05F3CDD4A5}">
+    <dsp:sp modelId="{9CA2FC9F-C943-4567-8D0B-902FBC6FC29D}">
       <dsp:nvSpPr>
         <dsp:cNvPr id="0" name=""/>
         <dsp:cNvSpPr/>
       </dsp:nvSpPr>
       <dsp:spPr>
         <a:xfrm>
-          <a:off x="0" y="196282"/>
-          <a:ext cx="4184034" cy="1725384"/>
+          <a:off x="0" y="59363"/>
+          <a:ext cx="8513626" cy="835379"/>
         </a:xfrm>
         <a:prstGeom prst="roundRect">
           <a:avLst/>
@@ -15667,12 +16260,12 @@
         </a:fontRef>
       </dsp:style>
       <dsp:txBody>
-        <a:bodyPr spcFirstLastPara="0" vert="horz" wrap="square" lIns="49530" tIns="49530" rIns="49530" bIns="49530" numCol="1" spcCol="1270" anchor="ctr" anchorCtr="0">
+        <a:bodyPr spcFirstLastPara="0" vert="horz" wrap="square" lIns="53340" tIns="53340" rIns="53340" bIns="53340" numCol="1" spcCol="1270" anchor="ctr" anchorCtr="0">
           <a:noAutofit/>
         </a:bodyPr>
         <a:lstStyle/>
         <a:p>
-          <a:pPr marL="0" lvl="0" indent="0" algn="l" defTabSz="577850">
+          <a:pPr marL="0" lvl="0" indent="0" algn="l" defTabSz="622300">
             <a:lnSpc>
               <a:spcPct val="90000"/>
             </a:lnSpc>
@@ -15685,58 +16278,38 @@
             <a:buNone/>
           </a:pPr>
           <a:r>
-            <a:rPr lang="zh-CN" altLang="en-US" sz="1300" b="0" i="0" kern="1200" dirty="0"/>
-            <a:t>想要深入理解 </a:t>
+            <a:rPr lang="zh-CN" sz="1400" b="0" i="0" kern="1200" baseline="0" dirty="0"/>
+            <a:t>如果我们遵循 Pod 的最佳实践，其实应该尽可能地为每一个 Pod 添加 livenessProbe 和 readinessProbe 的健康检查，这两者能够为 Kubernetes 提供额外的存活信息，如果我们配置了合适的健康检查方法和规则，那么就不会出现服务未启动就被打入流量或者长时间未响应依然没有重启等问题。 </a:t>
           </a:r>
-          <a:r>
-            <a:rPr lang="en-US" sz="1300" b="0" i="0" kern="1200" dirty="0"/>
-            <a:t>Pod </a:t>
-          </a:r>
-          <a:r>
-            <a:rPr lang="zh-CN" altLang="en-US" sz="1300" b="0" i="0" kern="1200" dirty="0"/>
-            <a:t>的实现原理，最好最快的办法就是从 </a:t>
-          </a:r>
-          <a:r>
-            <a:rPr lang="en-US" sz="1300" b="0" i="0" kern="1200" dirty="0"/>
-            <a:t>Pod </a:t>
-          </a:r>
-          <a:r>
-            <a:rPr lang="zh-CN" altLang="en-US" sz="1300" b="0" i="0" kern="1200" dirty="0"/>
-            <a:t>的生命周期入手，通过理解 </a:t>
-          </a:r>
-          <a:r>
-            <a:rPr lang="en-US" sz="1300" b="0" i="0" kern="1200" dirty="0"/>
-            <a:t>Pod </a:t>
-          </a:r>
-          <a:r>
-            <a:rPr lang="zh-CN" altLang="en-US" sz="1300" b="0" i="0" kern="1200" dirty="0"/>
-            <a:t>创建、重启和删除的原理我们最终就能够系统地掌握 </a:t>
-          </a:r>
-          <a:r>
-            <a:rPr lang="en-US" sz="1300" b="0" i="0" kern="1200" dirty="0"/>
-            <a:t>Pod </a:t>
-          </a:r>
-          <a:r>
-            <a:rPr lang="zh-CN" altLang="en-US" sz="1300" b="0" i="0" kern="1200" dirty="0"/>
-            <a:t>的生命周期与核心原理。</a:t>
-          </a:r>
-          <a:endParaRPr lang="zh-CN" altLang="en-US" sz="1300" kern="1200" dirty="0"/>
+          <a:endParaRPr lang="zh-CN" sz="1400" kern="1200" dirty="0"/>
         </a:p>
       </dsp:txBody>
       <dsp:txXfrm>
-        <a:off x="84226" y="280508"/>
-        <a:ext cx="4015582" cy="1556932"/>
+        <a:off x="40780" y="100143"/>
+        <a:ext cx="8432066" cy="753819"/>
       </dsp:txXfrm>
     </dsp:sp>
-    <dsp:sp modelId="{1BB3112F-B381-4F3D-AD42-CD51E5148602}">
+  </dsp:spTree>
+</dsp:drawing>
+</file>
+
+<file path=ppt/diagrams/drawing11.xml><?xml version="1.0" encoding="utf-8"?>
+<dsp:drawing xmlns:dgm="http://schemas.openxmlformats.org/drawingml/2006/diagram" xmlns:dsp="http://schemas.microsoft.com/office/drawing/2008/diagram" xmlns:a="http://schemas.openxmlformats.org/drawingml/2006/main">
+  <dsp:spTree>
+    <dsp:nvGrpSpPr>
+      <dsp:cNvPr id="0" name=""/>
+      <dsp:cNvGrpSpPr/>
+    </dsp:nvGrpSpPr>
+    <dsp:grpSpPr/>
+    <dsp:sp modelId="{3B5E15F8-E9B6-49BC-8642-89A8E73EF233}">
       <dsp:nvSpPr>
         <dsp:cNvPr id="0" name=""/>
         <dsp:cNvSpPr/>
       </dsp:nvSpPr>
       <dsp:spPr>
         <a:xfrm>
-          <a:off x="0" y="1959106"/>
-          <a:ext cx="4184034" cy="1725384"/>
+          <a:off x="0" y="46246"/>
+          <a:ext cx="4184034" cy="1869660"/>
         </a:xfrm>
         <a:prstGeom prst="roundRect">
           <a:avLst/>
@@ -15777,12 +16350,12 @@
         </a:fontRef>
       </dsp:style>
       <dsp:txBody>
-        <a:bodyPr spcFirstLastPara="0" vert="horz" wrap="square" lIns="49530" tIns="49530" rIns="49530" bIns="49530" numCol="1" spcCol="1270" anchor="ctr" anchorCtr="0">
+        <a:bodyPr spcFirstLastPara="0" vert="horz" wrap="square" lIns="64770" tIns="64770" rIns="64770" bIns="64770" numCol="1" spcCol="1270" anchor="ctr" anchorCtr="0">
           <a:noAutofit/>
         </a:bodyPr>
         <a:lstStyle/>
         <a:p>
-          <a:pPr marL="0" lvl="0" indent="0" algn="l" defTabSz="577850">
+          <a:pPr marL="0" lvl="0" indent="0" algn="l" defTabSz="755650">
             <a:lnSpc>
               <a:spcPct val="90000"/>
             </a:lnSpc>
@@ -15795,113 +16368,106 @@
             <a:buNone/>
           </a:pPr>
           <a:r>
-            <a:rPr lang="zh-CN" sz="1300" kern="1200" dirty="0"/>
-            <a:t>当 </a:t>
+            <a:rPr lang="zh-CN" altLang="en-US" sz="1700" b="0" i="0" kern="1200" baseline="0" dirty="0"/>
+            <a:t>每一个新的 </a:t>
           </a:r>
           <a:r>
-            <a:rPr lang="en-US" sz="1300" kern="1200" dirty="0"/>
+            <a:rPr lang="en-US" altLang="zh-CN" sz="1700" b="0" i="0" kern="1200" baseline="0" dirty="0"/>
             <a:t>Pod </a:t>
           </a:r>
           <a:r>
-            <a:rPr lang="zh-CN" sz="1300" kern="1200" dirty="0"/>
-            <a:t>被创建之后，就会进入健康检查状态，当 </a:t>
+            <a:rPr lang="zh-CN" altLang="en-US" sz="1700" b="0" i="0" kern="1200" baseline="0" dirty="0"/>
+            <a:t>都会被调用 </a:t>
           </a:r>
           <a:r>
-            <a:rPr lang="en-US" sz="1300" kern="1200" dirty="0"/>
-            <a:t>Kubernetes </a:t>
+            <a:rPr lang="en-US" altLang="zh-CN" sz="1700" b="0" i="0" kern="1200" baseline="0" dirty="0" err="1"/>
+            <a:t>ProbeManager</a:t>
           </a:r>
           <a:r>
-            <a:rPr lang="zh-CN" sz="1300" kern="1200" dirty="0"/>
-            <a:t>确定当前 </a:t>
+            <a:rPr lang="en-US" altLang="zh-CN" sz="1700" b="0" i="0" kern="1200" baseline="0" dirty="0"/>
+            <a:t> </a:t>
           </a:r>
           <a:r>
-            <a:rPr lang="en-US" sz="1300" kern="1200" dirty="0"/>
+            <a:rPr lang="zh-CN" altLang="en-US" sz="1700" b="0" i="0" kern="1200" baseline="0" dirty="0"/>
+            <a:t>的 </a:t>
+          </a:r>
+          <a:r>
+            <a:rPr lang="en-US" altLang="zh-CN" sz="1700" b="0" i="0" kern="1200" baseline="0" dirty="0" err="1"/>
+            <a:t>AddPod</a:t>
+          </a:r>
+          <a:r>
+            <a:rPr lang="en-US" altLang="zh-CN" sz="1700" b="0" i="0" kern="1200" baseline="0" dirty="0"/>
+            <a:t> </a:t>
+          </a:r>
+          <a:r>
+            <a:rPr lang="zh-CN" altLang="en-US" sz="1700" b="0" i="0" kern="1200" baseline="0" dirty="0"/>
+            <a:t>函数。这个函数将 </a:t>
+          </a:r>
+          <a:r>
+            <a:rPr lang="en-US" altLang="zh-CN" sz="1700" b="0" i="0" kern="1200" baseline="0" dirty="0"/>
             <a:t>Pod </a:t>
           </a:r>
           <a:r>
-            <a:rPr lang="zh-CN" sz="1300" kern="1200" dirty="0"/>
-            <a:t>已经能够接受外部的请求时，才会将流量打到新的 </a:t>
+            <a:rPr lang="zh-CN" altLang="en-US" sz="1700" b="0" i="0" kern="1200" baseline="0" dirty="0"/>
+            <a:t>配置的 </a:t>
           </a:r>
           <a:r>
-            <a:rPr lang="en-US" sz="1300" kern="1200" dirty="0"/>
+            <a:rPr lang="en-US" altLang="zh-CN" sz="1700" b="0" i="0" kern="1200" baseline="0" dirty="0"/>
+            <a:t>Probe </a:t>
+          </a:r>
+          <a:r>
+            <a:rPr lang="zh-CN" altLang="en-US" sz="1700" b="0" i="0" kern="1200" baseline="0" dirty="0"/>
+            <a:t>类型，添加到一个结构体为 </a:t>
+          </a:r>
+          <a:r>
+            <a:rPr lang="en-US" altLang="zh-CN" sz="1700" b="0" i="0" kern="1200" baseline="0" dirty="0"/>
+            <a:t>Map </a:t>
+          </a:r>
+          <a:r>
+            <a:rPr lang="zh-CN" altLang="en-US" sz="1700" b="0" i="0" kern="1200" baseline="0" dirty="0"/>
+            <a:t>的 </a:t>
+          </a:r>
+          <a:r>
+            <a:rPr lang="en-US" altLang="zh-CN" sz="1700" b="0" i="0" kern="1200" baseline="0" dirty="0"/>
+            <a:t>Workers </a:t>
+          </a:r>
+          <a:r>
+            <a:rPr lang="zh-CN" altLang="en-US" sz="1700" b="0" i="0" kern="1200" baseline="0" dirty="0"/>
+            <a:t>中，然后初始化一个新的 </a:t>
+          </a:r>
+          <a:r>
+            <a:rPr lang="en-US" altLang="zh-CN" sz="1700" b="0" i="0" kern="1200" baseline="0" dirty="0"/>
+            <a:t>Goroutine</a:t>
+          </a:r>
+          <a:r>
+            <a:rPr lang="zh-CN" altLang="en-US" sz="1700" b="0" i="0" kern="1200" baseline="0" dirty="0"/>
+            <a:t>，并在其中运行对当前 </a:t>
+          </a:r>
+          <a:r>
+            <a:rPr lang="en-US" altLang="zh-CN" sz="1700" b="0" i="0" kern="1200" baseline="0" dirty="0"/>
             <a:t>Pod </a:t>
           </a:r>
           <a:r>
-            <a:rPr lang="zh-CN" sz="1300" kern="1200" dirty="0"/>
-            <a:t>上并继续对外提供服务，在这期间如果发生了错误就可能会触发重启机制，在 </a:t>
+            <a:rPr lang="zh-CN" altLang="en-US" sz="1700" b="0" i="0" kern="1200" baseline="0" dirty="0"/>
+            <a:t>进行健康检查。</a:t>
           </a:r>
-          <a:r>
-            <a:rPr lang="en-US" sz="1300" kern="1200" dirty="0"/>
-            <a:t>Pod </a:t>
-          </a:r>
-          <a:r>
-            <a:rPr lang="zh-CN" sz="1300" kern="1200" dirty="0"/>
-            <a:t>被删除之前都会触发一个 </a:t>
-          </a:r>
-          <a:r>
-            <a:rPr lang="en-US" sz="1300" kern="1200" dirty="0" err="1"/>
-            <a:t>PreStop</a:t>
-          </a:r>
-          <a:r>
-            <a:rPr lang="en-US" sz="1300" kern="1200" dirty="0"/>
-            <a:t> </a:t>
-          </a:r>
-          <a:r>
-            <a:rPr lang="zh-CN" sz="1300" kern="1200" dirty="0"/>
-            <a:t>的钩子，其中的方法完成之后 </a:t>
-          </a:r>
-          <a:r>
-            <a:rPr lang="en-US" sz="1300" kern="1200" dirty="0"/>
-            <a:t>Pod </a:t>
-          </a:r>
-          <a:r>
-            <a:rPr lang="zh-CN" sz="1300" kern="1200" dirty="0"/>
-            <a:t>才会被删除，接下来我们就会按照这里的顺序依次介绍 </a:t>
-          </a:r>
-          <a:r>
-            <a:rPr lang="en-US" sz="1300" kern="1200" dirty="0"/>
-            <a:t>Pod 『</a:t>
-          </a:r>
-          <a:r>
-            <a:rPr lang="zh-CN" sz="1300" kern="1200" dirty="0"/>
-            <a:t>从生到死</a:t>
-          </a:r>
-          <a:r>
-            <a:rPr lang="en-US" sz="1300" kern="1200" dirty="0"/>
-            <a:t>』</a:t>
-          </a:r>
-          <a:r>
-            <a:rPr lang="zh-CN" sz="1300" kern="1200" dirty="0"/>
-            <a:t>的过程。</a:t>
-          </a:r>
+          <a:endParaRPr lang="zh-CN" sz="1700" kern="1200" dirty="0"/>
         </a:p>
       </dsp:txBody>
       <dsp:txXfrm>
-        <a:off x="84226" y="2043332"/>
-        <a:ext cx="4015582" cy="1556932"/>
+        <a:off x="91269" y="137515"/>
+        <a:ext cx="4001496" cy="1687122"/>
       </dsp:txXfrm>
     </dsp:sp>
-  </dsp:spTree>
-</dsp:drawing>
-</file>
-
-<file path=ppt/diagrams/drawing11.xml><?xml version="1.0" encoding="utf-8"?>
-<dsp:drawing xmlns:dgm="http://schemas.openxmlformats.org/drawingml/2006/diagram" xmlns:dsp="http://schemas.microsoft.com/office/drawing/2008/diagram" xmlns:a="http://schemas.openxmlformats.org/drawingml/2006/main">
-  <dsp:spTree>
-    <dsp:nvGrpSpPr>
-      <dsp:cNvPr id="0" name=""/>
-      <dsp:cNvGrpSpPr/>
-    </dsp:nvGrpSpPr>
-    <dsp:grpSpPr/>
-    <dsp:sp modelId="{36848C7B-6AB9-4B5D-85B2-8131F9FF0F3C}">
+    <dsp:sp modelId="{0939E1E3-1680-4769-A9F5-C739853F4ABA}">
       <dsp:nvSpPr>
         <dsp:cNvPr id="0" name=""/>
         <dsp:cNvSpPr/>
       </dsp:nvSpPr>
       <dsp:spPr>
         <a:xfrm>
-          <a:off x="0" y="47416"/>
-          <a:ext cx="8596668" cy="694980"/>
+          <a:off x="0" y="1964866"/>
+          <a:ext cx="4184034" cy="1869660"/>
         </a:xfrm>
         <a:prstGeom prst="roundRect">
           <a:avLst/>
@@ -15942,12 +16508,12 @@
         </a:fontRef>
       </dsp:style>
       <dsp:txBody>
-        <a:bodyPr spcFirstLastPara="0" vert="horz" wrap="square" lIns="102870" tIns="102870" rIns="102870" bIns="102870" numCol="1" spcCol="1270" anchor="ctr" anchorCtr="0">
+        <a:bodyPr spcFirstLastPara="0" vert="horz" wrap="square" lIns="64770" tIns="64770" rIns="64770" bIns="64770" numCol="1" spcCol="1270" anchor="ctr" anchorCtr="0">
           <a:noAutofit/>
         </a:bodyPr>
         <a:lstStyle/>
         <a:p>
-          <a:pPr marL="0" lvl="0" indent="0" algn="l" defTabSz="1200150">
+          <a:pPr marL="0" lvl="0" indent="0" algn="l" defTabSz="755650">
             <a:lnSpc>
               <a:spcPct val="90000"/>
             </a:lnSpc>
@@ -15960,351 +16526,82 @@
             <a:buNone/>
           </a:pPr>
           <a:r>
-            <a:rPr lang="en-US" sz="2700" b="1" kern="1200" dirty="0"/>
-            <a:t>Container </a:t>
+            <a:rPr lang="zh-CN" sz="1700" kern="1200" dirty="0"/>
+            <a:t>在执行健康检查的过程中，</a:t>
           </a:r>
           <a:r>
-            <a:rPr lang="zh-CN" sz="2700" b="1" kern="1200" dirty="0"/>
-            <a:t>状态</a:t>
+            <a:rPr lang="en-US" sz="1700" kern="1200" dirty="0"/>
+            <a:t>Worker </a:t>
           </a:r>
-          <a:endParaRPr lang="zh-CN" sz="2700" kern="1200" dirty="0"/>
+          <a:r>
+            <a:rPr lang="zh-CN" sz="1700" kern="1200" dirty="0"/>
+            <a:t>只是负责根据当前 </a:t>
+          </a:r>
+          <a:r>
+            <a:rPr lang="en-US" sz="1700" kern="1200" dirty="0"/>
+            <a:t>Pod </a:t>
+          </a:r>
+          <a:r>
+            <a:rPr lang="zh-CN" sz="1700" kern="1200" dirty="0"/>
+            <a:t>的状态定期触发一次 </a:t>
+          </a:r>
+          <a:r>
+            <a:rPr lang="en-US" sz="1700" kern="1200" dirty="0"/>
+            <a:t>Probe</a:t>
+          </a:r>
+          <a:r>
+            <a:rPr lang="zh-CN" sz="1700" kern="1200" dirty="0"/>
+            <a:t>，它会根据 </a:t>
+          </a:r>
+          <a:r>
+            <a:rPr lang="en-US" sz="1700" kern="1200" dirty="0"/>
+            <a:t>Pod </a:t>
+          </a:r>
+          <a:r>
+            <a:rPr lang="zh-CN" sz="1700" kern="1200" dirty="0"/>
+            <a:t>的配置分别选择调用 </a:t>
+          </a:r>
+          <a:r>
+            <a:rPr lang="en-US" sz="1700" kern="1200" dirty="0"/>
+            <a:t>Exec</a:t>
+          </a:r>
+          <a:r>
+            <a:rPr lang="zh-CN" sz="1700" kern="1200" dirty="0"/>
+            <a:t>、</a:t>
+          </a:r>
+          <a:r>
+            <a:rPr lang="en-US" sz="1700" kern="1200" dirty="0" err="1"/>
+            <a:t>HTTPGet</a:t>
+          </a:r>
+          <a:r>
+            <a:rPr lang="zh-CN" sz="1700" kern="1200" dirty="0"/>
+            <a:t>、</a:t>
+          </a:r>
+          <a:r>
+            <a:rPr lang="en-US" sz="1700" kern="1200" dirty="0" err="1"/>
+            <a:t>TCPSocket</a:t>
+          </a:r>
+          <a:r>
+            <a:rPr lang="en-US" sz="1700" kern="1200" dirty="0"/>
+            <a:t> </a:t>
+          </a:r>
+          <a:r>
+            <a:rPr lang="zh-CN" sz="1700" kern="1200" dirty="0"/>
+            <a:t>或 </a:t>
+          </a:r>
+          <a:r>
+            <a:rPr lang="en-US" sz="1700" kern="1200" dirty="0"/>
+            <a:t>GRPC </a:t>
+          </a:r>
+          <a:r>
+            <a:rPr lang="zh-CN" sz="1700" kern="1200" dirty="0"/>
+            <a:t>四种不同的检查机制。</a:t>
+          </a:r>
         </a:p>
       </dsp:txBody>
       <dsp:txXfrm>
-        <a:off x="33926" y="81342"/>
-        <a:ext cx="8528816" cy="627128"/>
-      </dsp:txXfrm>
-    </dsp:sp>
-    <dsp:sp modelId="{04C250A8-E720-4DED-8438-04AF37D6BC47}">
-      <dsp:nvSpPr>
-        <dsp:cNvPr id="0" name=""/>
-        <dsp:cNvSpPr/>
-      </dsp:nvSpPr>
-      <dsp:spPr>
-        <a:xfrm>
-          <a:off x="0" y="820156"/>
-          <a:ext cx="8596668" cy="694980"/>
-        </a:xfrm>
-        <a:prstGeom prst="roundRect">
-          <a:avLst/>
-        </a:prstGeom>
-        <a:solidFill>
-          <a:schemeClr val="accent1">
-            <a:hueOff val="0"/>
-            <a:satOff val="0"/>
-            <a:lumOff val="0"/>
-            <a:alphaOff val="0"/>
-          </a:schemeClr>
-        </a:solidFill>
-        <a:ln w="19050" cap="rnd" cmpd="sng" algn="ctr">
-          <a:solidFill>
-            <a:schemeClr val="lt1">
-              <a:hueOff val="0"/>
-              <a:satOff val="0"/>
-              <a:lumOff val="0"/>
-              <a:alphaOff val="0"/>
-            </a:schemeClr>
-          </a:solidFill>
-          <a:prstDash val="solid"/>
-        </a:ln>
-        <a:effectLst/>
-      </dsp:spPr>
-      <dsp:style>
-        <a:lnRef idx="2">
-          <a:scrgbClr r="0" g="0" b="0"/>
-        </a:lnRef>
-        <a:fillRef idx="1">
-          <a:scrgbClr r="0" g="0" b="0"/>
-        </a:fillRef>
-        <a:effectRef idx="0">
-          <a:scrgbClr r="0" g="0" b="0"/>
-        </a:effectRef>
-        <a:fontRef idx="minor">
-          <a:schemeClr val="lt1"/>
-        </a:fontRef>
-      </dsp:style>
-      <dsp:txBody>
-        <a:bodyPr spcFirstLastPara="0" vert="horz" wrap="square" lIns="102870" tIns="102870" rIns="102870" bIns="102870" numCol="1" spcCol="1270" anchor="ctr" anchorCtr="0">
-          <a:noAutofit/>
-        </a:bodyPr>
-        <a:lstStyle/>
-        <a:p>
-          <a:pPr marL="0" lvl="0" indent="0" algn="l" defTabSz="1200150">
-            <a:lnSpc>
-              <a:spcPct val="90000"/>
-            </a:lnSpc>
-            <a:spcBef>
-              <a:spcPct val="0"/>
-            </a:spcBef>
-            <a:spcAft>
-              <a:spcPct val="35000"/>
-            </a:spcAft>
-            <a:buNone/>
-          </a:pPr>
-          <a:r>
-            <a:rPr lang="en-US" sz="2700" b="1" kern="1200" dirty="0"/>
-            <a:t>Container </a:t>
-          </a:r>
-          <a:r>
-            <a:rPr lang="zh-CN" sz="2700" b="1" kern="1200" dirty="0"/>
-            <a:t>重启策略</a:t>
-          </a:r>
-          <a:endParaRPr lang="zh-CN" sz="2700" kern="1200" dirty="0"/>
-        </a:p>
-      </dsp:txBody>
-      <dsp:txXfrm>
-        <a:off x="33926" y="854082"/>
-        <a:ext cx="8528816" cy="627128"/>
-      </dsp:txXfrm>
-    </dsp:sp>
-    <dsp:sp modelId="{CD181B26-2CAA-4408-A768-381EA75ECB7F}">
-      <dsp:nvSpPr>
-        <dsp:cNvPr id="0" name=""/>
-        <dsp:cNvSpPr/>
-      </dsp:nvSpPr>
-      <dsp:spPr>
-        <a:xfrm>
-          <a:off x="0" y="1592896"/>
-          <a:ext cx="8596668" cy="694980"/>
-        </a:xfrm>
-        <a:prstGeom prst="roundRect">
-          <a:avLst/>
-        </a:prstGeom>
-        <a:solidFill>
-          <a:schemeClr val="accent1">
-            <a:hueOff val="0"/>
-            <a:satOff val="0"/>
-            <a:lumOff val="0"/>
-            <a:alphaOff val="0"/>
-          </a:schemeClr>
-        </a:solidFill>
-        <a:ln w="19050" cap="rnd" cmpd="sng" algn="ctr">
-          <a:solidFill>
-            <a:schemeClr val="lt1">
-              <a:hueOff val="0"/>
-              <a:satOff val="0"/>
-              <a:lumOff val="0"/>
-              <a:alphaOff val="0"/>
-            </a:schemeClr>
-          </a:solidFill>
-          <a:prstDash val="solid"/>
-        </a:ln>
-        <a:effectLst/>
-      </dsp:spPr>
-      <dsp:style>
-        <a:lnRef idx="2">
-          <a:scrgbClr r="0" g="0" b="0"/>
-        </a:lnRef>
-        <a:fillRef idx="1">
-          <a:scrgbClr r="0" g="0" b="0"/>
-        </a:fillRef>
-        <a:effectRef idx="0">
-          <a:scrgbClr r="0" g="0" b="0"/>
-        </a:effectRef>
-        <a:fontRef idx="minor">
-          <a:schemeClr val="lt1"/>
-        </a:fontRef>
-      </dsp:style>
-      <dsp:txBody>
-        <a:bodyPr spcFirstLastPara="0" vert="horz" wrap="square" lIns="102870" tIns="102870" rIns="102870" bIns="102870" numCol="1" spcCol="1270" anchor="ctr" anchorCtr="0">
-          <a:noAutofit/>
-        </a:bodyPr>
-        <a:lstStyle/>
-        <a:p>
-          <a:pPr marL="0" lvl="0" indent="0" algn="l" defTabSz="1200150">
-            <a:lnSpc>
-              <a:spcPct val="90000"/>
-            </a:lnSpc>
-            <a:spcBef>
-              <a:spcPct val="0"/>
-            </a:spcBef>
-            <a:spcAft>
-              <a:spcPct val="35000"/>
-            </a:spcAft>
-            <a:buNone/>
-          </a:pPr>
-          <a:r>
-            <a:rPr lang="en-US" sz="2700" b="1" kern="1200"/>
-            <a:t>Container </a:t>
-          </a:r>
-          <a:r>
-            <a:rPr lang="zh-CN" sz="2700" b="1" kern="1200"/>
-            <a:t>探针</a:t>
-          </a:r>
-          <a:endParaRPr lang="zh-CN" sz="2700" kern="1200"/>
-        </a:p>
-      </dsp:txBody>
-      <dsp:txXfrm>
-        <a:off x="33926" y="1626822"/>
-        <a:ext cx="8528816" cy="627128"/>
-      </dsp:txXfrm>
-    </dsp:sp>
-    <dsp:sp modelId="{1880FC18-7C9F-4AE4-8FDF-172D586A5864}">
-      <dsp:nvSpPr>
-        <dsp:cNvPr id="0" name=""/>
-        <dsp:cNvSpPr/>
-      </dsp:nvSpPr>
-      <dsp:spPr>
-        <a:xfrm>
-          <a:off x="0" y="2365636"/>
-          <a:ext cx="8596668" cy="694980"/>
-        </a:xfrm>
-        <a:prstGeom prst="roundRect">
-          <a:avLst/>
-        </a:prstGeom>
-        <a:solidFill>
-          <a:schemeClr val="accent1">
-            <a:hueOff val="0"/>
-            <a:satOff val="0"/>
-            <a:lumOff val="0"/>
-            <a:alphaOff val="0"/>
-          </a:schemeClr>
-        </a:solidFill>
-        <a:ln w="19050" cap="rnd" cmpd="sng" algn="ctr">
-          <a:solidFill>
-            <a:schemeClr val="lt1">
-              <a:hueOff val="0"/>
-              <a:satOff val="0"/>
-              <a:lumOff val="0"/>
-              <a:alphaOff val="0"/>
-            </a:schemeClr>
-          </a:solidFill>
-          <a:prstDash val="solid"/>
-        </a:ln>
-        <a:effectLst/>
-      </dsp:spPr>
-      <dsp:style>
-        <a:lnRef idx="2">
-          <a:scrgbClr r="0" g="0" b="0"/>
-        </a:lnRef>
-        <a:fillRef idx="1">
-          <a:scrgbClr r="0" g="0" b="0"/>
-        </a:fillRef>
-        <a:effectRef idx="0">
-          <a:scrgbClr r="0" g="0" b="0"/>
-        </a:effectRef>
-        <a:fontRef idx="minor">
-          <a:schemeClr val="lt1"/>
-        </a:fontRef>
-      </dsp:style>
-      <dsp:txBody>
-        <a:bodyPr spcFirstLastPara="0" vert="horz" wrap="square" lIns="102870" tIns="102870" rIns="102870" bIns="102870" numCol="1" spcCol="1270" anchor="ctr" anchorCtr="0">
-          <a:noAutofit/>
-        </a:bodyPr>
-        <a:lstStyle/>
-        <a:p>
-          <a:pPr marL="0" lvl="0" indent="0" algn="l" defTabSz="1200150">
-            <a:lnSpc>
-              <a:spcPct val="90000"/>
-            </a:lnSpc>
-            <a:spcBef>
-              <a:spcPct val="0"/>
-            </a:spcBef>
-            <a:spcAft>
-              <a:spcPct val="35000"/>
-            </a:spcAft>
-            <a:buNone/>
-          </a:pPr>
-          <a:r>
-            <a:rPr lang="en-US" sz="2700" b="1" kern="1200"/>
-            <a:t>Probe</a:t>
-          </a:r>
-          <a:r>
-            <a:rPr lang="zh-CN" sz="2700" b="1" kern="1200"/>
-            <a:t> 类型</a:t>
-          </a:r>
-          <a:endParaRPr lang="zh-CN" sz="2700" kern="1200"/>
-        </a:p>
-      </dsp:txBody>
-      <dsp:txXfrm>
-        <a:off x="33926" y="2399562"/>
-        <a:ext cx="8528816" cy="627128"/>
-      </dsp:txXfrm>
-    </dsp:sp>
-    <dsp:sp modelId="{2FB1CBB3-EC04-448D-B945-B53D98360041}">
-      <dsp:nvSpPr>
-        <dsp:cNvPr id="0" name=""/>
-        <dsp:cNvSpPr/>
-      </dsp:nvSpPr>
-      <dsp:spPr>
-        <a:xfrm>
-          <a:off x="0" y="3138376"/>
-          <a:ext cx="8596668" cy="694980"/>
-        </a:xfrm>
-        <a:prstGeom prst="roundRect">
-          <a:avLst/>
-        </a:prstGeom>
-        <a:solidFill>
-          <a:schemeClr val="accent1">
-            <a:hueOff val="0"/>
-            <a:satOff val="0"/>
-            <a:lumOff val="0"/>
-            <a:alphaOff val="0"/>
-          </a:schemeClr>
-        </a:solidFill>
-        <a:ln w="19050" cap="rnd" cmpd="sng" algn="ctr">
-          <a:solidFill>
-            <a:schemeClr val="lt1">
-              <a:hueOff val="0"/>
-              <a:satOff val="0"/>
-              <a:lumOff val="0"/>
-              <a:alphaOff val="0"/>
-            </a:schemeClr>
-          </a:solidFill>
-          <a:prstDash val="solid"/>
-        </a:ln>
-        <a:effectLst/>
-      </dsp:spPr>
-      <dsp:style>
-        <a:lnRef idx="2">
-          <a:scrgbClr r="0" g="0" b="0"/>
-        </a:lnRef>
-        <a:fillRef idx="1">
-          <a:scrgbClr r="0" g="0" b="0"/>
-        </a:fillRef>
-        <a:effectRef idx="0">
-          <a:scrgbClr r="0" g="0" b="0"/>
-        </a:effectRef>
-        <a:fontRef idx="minor">
-          <a:schemeClr val="lt1"/>
-        </a:fontRef>
-      </dsp:style>
-      <dsp:txBody>
-        <a:bodyPr spcFirstLastPara="0" vert="horz" wrap="square" lIns="102870" tIns="102870" rIns="102870" bIns="102870" numCol="1" spcCol="1270" anchor="ctr" anchorCtr="0">
-          <a:noAutofit/>
-        </a:bodyPr>
-        <a:lstStyle/>
-        <a:p>
-          <a:pPr marL="0" lvl="0" indent="0" algn="l" defTabSz="1200150">
-            <a:lnSpc>
-              <a:spcPct val="90000"/>
-            </a:lnSpc>
-            <a:spcBef>
-              <a:spcPct val="0"/>
-            </a:spcBef>
-            <a:spcAft>
-              <a:spcPct val="35000"/>
-            </a:spcAft>
-            <a:buNone/>
-          </a:pPr>
-          <a:r>
-            <a:rPr lang="zh-CN" sz="2700" b="1" kern="1200"/>
-            <a:t>各个 </a:t>
-          </a:r>
-          <a:r>
-            <a:rPr lang="en-US" sz="2700" b="1" kern="1200"/>
-            <a:t>Probe </a:t>
-          </a:r>
-          <a:r>
-            <a:rPr lang="zh-CN" sz="2700" b="1" kern="1200"/>
-            <a:t>何时使用</a:t>
-          </a:r>
-          <a:endParaRPr lang="zh-CN" sz="2700" kern="1200"/>
-        </a:p>
-      </dsp:txBody>
-      <dsp:txXfrm>
-        <a:off x="33926" y="3172302"/>
-        <a:ext cx="8528816" cy="627128"/>
+        <a:off x="91269" y="2056135"/>
+        <a:ext cx="4001496" cy="1687122"/>
       </dsp:txXfrm>
     </dsp:sp>
   </dsp:spTree>
@@ -16312,6 +16609,18 @@
 </file>
 
 <file path=ppt/diagrams/drawing12.xml><?xml version="1.0" encoding="utf-8"?>
+<dsp:drawing xmlns:dgm="http://schemas.openxmlformats.org/drawingml/2006/diagram" xmlns:dsp="http://schemas.microsoft.com/office/drawing/2008/diagram" xmlns:a="http://schemas.openxmlformats.org/drawingml/2006/main">
+  <dsp:spTree>
+    <dsp:nvGrpSpPr>
+      <dsp:cNvPr id="0" name=""/>
+      <dsp:cNvGrpSpPr/>
+    </dsp:nvGrpSpPr>
+    <dsp:grpSpPr/>
+  </dsp:spTree>
+</dsp:drawing>
+</file>
+
+<file path=ppt/diagrams/drawing13.xml><?xml version="1.0" encoding="utf-8"?>
 <dsp:drawing xmlns:dgm="http://schemas.openxmlformats.org/drawingml/2006/diagram" xmlns:dsp="http://schemas.microsoft.com/office/drawing/2008/diagram" xmlns:a="http://schemas.openxmlformats.org/drawingml/2006/main">
   <dsp:spTree>
     <dsp:nvGrpSpPr>
@@ -16567,7 +16876,7 @@
 </dsp:drawing>
 </file>
 
-<file path=ppt/diagrams/drawing13.xml><?xml version="1.0" encoding="utf-8"?>
+<file path=ppt/diagrams/drawing14.xml><?xml version="1.0" encoding="utf-8"?>
 <dsp:drawing xmlns:dgm="http://schemas.openxmlformats.org/drawingml/2006/diagram" xmlns:dsp="http://schemas.microsoft.com/office/drawing/2008/diagram" xmlns:a="http://schemas.openxmlformats.org/drawingml/2006/main">
   <dsp:spTree>
     <dsp:nvGrpSpPr>
@@ -17076,7 +17385,7 @@
 </dsp:drawing>
 </file>
 
-<file path=ppt/diagrams/drawing14.xml><?xml version="1.0" encoding="utf-8"?>
+<file path=ppt/diagrams/drawing15.xml><?xml version="1.0" encoding="utf-8"?>
 <dsp:drawing xmlns:dgm="http://schemas.openxmlformats.org/drawingml/2006/diagram" xmlns:dsp="http://schemas.microsoft.com/office/drawing/2008/diagram" xmlns:a="http://schemas.openxmlformats.org/drawingml/2006/main">
   <dsp:spTree>
     <dsp:nvGrpSpPr>
@@ -17330,7 +17639,7 @@
 </dsp:drawing>
 </file>
 
-<file path=ppt/diagrams/drawing15.xml><?xml version="1.0" encoding="utf-8"?>
+<file path=ppt/diagrams/drawing16.xml><?xml version="1.0" encoding="utf-8"?>
 <dsp:drawing xmlns:dgm="http://schemas.openxmlformats.org/drawingml/2006/diagram" xmlns:dsp="http://schemas.microsoft.com/office/drawing/2008/diagram" xmlns:a="http://schemas.openxmlformats.org/drawingml/2006/main">
   <dsp:spTree>
     <dsp:nvGrpSpPr>
@@ -20895,6 +21204,173 @@
 </file>
 
 <file path=ppt/diagrams/layout13.xml><?xml version="1.0" encoding="utf-8"?>
+<dgm:layoutDef xmlns:dgm="http://schemas.openxmlformats.org/drawingml/2006/diagram" xmlns:a="http://schemas.openxmlformats.org/drawingml/2006/main" uniqueId="urn:microsoft.com/office/officeart/2005/8/layout/vList2">
+  <dgm:title val=""/>
+  <dgm:desc val=""/>
+  <dgm:catLst>
+    <dgm:cat type="list" pri="3000"/>
+    <dgm:cat type="convert" pri="1000"/>
+  </dgm:catLst>
+  <dgm:sampData>
+    <dgm:dataModel>
+      <dgm:ptLst>
+        <dgm:pt modelId="0" type="doc"/>
+        <dgm:pt modelId="1">
+          <dgm:prSet phldr="1"/>
+        </dgm:pt>
+        <dgm:pt modelId="11">
+          <dgm:prSet phldr="1"/>
+        </dgm:pt>
+        <dgm:pt modelId="2">
+          <dgm:prSet phldr="1"/>
+        </dgm:pt>
+        <dgm:pt modelId="21">
+          <dgm:prSet phldr="1"/>
+        </dgm:pt>
+      </dgm:ptLst>
+      <dgm:cxnLst>
+        <dgm:cxn modelId="4" srcId="0" destId="1" srcOrd="0" destOrd="0"/>
+        <dgm:cxn modelId="5" srcId="0" destId="2" srcOrd="1" destOrd="0"/>
+        <dgm:cxn modelId="12" srcId="1" destId="11" srcOrd="0" destOrd="0"/>
+        <dgm:cxn modelId="23" srcId="2" destId="21" srcOrd="0" destOrd="0"/>
+      </dgm:cxnLst>
+      <dgm:bg/>
+      <dgm:whole/>
+    </dgm:dataModel>
+  </dgm:sampData>
+  <dgm:styleData>
+    <dgm:dataModel>
+      <dgm:ptLst>
+        <dgm:pt modelId="0" type="doc"/>
+        <dgm:pt modelId="1"/>
+        <dgm:pt modelId="2"/>
+      </dgm:ptLst>
+      <dgm:cxnLst>
+        <dgm:cxn modelId="3" srcId="0" destId="1" srcOrd="0" destOrd="0"/>
+        <dgm:cxn modelId="4" srcId="0" destId="2" srcOrd="1" destOrd="0"/>
+      </dgm:cxnLst>
+      <dgm:bg/>
+      <dgm:whole/>
+    </dgm:dataModel>
+  </dgm:styleData>
+  <dgm:clrData>
+    <dgm:dataModel>
+      <dgm:ptLst>
+        <dgm:pt modelId="0" type="doc"/>
+        <dgm:pt modelId="1"/>
+        <dgm:pt modelId="2"/>
+        <dgm:pt modelId="3"/>
+        <dgm:pt modelId="4"/>
+      </dgm:ptLst>
+      <dgm:cxnLst>
+        <dgm:cxn modelId="5" srcId="0" destId="1" srcOrd="0" destOrd="0"/>
+        <dgm:cxn modelId="6" srcId="0" destId="2" srcOrd="1" destOrd="0"/>
+        <dgm:cxn modelId="7" srcId="0" destId="3" srcOrd="2" destOrd="0"/>
+        <dgm:cxn modelId="8" srcId="0" destId="4" srcOrd="3" destOrd="0"/>
+      </dgm:cxnLst>
+      <dgm:bg/>
+      <dgm:whole/>
+    </dgm:dataModel>
+  </dgm:clrData>
+  <dgm:layoutNode name="linear">
+    <dgm:varLst>
+      <dgm:animLvl val="lvl"/>
+      <dgm:resizeHandles val="exact"/>
+    </dgm:varLst>
+    <dgm:alg type="lin">
+      <dgm:param type="linDir" val="fromT"/>
+      <dgm:param type="vertAlign" val="mid"/>
+    </dgm:alg>
+    <dgm:shape xmlns:r="http://schemas.openxmlformats.org/officeDocument/2006/relationships" r:blip="">
+      <dgm:adjLst/>
+    </dgm:shape>
+    <dgm:presOf/>
+    <dgm:constrLst>
+      <dgm:constr type="w" for="ch" forName="parentText" refType="w"/>
+      <dgm:constr type="h" for="ch" forName="parentText" refType="primFontSz" refFor="ch" refForName="parentText" fact="0.52"/>
+      <dgm:constr type="w" for="ch" forName="childText" refType="w"/>
+      <dgm:constr type="h" for="ch" forName="childText" refType="primFontSz" refFor="ch" refForName="parentText" fact="0.46"/>
+      <dgm:constr type="h" for="ch" forName="parentText" op="equ"/>
+      <dgm:constr type="primFontSz" for="ch" forName="parentText" op="equ" val="65"/>
+      <dgm:constr type="primFontSz" for="ch" forName="childText" refType="primFontSz" refFor="ch" refForName="parentText" op="equ"/>
+      <dgm:constr type="h" for="ch" forName="spacer" refType="primFontSz" refFor="ch" refForName="parentText" fact="0.08"/>
+    </dgm:constrLst>
+    <dgm:ruleLst>
+      <dgm:rule type="primFontSz" for="ch" forName="parentText" val="5" fact="NaN" max="NaN"/>
+    </dgm:ruleLst>
+    <dgm:forEach name="Name0" axis="ch" ptType="node">
+      <dgm:layoutNode name="parentText" styleLbl="node1">
+        <dgm:varLst>
+          <dgm:chMax val="0"/>
+          <dgm:bulletEnabled val="1"/>
+        </dgm:varLst>
+        <dgm:alg type="tx">
+          <dgm:param type="parTxLTRAlign" val="l"/>
+          <dgm:param type="parTxRTLAlign" val="r"/>
+        </dgm:alg>
+        <dgm:shape xmlns:r="http://schemas.openxmlformats.org/officeDocument/2006/relationships" type="roundRect" r:blip="">
+          <dgm:adjLst/>
+        </dgm:shape>
+        <dgm:presOf axis="self"/>
+        <dgm:constrLst>
+          <dgm:constr type="tMarg" refType="primFontSz" fact="0.3"/>
+          <dgm:constr type="bMarg" refType="primFontSz" fact="0.3"/>
+          <dgm:constr type="lMarg" refType="primFontSz" fact="0.3"/>
+          <dgm:constr type="rMarg" refType="primFontSz" fact="0.3"/>
+        </dgm:constrLst>
+        <dgm:ruleLst>
+          <dgm:rule type="h" val="INF" fact="NaN" max="NaN"/>
+        </dgm:ruleLst>
+      </dgm:layoutNode>
+      <dgm:choose name="Name1">
+        <dgm:if name="Name2" axis="ch" ptType="node" func="cnt" op="gte" val="1">
+          <dgm:layoutNode name="childText" styleLbl="revTx">
+            <dgm:varLst>
+              <dgm:bulletEnabled val="1"/>
+            </dgm:varLst>
+            <dgm:alg type="tx">
+              <dgm:param type="stBulletLvl" val="1"/>
+              <dgm:param type="lnSpAfChP" val="20"/>
+            </dgm:alg>
+            <dgm:shape xmlns:r="http://schemas.openxmlformats.org/officeDocument/2006/relationships" type="rect" r:blip="">
+              <dgm:adjLst/>
+            </dgm:shape>
+            <dgm:presOf axis="des" ptType="node"/>
+            <dgm:constrLst>
+              <dgm:constr type="tMarg" refType="primFontSz" fact="0.1"/>
+              <dgm:constr type="bMarg" refType="primFontSz" fact="0.1"/>
+              <dgm:constr type="lMarg" refType="w" fact="0.09"/>
+            </dgm:constrLst>
+            <dgm:ruleLst>
+              <dgm:rule type="h" val="INF" fact="NaN" max="NaN"/>
+            </dgm:ruleLst>
+          </dgm:layoutNode>
+        </dgm:if>
+        <dgm:else name="Name3">
+          <dgm:choose name="Name4">
+            <dgm:if name="Name5" axis="par ch" ptType="doc node" func="cnt" op="gte" val="2">
+              <dgm:forEach name="Name6" axis="followSib" ptType="sibTrans" cnt="1">
+                <dgm:layoutNode name="spacer">
+                  <dgm:alg type="sp"/>
+                  <dgm:shape xmlns:r="http://schemas.openxmlformats.org/officeDocument/2006/relationships" r:blip="">
+                    <dgm:adjLst/>
+                  </dgm:shape>
+                  <dgm:presOf/>
+                  <dgm:constrLst/>
+                  <dgm:ruleLst/>
+                </dgm:layoutNode>
+              </dgm:forEach>
+            </dgm:if>
+            <dgm:else name="Name7"/>
+          </dgm:choose>
+        </dgm:else>
+      </dgm:choose>
+    </dgm:forEach>
+  </dgm:layoutNode>
+</dgm:layoutDef>
+</file>
+
+<file path=ppt/diagrams/layout14.xml><?xml version="1.0" encoding="utf-8"?>
 <dgm:layoutDef xmlns:dgm="http://schemas.openxmlformats.org/drawingml/2006/diagram" xmlns:a="http://schemas.openxmlformats.org/drawingml/2006/main" uniqueId="urn:microsoft.com/office/officeart/2005/8/layout/list1">
   <dgm:title val=""/>
   <dgm:desc val=""/>
@@ -21119,7 +21595,7 @@
 </dgm:layoutDef>
 </file>
 
-<file path=ppt/diagrams/layout14.xml><?xml version="1.0" encoding="utf-8"?>
+<file path=ppt/diagrams/layout15.xml><?xml version="1.0" encoding="utf-8"?>
 <dgm:layoutDef xmlns:dgm="http://schemas.openxmlformats.org/drawingml/2006/diagram" xmlns:a="http://schemas.openxmlformats.org/drawingml/2006/main" uniqueId="urn:microsoft.com/office/officeart/2005/8/layout/vList2">
   <dgm:title val=""/>
   <dgm:desc val=""/>
@@ -21286,7 +21762,7 @@
 </dgm:layoutDef>
 </file>
 
-<file path=ppt/diagrams/layout15.xml><?xml version="1.0" encoding="utf-8"?>
+<file path=ppt/diagrams/layout16.xml><?xml version="1.0" encoding="utf-8"?>
 <dgm:layoutDef xmlns:dgm="http://schemas.openxmlformats.org/drawingml/2006/diagram" xmlns:a="http://schemas.openxmlformats.org/drawingml/2006/main" uniqueId="urn:microsoft.com/office/officeart/2005/8/layout/vList2">
   <dgm:title val=""/>
   <dgm:desc val=""/>
@@ -30019,6 +30495,1040 @@
 </dgm:styleDef>
 </file>
 
+<file path=ppt/diagrams/quickStyle16.xml><?xml version="1.0" encoding="utf-8"?>
+<dgm:styleDef xmlns:dgm="http://schemas.openxmlformats.org/drawingml/2006/diagram" xmlns:a="http://schemas.openxmlformats.org/drawingml/2006/main" uniqueId="urn:microsoft.com/office/officeart/2005/8/quickstyle/simple1">
+  <dgm:title val=""/>
+  <dgm:desc val=""/>
+  <dgm:catLst>
+    <dgm:cat type="simple" pri="10100"/>
+  </dgm:catLst>
+  <dgm:scene3d>
+    <a:camera prst="orthographicFront"/>
+    <a:lightRig rig="threePt" dir="t"/>
+  </dgm:scene3d>
+  <dgm:styleLbl name="node0">
+    <dgm:scene3d>
+      <a:camera prst="orthographicFront"/>
+      <a:lightRig rig="threePt" dir="t"/>
+    </dgm:scene3d>
+    <dgm:sp3d/>
+    <dgm:txPr/>
+    <dgm:style>
+      <a:lnRef idx="2">
+        <a:scrgbClr r="0" g="0" b="0"/>
+      </a:lnRef>
+      <a:fillRef idx="1">
+        <a:scrgbClr r="0" g="0" b="0"/>
+      </a:fillRef>
+      <a:effectRef idx="0">
+        <a:scrgbClr r="0" g="0" b="0"/>
+      </a:effectRef>
+      <a:fontRef idx="minor">
+        <a:schemeClr val="lt1"/>
+      </a:fontRef>
+    </dgm:style>
+  </dgm:styleLbl>
+  <dgm:styleLbl name="lnNode1">
+    <dgm:scene3d>
+      <a:camera prst="orthographicFront"/>
+      <a:lightRig rig="threePt" dir="t"/>
+    </dgm:scene3d>
+    <dgm:sp3d/>
+    <dgm:txPr/>
+    <dgm:style>
+      <a:lnRef idx="2">
+        <a:scrgbClr r="0" g="0" b="0"/>
+      </a:lnRef>
+      <a:fillRef idx="1">
+        <a:scrgbClr r="0" g="0" b="0"/>
+      </a:fillRef>
+      <a:effectRef idx="0">
+        <a:scrgbClr r="0" g="0" b="0"/>
+      </a:effectRef>
+      <a:fontRef idx="minor">
+        <a:schemeClr val="lt1"/>
+      </a:fontRef>
+    </dgm:style>
+  </dgm:styleLbl>
+  <dgm:styleLbl name="vennNode1">
+    <dgm:scene3d>
+      <a:camera prst="orthographicFront"/>
+      <a:lightRig rig="threePt" dir="t"/>
+    </dgm:scene3d>
+    <dgm:sp3d/>
+    <dgm:txPr/>
+    <dgm:style>
+      <a:lnRef idx="2">
+        <a:scrgbClr r="0" g="0" b="0"/>
+      </a:lnRef>
+      <a:fillRef idx="1">
+        <a:scrgbClr r="0" g="0" b="0"/>
+      </a:fillRef>
+      <a:effectRef idx="0">
+        <a:scrgbClr r="0" g="0" b="0"/>
+      </a:effectRef>
+      <a:fontRef idx="minor">
+        <a:schemeClr val="tx1"/>
+      </a:fontRef>
+    </dgm:style>
+  </dgm:styleLbl>
+  <dgm:styleLbl name="alignNode1">
+    <dgm:scene3d>
+      <a:camera prst="orthographicFront"/>
+      <a:lightRig rig="threePt" dir="t"/>
+    </dgm:scene3d>
+    <dgm:sp3d/>
+    <dgm:txPr/>
+    <dgm:style>
+      <a:lnRef idx="2">
+        <a:scrgbClr r="0" g="0" b="0"/>
+      </a:lnRef>
+      <a:fillRef idx="1">
+        <a:scrgbClr r="0" g="0" b="0"/>
+      </a:fillRef>
+      <a:effectRef idx="0">
+        <a:scrgbClr r="0" g="0" b="0"/>
+      </a:effectRef>
+      <a:fontRef idx="minor">
+        <a:schemeClr val="lt1"/>
+      </a:fontRef>
+    </dgm:style>
+  </dgm:styleLbl>
+  <dgm:styleLbl name="node1">
+    <dgm:scene3d>
+      <a:camera prst="orthographicFront"/>
+      <a:lightRig rig="threePt" dir="t"/>
+    </dgm:scene3d>
+    <dgm:sp3d/>
+    <dgm:txPr/>
+    <dgm:style>
+      <a:lnRef idx="2">
+        <a:scrgbClr r="0" g="0" b="0"/>
+      </a:lnRef>
+      <a:fillRef idx="1">
+        <a:scrgbClr r="0" g="0" b="0"/>
+      </a:fillRef>
+      <a:effectRef idx="0">
+        <a:scrgbClr r="0" g="0" b="0"/>
+      </a:effectRef>
+      <a:fontRef idx="minor">
+        <a:schemeClr val="lt1"/>
+      </a:fontRef>
+    </dgm:style>
+  </dgm:styleLbl>
+  <dgm:styleLbl name="node2">
+    <dgm:scene3d>
+      <a:camera prst="orthographicFront"/>
+      <a:lightRig rig="threePt" dir="t"/>
+    </dgm:scene3d>
+    <dgm:sp3d/>
+    <dgm:txPr/>
+    <dgm:style>
+      <a:lnRef idx="2">
+        <a:scrgbClr r="0" g="0" b="0"/>
+      </a:lnRef>
+      <a:fillRef idx="1">
+        <a:scrgbClr r="0" g="0" b="0"/>
+      </a:fillRef>
+      <a:effectRef idx="0">
+        <a:scrgbClr r="0" g="0" b="0"/>
+      </a:effectRef>
+      <a:fontRef idx="minor">
+        <a:schemeClr val="lt1"/>
+      </a:fontRef>
+    </dgm:style>
+  </dgm:styleLbl>
+  <dgm:styleLbl name="node3">
+    <dgm:scene3d>
+      <a:camera prst="orthographicFront"/>
+      <a:lightRig rig="threePt" dir="t"/>
+    </dgm:scene3d>
+    <dgm:sp3d/>
+    <dgm:txPr/>
+    <dgm:style>
+      <a:lnRef idx="2">
+        <a:scrgbClr r="0" g="0" b="0"/>
+      </a:lnRef>
+      <a:fillRef idx="1">
+        <a:scrgbClr r="0" g="0" b="0"/>
+      </a:fillRef>
+      <a:effectRef idx="0">
+        <a:scrgbClr r="0" g="0" b="0"/>
+      </a:effectRef>
+      <a:fontRef idx="minor">
+        <a:schemeClr val="lt1"/>
+      </a:fontRef>
+    </dgm:style>
+  </dgm:styleLbl>
+  <dgm:styleLbl name="node4">
+    <dgm:scene3d>
+      <a:camera prst="orthographicFront"/>
+      <a:lightRig rig="threePt" dir="t"/>
+    </dgm:scene3d>
+    <dgm:sp3d/>
+    <dgm:txPr/>
+    <dgm:style>
+      <a:lnRef idx="2">
+        <a:scrgbClr r="0" g="0" b="0"/>
+      </a:lnRef>
+      <a:fillRef idx="1">
+        <a:scrgbClr r="0" g="0" b="0"/>
+      </a:fillRef>
+      <a:effectRef idx="0">
+        <a:scrgbClr r="0" g="0" b="0"/>
+      </a:effectRef>
+      <a:fontRef idx="minor">
+        <a:schemeClr val="lt1"/>
+      </a:fontRef>
+    </dgm:style>
+  </dgm:styleLbl>
+  <dgm:styleLbl name="fgImgPlace1">
+    <dgm:scene3d>
+      <a:camera prst="orthographicFront"/>
+      <a:lightRig rig="threePt" dir="t"/>
+    </dgm:scene3d>
+    <dgm:sp3d/>
+    <dgm:txPr/>
+    <dgm:style>
+      <a:lnRef idx="2">
+        <a:scrgbClr r="0" g="0" b="0"/>
+      </a:lnRef>
+      <a:fillRef idx="1">
+        <a:scrgbClr r="0" g="0" b="0"/>
+      </a:fillRef>
+      <a:effectRef idx="0">
+        <a:scrgbClr r="0" g="0" b="0"/>
+      </a:effectRef>
+      <a:fontRef idx="minor"/>
+    </dgm:style>
+  </dgm:styleLbl>
+  <dgm:styleLbl name="alignImgPlace1">
+    <dgm:scene3d>
+      <a:camera prst="orthographicFront"/>
+      <a:lightRig rig="threePt" dir="t"/>
+    </dgm:scene3d>
+    <dgm:sp3d/>
+    <dgm:txPr/>
+    <dgm:style>
+      <a:lnRef idx="2">
+        <a:scrgbClr r="0" g="0" b="0"/>
+      </a:lnRef>
+      <a:fillRef idx="1">
+        <a:scrgbClr r="0" g="0" b="0"/>
+      </a:fillRef>
+      <a:effectRef idx="0">
+        <a:scrgbClr r="0" g="0" b="0"/>
+      </a:effectRef>
+      <a:fontRef idx="minor"/>
+    </dgm:style>
+  </dgm:styleLbl>
+  <dgm:styleLbl name="bgImgPlace1">
+    <dgm:scene3d>
+      <a:camera prst="orthographicFront"/>
+      <a:lightRig rig="threePt" dir="t"/>
+    </dgm:scene3d>
+    <dgm:sp3d/>
+    <dgm:txPr/>
+    <dgm:style>
+      <a:lnRef idx="2">
+        <a:scrgbClr r="0" g="0" b="0"/>
+      </a:lnRef>
+      <a:fillRef idx="1">
+        <a:scrgbClr r="0" g="0" b="0"/>
+      </a:fillRef>
+      <a:effectRef idx="0">
+        <a:scrgbClr r="0" g="0" b="0"/>
+      </a:effectRef>
+      <a:fontRef idx="minor"/>
+    </dgm:style>
+  </dgm:styleLbl>
+  <dgm:styleLbl name="sibTrans2D1">
+    <dgm:scene3d>
+      <a:camera prst="orthographicFront"/>
+      <a:lightRig rig="threePt" dir="t"/>
+    </dgm:scene3d>
+    <dgm:sp3d/>
+    <dgm:txPr/>
+    <dgm:style>
+      <a:lnRef idx="0">
+        <a:scrgbClr r="0" g="0" b="0"/>
+      </a:lnRef>
+      <a:fillRef idx="1">
+        <a:scrgbClr r="0" g="0" b="0"/>
+      </a:fillRef>
+      <a:effectRef idx="0">
+        <a:scrgbClr r="0" g="0" b="0"/>
+      </a:effectRef>
+      <a:fontRef idx="minor">
+        <a:schemeClr val="lt1"/>
+      </a:fontRef>
+    </dgm:style>
+  </dgm:styleLbl>
+  <dgm:styleLbl name="fgSibTrans2D1">
+    <dgm:scene3d>
+      <a:camera prst="orthographicFront"/>
+      <a:lightRig rig="threePt" dir="t"/>
+    </dgm:scene3d>
+    <dgm:sp3d/>
+    <dgm:txPr/>
+    <dgm:style>
+      <a:lnRef idx="0">
+        <a:scrgbClr r="0" g="0" b="0"/>
+      </a:lnRef>
+      <a:fillRef idx="1">
+        <a:scrgbClr r="0" g="0" b="0"/>
+      </a:fillRef>
+      <a:effectRef idx="0">
+        <a:scrgbClr r="0" g="0" b="0"/>
+      </a:effectRef>
+      <a:fontRef idx="minor">
+        <a:schemeClr val="lt1"/>
+      </a:fontRef>
+    </dgm:style>
+  </dgm:styleLbl>
+  <dgm:styleLbl name="bgSibTrans2D1">
+    <dgm:scene3d>
+      <a:camera prst="orthographicFront"/>
+      <a:lightRig rig="threePt" dir="t"/>
+    </dgm:scene3d>
+    <dgm:sp3d/>
+    <dgm:txPr/>
+    <dgm:style>
+      <a:lnRef idx="0">
+        <a:scrgbClr r="0" g="0" b="0"/>
+      </a:lnRef>
+      <a:fillRef idx="1">
+        <a:scrgbClr r="0" g="0" b="0"/>
+      </a:fillRef>
+      <a:effectRef idx="0">
+        <a:scrgbClr r="0" g="0" b="0"/>
+      </a:effectRef>
+      <a:fontRef idx="minor">
+        <a:schemeClr val="lt1"/>
+      </a:fontRef>
+    </dgm:style>
+  </dgm:styleLbl>
+  <dgm:styleLbl name="sibTrans1D1">
+    <dgm:scene3d>
+      <a:camera prst="orthographicFront"/>
+      <a:lightRig rig="threePt" dir="t"/>
+    </dgm:scene3d>
+    <dgm:sp3d/>
+    <dgm:txPr/>
+    <dgm:style>
+      <a:lnRef idx="1">
+        <a:scrgbClr r="0" g="0" b="0"/>
+      </a:lnRef>
+      <a:fillRef idx="0">
+        <a:scrgbClr r="0" g="0" b="0"/>
+      </a:fillRef>
+      <a:effectRef idx="0">
+        <a:scrgbClr r="0" g="0" b="0"/>
+      </a:effectRef>
+      <a:fontRef idx="minor"/>
+    </dgm:style>
+  </dgm:styleLbl>
+  <dgm:styleLbl name="callout">
+    <dgm:scene3d>
+      <a:camera prst="orthographicFront"/>
+      <a:lightRig rig="threePt" dir="t"/>
+    </dgm:scene3d>
+    <dgm:sp3d/>
+    <dgm:txPr/>
+    <dgm:style>
+      <a:lnRef idx="2">
+        <a:scrgbClr r="0" g="0" b="0"/>
+      </a:lnRef>
+      <a:fillRef idx="1">
+        <a:scrgbClr r="0" g="0" b="0"/>
+      </a:fillRef>
+      <a:effectRef idx="0">
+        <a:scrgbClr r="0" g="0" b="0"/>
+      </a:effectRef>
+      <a:fontRef idx="minor"/>
+    </dgm:style>
+  </dgm:styleLbl>
+  <dgm:styleLbl name="asst0">
+    <dgm:scene3d>
+      <a:camera prst="orthographicFront"/>
+      <a:lightRig rig="threePt" dir="t"/>
+    </dgm:scene3d>
+    <dgm:sp3d/>
+    <dgm:txPr/>
+    <dgm:style>
+      <a:lnRef idx="2">
+        <a:scrgbClr r="0" g="0" b="0"/>
+      </a:lnRef>
+      <a:fillRef idx="1">
+        <a:scrgbClr r="0" g="0" b="0"/>
+      </a:fillRef>
+      <a:effectRef idx="0">
+        <a:scrgbClr r="0" g="0" b="0"/>
+      </a:effectRef>
+      <a:fontRef idx="minor">
+        <a:schemeClr val="lt1"/>
+      </a:fontRef>
+    </dgm:style>
+  </dgm:styleLbl>
+  <dgm:styleLbl name="asst1">
+    <dgm:scene3d>
+      <a:camera prst="orthographicFront"/>
+      <a:lightRig rig="threePt" dir="t"/>
+    </dgm:scene3d>
+    <dgm:sp3d/>
+    <dgm:txPr/>
+    <dgm:style>
+      <a:lnRef idx="2">
+        <a:scrgbClr r="0" g="0" b="0"/>
+      </a:lnRef>
+      <a:fillRef idx="1">
+        <a:scrgbClr r="0" g="0" b="0"/>
+      </a:fillRef>
+      <a:effectRef idx="0">
+        <a:scrgbClr r="0" g="0" b="0"/>
+      </a:effectRef>
+      <a:fontRef idx="minor">
+        <a:schemeClr val="lt1"/>
+      </a:fontRef>
+    </dgm:style>
+  </dgm:styleLbl>
+  <dgm:styleLbl name="asst2">
+    <dgm:scene3d>
+      <a:camera prst="orthographicFront"/>
+      <a:lightRig rig="threePt" dir="t"/>
+    </dgm:scene3d>
+    <dgm:sp3d/>
+    <dgm:txPr/>
+    <dgm:style>
+      <a:lnRef idx="2">
+        <a:scrgbClr r="0" g="0" b="0"/>
+      </a:lnRef>
+      <a:fillRef idx="1">
+        <a:scrgbClr r="0" g="0" b="0"/>
+      </a:fillRef>
+      <a:effectRef idx="0">
+        <a:scrgbClr r="0" g="0" b="0"/>
+      </a:effectRef>
+      <a:fontRef idx="minor">
+        <a:schemeClr val="lt1"/>
+      </a:fontRef>
+    </dgm:style>
+  </dgm:styleLbl>
+  <dgm:styleLbl name="asst3">
+    <dgm:scene3d>
+      <a:camera prst="orthographicFront"/>
+      <a:lightRig rig="threePt" dir="t"/>
+    </dgm:scene3d>
+    <dgm:sp3d/>
+    <dgm:txPr/>
+    <dgm:style>
+      <a:lnRef idx="2">
+        <a:scrgbClr r="0" g="0" b="0"/>
+      </a:lnRef>
+      <a:fillRef idx="1">
+        <a:scrgbClr r="0" g="0" b="0"/>
+      </a:fillRef>
+      <a:effectRef idx="0">
+        <a:scrgbClr r="0" g="0" b="0"/>
+      </a:effectRef>
+      <a:fontRef idx="minor">
+        <a:schemeClr val="lt1"/>
+      </a:fontRef>
+    </dgm:style>
+  </dgm:styleLbl>
+  <dgm:styleLbl name="asst4">
+    <dgm:scene3d>
+      <a:camera prst="orthographicFront"/>
+      <a:lightRig rig="threePt" dir="t"/>
+    </dgm:scene3d>
+    <dgm:sp3d/>
+    <dgm:txPr/>
+    <dgm:style>
+      <a:lnRef idx="2">
+        <a:scrgbClr r="0" g="0" b="0"/>
+      </a:lnRef>
+      <a:fillRef idx="1">
+        <a:scrgbClr r="0" g="0" b="0"/>
+      </a:fillRef>
+      <a:effectRef idx="0">
+        <a:scrgbClr r="0" g="0" b="0"/>
+      </a:effectRef>
+      <a:fontRef idx="minor">
+        <a:schemeClr val="lt1"/>
+      </a:fontRef>
+    </dgm:style>
+  </dgm:styleLbl>
+  <dgm:styleLbl name="parChTrans2D1">
+    <dgm:scene3d>
+      <a:camera prst="orthographicFront"/>
+      <a:lightRig rig="threePt" dir="t"/>
+    </dgm:scene3d>
+    <dgm:sp3d/>
+    <dgm:txPr/>
+    <dgm:style>
+      <a:lnRef idx="2">
+        <a:scrgbClr r="0" g="0" b="0"/>
+      </a:lnRef>
+      <a:fillRef idx="1">
+        <a:scrgbClr r="0" g="0" b="0"/>
+      </a:fillRef>
+      <a:effectRef idx="0">
+        <a:scrgbClr r="0" g="0" b="0"/>
+      </a:effectRef>
+      <a:fontRef idx="minor">
+        <a:schemeClr val="lt1"/>
+      </a:fontRef>
+    </dgm:style>
+  </dgm:styleLbl>
+  <dgm:styleLbl name="parChTrans2D2">
+    <dgm:scene3d>
+      <a:camera prst="orthographicFront"/>
+      <a:lightRig rig="threePt" dir="t"/>
+    </dgm:scene3d>
+    <dgm:sp3d/>
+    <dgm:txPr/>
+    <dgm:style>
+      <a:lnRef idx="2">
+        <a:scrgbClr r="0" g="0" b="0"/>
+      </a:lnRef>
+      <a:fillRef idx="1">
+        <a:scrgbClr r="0" g="0" b="0"/>
+      </a:fillRef>
+      <a:effectRef idx="0">
+        <a:scrgbClr r="0" g="0" b="0"/>
+      </a:effectRef>
+      <a:fontRef idx="minor">
+        <a:schemeClr val="lt1"/>
+      </a:fontRef>
+    </dgm:style>
+  </dgm:styleLbl>
+  <dgm:styleLbl name="parChTrans2D3">
+    <dgm:scene3d>
+      <a:camera prst="orthographicFront"/>
+      <a:lightRig rig="threePt" dir="t"/>
+    </dgm:scene3d>
+    <dgm:sp3d/>
+    <dgm:txPr/>
+    <dgm:style>
+      <a:lnRef idx="2">
+        <a:scrgbClr r="0" g="0" b="0"/>
+      </a:lnRef>
+      <a:fillRef idx="1">
+        <a:scrgbClr r="0" g="0" b="0"/>
+      </a:fillRef>
+      <a:effectRef idx="0">
+        <a:scrgbClr r="0" g="0" b="0"/>
+      </a:effectRef>
+      <a:fontRef idx="minor">
+        <a:schemeClr val="lt1"/>
+      </a:fontRef>
+    </dgm:style>
+  </dgm:styleLbl>
+  <dgm:styleLbl name="parChTrans2D4">
+    <dgm:scene3d>
+      <a:camera prst="orthographicFront"/>
+      <a:lightRig rig="threePt" dir="t"/>
+    </dgm:scene3d>
+    <dgm:sp3d/>
+    <dgm:txPr/>
+    <dgm:style>
+      <a:lnRef idx="2">
+        <a:scrgbClr r="0" g="0" b="0"/>
+      </a:lnRef>
+      <a:fillRef idx="1">
+        <a:scrgbClr r="0" g="0" b="0"/>
+      </a:fillRef>
+      <a:effectRef idx="0">
+        <a:scrgbClr r="0" g="0" b="0"/>
+      </a:effectRef>
+      <a:fontRef idx="minor">
+        <a:schemeClr val="lt1"/>
+      </a:fontRef>
+    </dgm:style>
+  </dgm:styleLbl>
+  <dgm:styleLbl name="parChTrans1D1">
+    <dgm:scene3d>
+      <a:camera prst="orthographicFront"/>
+      <a:lightRig rig="threePt" dir="t"/>
+    </dgm:scene3d>
+    <dgm:sp3d/>
+    <dgm:txPr/>
+    <dgm:style>
+      <a:lnRef idx="2">
+        <a:scrgbClr r="0" g="0" b="0"/>
+      </a:lnRef>
+      <a:fillRef idx="0">
+        <a:scrgbClr r="0" g="0" b="0"/>
+      </a:fillRef>
+      <a:effectRef idx="0">
+        <a:scrgbClr r="0" g="0" b="0"/>
+      </a:effectRef>
+      <a:fontRef idx="minor"/>
+    </dgm:style>
+  </dgm:styleLbl>
+  <dgm:styleLbl name="parChTrans1D2">
+    <dgm:scene3d>
+      <a:camera prst="orthographicFront"/>
+      <a:lightRig rig="threePt" dir="t"/>
+    </dgm:scene3d>
+    <dgm:sp3d/>
+    <dgm:txPr/>
+    <dgm:style>
+      <a:lnRef idx="2">
+        <a:scrgbClr r="0" g="0" b="0"/>
+      </a:lnRef>
+      <a:fillRef idx="0">
+        <a:scrgbClr r="0" g="0" b="0"/>
+      </a:fillRef>
+      <a:effectRef idx="0">
+        <a:scrgbClr r="0" g="0" b="0"/>
+      </a:effectRef>
+      <a:fontRef idx="minor"/>
+    </dgm:style>
+  </dgm:styleLbl>
+  <dgm:styleLbl name="parChTrans1D3">
+    <dgm:scene3d>
+      <a:camera prst="orthographicFront"/>
+      <a:lightRig rig="threePt" dir="t"/>
+    </dgm:scene3d>
+    <dgm:sp3d/>
+    <dgm:txPr/>
+    <dgm:style>
+      <a:lnRef idx="2">
+        <a:scrgbClr r="0" g="0" b="0"/>
+      </a:lnRef>
+      <a:fillRef idx="0">
+        <a:scrgbClr r="0" g="0" b="0"/>
+      </a:fillRef>
+      <a:effectRef idx="0">
+        <a:scrgbClr r="0" g="0" b="0"/>
+      </a:effectRef>
+      <a:fontRef idx="minor"/>
+    </dgm:style>
+  </dgm:styleLbl>
+  <dgm:styleLbl name="parChTrans1D4">
+    <dgm:scene3d>
+      <a:camera prst="orthographicFront"/>
+      <a:lightRig rig="threePt" dir="t"/>
+    </dgm:scene3d>
+    <dgm:sp3d/>
+    <dgm:txPr/>
+    <dgm:style>
+      <a:lnRef idx="2">
+        <a:scrgbClr r="0" g="0" b="0"/>
+      </a:lnRef>
+      <a:fillRef idx="0">
+        <a:scrgbClr r="0" g="0" b="0"/>
+      </a:fillRef>
+      <a:effectRef idx="0">
+        <a:scrgbClr r="0" g="0" b="0"/>
+      </a:effectRef>
+      <a:fontRef idx="minor"/>
+    </dgm:style>
+  </dgm:styleLbl>
+  <dgm:styleLbl name="fgAcc1">
+    <dgm:scene3d>
+      <a:camera prst="orthographicFront"/>
+      <a:lightRig rig="threePt" dir="t"/>
+    </dgm:scene3d>
+    <dgm:sp3d/>
+    <dgm:txPr/>
+    <dgm:style>
+      <a:lnRef idx="2">
+        <a:scrgbClr r="0" g="0" b="0"/>
+      </a:lnRef>
+      <a:fillRef idx="1">
+        <a:scrgbClr r="0" g="0" b="0"/>
+      </a:fillRef>
+      <a:effectRef idx="0">
+        <a:scrgbClr r="0" g="0" b="0"/>
+      </a:effectRef>
+      <a:fontRef idx="minor"/>
+    </dgm:style>
+  </dgm:styleLbl>
+  <dgm:styleLbl name="conFgAcc1">
+    <dgm:scene3d>
+      <a:camera prst="orthographicFront"/>
+      <a:lightRig rig="threePt" dir="t"/>
+    </dgm:scene3d>
+    <dgm:sp3d/>
+    <dgm:txPr/>
+    <dgm:style>
+      <a:lnRef idx="2">
+        <a:scrgbClr r="0" g="0" b="0"/>
+      </a:lnRef>
+      <a:fillRef idx="1">
+        <a:scrgbClr r="0" g="0" b="0"/>
+      </a:fillRef>
+      <a:effectRef idx="0">
+        <a:scrgbClr r="0" g="0" b="0"/>
+      </a:effectRef>
+      <a:fontRef idx="minor"/>
+    </dgm:style>
+  </dgm:styleLbl>
+  <dgm:styleLbl name="alignAcc1">
+    <dgm:scene3d>
+      <a:camera prst="orthographicFront"/>
+      <a:lightRig rig="threePt" dir="t"/>
+    </dgm:scene3d>
+    <dgm:sp3d/>
+    <dgm:txPr/>
+    <dgm:style>
+      <a:lnRef idx="2">
+        <a:scrgbClr r="0" g="0" b="0"/>
+      </a:lnRef>
+      <a:fillRef idx="1">
+        <a:scrgbClr r="0" g="0" b="0"/>
+      </a:fillRef>
+      <a:effectRef idx="0">
+        <a:scrgbClr r="0" g="0" b="0"/>
+      </a:effectRef>
+      <a:fontRef idx="minor"/>
+    </dgm:style>
+  </dgm:styleLbl>
+  <dgm:styleLbl name="trAlignAcc1">
+    <dgm:scene3d>
+      <a:camera prst="orthographicFront"/>
+      <a:lightRig rig="threePt" dir="t"/>
+    </dgm:scene3d>
+    <dgm:sp3d/>
+    <dgm:txPr/>
+    <dgm:style>
+      <a:lnRef idx="1">
+        <a:scrgbClr r="0" g="0" b="0"/>
+      </a:lnRef>
+      <a:fillRef idx="1">
+        <a:scrgbClr r="0" g="0" b="0"/>
+      </a:fillRef>
+      <a:effectRef idx="0">
+        <a:scrgbClr r="0" g="0" b="0"/>
+      </a:effectRef>
+      <a:fontRef idx="minor"/>
+    </dgm:style>
+  </dgm:styleLbl>
+  <dgm:styleLbl name="bgAcc1">
+    <dgm:scene3d>
+      <a:camera prst="orthographicFront"/>
+      <a:lightRig rig="threePt" dir="t"/>
+    </dgm:scene3d>
+    <dgm:sp3d/>
+    <dgm:txPr/>
+    <dgm:style>
+      <a:lnRef idx="2">
+        <a:scrgbClr r="0" g="0" b="0"/>
+      </a:lnRef>
+      <a:fillRef idx="1">
+        <a:scrgbClr r="0" g="0" b="0"/>
+      </a:fillRef>
+      <a:effectRef idx="0">
+        <a:scrgbClr r="0" g="0" b="0"/>
+      </a:effectRef>
+      <a:fontRef idx="minor"/>
+    </dgm:style>
+  </dgm:styleLbl>
+  <dgm:styleLbl name="solidFgAcc1">
+    <dgm:scene3d>
+      <a:camera prst="orthographicFront"/>
+      <a:lightRig rig="threePt" dir="t"/>
+    </dgm:scene3d>
+    <dgm:sp3d/>
+    <dgm:txPr/>
+    <dgm:style>
+      <a:lnRef idx="2">
+        <a:scrgbClr r="0" g="0" b="0"/>
+      </a:lnRef>
+      <a:fillRef idx="1">
+        <a:scrgbClr r="0" g="0" b="0"/>
+      </a:fillRef>
+      <a:effectRef idx="0">
+        <a:scrgbClr r="0" g="0" b="0"/>
+      </a:effectRef>
+      <a:fontRef idx="minor"/>
+    </dgm:style>
+  </dgm:styleLbl>
+  <dgm:styleLbl name="solidAlignAcc1">
+    <dgm:scene3d>
+      <a:camera prst="orthographicFront"/>
+      <a:lightRig rig="threePt" dir="t"/>
+    </dgm:scene3d>
+    <dgm:sp3d/>
+    <dgm:txPr/>
+    <dgm:style>
+      <a:lnRef idx="2">
+        <a:scrgbClr r="0" g="0" b="0"/>
+      </a:lnRef>
+      <a:fillRef idx="1">
+        <a:scrgbClr r="0" g="0" b="0"/>
+      </a:fillRef>
+      <a:effectRef idx="0">
+        <a:scrgbClr r="0" g="0" b="0"/>
+      </a:effectRef>
+      <a:fontRef idx="minor"/>
+    </dgm:style>
+  </dgm:styleLbl>
+  <dgm:styleLbl name="solidBgAcc1">
+    <dgm:scene3d>
+      <a:camera prst="orthographicFront"/>
+      <a:lightRig rig="threePt" dir="t"/>
+    </dgm:scene3d>
+    <dgm:sp3d/>
+    <dgm:txPr/>
+    <dgm:style>
+      <a:lnRef idx="2">
+        <a:scrgbClr r="0" g="0" b="0"/>
+      </a:lnRef>
+      <a:fillRef idx="1">
+        <a:scrgbClr r="0" g="0" b="0"/>
+      </a:fillRef>
+      <a:effectRef idx="0">
+        <a:scrgbClr r="0" g="0" b="0"/>
+      </a:effectRef>
+      <a:fontRef idx="minor"/>
+    </dgm:style>
+  </dgm:styleLbl>
+  <dgm:styleLbl name="fgAccFollowNode1">
+    <dgm:scene3d>
+      <a:camera prst="orthographicFront"/>
+      <a:lightRig rig="threePt" dir="t"/>
+    </dgm:scene3d>
+    <dgm:sp3d/>
+    <dgm:txPr/>
+    <dgm:style>
+      <a:lnRef idx="2">
+        <a:scrgbClr r="0" g="0" b="0"/>
+      </a:lnRef>
+      <a:fillRef idx="1">
+        <a:scrgbClr r="0" g="0" b="0"/>
+      </a:fillRef>
+      <a:effectRef idx="0">
+        <a:scrgbClr r="0" g="0" b="0"/>
+      </a:effectRef>
+      <a:fontRef idx="minor"/>
+    </dgm:style>
+  </dgm:styleLbl>
+  <dgm:styleLbl name="alignAccFollowNode1">
+    <dgm:scene3d>
+      <a:camera prst="orthographicFront"/>
+      <a:lightRig rig="threePt" dir="t"/>
+    </dgm:scene3d>
+    <dgm:sp3d/>
+    <dgm:txPr/>
+    <dgm:style>
+      <a:lnRef idx="2">
+        <a:scrgbClr r="0" g="0" b="0"/>
+      </a:lnRef>
+      <a:fillRef idx="1">
+        <a:scrgbClr r="0" g="0" b="0"/>
+      </a:fillRef>
+      <a:effectRef idx="0">
+        <a:scrgbClr r="0" g="0" b="0"/>
+      </a:effectRef>
+      <a:fontRef idx="minor"/>
+    </dgm:style>
+  </dgm:styleLbl>
+  <dgm:styleLbl name="bgAccFollowNode1">
+    <dgm:scene3d>
+      <a:camera prst="orthographicFront"/>
+      <a:lightRig rig="threePt" dir="t"/>
+    </dgm:scene3d>
+    <dgm:sp3d/>
+    <dgm:txPr/>
+    <dgm:style>
+      <a:lnRef idx="2">
+        <a:scrgbClr r="0" g="0" b="0"/>
+      </a:lnRef>
+      <a:fillRef idx="1">
+        <a:scrgbClr r="0" g="0" b="0"/>
+      </a:fillRef>
+      <a:effectRef idx="0">
+        <a:scrgbClr r="0" g="0" b="0"/>
+      </a:effectRef>
+      <a:fontRef idx="minor"/>
+    </dgm:style>
+  </dgm:styleLbl>
+  <dgm:styleLbl name="fgAcc0">
+    <dgm:scene3d>
+      <a:camera prst="orthographicFront"/>
+      <a:lightRig rig="threePt" dir="t"/>
+    </dgm:scene3d>
+    <dgm:sp3d/>
+    <dgm:txPr/>
+    <dgm:style>
+      <a:lnRef idx="2">
+        <a:scrgbClr r="0" g="0" b="0"/>
+      </a:lnRef>
+      <a:fillRef idx="1">
+        <a:scrgbClr r="0" g="0" b="0"/>
+      </a:fillRef>
+      <a:effectRef idx="0">
+        <a:scrgbClr r="0" g="0" b="0"/>
+      </a:effectRef>
+      <a:fontRef idx="minor"/>
+    </dgm:style>
+  </dgm:styleLbl>
+  <dgm:styleLbl name="fgAcc2">
+    <dgm:scene3d>
+      <a:camera prst="orthographicFront"/>
+      <a:lightRig rig="threePt" dir="t"/>
+    </dgm:scene3d>
+    <dgm:sp3d/>
+    <dgm:txPr/>
+    <dgm:style>
+      <a:lnRef idx="2">
+        <a:scrgbClr r="0" g="0" b="0"/>
+      </a:lnRef>
+      <a:fillRef idx="1">
+        <a:scrgbClr r="0" g="0" b="0"/>
+      </a:fillRef>
+      <a:effectRef idx="0">
+        <a:scrgbClr r="0" g="0" b="0"/>
+      </a:effectRef>
+      <a:fontRef idx="minor"/>
+    </dgm:style>
+  </dgm:styleLbl>
+  <dgm:styleLbl name="fgAcc3">
+    <dgm:scene3d>
+      <a:camera prst="orthographicFront"/>
+      <a:lightRig rig="threePt" dir="t"/>
+    </dgm:scene3d>
+    <dgm:sp3d/>
+    <dgm:txPr/>
+    <dgm:style>
+      <a:lnRef idx="2">
+        <a:scrgbClr r="0" g="0" b="0"/>
+      </a:lnRef>
+      <a:fillRef idx="1">
+        <a:scrgbClr r="0" g="0" b="0"/>
+      </a:fillRef>
+      <a:effectRef idx="0">
+        <a:scrgbClr r="0" g="0" b="0"/>
+      </a:effectRef>
+      <a:fontRef idx="minor"/>
+    </dgm:style>
+  </dgm:styleLbl>
+  <dgm:styleLbl name="fgAcc4">
+    <dgm:scene3d>
+      <a:camera prst="orthographicFront"/>
+      <a:lightRig rig="threePt" dir="t"/>
+    </dgm:scene3d>
+    <dgm:sp3d/>
+    <dgm:txPr/>
+    <dgm:style>
+      <a:lnRef idx="2">
+        <a:scrgbClr r="0" g="0" b="0"/>
+      </a:lnRef>
+      <a:fillRef idx="1">
+        <a:scrgbClr r="0" g="0" b="0"/>
+      </a:fillRef>
+      <a:effectRef idx="0">
+        <a:scrgbClr r="0" g="0" b="0"/>
+      </a:effectRef>
+      <a:fontRef idx="minor"/>
+    </dgm:style>
+  </dgm:styleLbl>
+  <dgm:styleLbl name="bgShp">
+    <dgm:scene3d>
+      <a:camera prst="orthographicFront"/>
+      <a:lightRig rig="threePt" dir="t"/>
+    </dgm:scene3d>
+    <dgm:sp3d/>
+    <dgm:txPr/>
+    <dgm:style>
+      <a:lnRef idx="0">
+        <a:scrgbClr r="0" g="0" b="0"/>
+      </a:lnRef>
+      <a:fillRef idx="1">
+        <a:scrgbClr r="0" g="0" b="0"/>
+      </a:fillRef>
+      <a:effectRef idx="0">
+        <a:scrgbClr r="0" g="0" b="0"/>
+      </a:effectRef>
+      <a:fontRef idx="minor"/>
+    </dgm:style>
+  </dgm:styleLbl>
+  <dgm:styleLbl name="dkBgShp">
+    <dgm:scene3d>
+      <a:camera prst="orthographicFront"/>
+      <a:lightRig rig="threePt" dir="t"/>
+    </dgm:scene3d>
+    <dgm:sp3d/>
+    <dgm:txPr/>
+    <dgm:style>
+      <a:lnRef idx="0">
+        <a:scrgbClr r="0" g="0" b="0"/>
+      </a:lnRef>
+      <a:fillRef idx="1">
+        <a:scrgbClr r="0" g="0" b="0"/>
+      </a:fillRef>
+      <a:effectRef idx="0">
+        <a:scrgbClr r="0" g="0" b="0"/>
+      </a:effectRef>
+      <a:fontRef idx="minor"/>
+    </dgm:style>
+  </dgm:styleLbl>
+  <dgm:styleLbl name="trBgShp">
+    <dgm:scene3d>
+      <a:camera prst="orthographicFront"/>
+      <a:lightRig rig="threePt" dir="t"/>
+    </dgm:scene3d>
+    <dgm:sp3d/>
+    <dgm:txPr/>
+    <dgm:style>
+      <a:lnRef idx="0">
+        <a:scrgbClr r="0" g="0" b="0"/>
+      </a:lnRef>
+      <a:fillRef idx="1">
+        <a:scrgbClr r="0" g="0" b="0"/>
+      </a:fillRef>
+      <a:effectRef idx="0">
+        <a:scrgbClr r="0" g="0" b="0"/>
+      </a:effectRef>
+      <a:fontRef idx="minor"/>
+    </dgm:style>
+  </dgm:styleLbl>
+  <dgm:styleLbl name="fgShp">
+    <dgm:scene3d>
+      <a:camera prst="orthographicFront"/>
+      <a:lightRig rig="threePt" dir="t"/>
+    </dgm:scene3d>
+    <dgm:sp3d/>
+    <dgm:txPr/>
+    <dgm:style>
+      <a:lnRef idx="2">
+        <a:scrgbClr r="0" g="0" b="0"/>
+      </a:lnRef>
+      <a:fillRef idx="1">
+        <a:scrgbClr r="0" g="0" b="0"/>
+      </a:fillRef>
+      <a:effectRef idx="0">
+        <a:scrgbClr r="0" g="0" b="0"/>
+      </a:effectRef>
+      <a:fontRef idx="minor"/>
+    </dgm:style>
+  </dgm:styleLbl>
+  <dgm:styleLbl name="revTx">
+    <dgm:scene3d>
+      <a:camera prst="orthographicFront"/>
+      <a:lightRig rig="threePt" dir="t"/>
+    </dgm:scene3d>
+    <dgm:sp3d/>
+    <dgm:txPr/>
+    <dgm:style>
+      <a:lnRef idx="0">
+        <a:scrgbClr r="0" g="0" b="0"/>
+      </a:lnRef>
+      <a:fillRef idx="0">
+        <a:scrgbClr r="0" g="0" b="0"/>
+      </a:fillRef>
+      <a:effectRef idx="0">
+        <a:scrgbClr r="0" g="0" b="0"/>
+      </a:effectRef>
+      <a:fontRef idx="minor"/>
+    </dgm:style>
+  </dgm:styleLbl>
+</dgm:styleDef>
+</file>
+
 <file path=ppt/diagrams/quickStyle2.xml><?xml version="1.0" encoding="utf-8"?>
 <dgm:styleDef xmlns:dgm="http://schemas.openxmlformats.org/drawingml/2006/diagram" xmlns:a="http://schemas.openxmlformats.org/drawingml/2006/main" uniqueId="urn:microsoft.com/office/officeart/2005/8/quickstyle/simple1">
   <dgm:title val=""/>
@@ -38373,7 +39883,7 @@
           <a:p>
             <a:fld id="{B545A12E-A9A4-4075-8B34-6840EFC874D8}" type="datetimeFigureOut">
               <a:rPr lang="zh-CN" altLang="en-US" smtClean="0"/>
-              <a:t>2022/10/24</a:t>
+              <a:t>2022/10/25</a:t>
             </a:fld>
             <a:endParaRPr lang="zh-CN" altLang="en-US"/>
           </a:p>
@@ -38926,383 +40436,6 @@
     <p:extLst>
       <p:ext uri="{BB962C8B-B14F-4D97-AF65-F5344CB8AC3E}">
         <p14:creationId xmlns:p14="http://schemas.microsoft.com/office/powerpoint/2010/main" val="150677319"/>
-      </p:ext>
-    </p:extLst>
-  </p:cSld>
-  <p:clrMapOvr>
-    <a:masterClrMapping/>
-  </p:clrMapOvr>
-</p:notes>
-</file>
-
-<file path=ppt/notesSlides/notesSlide4.xml><?xml version="1.0" encoding="utf-8"?>
-<p:notes xmlns:a="http://schemas.openxmlformats.org/drawingml/2006/main" xmlns:r="http://schemas.openxmlformats.org/officeDocument/2006/relationships" xmlns:p="http://schemas.openxmlformats.org/presentationml/2006/main">
-  <p:cSld>
-    <p:spTree>
-      <p:nvGrpSpPr>
-        <p:cNvPr id="1" name=""/>
-        <p:cNvGrpSpPr/>
-        <p:nvPr/>
-      </p:nvGrpSpPr>
-      <p:grpSpPr>
-        <a:xfrm>
-          <a:off x="0" y="0"/>
-          <a:ext cx="0" cy="0"/>
-          <a:chOff x="0" y="0"/>
-          <a:chExt cx="0" cy="0"/>
-        </a:xfrm>
-      </p:grpSpPr>
-      <p:sp>
-        <p:nvSpPr>
-          <p:cNvPr id="2" name="幻灯片图像占位符 1"/>
-          <p:cNvSpPr>
-            <a:spLocks noGrp="1" noRot="1" noChangeAspect="1"/>
-          </p:cNvSpPr>
-          <p:nvPr>
-            <p:ph type="sldImg"/>
-          </p:nvPr>
-        </p:nvSpPr>
-        <p:spPr/>
-      </p:sp>
-      <p:sp>
-        <p:nvSpPr>
-          <p:cNvPr id="3" name="备注占位符 2"/>
-          <p:cNvSpPr>
-            <a:spLocks noGrp="1"/>
-          </p:cNvSpPr>
-          <p:nvPr>
-            <p:ph type="body" idx="1"/>
-          </p:nvPr>
-        </p:nvSpPr>
-        <p:spPr/>
-        <p:txBody>
-          <a:bodyPr/>
-          <a:lstStyle/>
-          <a:p>
-            <a:pPr marL="171450" indent="-171450">
-              <a:buFont typeface="Arial" panose="020B0604020202020204" pitchFamily="34" charset="0"/>
-              <a:buChar char="•"/>
-            </a:pPr>
-            <a:r>
-              <a:rPr lang="en-US" altLang="zh-CN" dirty="0"/>
-              <a:t>pkg/</a:t>
-            </a:r>
-            <a:r>
-              <a:rPr lang="en-US" altLang="zh-CN" dirty="0" err="1"/>
-              <a:t>kubelet</a:t>
-            </a:r>
-            <a:r>
-              <a:rPr lang="en-US" altLang="zh-CN" dirty="0"/>
-              <a:t>/</a:t>
-            </a:r>
-            <a:r>
-              <a:rPr lang="en-US" altLang="zh-CN" dirty="0" err="1"/>
-              <a:t>kuberuntime</a:t>
-            </a:r>
-            <a:r>
-              <a:rPr lang="en-US" altLang="zh-CN" dirty="0"/>
-              <a:t>/</a:t>
-            </a:r>
-            <a:r>
-              <a:rPr lang="en-US" altLang="zh-CN" dirty="0" err="1"/>
-              <a:t>kuberuntime_manager.go</a:t>
-            </a:r>
-            <a:r>
-              <a:rPr lang="en-US" altLang="zh-CN" dirty="0"/>
-              <a:t> </a:t>
-            </a:r>
-            <a:r>
-              <a:rPr lang="en-US" altLang="zh-CN" dirty="0" err="1">
-                <a:solidFill>
-                  <a:srgbClr val="E6B163"/>
-                </a:solidFill>
-                <a:effectLst/>
-              </a:rPr>
-              <a:t>SyncPod</a:t>
-            </a:r>
-            <a:endParaRPr lang="en-US" altLang="zh-CN" dirty="0"/>
-          </a:p>
-          <a:p>
-            <a:pPr marL="171450" indent="-171450">
-              <a:buFont typeface="Arial" panose="020B0604020202020204" pitchFamily="34" charset="0"/>
-              <a:buChar char="•"/>
-            </a:pPr>
-            <a:r>
-              <a:rPr lang="en-US" altLang="zh-CN" dirty="0"/>
-              <a:t>Sandbox </a:t>
-            </a:r>
-            <a:r>
-              <a:rPr lang="zh-CN" altLang="en-US" dirty="0"/>
-              <a:t>为 </a:t>
-            </a:r>
-            <a:r>
-              <a:rPr lang="en-US" altLang="zh-CN" dirty="0"/>
-              <a:t>Container </a:t>
-            </a:r>
-            <a:r>
-              <a:rPr lang="zh-CN" altLang="en-US" dirty="0"/>
-              <a:t>提供一定的运行环境，这其中包括 </a:t>
-            </a:r>
-            <a:r>
-              <a:rPr lang="en-US" altLang="zh-CN" dirty="0"/>
-              <a:t>pod </a:t>
-            </a:r>
-            <a:r>
-              <a:rPr lang="zh-CN" altLang="en-US" dirty="0"/>
-              <a:t>的网络等。 </a:t>
-            </a:r>
-            <a:r>
-              <a:rPr lang="en-US" altLang="zh-CN" dirty="0"/>
-              <a:t>Container </a:t>
-            </a:r>
-            <a:r>
-              <a:rPr lang="zh-CN" altLang="en-US" dirty="0"/>
-              <a:t>包括容器生命周期的具体操作，</a:t>
-            </a:r>
-            <a:r>
-              <a:rPr lang="en-US" altLang="zh-CN" dirty="0"/>
-              <a:t>Image </a:t>
-            </a:r>
-            <a:r>
-              <a:rPr lang="zh-CN" altLang="en-US" dirty="0"/>
-              <a:t>则提供对镜像的操作。</a:t>
-            </a:r>
-            <a:endParaRPr lang="en-US" altLang="zh-CN" dirty="0"/>
-          </a:p>
-          <a:p>
-            <a:pPr marL="171450" indent="-171450">
-              <a:buFont typeface="Arial" panose="020B0604020202020204" pitchFamily="34" charset="0"/>
-              <a:buChar char="•"/>
-            </a:pPr>
-            <a:r>
-              <a:rPr lang="en-US" altLang="zh-CN" b="0" i="0" dirty="0">
-                <a:solidFill>
-                  <a:srgbClr val="121212"/>
-                </a:solidFill>
-                <a:effectLst/>
-                <a:latin typeface="-apple-system"/>
-              </a:rPr>
-              <a:t>CRI </a:t>
-            </a:r>
-            <a:r>
-              <a:rPr lang="zh-CN" altLang="en-US" b="0" i="0" dirty="0">
-                <a:solidFill>
-                  <a:srgbClr val="121212"/>
-                </a:solidFill>
-                <a:effectLst/>
-                <a:latin typeface="-apple-system"/>
-              </a:rPr>
-              <a:t>体系里，</a:t>
-            </a:r>
-            <a:r>
-              <a:rPr lang="en-US" altLang="zh-CN" b="0" i="0" dirty="0">
-                <a:solidFill>
-                  <a:srgbClr val="121212"/>
-                </a:solidFill>
-                <a:effectLst/>
-                <a:latin typeface="-apple-system"/>
-              </a:rPr>
-              <a:t>Pod Sandbox </a:t>
-            </a:r>
-            <a:r>
-              <a:rPr lang="zh-CN" altLang="en-US" b="0" i="0" dirty="0">
-                <a:solidFill>
-                  <a:srgbClr val="121212"/>
-                </a:solidFill>
-                <a:effectLst/>
-                <a:latin typeface="-apple-system"/>
-              </a:rPr>
-              <a:t>其实就是 </a:t>
-            </a:r>
-            <a:r>
-              <a:rPr lang="en-US" altLang="zh-CN" b="0" i="0" dirty="0">
-                <a:solidFill>
-                  <a:srgbClr val="121212"/>
-                </a:solidFill>
-                <a:effectLst/>
-                <a:latin typeface="-apple-system"/>
-              </a:rPr>
-              <a:t>pause </a:t>
-            </a:r>
-            <a:r>
-              <a:rPr lang="zh-CN" altLang="en-US" b="0" i="0" dirty="0">
-                <a:solidFill>
-                  <a:srgbClr val="121212"/>
-                </a:solidFill>
-                <a:effectLst/>
-                <a:latin typeface="-apple-system"/>
-              </a:rPr>
-              <a:t>容器。</a:t>
-            </a:r>
-            <a:endParaRPr lang="zh-CN" altLang="en-US" dirty="0"/>
-          </a:p>
-        </p:txBody>
-      </p:sp>
-      <p:sp>
-        <p:nvSpPr>
-          <p:cNvPr id="4" name="灯片编号占位符 3"/>
-          <p:cNvSpPr>
-            <a:spLocks noGrp="1"/>
-          </p:cNvSpPr>
-          <p:nvPr>
-            <p:ph type="sldNum" sz="quarter" idx="5"/>
-          </p:nvPr>
-        </p:nvSpPr>
-        <p:spPr/>
-        <p:txBody>
-          <a:bodyPr/>
-          <a:lstStyle/>
-          <a:p>
-            <a:fld id="{A2233CC5-F75D-4D11-A25F-1E852ECE9806}" type="slidenum">
-              <a:rPr lang="zh-CN" altLang="en-US" smtClean="0"/>
-              <a:t>19</a:t>
-            </a:fld>
-            <a:endParaRPr lang="zh-CN" altLang="en-US"/>
-          </a:p>
-        </p:txBody>
-      </p:sp>
-    </p:spTree>
-    <p:extLst>
-      <p:ext uri="{BB962C8B-B14F-4D97-AF65-F5344CB8AC3E}">
-        <p14:creationId xmlns:p14="http://schemas.microsoft.com/office/powerpoint/2010/main" val="1256627606"/>
-      </p:ext>
-    </p:extLst>
-  </p:cSld>
-  <p:clrMapOvr>
-    <a:masterClrMapping/>
-  </p:clrMapOvr>
-</p:notes>
-</file>
-
-<file path=ppt/notesSlides/notesSlide5.xml><?xml version="1.0" encoding="utf-8"?>
-<p:notes xmlns:a="http://schemas.openxmlformats.org/drawingml/2006/main" xmlns:r="http://schemas.openxmlformats.org/officeDocument/2006/relationships" xmlns:p="http://schemas.openxmlformats.org/presentationml/2006/main">
-  <p:cSld>
-    <p:spTree>
-      <p:nvGrpSpPr>
-        <p:cNvPr id="1" name=""/>
-        <p:cNvGrpSpPr/>
-        <p:nvPr/>
-      </p:nvGrpSpPr>
-      <p:grpSpPr>
-        <a:xfrm>
-          <a:off x="0" y="0"/>
-          <a:ext cx="0" cy="0"/>
-          <a:chOff x="0" y="0"/>
-          <a:chExt cx="0" cy="0"/>
-        </a:xfrm>
-      </p:grpSpPr>
-      <p:sp>
-        <p:nvSpPr>
-          <p:cNvPr id="2" name="幻灯片图像占位符 1"/>
-          <p:cNvSpPr>
-            <a:spLocks noGrp="1" noRot="1" noChangeAspect="1"/>
-          </p:cNvSpPr>
-          <p:nvPr>
-            <p:ph type="sldImg"/>
-          </p:nvPr>
-        </p:nvSpPr>
-        <p:spPr/>
-      </p:sp>
-      <p:sp>
-        <p:nvSpPr>
-          <p:cNvPr id="3" name="备注占位符 2"/>
-          <p:cNvSpPr>
-            <a:spLocks noGrp="1"/>
-          </p:cNvSpPr>
-          <p:nvPr>
-            <p:ph type="body" idx="1"/>
-          </p:nvPr>
-        </p:nvSpPr>
-        <p:spPr/>
-        <p:txBody>
-          <a:bodyPr/>
-          <a:lstStyle/>
-          <a:p>
-            <a:r>
-              <a:rPr lang="zh-CN" altLang="en-US" b="0" i="0" dirty="0">
-                <a:solidFill>
-                  <a:srgbClr val="333333"/>
-                </a:solidFill>
-                <a:effectLst/>
-                <a:latin typeface="Merriweather" panose="020B0604020202020204" pitchFamily="2" charset="0"/>
-              </a:rPr>
-              <a:t>调用内部的生命周期方法 </a:t>
-            </a:r>
-            <a:r>
-              <a:rPr lang="en-US" altLang="zh-CN" dirty="0" err="1"/>
-              <a:t>PreStartContainer</a:t>
-            </a:r>
-            <a:r>
-              <a:rPr lang="en-US" altLang="zh-CN" b="0" i="0" dirty="0">
-                <a:solidFill>
-                  <a:srgbClr val="333333"/>
-                </a:solidFill>
-                <a:effectLst/>
-                <a:latin typeface="Merriweather" panose="020B0604020202020204" pitchFamily="2" charset="0"/>
-              </a:rPr>
-              <a:t> </a:t>
-            </a:r>
-            <a:r>
-              <a:rPr lang="zh-CN" altLang="en-US" b="0" i="0" dirty="0">
-                <a:solidFill>
-                  <a:srgbClr val="333333"/>
-                </a:solidFill>
-                <a:effectLst/>
-                <a:latin typeface="Merriweather" panose="020B0604020202020204" pitchFamily="2" charset="0"/>
-              </a:rPr>
-              <a:t>为当前的容器设置分配的 </a:t>
-            </a:r>
-            <a:r>
-              <a:rPr lang="en-US" altLang="zh-CN" b="0" i="0" dirty="0">
-                <a:solidFill>
-                  <a:srgbClr val="333333"/>
-                </a:solidFill>
-                <a:effectLst/>
-                <a:latin typeface="Merriweather" panose="020B0604020202020204" pitchFamily="2" charset="0"/>
-              </a:rPr>
-              <a:t>CPU </a:t>
-            </a:r>
-            <a:r>
-              <a:rPr lang="zh-CN" altLang="en-US" b="0" i="0" dirty="0">
-                <a:solidFill>
-                  <a:srgbClr val="333333"/>
-                </a:solidFill>
-                <a:effectLst/>
-                <a:latin typeface="Merriweather" panose="020B0604020202020204" pitchFamily="2" charset="0"/>
-              </a:rPr>
-              <a:t>等资源</a:t>
-            </a:r>
-            <a:endParaRPr lang="zh-CN" altLang="en-US" dirty="0"/>
-          </a:p>
-        </p:txBody>
-      </p:sp>
-      <p:sp>
-        <p:nvSpPr>
-          <p:cNvPr id="4" name="灯片编号占位符 3"/>
-          <p:cNvSpPr>
-            <a:spLocks noGrp="1"/>
-          </p:cNvSpPr>
-          <p:nvPr>
-            <p:ph type="sldNum" sz="quarter" idx="5"/>
-          </p:nvPr>
-        </p:nvSpPr>
-        <p:spPr/>
-        <p:txBody>
-          <a:bodyPr/>
-          <a:lstStyle/>
-          <a:p>
-            <a:fld id="{A2233CC5-F75D-4D11-A25F-1E852ECE9806}" type="slidenum">
-              <a:rPr lang="zh-CN" altLang="en-US" smtClean="0"/>
-              <a:t>20</a:t>
-            </a:fld>
-            <a:endParaRPr lang="zh-CN" altLang="en-US"/>
-          </a:p>
-        </p:txBody>
-      </p:sp>
-    </p:spTree>
-    <p:extLst>
-      <p:ext uri="{BB962C8B-B14F-4D97-AF65-F5344CB8AC3E}">
-        <p14:creationId xmlns:p14="http://schemas.microsoft.com/office/powerpoint/2010/main" val="2056220364"/>
       </p:ext>
     </p:extLst>
   </p:cSld>
@@ -40034,7 +41167,7 @@
           <a:p>
             <a:fld id="{8BA9216E-B78E-4B37-A46B-9D5E94D01D3E}" type="datetimeFigureOut">
               <a:rPr lang="zh-CN" altLang="en-US" smtClean="0"/>
-              <a:t>2022/10/24</a:t>
+              <a:t>2022/10/25</a:t>
             </a:fld>
             <a:endParaRPr lang="zh-CN" altLang="en-US"/>
           </a:p>
@@ -40285,7 +41418,7 @@
           <a:p>
             <a:fld id="{8BA9216E-B78E-4B37-A46B-9D5E94D01D3E}" type="datetimeFigureOut">
               <a:rPr lang="zh-CN" altLang="en-US" smtClean="0"/>
-              <a:t>2022/10/24</a:t>
+              <a:t>2022/10/25</a:t>
             </a:fld>
             <a:endParaRPr lang="zh-CN" altLang="en-US"/>
           </a:p>
@@ -40599,7 +41732,7 @@
           <a:p>
             <a:fld id="{8BA9216E-B78E-4B37-A46B-9D5E94D01D3E}" type="datetimeFigureOut">
               <a:rPr lang="zh-CN" altLang="en-US" smtClean="0"/>
-              <a:t>2022/10/24</a:t>
+              <a:t>2022/10/25</a:t>
             </a:fld>
             <a:endParaRPr lang="zh-CN" altLang="en-US"/>
           </a:p>
@@ -40940,7 +42073,7 @@
           <a:p>
             <a:fld id="{8BA9216E-B78E-4B37-A46B-9D5E94D01D3E}" type="datetimeFigureOut">
               <a:rPr lang="zh-CN" altLang="en-US" smtClean="0"/>
-              <a:t>2022/10/24</a:t>
+              <a:t>2022/10/25</a:t>
             </a:fld>
             <a:endParaRPr lang="zh-CN" altLang="en-US"/>
           </a:p>
@@ -41254,7 +42387,7 @@
           <a:p>
             <a:fld id="{8BA9216E-B78E-4B37-A46B-9D5E94D01D3E}" type="datetimeFigureOut">
               <a:rPr lang="zh-CN" altLang="en-US" smtClean="0"/>
-              <a:t>2022/10/24</a:t>
+              <a:t>2022/10/25</a:t>
             </a:fld>
             <a:endParaRPr lang="zh-CN" altLang="en-US"/>
           </a:p>
@@ -41647,7 +42780,7 @@
           <a:p>
             <a:fld id="{8BA9216E-B78E-4B37-A46B-9D5E94D01D3E}" type="datetimeFigureOut">
               <a:rPr lang="zh-CN" altLang="en-US" smtClean="0"/>
-              <a:t>2022/10/24</a:t>
+              <a:t>2022/10/25</a:t>
             </a:fld>
             <a:endParaRPr lang="zh-CN" altLang="en-US"/>
           </a:p>
@@ -41817,7 +42950,7 @@
           <a:p>
             <a:fld id="{8BA9216E-B78E-4B37-A46B-9D5E94D01D3E}" type="datetimeFigureOut">
               <a:rPr lang="zh-CN" altLang="en-US" smtClean="0"/>
-              <a:t>2022/10/24</a:t>
+              <a:t>2022/10/25</a:t>
             </a:fld>
             <a:endParaRPr lang="zh-CN" altLang="en-US"/>
           </a:p>
@@ -41997,7 +43130,7 @@
           <a:p>
             <a:fld id="{8BA9216E-B78E-4B37-A46B-9D5E94D01D3E}" type="datetimeFigureOut">
               <a:rPr lang="zh-CN" altLang="en-US" smtClean="0"/>
-              <a:t>2022/10/24</a:t>
+              <a:t>2022/10/25</a:t>
             </a:fld>
             <a:endParaRPr lang="zh-CN" altLang="en-US"/>
           </a:p>
@@ -42173,7 +43306,7 @@
           <a:p>
             <a:fld id="{8BA9216E-B78E-4B37-A46B-9D5E94D01D3E}" type="datetimeFigureOut">
               <a:rPr lang="zh-CN" altLang="en-US" smtClean="0"/>
-              <a:t>2022/10/24</a:t>
+              <a:t>2022/10/25</a:t>
             </a:fld>
             <a:endParaRPr lang="zh-CN" altLang="en-US"/>
           </a:p>
@@ -42420,7 +43553,7 @@
           <a:p>
             <a:fld id="{8BA9216E-B78E-4B37-A46B-9D5E94D01D3E}" type="datetimeFigureOut">
               <a:rPr lang="zh-CN" altLang="en-US" smtClean="0"/>
-              <a:t>2022/10/24</a:t>
+              <a:t>2022/10/25</a:t>
             </a:fld>
             <a:endParaRPr lang="zh-CN" altLang="en-US"/>
           </a:p>
@@ -42652,7 +43785,7 @@
           <a:p>
             <a:fld id="{8BA9216E-B78E-4B37-A46B-9D5E94D01D3E}" type="datetimeFigureOut">
               <a:rPr lang="zh-CN" altLang="en-US" smtClean="0"/>
-              <a:t>2022/10/24</a:t>
+              <a:t>2022/10/25</a:t>
             </a:fld>
             <a:endParaRPr lang="zh-CN" altLang="en-US"/>
           </a:p>
@@ -43026,7 +44159,7 @@
           <a:p>
             <a:fld id="{8BA9216E-B78E-4B37-A46B-9D5E94D01D3E}" type="datetimeFigureOut">
               <a:rPr lang="zh-CN" altLang="en-US" smtClean="0"/>
-              <a:t>2022/10/24</a:t>
+              <a:t>2022/10/25</a:t>
             </a:fld>
             <a:endParaRPr lang="zh-CN" altLang="en-US"/>
           </a:p>
@@ -43149,7 +44282,7 @@
           <a:p>
             <a:fld id="{8BA9216E-B78E-4B37-A46B-9D5E94D01D3E}" type="datetimeFigureOut">
               <a:rPr lang="zh-CN" altLang="en-US" smtClean="0"/>
-              <a:t>2022/10/24</a:t>
+              <a:t>2022/10/25</a:t>
             </a:fld>
             <a:endParaRPr lang="zh-CN" altLang="en-US"/>
           </a:p>
@@ -43244,7 +44377,7 @@
           <a:p>
             <a:fld id="{8BA9216E-B78E-4B37-A46B-9D5E94D01D3E}" type="datetimeFigureOut">
               <a:rPr lang="zh-CN" altLang="en-US" smtClean="0"/>
-              <a:t>2022/10/24</a:t>
+              <a:t>2022/10/25</a:t>
             </a:fld>
             <a:endParaRPr lang="zh-CN" altLang="en-US"/>
           </a:p>
@@ -43499,7 +44632,7 @@
           <a:p>
             <a:fld id="{8BA9216E-B78E-4B37-A46B-9D5E94D01D3E}" type="datetimeFigureOut">
               <a:rPr lang="zh-CN" altLang="en-US" smtClean="0"/>
-              <a:t>2022/10/24</a:t>
+              <a:t>2022/10/25</a:t>
             </a:fld>
             <a:endParaRPr lang="zh-CN" altLang="en-US"/>
           </a:p>
@@ -43762,7 +44895,7 @@
           <a:p>
             <a:fld id="{8BA9216E-B78E-4B37-A46B-9D5E94D01D3E}" type="datetimeFigureOut">
               <a:rPr lang="zh-CN" altLang="en-US" smtClean="0"/>
-              <a:t>2022/10/24</a:t>
+              <a:t>2022/10/25</a:t>
             </a:fld>
             <a:endParaRPr lang="zh-CN" altLang="en-US"/>
           </a:p>
@@ -44505,7 +45638,7 @@
           <a:p>
             <a:fld id="{8BA9216E-B78E-4B37-A46B-9D5E94D01D3E}" type="datetimeFigureOut">
               <a:rPr lang="zh-CN" altLang="en-US" smtClean="0"/>
-              <a:t>2022/10/24</a:t>
+              <a:t>2022/10/25</a:t>
             </a:fld>
             <a:endParaRPr lang="zh-CN" altLang="en-US"/>
           </a:p>
@@ -46604,7 +47737,7 @@
             <a:picLocks noGrp="1" noChangeAspect="1" noChangeArrowheads="1"/>
           </p:cNvPicPr>
           <p:nvPr>
-            <p:ph sz="half" idx="1"/>
+            <p:ph idx="1"/>
           </p:nvPr>
         </p:nvPicPr>
         <p:blipFill>
@@ -46615,14 +47748,15 @@
               </a:ext>
             </a:extLst>
           </a:blip>
+          <a:srcRect/>
           <a:stretch>
             <a:fillRect/>
           </a:stretch>
         </p:blipFill>
         <p:spPr bwMode="auto">
           <a:xfrm>
-            <a:off x="677863" y="2160589"/>
-            <a:ext cx="4183062" cy="3880773"/>
+            <a:off x="741724" y="2160588"/>
+            <a:ext cx="8468589" cy="3881437"/>
           </a:xfrm>
           <a:prstGeom prst="rect">
             <a:avLst/>
@@ -46639,37 +47773,6 @@
           </a:extLst>
         </p:spPr>
       </p:pic>
-      <p:graphicFrame>
-        <p:nvGraphicFramePr>
-          <p:cNvPr id="5" name="内容占位符 4">
-            <a:extLst>
-              <a:ext uri="{FF2B5EF4-FFF2-40B4-BE49-F238E27FC236}">
-                <a16:creationId xmlns:a16="http://schemas.microsoft.com/office/drawing/2014/main" id="{837E7FEE-1ED7-FD44-BB8E-7D024A7BE7CB}"/>
-              </a:ext>
-            </a:extLst>
-          </p:cNvPr>
-          <p:cNvGraphicFramePr>
-            <a:graphicFrameLocks noGrp="1"/>
-          </p:cNvGraphicFramePr>
-          <p:nvPr>
-            <p:ph sz="half" idx="2"/>
-            <p:extLst>
-              <p:ext uri="{D42A27DB-BD31-4B8C-83A1-F6EECF244321}">
-                <p14:modId xmlns:p14="http://schemas.microsoft.com/office/powerpoint/2010/main" val="2747849665"/>
-              </p:ext>
-            </p:extLst>
-          </p:nvPr>
-        </p:nvGraphicFramePr>
-        <p:xfrm>
-          <a:off x="5089970" y="2160589"/>
-          <a:ext cx="4184034" cy="3880773"/>
-        </p:xfrm>
-        <a:graphic>
-          <a:graphicData uri="http://schemas.openxmlformats.org/drawingml/2006/diagram">
-            <dgm:relIds xmlns:dgm="http://schemas.openxmlformats.org/drawingml/2006/diagram" xmlns:r="http://schemas.openxmlformats.org/officeDocument/2006/relationships" r:dm="rId3" r:lo="rId4" r:qs="rId5" r:cs="rId6"/>
-          </a:graphicData>
-        </a:graphic>
-      </p:graphicFrame>
     </p:spTree>
     <p:extLst>
       <p:ext uri="{BB962C8B-B14F-4D97-AF65-F5344CB8AC3E}">
@@ -46727,7 +47830,7 @@
             </a:r>
             <a:r>
               <a:rPr lang="zh-CN" altLang="en-US" dirty="0"/>
-              <a:t>的创建过程</a:t>
+              <a:t>的创建流程</a:t>
             </a:r>
           </a:p>
         </p:txBody>
@@ -46749,7 +47852,7 @@
           </p:nvPr>
         </p:nvPicPr>
         <p:blipFill>
-          <a:blip r:embed="rId3"/>
+          <a:blip r:embed="rId2"/>
           <a:stretch>
             <a:fillRect/>
           </a:stretch>
@@ -46778,7 +47881,7 @@
           </p:nvPr>
         </p:nvPicPr>
         <p:blipFill>
-          <a:blip r:embed="rId4"/>
+          <a:blip r:embed="rId3"/>
           <a:stretch>
             <a:fillRect/>
           </a:stretch>
@@ -46922,7 +48025,7 @@
           <p:cNvPr id="2" name="标题 1">
             <a:extLst>
               <a:ext uri="{FF2B5EF4-FFF2-40B4-BE49-F238E27FC236}">
-                <a16:creationId xmlns:a16="http://schemas.microsoft.com/office/drawing/2014/main" id="{DFBFB2F0-6F50-DDA3-8D02-96779A09BB1C}"/>
+                <a16:creationId xmlns:a16="http://schemas.microsoft.com/office/drawing/2014/main" id="{DE2791D4-C5BD-CEF9-7359-256ACD53980E}"/>
               </a:ext>
             </a:extLst>
           </p:cNvPr>
@@ -46939,18 +48042,51 @@
           <a:lstStyle/>
           <a:p>
             <a:r>
+              <a:rPr lang="en-US" altLang="zh-CN" dirty="0"/>
+              <a:t>Container </a:t>
+            </a:r>
+            <a:r>
               <a:rPr lang="zh-CN" altLang="en-US" dirty="0"/>
-              <a:t>创建容器过程</a:t>
+              <a:t>启动过程</a:t>
             </a:r>
           </a:p>
         </p:txBody>
       </p:sp>
       <p:pic>
         <p:nvPicPr>
+          <p:cNvPr id="6" name="内容占位符 5">
+            <a:extLst>
+              <a:ext uri="{FF2B5EF4-FFF2-40B4-BE49-F238E27FC236}">
+                <a16:creationId xmlns:a16="http://schemas.microsoft.com/office/drawing/2014/main" id="{A13E7053-7FDC-513A-9A75-C59E4A9E993C}"/>
+              </a:ext>
+            </a:extLst>
+          </p:cNvPr>
+          <p:cNvPicPr>
+            <a:picLocks noGrp="1" noChangeAspect="1"/>
+          </p:cNvPicPr>
+          <p:nvPr>
+            <p:ph sz="half" idx="1"/>
+          </p:nvPr>
+        </p:nvPicPr>
+        <p:blipFill>
+          <a:blip r:embed="rId2"/>
+          <a:stretch>
+            <a:fillRect/>
+          </a:stretch>
+        </p:blipFill>
+        <p:spPr>
+          <a:xfrm>
+            <a:off x="1969934" y="2160588"/>
+            <a:ext cx="1598920" cy="3881437"/>
+          </a:xfrm>
+        </p:spPr>
+      </p:pic>
+      <p:pic>
+        <p:nvPicPr>
           <p:cNvPr id="8" name="内容占位符 7">
             <a:extLst>
               <a:ext uri="{FF2B5EF4-FFF2-40B4-BE49-F238E27FC236}">
-                <a16:creationId xmlns:a16="http://schemas.microsoft.com/office/drawing/2014/main" id="{C4457874-D443-72B8-9102-19091EBA41B2}"/>
+                <a16:creationId xmlns:a16="http://schemas.microsoft.com/office/drawing/2014/main" id="{F39DCE52-73F5-056B-443A-BE307C6D79C0}"/>
               </a:ext>
             </a:extLst>
           </p:cNvPr>
@@ -46969,44 +48105,15 @@
         </p:blipFill>
         <p:spPr>
           <a:xfrm>
-            <a:off x="5089525" y="2716458"/>
-            <a:ext cx="4184650" cy="2769696"/>
-          </a:xfrm>
-        </p:spPr>
-      </p:pic>
-      <p:pic>
-        <p:nvPicPr>
-          <p:cNvPr id="12" name="内容占位符 11">
-            <a:extLst>
-              <a:ext uri="{FF2B5EF4-FFF2-40B4-BE49-F238E27FC236}">
-                <a16:creationId xmlns:a16="http://schemas.microsoft.com/office/drawing/2014/main" id="{F6DA6510-50C8-70D8-3CBD-FB9A0D82FD35}"/>
-              </a:ext>
-            </a:extLst>
-          </p:cNvPr>
-          <p:cNvPicPr>
-            <a:picLocks noGrp="1" noChangeAspect="1"/>
-          </p:cNvPicPr>
-          <p:nvPr>
-            <p:ph sz="half" idx="1"/>
-          </p:nvPr>
-        </p:nvPicPr>
-        <p:blipFill>
-          <a:blip r:embed="rId4"/>
-          <a:stretch>
-            <a:fillRect/>
-          </a:stretch>
-        </p:blipFill>
-        <p:spPr>
-          <a:xfrm>
-            <a:off x="1967902" y="2160588"/>
-            <a:ext cx="1602983" cy="3881437"/>
+            <a:off x="5089525" y="2160588"/>
+            <a:ext cx="4184650" cy="3881437"/>
           </a:xfrm>
         </p:spPr>
       </p:pic>
     </p:spTree>
     <p:extLst>
       <p:ext uri="{BB962C8B-B14F-4D97-AF65-F5344CB8AC3E}">
-        <p14:creationId xmlns:p14="http://schemas.microsoft.com/office/powerpoint/2010/main" val="1659118853"/>
+        <p14:creationId xmlns:p14="http://schemas.microsoft.com/office/powerpoint/2010/main" val="3197471368"/>
       </p:ext>
     </p:extLst>
   </p:cSld>
@@ -47038,7 +48145,7 @@
           <p:cNvPr id="2" name="标题 1">
             <a:extLst>
               <a:ext uri="{FF2B5EF4-FFF2-40B4-BE49-F238E27FC236}">
-                <a16:creationId xmlns:a16="http://schemas.microsoft.com/office/drawing/2014/main" id="{2AA6A035-A4CF-A20C-5FC0-3458D8E0682F}"/>
+                <a16:creationId xmlns:a16="http://schemas.microsoft.com/office/drawing/2014/main" id="{FF90D7B8-C210-21A1-9E4B-709C572B6A52}"/>
               </a:ext>
             </a:extLst>
           </p:cNvPr>
@@ -47046,7 +48153,7 @@
             <a:spLocks noGrp="1"/>
           </p:cNvSpPr>
           <p:nvPr>
-            <p:ph type="title"/>
+            <p:ph type="ctrTitle"/>
           </p:nvPr>
         </p:nvSpPr>
         <p:spPr/>
@@ -47055,66 +48162,44 @@
           <a:lstStyle/>
           <a:p>
             <a:r>
-              <a:rPr lang="zh-CN" altLang="en-US"/>
-              <a:t>健康检查过程</a:t>
+              <a:rPr lang="zh-CN" altLang="en-US" dirty="0"/>
+              <a:t>健康检查</a:t>
             </a:r>
           </a:p>
         </p:txBody>
       </p:sp>
-      <p:sp>
-        <p:nvSpPr>
-          <p:cNvPr id="3" name="内容占位符 2">
+      <p:graphicFrame>
+        <p:nvGraphicFramePr>
+          <p:cNvPr id="8" name="图示 7">
             <a:extLst>
               <a:ext uri="{FF2B5EF4-FFF2-40B4-BE49-F238E27FC236}">
-                <a16:creationId xmlns:a16="http://schemas.microsoft.com/office/drawing/2014/main" id="{2C9BE720-0699-FAC2-544C-F4329FA6F3F5}"/>
+                <a16:creationId xmlns:a16="http://schemas.microsoft.com/office/drawing/2014/main" id="{9D706ABE-7E95-4010-5697-B48428685B5F}"/>
               </a:ext>
             </a:extLst>
           </p:cNvPr>
-          <p:cNvSpPr>
-            <a:spLocks noGrp="1"/>
-          </p:cNvSpPr>
+          <p:cNvGraphicFramePr/>
           <p:nvPr>
-            <p:ph sz="half" idx="1"/>
+            <p:extLst>
+              <p:ext uri="{D42A27DB-BD31-4B8C-83A1-F6EECF244321}">
+                <p14:modId xmlns:p14="http://schemas.microsoft.com/office/powerpoint/2010/main" val="3540482304"/>
+              </p:ext>
+            </p:extLst>
           </p:nvPr>
-        </p:nvSpPr>
-        <p:spPr/>
-        <p:txBody>
-          <a:bodyPr/>
-          <a:lstStyle/>
-          <a:p>
-            <a:endParaRPr lang="zh-CN" altLang="en-US"/>
-          </a:p>
-        </p:txBody>
-      </p:sp>
-      <p:sp>
-        <p:nvSpPr>
-          <p:cNvPr id="4" name="内容占位符 3">
-            <a:extLst>
-              <a:ext uri="{FF2B5EF4-FFF2-40B4-BE49-F238E27FC236}">
-                <a16:creationId xmlns:a16="http://schemas.microsoft.com/office/drawing/2014/main" id="{C4F0DDD1-F180-B32B-1168-FAEF3598A530}"/>
-              </a:ext>
-            </a:extLst>
-          </p:cNvPr>
-          <p:cNvSpPr>
-            <a:spLocks noGrp="1"/>
-          </p:cNvSpPr>
-          <p:nvPr>
-            <p:ph sz="half" idx="2"/>
-          </p:nvPr>
-        </p:nvSpPr>
-        <p:spPr/>
-        <p:txBody>
-          <a:bodyPr/>
-          <a:lstStyle/>
-          <a:p>
-            <a:endParaRPr lang="zh-CN" altLang="en-US"/>
-          </a:p>
-        </p:txBody>
-      </p:sp>
+        </p:nvGraphicFramePr>
+        <p:xfrm>
+          <a:off x="1507067" y="4310416"/>
+          <a:ext cx="8513626" cy="954107"/>
+        </p:xfrm>
+        <a:graphic>
+          <a:graphicData uri="http://schemas.openxmlformats.org/drawingml/2006/diagram">
+            <dgm:relIds xmlns:dgm="http://schemas.openxmlformats.org/drawingml/2006/diagram" xmlns:r="http://schemas.openxmlformats.org/officeDocument/2006/relationships" r:dm="rId2" r:lo="rId3" r:qs="rId4" r:cs="rId5"/>
+          </a:graphicData>
+        </a:graphic>
+      </p:graphicFrame>
     </p:spTree>
     <p:extLst>
       <p:ext uri="{BB962C8B-B14F-4D97-AF65-F5344CB8AC3E}">
-        <p14:creationId xmlns:p14="http://schemas.microsoft.com/office/powerpoint/2010/main" val="2219481250"/>
+        <p14:creationId xmlns:p14="http://schemas.microsoft.com/office/powerpoint/2010/main" val="2547647251"/>
       </p:ext>
     </p:extLst>
   </p:cSld>
@@ -47146,7 +48231,7 @@
           <p:cNvPr id="2" name="标题 1">
             <a:extLst>
               <a:ext uri="{FF2B5EF4-FFF2-40B4-BE49-F238E27FC236}">
-                <a16:creationId xmlns:a16="http://schemas.microsoft.com/office/drawing/2014/main" id="{4D791E6F-3EE2-8CA3-E498-1FDF1DAAD624}"/>
+                <a16:creationId xmlns:a16="http://schemas.microsoft.com/office/drawing/2014/main" id="{AAE1EA42-3B10-7448-AB41-CFAA956EDA58}"/>
               </a:ext>
             </a:extLst>
           </p:cNvPr>
@@ -47163,19 +48248,18 @@
           <a:lstStyle/>
           <a:p>
             <a:r>
-              <a:rPr lang="en-US" altLang="zh-CN" dirty="0"/>
-              <a:t>Kubernetes Container</a:t>
+              <a:rPr lang="zh-CN" altLang="en-US" dirty="0"/>
+              <a:t>健康检查流程</a:t>
             </a:r>
-            <a:endParaRPr lang="zh-CN" altLang="en-US" dirty="0"/>
           </a:p>
         </p:txBody>
       </p:sp>
       <p:graphicFrame>
         <p:nvGraphicFramePr>
-          <p:cNvPr id="4" name="内容占位符 3">
+          <p:cNvPr id="7" name="内容占位符 6">
             <a:extLst>
               <a:ext uri="{FF2B5EF4-FFF2-40B4-BE49-F238E27FC236}">
-                <a16:creationId xmlns:a16="http://schemas.microsoft.com/office/drawing/2014/main" id="{0D438A4B-7E18-3A53-C245-4F68FCA605FD}"/>
+                <a16:creationId xmlns:a16="http://schemas.microsoft.com/office/drawing/2014/main" id="{030CAACA-75C8-5FE5-D333-F1005A95CCC1}"/>
               </a:ext>
             </a:extLst>
           </p:cNvPr>
@@ -47183,17 +48267,17 @@
             <a:graphicFrameLocks noGrp="1"/>
           </p:cNvGraphicFramePr>
           <p:nvPr>
-            <p:ph idx="1"/>
+            <p:ph sz="half" idx="2"/>
             <p:extLst>
               <p:ext uri="{D42A27DB-BD31-4B8C-83A1-F6EECF244321}">
-                <p14:modId xmlns:p14="http://schemas.microsoft.com/office/powerpoint/2010/main" val="2356846324"/>
+                <p14:modId xmlns:p14="http://schemas.microsoft.com/office/powerpoint/2010/main" val="2495077366"/>
               </p:ext>
             </p:extLst>
           </p:nvPr>
         </p:nvGraphicFramePr>
         <p:xfrm>
-          <a:off x="677334" y="2160589"/>
-          <a:ext cx="8596668" cy="3880773"/>
+          <a:off x="5089970" y="2160589"/>
+          <a:ext cx="4184034" cy="3880773"/>
         </p:xfrm>
         <a:graphic>
           <a:graphicData uri="http://schemas.openxmlformats.org/drawingml/2006/diagram">
@@ -47201,10 +48285,39 @@
           </a:graphicData>
         </a:graphic>
       </p:graphicFrame>
+      <p:pic>
+        <p:nvPicPr>
+          <p:cNvPr id="10" name="内容占位符 9">
+            <a:extLst>
+              <a:ext uri="{FF2B5EF4-FFF2-40B4-BE49-F238E27FC236}">
+                <a16:creationId xmlns:a16="http://schemas.microsoft.com/office/drawing/2014/main" id="{D2042282-B25F-70CD-7882-B44B9C598992}"/>
+              </a:ext>
+            </a:extLst>
+          </p:cNvPr>
+          <p:cNvPicPr>
+            <a:picLocks noGrp="1" noChangeAspect="1"/>
+          </p:cNvPicPr>
+          <p:nvPr>
+            <p:ph sz="half" idx="1"/>
+          </p:nvPr>
+        </p:nvPicPr>
+        <p:blipFill>
+          <a:blip r:embed="rId7"/>
+          <a:stretch>
+            <a:fillRect/>
+          </a:stretch>
+        </p:blipFill>
+        <p:spPr>
+          <a:xfrm>
+            <a:off x="1597222" y="2160588"/>
+            <a:ext cx="2344343" cy="3881437"/>
+          </a:xfrm>
+        </p:spPr>
+      </p:pic>
     </p:spTree>
     <p:extLst>
       <p:ext uri="{BB962C8B-B14F-4D97-AF65-F5344CB8AC3E}">
-        <p14:creationId xmlns:p14="http://schemas.microsoft.com/office/powerpoint/2010/main" val="848527275"/>
+        <p14:creationId xmlns:p14="http://schemas.microsoft.com/office/powerpoint/2010/main" val="2115913494"/>
       </p:ext>
     </p:extLst>
   </p:cSld>
@@ -47231,12 +48344,72 @@
           <a:chExt cx="0" cy="0"/>
         </a:xfrm>
       </p:grpSpPr>
+      <p:graphicFrame>
+        <p:nvGraphicFramePr>
+          <p:cNvPr id="18" name="内容占位符 17">
+            <a:extLst>
+              <a:ext uri="{FF2B5EF4-FFF2-40B4-BE49-F238E27FC236}">
+                <a16:creationId xmlns:a16="http://schemas.microsoft.com/office/drawing/2014/main" id="{318EBD7C-38BB-839A-3865-332AD3F081EC}"/>
+              </a:ext>
+            </a:extLst>
+          </p:cNvPr>
+          <p:cNvGraphicFramePr>
+            <a:graphicFrameLocks noGrp="1"/>
+          </p:cNvGraphicFramePr>
+          <p:nvPr>
+            <p:ph sz="half" idx="4294967295"/>
+            <p:extLst>
+              <p:ext uri="{D42A27DB-BD31-4B8C-83A1-F6EECF244321}">
+                <p14:modId xmlns:p14="http://schemas.microsoft.com/office/powerpoint/2010/main" val="2379180522"/>
+              </p:ext>
+            </p:extLst>
+          </p:nvPr>
+        </p:nvGraphicFramePr>
+        <p:xfrm>
+          <a:off x="0" y="1187777"/>
+          <a:ext cx="4590854" cy="5467023"/>
+        </p:xfrm>
+        <a:graphic>
+          <a:graphicData uri="http://schemas.openxmlformats.org/drawingml/2006/diagram">
+            <dgm:relIds xmlns:dgm="http://schemas.openxmlformats.org/drawingml/2006/diagram" xmlns:r="http://schemas.openxmlformats.org/officeDocument/2006/relationships" r:dm="rId2" r:lo="rId3" r:qs="rId4" r:cs="rId5"/>
+          </a:graphicData>
+        </a:graphic>
+      </p:graphicFrame>
+      <p:pic>
+        <p:nvPicPr>
+          <p:cNvPr id="30" name="内容占位符 29">
+            <a:extLst>
+              <a:ext uri="{FF2B5EF4-FFF2-40B4-BE49-F238E27FC236}">
+                <a16:creationId xmlns:a16="http://schemas.microsoft.com/office/drawing/2014/main" id="{83786C6F-7B5A-3805-4BDE-8FA2E116FCEB}"/>
+              </a:ext>
+            </a:extLst>
+          </p:cNvPr>
+          <p:cNvPicPr>
+            <a:picLocks noGrp="1" noChangeAspect="1"/>
+          </p:cNvPicPr>
+          <p:nvPr>
+            <p:ph sz="quarter" idx="4294967295"/>
+          </p:nvPr>
+        </p:nvPicPr>
+        <p:blipFill>
+          <a:blip r:embed="rId7"/>
+          <a:stretch>
+            <a:fillRect/>
+          </a:stretch>
+        </p:blipFill>
+        <p:spPr>
+          <a:xfrm>
+            <a:off x="5241303" y="1187777"/>
+            <a:ext cx="5150177" cy="5467023"/>
+          </a:xfrm>
+        </p:spPr>
+      </p:pic>
       <p:sp>
         <p:nvSpPr>
-          <p:cNvPr id="2" name="标题 1">
+          <p:cNvPr id="32" name="文本占位符 31">
             <a:extLst>
               <a:ext uri="{FF2B5EF4-FFF2-40B4-BE49-F238E27FC236}">
-                <a16:creationId xmlns:a16="http://schemas.microsoft.com/office/drawing/2014/main" id="{E754DDAE-5031-43A2-5F4E-FFCF532D2F05}"/>
+                <a16:creationId xmlns:a16="http://schemas.microsoft.com/office/drawing/2014/main" id="{5F1BFC15-25B4-2222-AE3F-E08D51D0DF15}"/>
               </a:ext>
             </a:extLst>
           </p:cNvPr>
@@ -47244,209 +48417,65 @@
             <a:spLocks noGrp="1"/>
           </p:cNvSpPr>
           <p:nvPr>
-            <p:ph type="title"/>
+            <p:ph type="body" idx="4294967295"/>
           </p:nvPr>
         </p:nvSpPr>
-        <p:spPr/>
+        <p:spPr>
+          <a:xfrm>
+            <a:off x="113121" y="512942"/>
+            <a:ext cx="4186238" cy="576263"/>
+          </a:xfrm>
+        </p:spPr>
         <p:txBody>
           <a:bodyPr/>
           <a:lstStyle/>
           <a:p>
             <a:r>
-              <a:rPr lang="en-US" altLang="zh-CN" sz="3600" b="1" dirty="0"/>
-              <a:t>1.Container </a:t>
+              <a:rPr lang="en-US" altLang="zh-CN" sz="2000" dirty="0" err="1"/>
+              <a:t>prober_manager.AddPod</a:t>
             </a:r>
-            <a:r>
-              <a:rPr lang="zh-CN" altLang="en-US" sz="3600" b="1" dirty="0"/>
-              <a:t>状态</a:t>
-            </a:r>
-            <a:br>
-              <a:rPr lang="en-US" altLang="zh-CN" sz="3600" b="1" dirty="0"/>
-            </a:br>
-            <a:endParaRPr lang="zh-CN" altLang="en-US" dirty="0"/>
+            <a:endParaRPr lang="zh-CN" altLang="en-US" sz="2000" dirty="0"/>
           </a:p>
         </p:txBody>
       </p:sp>
       <p:sp>
         <p:nvSpPr>
-          <p:cNvPr id="5" name="文本框 4">
+          <p:cNvPr id="33" name="文本占位符 32">
             <a:extLst>
               <a:ext uri="{FF2B5EF4-FFF2-40B4-BE49-F238E27FC236}">
-                <a16:creationId xmlns:a16="http://schemas.microsoft.com/office/drawing/2014/main" id="{B1CE1301-B3E5-40B0-A3DF-1F2994A840C5}"/>
+                <a16:creationId xmlns:a16="http://schemas.microsoft.com/office/drawing/2014/main" id="{FD938D4B-D674-717F-99EB-A6893372D755}"/>
               </a:ext>
             </a:extLst>
           </p:cNvPr>
-          <p:cNvSpPr txBox="1"/>
-          <p:nvPr/>
+          <p:cNvSpPr>
+            <a:spLocks noGrp="1"/>
+          </p:cNvSpPr>
+          <p:nvPr>
+            <p:ph type="body" sz="quarter" idx="4294967295"/>
+          </p:nvPr>
         </p:nvSpPr>
         <p:spPr>
           <a:xfrm>
-            <a:off x="677334" y="1674674"/>
-            <a:ext cx="8448379" cy="2169825"/>
+            <a:off x="6704865" y="512941"/>
+            <a:ext cx="4186237" cy="576263"/>
           </a:xfrm>
-          <a:prstGeom prst="rect">
-            <a:avLst/>
-          </a:prstGeom>
-          <a:noFill/>
         </p:spPr>
         <p:txBody>
-          <a:bodyPr wrap="square">
-            <a:spAutoFit/>
-          </a:bodyPr>
+          <a:bodyPr/>
           <a:lstStyle/>
           <a:p>
-            <a:pPr>
-              <a:lnSpc>
-                <a:spcPct val="150000"/>
-              </a:lnSpc>
-            </a:pPr>
             <a:r>
-              <a:rPr lang="zh-CN" altLang="en-US" dirty="0"/>
-              <a:t>一旦调度器将 </a:t>
+              <a:rPr lang="en-US" altLang="zh-CN" sz="2000" dirty="0" err="1"/>
+              <a:t>prober.runProbe</a:t>
             </a:r>
-            <a:r>
-              <a:rPr lang="en-US" altLang="zh-CN" dirty="0"/>
-              <a:t>Pod </a:t>
-            </a:r>
-            <a:r>
-              <a:rPr lang="zh-CN" altLang="en-US" dirty="0"/>
-              <a:t>分派给某个节点，</a:t>
-            </a:r>
-            <a:r>
-              <a:rPr lang="en-US" altLang="zh-CN" dirty="0" err="1"/>
-              <a:t>kubelet</a:t>
-            </a:r>
-            <a:r>
-              <a:rPr lang="en-US" altLang="zh-CN" dirty="0"/>
-              <a:t> </a:t>
-            </a:r>
-            <a:r>
-              <a:rPr lang="zh-CN" altLang="en-US" dirty="0"/>
-              <a:t>就通过 容器运行时 开始为 </a:t>
-            </a:r>
-            <a:r>
-              <a:rPr lang="en-US" altLang="zh-CN" dirty="0"/>
-              <a:t>Pod </a:t>
-            </a:r>
-            <a:r>
-              <a:rPr lang="zh-CN" altLang="en-US" dirty="0"/>
-              <a:t>创建容器。 容器的状态有三种：</a:t>
-            </a:r>
-            <a:r>
-              <a:rPr lang="en-US" altLang="zh-CN" dirty="0"/>
-              <a:t>Waiting</a:t>
-            </a:r>
-            <a:r>
-              <a:rPr lang="zh-CN" altLang="en-US" dirty="0"/>
-              <a:t>（等待）、</a:t>
-            </a:r>
-            <a:r>
-              <a:rPr lang="en-US" altLang="zh-CN" dirty="0"/>
-              <a:t>Running</a:t>
-            </a:r>
-            <a:r>
-              <a:rPr lang="zh-CN" altLang="en-US" dirty="0"/>
-              <a:t>（运行中）和 </a:t>
-            </a:r>
-            <a:r>
-              <a:rPr lang="en-US" altLang="zh-CN" dirty="0"/>
-              <a:t>Terminated</a:t>
-            </a:r>
-            <a:r>
-              <a:rPr lang="zh-CN" altLang="en-US" dirty="0"/>
-              <a:t>（已终止）。</a:t>
-            </a:r>
-          </a:p>
-          <a:p>
-            <a:endParaRPr lang="zh-CN" altLang="en-US" dirty="0"/>
-          </a:p>
-          <a:p>
-            <a:r>
-              <a:rPr lang="zh-CN" altLang="en-US" dirty="0"/>
-              <a:t>要检查 </a:t>
-            </a:r>
-            <a:r>
-              <a:rPr lang="en-US" altLang="zh-CN" dirty="0"/>
-              <a:t>Pod </a:t>
-            </a:r>
-            <a:r>
-              <a:rPr lang="zh-CN" altLang="en-US" dirty="0"/>
-              <a:t>中容器的状态，你可以使用 </a:t>
-            </a:r>
-            <a:r>
-              <a:rPr lang="en-US" altLang="zh-CN" dirty="0" err="1"/>
-              <a:t>kubectl</a:t>
-            </a:r>
-            <a:r>
-              <a:rPr lang="en-US" altLang="zh-CN" dirty="0"/>
-              <a:t> describe pod &lt;pod name&gt;</a:t>
-            </a:r>
-            <a:r>
-              <a:rPr lang="zh-CN" altLang="en-US" dirty="0"/>
-              <a:t>。 其输出中包含 </a:t>
-            </a:r>
-            <a:r>
-              <a:rPr lang="en-US" altLang="zh-CN" dirty="0"/>
-              <a:t>Pod </a:t>
-            </a:r>
-            <a:r>
-              <a:rPr lang="zh-CN" altLang="en-US" dirty="0"/>
-              <a:t>中每个容器的状态。</a:t>
-            </a:r>
+            <a:endParaRPr lang="zh-CN" altLang="en-US" sz="2000" dirty="0"/>
           </a:p>
         </p:txBody>
       </p:sp>
-      <p:pic>
-        <p:nvPicPr>
-          <p:cNvPr id="8" name="Picture 2">
-            <a:extLst>
-              <a:ext uri="{FF2B5EF4-FFF2-40B4-BE49-F238E27FC236}">
-                <a16:creationId xmlns:a16="http://schemas.microsoft.com/office/drawing/2014/main" id="{08463F71-6834-EA01-0F5D-D464D333FC3E}"/>
-              </a:ext>
-            </a:extLst>
-          </p:cNvPr>
-          <p:cNvPicPr>
-            <a:picLocks noChangeAspect="1" noChangeArrowheads="1"/>
-          </p:cNvPicPr>
-          <p:nvPr/>
-        </p:nvPicPr>
-        <p:blipFill>
-          <a:blip r:embed="rId2">
-            <a:extLst>
-              <a:ext uri="{28A0092B-C50C-407E-A947-70E740481C1C}">
-                <a14:useLocalDpi xmlns:a14="http://schemas.microsoft.com/office/drawing/2010/main" val="0"/>
-              </a:ext>
-            </a:extLst>
-          </a:blip>
-          <a:srcRect/>
-          <a:stretch>
-            <a:fillRect/>
-          </a:stretch>
-        </p:blipFill>
-        <p:spPr bwMode="auto">
-          <a:xfrm>
-            <a:off x="910548" y="4240382"/>
-            <a:ext cx="7981950" cy="2114550"/>
-          </a:xfrm>
-          <a:prstGeom prst="rect">
-            <a:avLst/>
-          </a:prstGeom>
-          <a:noFill/>
-          <a:extLst>
-            <a:ext uri="{909E8E84-426E-40DD-AFC4-6F175D3DCCD1}">
-              <a14:hiddenFill xmlns:a14="http://schemas.microsoft.com/office/drawing/2010/main">
-                <a:solidFill>
-                  <a:srgbClr val="FFFFFF"/>
-                </a:solidFill>
-              </a14:hiddenFill>
-            </a:ext>
-          </a:extLst>
-        </p:spPr>
-      </p:pic>
     </p:spTree>
     <p:extLst>
       <p:ext uri="{BB962C8B-B14F-4D97-AF65-F5344CB8AC3E}">
-        <p14:creationId xmlns:p14="http://schemas.microsoft.com/office/powerpoint/2010/main" val="3166393523"/>
+        <p14:creationId xmlns:p14="http://schemas.microsoft.com/office/powerpoint/2010/main" val="1039141017"/>
       </p:ext>
     </p:extLst>
   </p:cSld>
@@ -47475,470 +48504,71 @@
       </p:grpSpPr>
       <p:sp>
         <p:nvSpPr>
-          <p:cNvPr id="2" name="内容占位符 2">
+          <p:cNvPr id="2" name="标题 1">
             <a:extLst>
               <a:ext uri="{FF2B5EF4-FFF2-40B4-BE49-F238E27FC236}">
-                <a16:creationId xmlns:a16="http://schemas.microsoft.com/office/drawing/2014/main" id="{BBC40F1C-0FA7-A598-2205-D06E10388BD3}"/>
+                <a16:creationId xmlns:a16="http://schemas.microsoft.com/office/drawing/2014/main" id="{5CD6EAEE-617E-9C50-04C0-56134F99D927}"/>
               </a:ext>
             </a:extLst>
           </p:cNvPr>
-          <p:cNvSpPr txBox="1">
-            <a:spLocks/>
+          <p:cNvSpPr>
+            <a:spLocks noGrp="1"/>
           </p:cNvSpPr>
+          <p:nvPr>
+            <p:ph type="title"/>
+          </p:nvPr>
+        </p:nvSpPr>
+        <p:spPr/>
+        <p:txBody>
+          <a:bodyPr/>
+          <a:lstStyle/>
+          <a:p>
+            <a:r>
+              <a:rPr lang="en-US" altLang="zh-CN" b="1" dirty="0"/>
+              <a:t>4.Probe</a:t>
+            </a:r>
+            <a:r>
+              <a:rPr lang="zh-CN" altLang="en-US" sz="3600" b="1" dirty="0"/>
+              <a:t>类型</a:t>
+            </a:r>
+            <a:endParaRPr lang="zh-CN" altLang="en-US" dirty="0"/>
+          </a:p>
+        </p:txBody>
+      </p:sp>
+      <p:pic>
+        <p:nvPicPr>
+          <p:cNvPr id="9" name="图片 8">
+            <a:extLst>
+              <a:ext uri="{FF2B5EF4-FFF2-40B4-BE49-F238E27FC236}">
+                <a16:creationId xmlns:a16="http://schemas.microsoft.com/office/drawing/2014/main" id="{4FD41EE5-7541-371F-02CC-99BCA1C9669A}"/>
+              </a:ext>
+            </a:extLst>
+          </p:cNvPr>
+          <p:cNvPicPr>
+            <a:picLocks noChangeAspect="1"/>
+          </p:cNvPicPr>
           <p:nvPr/>
-        </p:nvSpPr>
+        </p:nvPicPr>
+        <p:blipFill>
+          <a:blip r:embed="rId2"/>
+          <a:stretch>
+            <a:fillRect/>
+          </a:stretch>
+        </p:blipFill>
         <p:spPr>
           <a:xfrm>
-            <a:off x="677334" y="2194621"/>
-            <a:ext cx="8596668" cy="3709029"/>
+            <a:off x="781234" y="1677370"/>
+            <a:ext cx="8913181" cy="4794451"/>
           </a:xfrm>
           <a:prstGeom prst="rect">
             <a:avLst/>
           </a:prstGeom>
         </p:spPr>
-        <p:txBody>
-          <a:bodyPr>
-            <a:normAutofit/>
-          </a:bodyPr>
-          <a:lstStyle>
-            <a:lvl1pPr marL="342900" indent="-342900" algn="l" defTabSz="457200" rtl="0" eaLnBrk="1" latinLnBrk="0" hangingPunct="1">
-              <a:spcBef>
-                <a:spcPts val="1000"/>
-              </a:spcBef>
-              <a:spcAft>
-                <a:spcPts val="0"/>
-              </a:spcAft>
-              <a:buClr>
-                <a:schemeClr val="accent1"/>
-              </a:buClr>
-              <a:buSzPct val="80000"/>
-              <a:buFont typeface="Wingdings 3" charset="2"/>
-              <a:buChar char=""/>
-              <a:defRPr sz="1800" kern="1200">
-                <a:solidFill>
-                  <a:schemeClr val="tx1">
-                    <a:lumMod val="75000"/>
-                    <a:lumOff val="25000"/>
-                  </a:schemeClr>
-                </a:solidFill>
-                <a:latin typeface="+mn-lt"/>
-                <a:ea typeface="+mn-ea"/>
-                <a:cs typeface="+mn-cs"/>
-              </a:defRPr>
-            </a:lvl1pPr>
-            <a:lvl2pPr marL="742950" indent="-285750" algn="l" defTabSz="457200" rtl="0" eaLnBrk="1" latinLnBrk="0" hangingPunct="1">
-              <a:spcBef>
-                <a:spcPts val="1000"/>
-              </a:spcBef>
-              <a:spcAft>
-                <a:spcPts val="0"/>
-              </a:spcAft>
-              <a:buClr>
-                <a:schemeClr val="accent1"/>
-              </a:buClr>
-              <a:buSzPct val="80000"/>
-              <a:buFont typeface="Wingdings 3" charset="2"/>
-              <a:buChar char=""/>
-              <a:defRPr sz="1600" kern="1200">
-                <a:solidFill>
-                  <a:schemeClr val="tx1">
-                    <a:lumMod val="75000"/>
-                    <a:lumOff val="25000"/>
-                  </a:schemeClr>
-                </a:solidFill>
-                <a:latin typeface="+mn-lt"/>
-                <a:ea typeface="+mn-ea"/>
-                <a:cs typeface="+mn-cs"/>
-              </a:defRPr>
-            </a:lvl2pPr>
-            <a:lvl3pPr marL="1143000" indent="-228600" algn="l" defTabSz="457200" rtl="0" eaLnBrk="1" latinLnBrk="0" hangingPunct="1">
-              <a:spcBef>
-                <a:spcPts val="1000"/>
-              </a:spcBef>
-              <a:spcAft>
-                <a:spcPts val="0"/>
-              </a:spcAft>
-              <a:buClr>
-                <a:schemeClr val="accent1"/>
-              </a:buClr>
-              <a:buSzPct val="80000"/>
-              <a:buFont typeface="Wingdings 3" charset="2"/>
-              <a:buChar char=""/>
-              <a:defRPr sz="1400" kern="1200">
-                <a:solidFill>
-                  <a:schemeClr val="tx1">
-                    <a:lumMod val="75000"/>
-                    <a:lumOff val="25000"/>
-                  </a:schemeClr>
-                </a:solidFill>
-                <a:latin typeface="+mn-lt"/>
-                <a:ea typeface="+mn-ea"/>
-                <a:cs typeface="+mn-cs"/>
-              </a:defRPr>
-            </a:lvl3pPr>
-            <a:lvl4pPr marL="1600200" indent="-228600" algn="l" defTabSz="457200" rtl="0" eaLnBrk="1" latinLnBrk="0" hangingPunct="1">
-              <a:spcBef>
-                <a:spcPts val="1000"/>
-              </a:spcBef>
-              <a:spcAft>
-                <a:spcPts val="0"/>
-              </a:spcAft>
-              <a:buClr>
-                <a:schemeClr val="accent1"/>
-              </a:buClr>
-              <a:buSzPct val="80000"/>
-              <a:buFont typeface="Wingdings 3" charset="2"/>
-              <a:buChar char=""/>
-              <a:defRPr sz="1200" kern="1200">
-                <a:solidFill>
-                  <a:schemeClr val="tx1">
-                    <a:lumMod val="75000"/>
-                    <a:lumOff val="25000"/>
-                  </a:schemeClr>
-                </a:solidFill>
-                <a:latin typeface="+mn-lt"/>
-                <a:ea typeface="+mn-ea"/>
-                <a:cs typeface="+mn-cs"/>
-              </a:defRPr>
-            </a:lvl4pPr>
-            <a:lvl5pPr marL="2057400" indent="-228600" algn="l" defTabSz="457200" rtl="0" eaLnBrk="1" latinLnBrk="0" hangingPunct="1">
-              <a:spcBef>
-                <a:spcPts val="1000"/>
-              </a:spcBef>
-              <a:spcAft>
-                <a:spcPts val="0"/>
-              </a:spcAft>
-              <a:buClr>
-                <a:schemeClr val="accent1"/>
-              </a:buClr>
-              <a:buSzPct val="80000"/>
-              <a:buFont typeface="Wingdings 3" charset="2"/>
-              <a:buChar char=""/>
-              <a:defRPr sz="1200" kern="1200">
-                <a:solidFill>
-                  <a:schemeClr val="tx1">
-                    <a:lumMod val="75000"/>
-                    <a:lumOff val="25000"/>
-                  </a:schemeClr>
-                </a:solidFill>
-                <a:latin typeface="+mn-lt"/>
-                <a:ea typeface="+mn-ea"/>
-                <a:cs typeface="+mn-cs"/>
-              </a:defRPr>
-            </a:lvl5pPr>
-            <a:lvl6pPr marL="2514600" indent="-228600" algn="l" defTabSz="457200" rtl="0" eaLnBrk="1" latinLnBrk="0" hangingPunct="1">
-              <a:spcBef>
-                <a:spcPts val="1000"/>
-              </a:spcBef>
-              <a:spcAft>
-                <a:spcPts val="0"/>
-              </a:spcAft>
-              <a:buClr>
-                <a:schemeClr val="accent1"/>
-              </a:buClr>
-              <a:buSzPct val="80000"/>
-              <a:buFont typeface="Wingdings 3" charset="2"/>
-              <a:buChar char=""/>
-              <a:defRPr sz="1200" kern="1200">
-                <a:solidFill>
-                  <a:schemeClr val="tx1">
-                    <a:lumMod val="75000"/>
-                    <a:lumOff val="25000"/>
-                  </a:schemeClr>
-                </a:solidFill>
-                <a:latin typeface="+mn-lt"/>
-                <a:ea typeface="+mn-ea"/>
-                <a:cs typeface="+mn-cs"/>
-              </a:defRPr>
-            </a:lvl6pPr>
-            <a:lvl7pPr marL="2971800" indent="-228600" algn="l" defTabSz="457200" rtl="0" eaLnBrk="1" latinLnBrk="0" hangingPunct="1">
-              <a:spcBef>
-                <a:spcPts val="1000"/>
-              </a:spcBef>
-              <a:spcAft>
-                <a:spcPts val="0"/>
-              </a:spcAft>
-              <a:buClr>
-                <a:schemeClr val="accent1"/>
-              </a:buClr>
-              <a:buSzPct val="80000"/>
-              <a:buFont typeface="Wingdings 3" charset="2"/>
-              <a:buChar char=""/>
-              <a:defRPr sz="1200" kern="1200">
-                <a:solidFill>
-                  <a:schemeClr val="tx1">
-                    <a:lumMod val="75000"/>
-                    <a:lumOff val="25000"/>
-                  </a:schemeClr>
-                </a:solidFill>
-                <a:latin typeface="+mn-lt"/>
-                <a:ea typeface="+mn-ea"/>
-                <a:cs typeface="+mn-cs"/>
-              </a:defRPr>
-            </a:lvl7pPr>
-            <a:lvl8pPr marL="3429000" indent="-228600" algn="l" defTabSz="457200" rtl="0" eaLnBrk="1" latinLnBrk="0" hangingPunct="1">
-              <a:spcBef>
-                <a:spcPts val="1000"/>
-              </a:spcBef>
-              <a:spcAft>
-                <a:spcPts val="0"/>
-              </a:spcAft>
-              <a:buClr>
-                <a:schemeClr val="accent1"/>
-              </a:buClr>
-              <a:buSzPct val="80000"/>
-              <a:buFont typeface="Wingdings 3" charset="2"/>
-              <a:buChar char=""/>
-              <a:defRPr sz="1200" kern="1200">
-                <a:solidFill>
-                  <a:schemeClr val="tx1">
-                    <a:lumMod val="75000"/>
-                    <a:lumOff val="25000"/>
-                  </a:schemeClr>
-                </a:solidFill>
-                <a:latin typeface="+mn-lt"/>
-                <a:ea typeface="+mn-ea"/>
-                <a:cs typeface="+mn-cs"/>
-              </a:defRPr>
-            </a:lvl8pPr>
-            <a:lvl9pPr marL="3886200" indent="-228600" algn="l" defTabSz="457200" rtl="0" eaLnBrk="1" latinLnBrk="0" hangingPunct="1">
-              <a:spcBef>
-                <a:spcPts val="1000"/>
-              </a:spcBef>
-              <a:spcAft>
-                <a:spcPts val="0"/>
-              </a:spcAft>
-              <a:buClr>
-                <a:schemeClr val="accent1"/>
-              </a:buClr>
-              <a:buSzPct val="80000"/>
-              <a:buFont typeface="Wingdings 3" charset="2"/>
-              <a:buChar char=""/>
-              <a:defRPr sz="1200" kern="1200">
-                <a:solidFill>
-                  <a:schemeClr val="tx1">
-                    <a:lumMod val="75000"/>
-                    <a:lumOff val="25000"/>
-                  </a:schemeClr>
-                </a:solidFill>
-                <a:latin typeface="+mn-lt"/>
-                <a:ea typeface="+mn-ea"/>
-                <a:cs typeface="+mn-cs"/>
-              </a:defRPr>
-            </a:lvl9pPr>
-          </a:lstStyle>
-          <a:p>
-            <a:pPr>
-              <a:lnSpc>
-                <a:spcPct val="150000"/>
-              </a:lnSpc>
-            </a:pPr>
-            <a:r>
-              <a:rPr lang="en-US" altLang="zh-CN" dirty="0"/>
-              <a:t>Waiting </a:t>
-            </a:r>
-            <a:r>
-              <a:rPr lang="zh-CN" altLang="en-US" dirty="0"/>
-              <a:t>如果容器并不处在 </a:t>
-            </a:r>
-            <a:r>
-              <a:rPr lang="en-US" altLang="zh-CN" dirty="0"/>
-              <a:t>Running </a:t>
-            </a:r>
-            <a:r>
-              <a:rPr lang="zh-CN" altLang="en-US" dirty="0"/>
-              <a:t>或 </a:t>
-            </a:r>
-            <a:r>
-              <a:rPr lang="en-US" altLang="zh-CN" dirty="0"/>
-              <a:t>Terminated </a:t>
-            </a:r>
-            <a:r>
-              <a:rPr lang="zh-CN" altLang="en-US" dirty="0"/>
-              <a:t>状态之一，它就处在 </a:t>
-            </a:r>
-            <a:r>
-              <a:rPr lang="en-US" altLang="zh-CN" dirty="0"/>
-              <a:t>Waiting </a:t>
-            </a:r>
-            <a:r>
-              <a:rPr lang="zh-CN" altLang="en-US" dirty="0"/>
-              <a:t>状态。 处于 </a:t>
-            </a:r>
-            <a:r>
-              <a:rPr lang="en-US" altLang="zh-CN" dirty="0"/>
-              <a:t>Waiting </a:t>
-            </a:r>
-            <a:r>
-              <a:rPr lang="zh-CN" altLang="en-US" dirty="0"/>
-              <a:t>状态的容器仍在运行它完成启动所需要的操作：例如，从某个容器镜像 仓库拉取容器镜像，或者向容器应用 </a:t>
-            </a:r>
-            <a:r>
-              <a:rPr lang="en-US" altLang="zh-CN" dirty="0"/>
-              <a:t>Secret </a:t>
-            </a:r>
-            <a:r>
-              <a:rPr lang="zh-CN" altLang="en-US" dirty="0"/>
-              <a:t>数据等等。</a:t>
-            </a:r>
-          </a:p>
-          <a:p>
-            <a:pPr>
-              <a:lnSpc>
-                <a:spcPct val="150000"/>
-              </a:lnSpc>
-            </a:pPr>
-            <a:r>
-              <a:rPr lang="en-US" altLang="zh-CN" dirty="0"/>
-              <a:t>Running </a:t>
-            </a:r>
-            <a:r>
-              <a:rPr lang="zh-CN" altLang="en-US" dirty="0"/>
-              <a:t>状态表明容器正在执行状态并且没有问题发生。</a:t>
-            </a:r>
-          </a:p>
-          <a:p>
-            <a:pPr>
-              <a:lnSpc>
-                <a:spcPct val="150000"/>
-              </a:lnSpc>
-            </a:pPr>
-            <a:r>
-              <a:rPr lang="en-US" altLang="zh-CN" dirty="0"/>
-              <a:t>Terminated </a:t>
-            </a:r>
-            <a:r>
-              <a:rPr lang="zh-CN" altLang="en-US" dirty="0"/>
-              <a:t>处于 </a:t>
-            </a:r>
-            <a:r>
-              <a:rPr lang="en-US" altLang="zh-CN" dirty="0"/>
-              <a:t>Terminated </a:t>
-            </a:r>
-            <a:r>
-              <a:rPr lang="zh-CN" altLang="en-US" dirty="0"/>
-              <a:t>状态的容器已经开始执行并且或者正常结束或者因为某些原因失败。</a:t>
-            </a:r>
-          </a:p>
-        </p:txBody>
-      </p:sp>
-      <p:sp>
-        <p:nvSpPr>
-          <p:cNvPr id="4" name="标题 1">
-            <a:extLst>
-              <a:ext uri="{FF2B5EF4-FFF2-40B4-BE49-F238E27FC236}">
-                <a16:creationId xmlns:a16="http://schemas.microsoft.com/office/drawing/2014/main" id="{15483FD6-1CF1-005F-DC6F-138AFA0E7CB0}"/>
-              </a:ext>
-            </a:extLst>
-          </p:cNvPr>
-          <p:cNvSpPr txBox="1">
-            <a:spLocks/>
-          </p:cNvSpPr>
-          <p:nvPr/>
-        </p:nvSpPr>
-        <p:spPr>
-          <a:xfrm>
-            <a:off x="677334" y="609600"/>
-            <a:ext cx="8596668" cy="1320800"/>
-          </a:xfrm>
-          <a:prstGeom prst="rect">
-            <a:avLst/>
-          </a:prstGeom>
-        </p:spPr>
-        <p:txBody>
-          <a:bodyPr/>
-          <a:lstStyle>
-            <a:lvl1pPr algn="l" defTabSz="457200" rtl="0" eaLnBrk="1" latinLnBrk="0" hangingPunct="1">
-              <a:spcBef>
-                <a:spcPct val="0"/>
-              </a:spcBef>
-              <a:buNone/>
-              <a:defRPr sz="3600" kern="1200">
-                <a:solidFill>
-                  <a:schemeClr val="accent1"/>
-                </a:solidFill>
-                <a:latin typeface="+mj-lt"/>
-                <a:ea typeface="+mj-ea"/>
-                <a:cs typeface="+mj-cs"/>
-              </a:defRPr>
-            </a:lvl1pPr>
-            <a:lvl2pPr eaLnBrk="1" hangingPunct="1">
-              <a:defRPr>
-                <a:solidFill>
-                  <a:schemeClr val="tx2"/>
-                </a:solidFill>
-              </a:defRPr>
-            </a:lvl2pPr>
-            <a:lvl3pPr eaLnBrk="1" hangingPunct="1">
-              <a:defRPr>
-                <a:solidFill>
-                  <a:schemeClr val="tx2"/>
-                </a:solidFill>
-              </a:defRPr>
-            </a:lvl3pPr>
-            <a:lvl4pPr eaLnBrk="1" hangingPunct="1">
-              <a:defRPr>
-                <a:solidFill>
-                  <a:schemeClr val="tx2"/>
-                </a:solidFill>
-              </a:defRPr>
-            </a:lvl4pPr>
-            <a:lvl5pPr eaLnBrk="1" hangingPunct="1">
-              <a:defRPr>
-                <a:solidFill>
-                  <a:schemeClr val="tx2"/>
-                </a:solidFill>
-              </a:defRPr>
-            </a:lvl5pPr>
-            <a:lvl6pPr eaLnBrk="1" hangingPunct="1">
-              <a:defRPr>
-                <a:solidFill>
-                  <a:schemeClr val="tx2"/>
-                </a:solidFill>
-              </a:defRPr>
-            </a:lvl6pPr>
-            <a:lvl7pPr eaLnBrk="1" hangingPunct="1">
-              <a:defRPr>
-                <a:solidFill>
-                  <a:schemeClr val="tx2"/>
-                </a:solidFill>
-              </a:defRPr>
-            </a:lvl7pPr>
-            <a:lvl8pPr eaLnBrk="1" hangingPunct="1">
-              <a:defRPr>
-                <a:solidFill>
-                  <a:schemeClr val="tx2"/>
-                </a:solidFill>
-              </a:defRPr>
-            </a:lvl8pPr>
-            <a:lvl9pPr eaLnBrk="1" hangingPunct="1">
-              <a:defRPr>
-                <a:solidFill>
-                  <a:schemeClr val="tx2"/>
-                </a:solidFill>
-              </a:defRPr>
-            </a:lvl9pPr>
-          </a:lstStyle>
-          <a:p>
-            <a:r>
-              <a:rPr lang="en-US" altLang="zh-CN" b="1" dirty="0"/>
-              <a:t>2.Container </a:t>
-            </a:r>
-            <a:r>
-              <a:rPr lang="zh-CN" altLang="en-US" b="1" dirty="0"/>
-              <a:t>状态描述</a:t>
-            </a:r>
-            <a:br>
-              <a:rPr lang="en-US" altLang="zh-CN" b="1" dirty="0"/>
-            </a:br>
-            <a:endParaRPr lang="zh-CN" altLang="en-US" dirty="0"/>
-          </a:p>
-        </p:txBody>
-      </p:sp>
+      </p:pic>
     </p:spTree>
     <p:extLst>
       <p:ext uri="{BB962C8B-B14F-4D97-AF65-F5344CB8AC3E}">
-        <p14:creationId xmlns:p14="http://schemas.microsoft.com/office/powerpoint/2010/main" val="3493146579"/>
+        <p14:creationId xmlns:p14="http://schemas.microsoft.com/office/powerpoint/2010/main" val="3551281217"/>
       </p:ext>
     </p:extLst>
   </p:cSld>
@@ -47949,6 +48579,833 @@
 </file>
 
 <file path=ppt/slides/slide25.xml><?xml version="1.0" encoding="utf-8"?>
+<p:sld xmlns:a="http://schemas.openxmlformats.org/drawingml/2006/main" xmlns:r="http://schemas.openxmlformats.org/officeDocument/2006/relationships" xmlns:p="http://schemas.openxmlformats.org/presentationml/2006/main">
+  <p:cSld>
+    <p:spTree>
+      <p:nvGrpSpPr>
+        <p:cNvPr id="1" name=""/>
+        <p:cNvGrpSpPr/>
+        <p:nvPr/>
+      </p:nvGrpSpPr>
+      <p:grpSpPr>
+        <a:xfrm>
+          <a:off x="0" y="0"/>
+          <a:ext cx="0" cy="0"/>
+          <a:chOff x="0" y="0"/>
+          <a:chExt cx="0" cy="0"/>
+        </a:xfrm>
+      </p:grpSpPr>
+      <p:sp>
+        <p:nvSpPr>
+          <p:cNvPr id="2" name="标题 1">
+            <a:extLst>
+              <a:ext uri="{FF2B5EF4-FFF2-40B4-BE49-F238E27FC236}">
+                <a16:creationId xmlns:a16="http://schemas.microsoft.com/office/drawing/2014/main" id="{CC94A0CF-C161-4F03-3AAB-36F697E257B0}"/>
+              </a:ext>
+            </a:extLst>
+          </p:cNvPr>
+          <p:cNvSpPr>
+            <a:spLocks noGrp="1"/>
+          </p:cNvSpPr>
+          <p:nvPr>
+            <p:ph type="title"/>
+          </p:nvPr>
+        </p:nvSpPr>
+        <p:spPr/>
+        <p:txBody>
+          <a:bodyPr/>
+          <a:lstStyle/>
+          <a:p>
+            <a:r>
+              <a:rPr lang="en-US" altLang="zh-CN" b="1" dirty="0"/>
+              <a:t>Probe</a:t>
+            </a:r>
+            <a:r>
+              <a:rPr lang="en-US" altLang="zh-CN" sz="3600" b="1" dirty="0"/>
+              <a:t> </a:t>
+            </a:r>
+            <a:r>
+              <a:rPr lang="zh-CN" altLang="en-US" b="1" dirty="0"/>
+              <a:t>检查机制</a:t>
+            </a:r>
+            <a:endParaRPr lang="zh-CN" altLang="en-US" dirty="0"/>
+          </a:p>
+        </p:txBody>
+      </p:sp>
+      <p:pic>
+        <p:nvPicPr>
+          <p:cNvPr id="5" name="内容占位符 4">
+            <a:extLst>
+              <a:ext uri="{FF2B5EF4-FFF2-40B4-BE49-F238E27FC236}">
+                <a16:creationId xmlns:a16="http://schemas.microsoft.com/office/drawing/2014/main" id="{9E9A692A-7E67-2CFD-FEAD-4E9E30599B74}"/>
+              </a:ext>
+            </a:extLst>
+          </p:cNvPr>
+          <p:cNvPicPr>
+            <a:picLocks noGrp="1" noChangeAspect="1"/>
+          </p:cNvPicPr>
+          <p:nvPr>
+            <p:ph sz="half" idx="1"/>
+          </p:nvPr>
+        </p:nvPicPr>
+        <p:blipFill>
+          <a:blip r:embed="rId2"/>
+          <a:stretch>
+            <a:fillRect/>
+          </a:stretch>
+        </p:blipFill>
+        <p:spPr>
+          <a:xfrm>
+            <a:off x="715507" y="2160588"/>
+            <a:ext cx="4107773" cy="3881437"/>
+          </a:xfrm>
+        </p:spPr>
+      </p:pic>
+      <p:sp>
+        <p:nvSpPr>
+          <p:cNvPr id="3" name="内容占位符 2">
+            <a:extLst>
+              <a:ext uri="{FF2B5EF4-FFF2-40B4-BE49-F238E27FC236}">
+                <a16:creationId xmlns:a16="http://schemas.microsoft.com/office/drawing/2014/main" id="{B0AC7653-2617-60AB-98BE-D87E25854964}"/>
+              </a:ext>
+            </a:extLst>
+          </p:cNvPr>
+          <p:cNvSpPr>
+            <a:spLocks noGrp="1"/>
+          </p:cNvSpPr>
+          <p:nvPr>
+            <p:ph sz="half" idx="2"/>
+          </p:nvPr>
+        </p:nvSpPr>
+        <p:spPr/>
+        <p:txBody>
+          <a:bodyPr>
+            <a:normAutofit fontScale="92500" lnSpcReduction="10000"/>
+          </a:bodyPr>
+          <a:lstStyle/>
+          <a:p>
+            <a:pPr algn="l">
+              <a:buFont typeface="Arial" panose="020B0604020202020204" pitchFamily="34" charset="0"/>
+              <a:buChar char="•"/>
+            </a:pPr>
+            <a:r>
+              <a:rPr lang="en-US" altLang="zh-CN" b="1" i="0" dirty="0">
+                <a:solidFill>
+                  <a:srgbClr val="222222"/>
+                </a:solidFill>
+                <a:effectLst/>
+                <a:latin typeface="Inter"/>
+              </a:rPr>
+              <a:t>Exec</a:t>
+            </a:r>
+            <a:r>
+              <a:rPr lang="zh-CN" altLang="en-US" b="1" i="0" dirty="0">
+                <a:solidFill>
+                  <a:srgbClr val="222222"/>
+                </a:solidFill>
+                <a:effectLst/>
+                <a:latin typeface="Inter"/>
+              </a:rPr>
+              <a:t>：</a:t>
+            </a:r>
+            <a:r>
+              <a:rPr lang="zh-CN" altLang="en-US" b="0" i="0" dirty="0">
+                <a:solidFill>
+                  <a:srgbClr val="222222"/>
+                </a:solidFill>
+                <a:effectLst/>
+                <a:latin typeface="Inter"/>
+              </a:rPr>
+              <a:t>探针在容器内运行命令。如果命令以</a:t>
+            </a:r>
+            <a:r>
+              <a:rPr lang="en-US" altLang="zh-CN" b="0" i="0" dirty="0">
+                <a:solidFill>
+                  <a:srgbClr val="000000"/>
+                </a:solidFill>
+                <a:effectLst/>
+                <a:latin typeface="Courier New" panose="02070309020205020404" pitchFamily="49" charset="0"/>
+              </a:rPr>
+              <a:t>0</a:t>
+            </a:r>
+            <a:r>
+              <a:rPr lang="zh-CN" altLang="en-US" b="0" i="0" dirty="0">
+                <a:solidFill>
+                  <a:srgbClr val="222222"/>
+                </a:solidFill>
+                <a:effectLst/>
+                <a:latin typeface="Inter"/>
+              </a:rPr>
+              <a:t>作为其退出代码终止，则认为探测成功。</a:t>
+            </a:r>
+          </a:p>
+          <a:p>
+            <a:pPr algn="l">
+              <a:buFont typeface="Arial" panose="020B0604020202020204" pitchFamily="34" charset="0"/>
+              <a:buChar char="•"/>
+            </a:pPr>
+            <a:r>
+              <a:rPr lang="en-US" altLang="zh-CN" b="1" i="0" dirty="0">
+                <a:solidFill>
+                  <a:srgbClr val="222222"/>
+                </a:solidFill>
+                <a:effectLst/>
+                <a:latin typeface="Inter"/>
+              </a:rPr>
+              <a:t>HTTP</a:t>
+            </a:r>
+            <a:r>
+              <a:rPr lang="zh-CN" altLang="en-US" b="1" i="0" dirty="0">
+                <a:solidFill>
+                  <a:srgbClr val="222222"/>
+                </a:solidFill>
+                <a:effectLst/>
+                <a:latin typeface="Inter"/>
+              </a:rPr>
+              <a:t>：</a:t>
+            </a:r>
+            <a:r>
+              <a:rPr lang="zh-CN" altLang="en-US" b="0" i="0" dirty="0">
+                <a:solidFill>
+                  <a:srgbClr val="222222"/>
+                </a:solidFill>
+                <a:effectLst/>
+                <a:latin typeface="Inter"/>
+              </a:rPr>
+              <a:t>探测器针对容器中的 </a:t>
+            </a:r>
+            <a:r>
+              <a:rPr lang="en-US" altLang="zh-CN" b="0" i="0" dirty="0">
+                <a:solidFill>
+                  <a:srgbClr val="222222"/>
+                </a:solidFill>
+                <a:effectLst/>
+                <a:latin typeface="Inter"/>
+              </a:rPr>
+              <a:t>URL</a:t>
+            </a:r>
+            <a:r>
+              <a:rPr lang="zh-CN" altLang="en-US" b="0" i="0" dirty="0">
+                <a:solidFill>
+                  <a:srgbClr val="222222"/>
+                </a:solidFill>
+                <a:effectLst/>
+                <a:latin typeface="Inter"/>
+              </a:rPr>
+              <a:t>发出 </a:t>
+            </a:r>
+            <a:r>
+              <a:rPr lang="en-US" altLang="zh-CN" b="0" i="0" dirty="0">
+                <a:solidFill>
+                  <a:srgbClr val="222222"/>
+                </a:solidFill>
+                <a:effectLst/>
+                <a:latin typeface="Inter"/>
+              </a:rPr>
+              <a:t>HTTP </a:t>
+            </a:r>
+            <a:r>
+              <a:rPr lang="en-US" altLang="zh-CN" b="0" i="0" dirty="0">
+                <a:solidFill>
+                  <a:srgbClr val="000000"/>
+                </a:solidFill>
+                <a:effectLst/>
+                <a:latin typeface="Courier New" panose="02070309020205020404" pitchFamily="49" charset="0"/>
+              </a:rPr>
+              <a:t>GET</a:t>
+            </a:r>
+            <a:r>
+              <a:rPr lang="zh-CN" altLang="en-US" b="0" i="0" dirty="0">
+                <a:solidFill>
+                  <a:srgbClr val="000000"/>
+                </a:solidFill>
+                <a:effectLst/>
+                <a:latin typeface="Courier New" panose="02070309020205020404" pitchFamily="49" charset="0"/>
+              </a:rPr>
+              <a:t>请求。</a:t>
+            </a:r>
+            <a:r>
+              <a:rPr lang="zh-CN" altLang="en-US" b="0" i="0" dirty="0">
+                <a:solidFill>
+                  <a:srgbClr val="222222"/>
+                </a:solidFill>
+                <a:effectLst/>
+                <a:latin typeface="Inter"/>
+              </a:rPr>
+              <a:t>当容器的响应具有 </a:t>
+            </a:r>
+            <a:r>
+              <a:rPr lang="en-US" altLang="zh-CN" b="0" i="0" dirty="0">
+                <a:solidFill>
+                  <a:srgbClr val="222222"/>
+                </a:solidFill>
+                <a:effectLst/>
+                <a:latin typeface="Inter"/>
+              </a:rPr>
+              <a:t>200-399 </a:t>
+            </a:r>
+            <a:r>
+              <a:rPr lang="zh-CN" altLang="en-US" b="0" i="0" dirty="0">
+                <a:solidFill>
+                  <a:srgbClr val="222222"/>
+                </a:solidFill>
+                <a:effectLst/>
+                <a:latin typeface="Inter"/>
+              </a:rPr>
+              <a:t>范围内的 </a:t>
+            </a:r>
+            <a:r>
+              <a:rPr lang="en-US" altLang="zh-CN" b="0" i="0" dirty="0">
+                <a:solidFill>
+                  <a:srgbClr val="222222"/>
+                </a:solidFill>
+                <a:effectLst/>
+                <a:latin typeface="Inter"/>
+              </a:rPr>
+              <a:t>HTTP </a:t>
+            </a:r>
+            <a:r>
+              <a:rPr lang="zh-CN" altLang="en-US" b="0" i="0" dirty="0">
+                <a:solidFill>
+                  <a:srgbClr val="222222"/>
+                </a:solidFill>
+                <a:effectLst/>
+                <a:latin typeface="Inter"/>
+              </a:rPr>
+              <a:t>状态代码时，探测成功。</a:t>
+            </a:r>
+          </a:p>
+          <a:p>
+            <a:pPr algn="l">
+              <a:buFont typeface="Arial" panose="020B0604020202020204" pitchFamily="34" charset="0"/>
+              <a:buChar char="•"/>
+            </a:pPr>
+            <a:r>
+              <a:rPr lang="en-US" altLang="zh-CN" b="1" i="0" dirty="0">
+                <a:solidFill>
+                  <a:srgbClr val="222222"/>
+                </a:solidFill>
+                <a:effectLst/>
+                <a:latin typeface="Inter"/>
+              </a:rPr>
+              <a:t>TCP</a:t>
+            </a:r>
+            <a:r>
+              <a:rPr lang="zh-CN" altLang="en-US" b="1" i="0" dirty="0">
+                <a:solidFill>
+                  <a:srgbClr val="222222"/>
+                </a:solidFill>
+                <a:effectLst/>
+                <a:latin typeface="Inter"/>
+              </a:rPr>
+              <a:t>：</a:t>
+            </a:r>
+            <a:r>
+              <a:rPr lang="zh-CN" altLang="en-US" b="0" i="0" dirty="0">
+                <a:solidFill>
+                  <a:srgbClr val="222222"/>
+                </a:solidFill>
+                <a:effectLst/>
+                <a:latin typeface="Inter"/>
+              </a:rPr>
+              <a:t>探针尝试连接到容器内的特定 </a:t>
+            </a:r>
+            <a:r>
+              <a:rPr lang="en-US" altLang="zh-CN" b="0" i="0" dirty="0">
+                <a:solidFill>
+                  <a:srgbClr val="222222"/>
+                </a:solidFill>
+                <a:effectLst/>
+                <a:latin typeface="Inter"/>
+              </a:rPr>
+              <a:t>TCP </a:t>
+            </a:r>
+            <a:r>
+              <a:rPr lang="zh-CN" altLang="en-US" b="0" i="0" dirty="0">
+                <a:solidFill>
+                  <a:srgbClr val="222222"/>
+                </a:solidFill>
+                <a:effectLst/>
+                <a:latin typeface="Inter"/>
+              </a:rPr>
+              <a:t>端口；如果端口打开，则认为探测成功。</a:t>
+            </a:r>
+          </a:p>
+          <a:p>
+            <a:pPr algn="l">
+              <a:buFont typeface="Arial" panose="020B0604020202020204" pitchFamily="34" charset="0"/>
+              <a:buChar char="•"/>
+            </a:pPr>
+            <a:r>
+              <a:rPr lang="en-US" altLang="zh-CN" b="1" i="0" dirty="0" err="1">
+                <a:solidFill>
+                  <a:srgbClr val="222222"/>
+                </a:solidFill>
+                <a:effectLst/>
+                <a:latin typeface="Inter"/>
+              </a:rPr>
+              <a:t>gRPC</a:t>
+            </a:r>
+            <a:r>
+              <a:rPr lang="zh-CN" altLang="en-US" b="1" i="0" dirty="0">
+                <a:solidFill>
+                  <a:srgbClr val="222222"/>
+                </a:solidFill>
+                <a:effectLst/>
+                <a:latin typeface="Inter"/>
+              </a:rPr>
+              <a:t>：使用</a:t>
+            </a:r>
+            <a:r>
+              <a:rPr lang="en-US" altLang="zh-CN" b="0" i="0" u="sng" dirty="0" err="1">
+                <a:solidFill>
+                  <a:srgbClr val="3C00E2"/>
+                </a:solidFill>
+                <a:effectLst/>
+                <a:latin typeface="Inter"/>
+                <a:hlinkClick r:id="rId3"/>
+              </a:rPr>
+              <a:t>gRPC</a:t>
+            </a:r>
+            <a:r>
+              <a:rPr lang="zh-CN" altLang="en-US" b="0" i="0" dirty="0">
+                <a:solidFill>
+                  <a:srgbClr val="222222"/>
+                </a:solidFill>
+                <a:effectLst/>
+                <a:latin typeface="Inter"/>
+              </a:rPr>
+              <a:t>的应用程序支持</a:t>
+            </a:r>
+            <a:r>
+              <a:rPr lang="en-US" altLang="zh-CN" b="0" i="0" dirty="0" err="1">
+                <a:solidFill>
+                  <a:srgbClr val="222222"/>
+                </a:solidFill>
+                <a:effectLst/>
+                <a:latin typeface="Inter"/>
+              </a:rPr>
+              <a:t>gRPC</a:t>
+            </a:r>
+            <a:r>
+              <a:rPr lang="zh-CN" altLang="en-US" b="0" i="0" u="sng" dirty="0">
+                <a:solidFill>
+                  <a:srgbClr val="3C00E2"/>
+                </a:solidFill>
+                <a:effectLst/>
+                <a:latin typeface="Inter"/>
+                <a:hlinkClick r:id="rId4"/>
+              </a:rPr>
+              <a:t>健康检查</a:t>
+            </a:r>
+            <a:r>
+              <a:rPr lang="zh-CN" altLang="en-US" b="0" i="0" dirty="0">
+                <a:solidFill>
+                  <a:srgbClr val="222222"/>
+                </a:solidFill>
+                <a:effectLst/>
+                <a:latin typeface="Inter"/>
+              </a:rPr>
+              <a:t>探测。这种类型的探针在 </a:t>
+            </a:r>
+            <a:r>
+              <a:rPr lang="en-US" altLang="zh-CN" b="0" i="0" dirty="0">
+                <a:solidFill>
+                  <a:srgbClr val="222222"/>
+                </a:solidFill>
+                <a:effectLst/>
+                <a:latin typeface="Inter"/>
+              </a:rPr>
+              <a:t>Kubernetes v1.23 </a:t>
+            </a:r>
+            <a:r>
+              <a:rPr lang="zh-CN" altLang="en-US" b="0" i="0" dirty="0">
+                <a:solidFill>
+                  <a:srgbClr val="222222"/>
+                </a:solidFill>
+                <a:effectLst/>
+                <a:latin typeface="Inter"/>
+              </a:rPr>
+              <a:t>的 </a:t>
+            </a:r>
+            <a:r>
+              <a:rPr lang="en-US" altLang="zh-CN" b="0" i="0" dirty="0">
+                <a:solidFill>
+                  <a:srgbClr val="222222"/>
+                </a:solidFill>
+                <a:effectLst/>
+                <a:latin typeface="Inter"/>
+              </a:rPr>
+              <a:t>alpha </a:t>
+            </a:r>
+            <a:r>
+              <a:rPr lang="zh-CN" altLang="en-US" b="0" i="0" dirty="0">
+                <a:solidFill>
+                  <a:srgbClr val="222222"/>
+                </a:solidFill>
+                <a:effectLst/>
+                <a:latin typeface="Inter"/>
+              </a:rPr>
+              <a:t>版本中可用。</a:t>
+            </a:r>
+          </a:p>
+          <a:p>
+            <a:endParaRPr lang="zh-CN" altLang="en-US" dirty="0"/>
+          </a:p>
+        </p:txBody>
+      </p:sp>
+    </p:spTree>
+    <p:extLst>
+      <p:ext uri="{BB962C8B-B14F-4D97-AF65-F5344CB8AC3E}">
+        <p14:creationId xmlns:p14="http://schemas.microsoft.com/office/powerpoint/2010/main" val="210326153"/>
+      </p:ext>
+    </p:extLst>
+  </p:cSld>
+  <p:clrMapOvr>
+    <a:masterClrMapping/>
+  </p:clrMapOvr>
+</p:sld>
+</file>
+
+<file path=ppt/slides/slide26.xml><?xml version="1.0" encoding="utf-8"?>
+<p:sld xmlns:a="http://schemas.openxmlformats.org/drawingml/2006/main" xmlns:r="http://schemas.openxmlformats.org/officeDocument/2006/relationships" xmlns:p="http://schemas.openxmlformats.org/presentationml/2006/main">
+  <p:cSld>
+    <p:spTree>
+      <p:nvGrpSpPr>
+        <p:cNvPr id="1" name=""/>
+        <p:cNvGrpSpPr/>
+        <p:nvPr/>
+      </p:nvGrpSpPr>
+      <p:grpSpPr>
+        <a:xfrm>
+          <a:off x="0" y="0"/>
+          <a:ext cx="0" cy="0"/>
+          <a:chOff x="0" y="0"/>
+          <a:chExt cx="0" cy="0"/>
+        </a:xfrm>
+      </p:grpSpPr>
+      <p:sp>
+        <p:nvSpPr>
+          <p:cNvPr id="2" name="标题 1">
+            <a:extLst>
+              <a:ext uri="{FF2B5EF4-FFF2-40B4-BE49-F238E27FC236}">
+                <a16:creationId xmlns:a16="http://schemas.microsoft.com/office/drawing/2014/main" id="{078D8E4F-F754-7E5C-C75C-F173E5902891}"/>
+              </a:ext>
+            </a:extLst>
+          </p:cNvPr>
+          <p:cNvSpPr>
+            <a:spLocks noGrp="1"/>
+          </p:cNvSpPr>
+          <p:nvPr>
+            <p:ph type="title"/>
+          </p:nvPr>
+        </p:nvSpPr>
+        <p:spPr/>
+        <p:txBody>
+          <a:bodyPr/>
+          <a:lstStyle/>
+          <a:p>
+            <a:r>
+              <a:rPr lang="en-US" altLang="zh-CN" dirty="0"/>
+              <a:t>5.Prode </a:t>
+            </a:r>
+            <a:r>
+              <a:rPr lang="zh-CN" altLang="en-US" dirty="0"/>
+              <a:t>示例</a:t>
+            </a:r>
+          </a:p>
+        </p:txBody>
+      </p:sp>
+      <p:sp>
+        <p:nvSpPr>
+          <p:cNvPr id="7" name="内容占位符 6">
+            <a:extLst>
+              <a:ext uri="{FF2B5EF4-FFF2-40B4-BE49-F238E27FC236}">
+                <a16:creationId xmlns:a16="http://schemas.microsoft.com/office/drawing/2014/main" id="{FC832AED-F4F2-D7AD-279C-A5C9AC873E1B}"/>
+              </a:ext>
+            </a:extLst>
+          </p:cNvPr>
+          <p:cNvSpPr>
+            <a:spLocks noGrp="1"/>
+          </p:cNvSpPr>
+          <p:nvPr>
+            <p:ph sz="half" idx="2"/>
+          </p:nvPr>
+        </p:nvSpPr>
+        <p:spPr/>
+        <p:txBody>
+          <a:bodyPr>
+            <a:normAutofit fontScale="85000" lnSpcReduction="10000"/>
+          </a:bodyPr>
+          <a:lstStyle/>
+          <a:p>
+            <a:r>
+              <a:rPr lang="en-US" altLang="zh-CN" b="1" dirty="0" err="1"/>
+              <a:t>initialDelaySeconds</a:t>
+            </a:r>
+            <a:r>
+              <a:rPr lang="en-US" altLang="zh-CN" dirty="0"/>
+              <a:t> </a:t>
+            </a:r>
+            <a:r>
+              <a:rPr lang="zh-CN" altLang="en-US" dirty="0"/>
+              <a:t>：设置容器启动和第一次执行探测之间的延迟。默认为零秒。</a:t>
+            </a:r>
+          </a:p>
+          <a:p>
+            <a:r>
+              <a:rPr lang="en-US" altLang="zh-CN" b="1" dirty="0" err="1"/>
+              <a:t>periodSeconds</a:t>
+            </a:r>
+            <a:r>
+              <a:rPr lang="en-US" altLang="zh-CN" dirty="0"/>
+              <a:t> </a:t>
+            </a:r>
+            <a:r>
+              <a:rPr lang="zh-CN" altLang="en-US" dirty="0"/>
+              <a:t>：定义在初始延迟后执行探测的频率。默认为十秒。</a:t>
+            </a:r>
+          </a:p>
+          <a:p>
+            <a:r>
+              <a:rPr lang="en-US" altLang="zh-CN" b="1" dirty="0" err="1"/>
+              <a:t>timeoutSeconds</a:t>
+            </a:r>
+            <a:r>
+              <a:rPr lang="en-US" altLang="zh-CN" dirty="0"/>
+              <a:t> </a:t>
+            </a:r>
+            <a:r>
+              <a:rPr lang="zh-CN" altLang="en-US" dirty="0"/>
+              <a:t>：每个探测将在这么多秒后超时并被标记为失败。默认为一秒。</a:t>
+            </a:r>
+          </a:p>
+          <a:p>
+            <a:pPr>
+              <a:lnSpc>
+                <a:spcPct val="160000"/>
+              </a:lnSpc>
+            </a:pPr>
+            <a:r>
+              <a:rPr lang="en-US" altLang="zh-CN" b="1" dirty="0" err="1"/>
+              <a:t>failureThreshold</a:t>
+            </a:r>
+            <a:r>
+              <a:rPr lang="zh-CN" altLang="en-US" dirty="0"/>
+              <a:t>：指示</a:t>
+            </a:r>
+            <a:r>
+              <a:rPr lang="en-US" altLang="zh-CN" dirty="0"/>
+              <a:t>Kubernetes</a:t>
+            </a:r>
+            <a:r>
+              <a:rPr lang="zh-CN" altLang="en-US" dirty="0"/>
+              <a:t>在首次记录失败后重试多次。仅当重试也失败时，才会重新启动容器。默认为三个。</a:t>
+            </a:r>
+          </a:p>
+          <a:p>
+            <a:r>
+              <a:rPr lang="en-US" altLang="zh-CN" b="1" dirty="0" err="1"/>
+              <a:t>successThreshold</a:t>
+            </a:r>
+            <a:r>
+              <a:rPr lang="zh-CN" altLang="en-US" dirty="0"/>
+              <a:t>：这设置了将不健康容器恢复为健康状态的标准。这意味着容器必须成功通过此数量的连续活动检查才能再次被视为健康。默认为一个。</a:t>
+            </a:r>
+          </a:p>
+        </p:txBody>
+      </p:sp>
+      <p:graphicFrame>
+        <p:nvGraphicFramePr>
+          <p:cNvPr id="15" name="内容占位符 14">
+            <a:extLst>
+              <a:ext uri="{FF2B5EF4-FFF2-40B4-BE49-F238E27FC236}">
+                <a16:creationId xmlns:a16="http://schemas.microsoft.com/office/drawing/2014/main" id="{714BDD6C-9AD1-8D5A-7A45-36C5F4DDF763}"/>
+              </a:ext>
+            </a:extLst>
+          </p:cNvPr>
+          <p:cNvGraphicFramePr>
+            <a:graphicFrameLocks noGrp="1"/>
+          </p:cNvGraphicFramePr>
+          <p:nvPr>
+            <p:ph sz="half" idx="1"/>
+            <p:extLst>
+              <p:ext uri="{D42A27DB-BD31-4B8C-83A1-F6EECF244321}">
+                <p14:modId xmlns:p14="http://schemas.microsoft.com/office/powerpoint/2010/main" val="2974793345"/>
+              </p:ext>
+            </p:extLst>
+          </p:nvPr>
+        </p:nvGraphicFramePr>
+        <p:xfrm>
+          <a:off x="677334" y="2160589"/>
+          <a:ext cx="4184035" cy="3880772"/>
+        </p:xfrm>
+        <a:graphic>
+          <a:graphicData uri="http://schemas.openxmlformats.org/drawingml/2006/diagram">
+            <dgm:relIds xmlns:dgm="http://schemas.openxmlformats.org/drawingml/2006/diagram" xmlns:r="http://schemas.openxmlformats.org/officeDocument/2006/relationships" r:dm="rId2" r:lo="rId3" r:qs="rId4" r:cs="rId5"/>
+          </a:graphicData>
+        </a:graphic>
+      </p:graphicFrame>
+    </p:spTree>
+    <p:extLst>
+      <p:ext uri="{BB962C8B-B14F-4D97-AF65-F5344CB8AC3E}">
+        <p14:creationId xmlns:p14="http://schemas.microsoft.com/office/powerpoint/2010/main" val="2015076948"/>
+      </p:ext>
+    </p:extLst>
+  </p:cSld>
+  <p:clrMapOvr>
+    <a:masterClrMapping/>
+  </p:clrMapOvr>
+</p:sld>
+</file>
+
+<file path=ppt/slides/slide27.xml><?xml version="1.0" encoding="utf-8"?>
+<p:sld xmlns:a="http://schemas.openxmlformats.org/drawingml/2006/main" xmlns:r="http://schemas.openxmlformats.org/officeDocument/2006/relationships" xmlns:p="http://schemas.openxmlformats.org/presentationml/2006/main">
+  <p:cSld>
+    <p:spTree>
+      <p:nvGrpSpPr>
+        <p:cNvPr id="1" name=""/>
+        <p:cNvGrpSpPr/>
+        <p:nvPr/>
+      </p:nvGrpSpPr>
+      <p:grpSpPr>
+        <a:xfrm>
+          <a:off x="0" y="0"/>
+          <a:ext cx="0" cy="0"/>
+          <a:chOff x="0" y="0"/>
+          <a:chExt cx="0" cy="0"/>
+        </a:xfrm>
+      </p:grpSpPr>
+      <p:sp>
+        <p:nvSpPr>
+          <p:cNvPr id="2" name="标题 1">
+            <a:extLst>
+              <a:ext uri="{FF2B5EF4-FFF2-40B4-BE49-F238E27FC236}">
+                <a16:creationId xmlns:a16="http://schemas.microsoft.com/office/drawing/2014/main" id="{84B590D7-8CEA-FB4B-3C4E-9E85253AD02D}"/>
+              </a:ext>
+            </a:extLst>
+          </p:cNvPr>
+          <p:cNvSpPr>
+            <a:spLocks noGrp="1"/>
+          </p:cNvSpPr>
+          <p:nvPr>
+            <p:ph type="title"/>
+          </p:nvPr>
+        </p:nvSpPr>
+        <p:spPr/>
+        <p:txBody>
+          <a:bodyPr/>
+          <a:lstStyle/>
+          <a:p>
+            <a:r>
+              <a:rPr lang="en-US" altLang="zh-CN" dirty="0"/>
+              <a:t>Pod </a:t>
+            </a:r>
+            <a:r>
+              <a:rPr lang="zh-CN" altLang="en-US" dirty="0"/>
+              <a:t>的删除过程</a:t>
+            </a:r>
+          </a:p>
+        </p:txBody>
+      </p:sp>
+      <p:pic>
+        <p:nvPicPr>
+          <p:cNvPr id="6" name="内容占位符 5">
+            <a:extLst>
+              <a:ext uri="{FF2B5EF4-FFF2-40B4-BE49-F238E27FC236}">
+                <a16:creationId xmlns:a16="http://schemas.microsoft.com/office/drawing/2014/main" id="{F39B8748-051C-7D47-68F4-055653D9FE7B}"/>
+              </a:ext>
+            </a:extLst>
+          </p:cNvPr>
+          <p:cNvPicPr>
+            <a:picLocks noGrp="1" noChangeAspect="1"/>
+          </p:cNvPicPr>
+          <p:nvPr>
+            <p:ph sz="half" idx="1"/>
+          </p:nvPr>
+        </p:nvPicPr>
+        <p:blipFill>
+          <a:blip r:embed="rId2"/>
+          <a:stretch>
+            <a:fillRect/>
+          </a:stretch>
+        </p:blipFill>
+        <p:spPr>
+          <a:xfrm>
+            <a:off x="1690421" y="2160588"/>
+            <a:ext cx="2157945" cy="3881437"/>
+          </a:xfrm>
+        </p:spPr>
+      </p:pic>
+      <p:sp>
+        <p:nvSpPr>
+          <p:cNvPr id="4" name="内容占位符 3">
+            <a:extLst>
+              <a:ext uri="{FF2B5EF4-FFF2-40B4-BE49-F238E27FC236}">
+                <a16:creationId xmlns:a16="http://schemas.microsoft.com/office/drawing/2014/main" id="{A936F1C4-FDF9-7229-507A-16C79F6A680F}"/>
+              </a:ext>
+            </a:extLst>
+          </p:cNvPr>
+          <p:cNvSpPr>
+            <a:spLocks noGrp="1"/>
+          </p:cNvSpPr>
+          <p:nvPr>
+            <p:ph sz="half" idx="2"/>
+          </p:nvPr>
+        </p:nvSpPr>
+        <p:spPr/>
+        <p:txBody>
+          <a:bodyPr/>
+          <a:lstStyle/>
+          <a:p>
+            <a:endParaRPr lang="zh-CN" altLang="en-US"/>
+          </a:p>
+        </p:txBody>
+      </p:sp>
+    </p:spTree>
+    <p:extLst>
+      <p:ext uri="{BB962C8B-B14F-4D97-AF65-F5344CB8AC3E}">
+        <p14:creationId xmlns:p14="http://schemas.microsoft.com/office/powerpoint/2010/main" val="2939024527"/>
+      </p:ext>
+    </p:extLst>
+  </p:cSld>
+  <p:clrMapOvr>
+    <a:masterClrMapping/>
+  </p:clrMapOvr>
+</p:sld>
+</file>
+
+<file path=ppt/slides/slide28.xml><?xml version="1.0" encoding="utf-8"?>
+<p:sld xmlns:a="http://schemas.openxmlformats.org/drawingml/2006/main" xmlns:r="http://schemas.openxmlformats.org/officeDocument/2006/relationships" xmlns:p="http://schemas.openxmlformats.org/presentationml/2006/main">
+  <p:cSld>
+    <p:spTree>
+      <p:nvGrpSpPr>
+        <p:cNvPr id="1" name=""/>
+        <p:cNvGrpSpPr/>
+        <p:nvPr/>
+      </p:nvGrpSpPr>
+      <p:grpSpPr>
+        <a:xfrm>
+          <a:off x="0" y="0"/>
+          <a:ext cx="0" cy="0"/>
+          <a:chOff x="0" y="0"/>
+          <a:chExt cx="0" cy="0"/>
+        </a:xfrm>
+      </p:grpSpPr>
+    </p:spTree>
+    <p:extLst>
+      <p:ext uri="{BB962C8B-B14F-4D97-AF65-F5344CB8AC3E}">
+        <p14:creationId xmlns:p14="http://schemas.microsoft.com/office/powerpoint/2010/main" val="2653390621"/>
+      </p:ext>
+    </p:extLst>
+  </p:cSld>
+  <p:clrMapOvr>
+    <a:masterClrMapping/>
+  </p:clrMapOvr>
+</p:sld>
+</file>
+
+<file path=ppt/slides/slide29.xml><?xml version="1.0" encoding="utf-8"?>
 <p:sld xmlns:a="http://schemas.openxmlformats.org/drawingml/2006/main" xmlns:r="http://schemas.openxmlformats.org/officeDocument/2006/relationships" xmlns:p="http://schemas.openxmlformats.org/presentationml/2006/main">
   <p:cSld>
     <p:spTree>
@@ -48705,7 +50162,7 @@
 </p:sld>
 </file>
 
-<file path=ppt/slides/slide26.xml><?xml version="1.0" encoding="utf-8"?>
+<file path=ppt/slides/slide3.xml><?xml version="1.0" encoding="utf-8"?>
 <p:sld xmlns:a="http://schemas.openxmlformats.org/drawingml/2006/main" xmlns:r="http://schemas.openxmlformats.org/officeDocument/2006/relationships" xmlns:p="http://schemas.openxmlformats.org/presentationml/2006/main">
   <p:cSld>
     <p:spTree>
@@ -48727,7 +50184,7 @@
           <p:cNvPr id="2" name="标题 1">
             <a:extLst>
               <a:ext uri="{FF2B5EF4-FFF2-40B4-BE49-F238E27FC236}">
-                <a16:creationId xmlns:a16="http://schemas.microsoft.com/office/drawing/2014/main" id="{5CD6EAEE-617E-9C50-04C0-56134F99D927}"/>
+                <a16:creationId xmlns:a16="http://schemas.microsoft.com/office/drawing/2014/main" id="{4D791E6F-3EE2-8CA3-E498-1FDF1DAAD624}"/>
               </a:ext>
             </a:extLst>
           </p:cNvPr>
@@ -48744,703 +50201,23 @@
           <a:lstStyle/>
           <a:p>
             <a:r>
-              <a:rPr lang="en-US" altLang="zh-CN" b="1" dirty="0"/>
-              <a:t>4.Probe</a:t>
+              <a:rPr lang="zh-CN" altLang="en-US" dirty="0"/>
+              <a:t>一、</a:t>
             </a:r>
             <a:r>
-              <a:rPr lang="zh-CN" altLang="en-US" sz="3600" b="1" dirty="0"/>
-              <a:t>类型</a:t>
+              <a:rPr lang="en-US" altLang="zh-CN" dirty="0"/>
+              <a:t>Kubernetes Pod</a:t>
             </a:r>
             <a:endParaRPr lang="zh-CN" altLang="en-US" dirty="0"/>
           </a:p>
         </p:txBody>
       </p:sp>
-      <p:pic>
-        <p:nvPicPr>
-          <p:cNvPr id="9" name="图片 8">
+      <p:graphicFrame>
+        <p:nvGraphicFramePr>
+          <p:cNvPr id="17" name="内容占位符 16">
             <a:extLst>
               <a:ext uri="{FF2B5EF4-FFF2-40B4-BE49-F238E27FC236}">
-                <a16:creationId xmlns:a16="http://schemas.microsoft.com/office/drawing/2014/main" id="{4FD41EE5-7541-371F-02CC-99BCA1C9669A}"/>
-              </a:ext>
-            </a:extLst>
-          </p:cNvPr>
-          <p:cNvPicPr>
-            <a:picLocks noChangeAspect="1"/>
-          </p:cNvPicPr>
-          <p:nvPr/>
-        </p:nvPicPr>
-        <p:blipFill>
-          <a:blip r:embed="rId2"/>
-          <a:stretch>
-            <a:fillRect/>
-          </a:stretch>
-        </p:blipFill>
-        <p:spPr>
-          <a:xfrm>
-            <a:off x="781234" y="1677370"/>
-            <a:ext cx="8913181" cy="4794451"/>
-          </a:xfrm>
-          <a:prstGeom prst="rect">
-            <a:avLst/>
-          </a:prstGeom>
-        </p:spPr>
-      </p:pic>
-    </p:spTree>
-    <p:extLst>
-      <p:ext uri="{BB962C8B-B14F-4D97-AF65-F5344CB8AC3E}">
-        <p14:creationId xmlns:p14="http://schemas.microsoft.com/office/powerpoint/2010/main" val="3551281217"/>
-      </p:ext>
-    </p:extLst>
-  </p:cSld>
-  <p:clrMapOvr>
-    <a:masterClrMapping/>
-  </p:clrMapOvr>
-</p:sld>
-</file>
-
-<file path=ppt/slides/slide27.xml><?xml version="1.0" encoding="utf-8"?>
-<p:sld xmlns:a="http://schemas.openxmlformats.org/drawingml/2006/main" xmlns:r="http://schemas.openxmlformats.org/officeDocument/2006/relationships" xmlns:p="http://schemas.openxmlformats.org/presentationml/2006/main">
-  <p:cSld>
-    <p:spTree>
-      <p:nvGrpSpPr>
-        <p:cNvPr id="1" name=""/>
-        <p:cNvGrpSpPr/>
-        <p:nvPr/>
-      </p:nvGrpSpPr>
-      <p:grpSpPr>
-        <a:xfrm>
-          <a:off x="0" y="0"/>
-          <a:ext cx="0" cy="0"/>
-          <a:chOff x="0" y="0"/>
-          <a:chExt cx="0" cy="0"/>
-        </a:xfrm>
-      </p:grpSpPr>
-      <p:sp>
-        <p:nvSpPr>
-          <p:cNvPr id="2" name="标题 1">
-            <a:extLst>
-              <a:ext uri="{FF2B5EF4-FFF2-40B4-BE49-F238E27FC236}">
-                <a16:creationId xmlns:a16="http://schemas.microsoft.com/office/drawing/2014/main" id="{CC94A0CF-C161-4F03-3AAB-36F697E257B0}"/>
-              </a:ext>
-            </a:extLst>
-          </p:cNvPr>
-          <p:cNvSpPr>
-            <a:spLocks noGrp="1"/>
-          </p:cNvSpPr>
-          <p:nvPr>
-            <p:ph type="title"/>
-          </p:nvPr>
-        </p:nvSpPr>
-        <p:spPr/>
-        <p:txBody>
-          <a:bodyPr/>
-          <a:lstStyle/>
-          <a:p>
-            <a:r>
-              <a:rPr lang="en-US" altLang="zh-CN" b="1" dirty="0"/>
-              <a:t>Probe</a:t>
-            </a:r>
-            <a:r>
-              <a:rPr lang="en-US" altLang="zh-CN" sz="3600" b="1" dirty="0"/>
-              <a:t> </a:t>
-            </a:r>
-            <a:r>
-              <a:rPr lang="zh-CN" altLang="en-US" b="1" dirty="0"/>
-              <a:t>检查机制</a:t>
-            </a:r>
-            <a:endParaRPr lang="zh-CN" altLang="en-US" dirty="0"/>
-          </a:p>
-        </p:txBody>
-      </p:sp>
-      <p:pic>
-        <p:nvPicPr>
-          <p:cNvPr id="5" name="内容占位符 4">
-            <a:extLst>
-              <a:ext uri="{FF2B5EF4-FFF2-40B4-BE49-F238E27FC236}">
-                <a16:creationId xmlns:a16="http://schemas.microsoft.com/office/drawing/2014/main" id="{9E9A692A-7E67-2CFD-FEAD-4E9E30599B74}"/>
-              </a:ext>
-            </a:extLst>
-          </p:cNvPr>
-          <p:cNvPicPr>
-            <a:picLocks noGrp="1" noChangeAspect="1"/>
-          </p:cNvPicPr>
-          <p:nvPr>
-            <p:ph sz="half" idx="1"/>
-          </p:nvPr>
-        </p:nvPicPr>
-        <p:blipFill>
-          <a:blip r:embed="rId2"/>
-          <a:stretch>
-            <a:fillRect/>
-          </a:stretch>
-        </p:blipFill>
-        <p:spPr>
-          <a:xfrm>
-            <a:off x="715507" y="2160588"/>
-            <a:ext cx="4107773" cy="3881437"/>
-          </a:xfrm>
-        </p:spPr>
-      </p:pic>
-      <p:sp>
-        <p:nvSpPr>
-          <p:cNvPr id="3" name="内容占位符 2">
-            <a:extLst>
-              <a:ext uri="{FF2B5EF4-FFF2-40B4-BE49-F238E27FC236}">
-                <a16:creationId xmlns:a16="http://schemas.microsoft.com/office/drawing/2014/main" id="{B0AC7653-2617-60AB-98BE-D87E25854964}"/>
-              </a:ext>
-            </a:extLst>
-          </p:cNvPr>
-          <p:cNvSpPr>
-            <a:spLocks noGrp="1"/>
-          </p:cNvSpPr>
-          <p:nvPr>
-            <p:ph sz="half" idx="2"/>
-          </p:nvPr>
-        </p:nvSpPr>
-        <p:spPr/>
-        <p:txBody>
-          <a:bodyPr>
-            <a:normAutofit fontScale="92500"/>
-          </a:bodyPr>
-          <a:lstStyle/>
-          <a:p>
-            <a:pPr algn="l">
-              <a:buFont typeface="Arial" panose="020B0604020202020204" pitchFamily="34" charset="0"/>
-              <a:buChar char="•"/>
-            </a:pPr>
-            <a:r>
-              <a:rPr lang="en-US" altLang="zh-CN" b="1" i="0" dirty="0">
-                <a:solidFill>
-                  <a:srgbClr val="222222"/>
-                </a:solidFill>
-                <a:effectLst/>
-                <a:latin typeface="Inter"/>
-              </a:rPr>
-              <a:t>Exec</a:t>
-            </a:r>
-            <a:r>
-              <a:rPr lang="zh-CN" altLang="en-US" b="1" i="0" dirty="0">
-                <a:solidFill>
-                  <a:srgbClr val="222222"/>
-                </a:solidFill>
-                <a:effectLst/>
-                <a:latin typeface="Inter"/>
-              </a:rPr>
-              <a:t>：</a:t>
-            </a:r>
-            <a:r>
-              <a:rPr lang="zh-CN" altLang="en-US" b="0" i="0" dirty="0">
-                <a:solidFill>
-                  <a:srgbClr val="222222"/>
-                </a:solidFill>
-                <a:effectLst/>
-                <a:latin typeface="Inter"/>
-              </a:rPr>
-              <a:t>探针在容器内运行命令。如果命令以</a:t>
-            </a:r>
-            <a:r>
-              <a:rPr lang="en-US" altLang="zh-CN" b="0" i="0" dirty="0">
-                <a:solidFill>
-                  <a:srgbClr val="000000"/>
-                </a:solidFill>
-                <a:effectLst/>
-                <a:latin typeface="Courier New" panose="02070309020205020404" pitchFamily="49" charset="0"/>
-              </a:rPr>
-              <a:t>0</a:t>
-            </a:r>
-            <a:r>
-              <a:rPr lang="zh-CN" altLang="en-US" b="0" i="0" dirty="0">
-                <a:solidFill>
-                  <a:srgbClr val="222222"/>
-                </a:solidFill>
-                <a:effectLst/>
-                <a:latin typeface="Inter"/>
-              </a:rPr>
-              <a:t>作为其退出代码终止，则认为探测成功。</a:t>
-            </a:r>
-          </a:p>
-          <a:p>
-            <a:pPr algn="l">
-              <a:buFont typeface="Arial" panose="020B0604020202020204" pitchFamily="34" charset="0"/>
-              <a:buChar char="•"/>
-            </a:pPr>
-            <a:r>
-              <a:rPr lang="en-US" altLang="zh-CN" b="1" i="0" dirty="0">
-                <a:solidFill>
-                  <a:srgbClr val="222222"/>
-                </a:solidFill>
-                <a:effectLst/>
-                <a:latin typeface="Inter"/>
-              </a:rPr>
-              <a:t>HTTP</a:t>
-            </a:r>
-            <a:r>
-              <a:rPr lang="zh-CN" altLang="en-US" b="1" i="0" dirty="0">
-                <a:solidFill>
-                  <a:srgbClr val="222222"/>
-                </a:solidFill>
-                <a:effectLst/>
-                <a:latin typeface="Inter"/>
-              </a:rPr>
-              <a:t>：</a:t>
-            </a:r>
-            <a:r>
-              <a:rPr lang="zh-CN" altLang="en-US" b="0" i="0" dirty="0">
-                <a:solidFill>
-                  <a:srgbClr val="222222"/>
-                </a:solidFill>
-                <a:effectLst/>
-                <a:latin typeface="Inter"/>
-              </a:rPr>
-              <a:t>探测器针对容器中的 </a:t>
-            </a:r>
-            <a:r>
-              <a:rPr lang="en-US" altLang="zh-CN" b="0" i="0" dirty="0">
-                <a:solidFill>
-                  <a:srgbClr val="222222"/>
-                </a:solidFill>
-                <a:effectLst/>
-                <a:latin typeface="Inter"/>
-              </a:rPr>
-              <a:t>URL</a:t>
-            </a:r>
-            <a:r>
-              <a:rPr lang="zh-CN" altLang="en-US" b="0" i="0" dirty="0">
-                <a:solidFill>
-                  <a:srgbClr val="222222"/>
-                </a:solidFill>
-                <a:effectLst/>
-                <a:latin typeface="Inter"/>
-              </a:rPr>
-              <a:t>发出 </a:t>
-            </a:r>
-            <a:r>
-              <a:rPr lang="en-US" altLang="zh-CN" b="0" i="0" dirty="0">
-                <a:solidFill>
-                  <a:srgbClr val="222222"/>
-                </a:solidFill>
-                <a:effectLst/>
-                <a:latin typeface="Inter"/>
-              </a:rPr>
-              <a:t>HTTP </a:t>
-            </a:r>
-            <a:r>
-              <a:rPr lang="en-US" altLang="zh-CN" b="0" i="0" dirty="0">
-                <a:solidFill>
-                  <a:srgbClr val="000000"/>
-                </a:solidFill>
-                <a:effectLst/>
-                <a:latin typeface="Courier New" panose="02070309020205020404" pitchFamily="49" charset="0"/>
-              </a:rPr>
-              <a:t>GET</a:t>
-            </a:r>
-            <a:r>
-              <a:rPr lang="zh-CN" altLang="en-US" b="0" i="0" dirty="0">
-                <a:solidFill>
-                  <a:srgbClr val="000000"/>
-                </a:solidFill>
-                <a:effectLst/>
-                <a:latin typeface="Courier New" panose="02070309020205020404" pitchFamily="49" charset="0"/>
-              </a:rPr>
-              <a:t>请求。</a:t>
-            </a:r>
-            <a:r>
-              <a:rPr lang="zh-CN" altLang="en-US" b="0" i="0" dirty="0">
-                <a:solidFill>
-                  <a:srgbClr val="222222"/>
-                </a:solidFill>
-                <a:effectLst/>
-                <a:latin typeface="Inter"/>
-              </a:rPr>
-              <a:t>当容器的响应具有 </a:t>
-            </a:r>
-            <a:r>
-              <a:rPr lang="en-US" altLang="zh-CN" b="0" i="0" dirty="0">
-                <a:solidFill>
-                  <a:srgbClr val="222222"/>
-                </a:solidFill>
-                <a:effectLst/>
-                <a:latin typeface="Inter"/>
-              </a:rPr>
-              <a:t>200-399 </a:t>
-            </a:r>
-            <a:r>
-              <a:rPr lang="zh-CN" altLang="en-US" b="0" i="0" dirty="0">
-                <a:solidFill>
-                  <a:srgbClr val="222222"/>
-                </a:solidFill>
-                <a:effectLst/>
-                <a:latin typeface="Inter"/>
-              </a:rPr>
-              <a:t>范围内的 </a:t>
-            </a:r>
-            <a:r>
-              <a:rPr lang="en-US" altLang="zh-CN" b="0" i="0" dirty="0">
-                <a:solidFill>
-                  <a:srgbClr val="222222"/>
-                </a:solidFill>
-                <a:effectLst/>
-                <a:latin typeface="Inter"/>
-              </a:rPr>
-              <a:t>HTTP </a:t>
-            </a:r>
-            <a:r>
-              <a:rPr lang="zh-CN" altLang="en-US" b="0" i="0" dirty="0">
-                <a:solidFill>
-                  <a:srgbClr val="222222"/>
-                </a:solidFill>
-                <a:effectLst/>
-                <a:latin typeface="Inter"/>
-              </a:rPr>
-              <a:t>状态代码时，探测成功。</a:t>
-            </a:r>
-          </a:p>
-          <a:p>
-            <a:pPr algn="l">
-              <a:buFont typeface="Arial" panose="020B0604020202020204" pitchFamily="34" charset="0"/>
-              <a:buChar char="•"/>
-            </a:pPr>
-            <a:r>
-              <a:rPr lang="en-US" altLang="zh-CN" b="1" i="0" dirty="0">
-                <a:solidFill>
-                  <a:srgbClr val="222222"/>
-                </a:solidFill>
-                <a:effectLst/>
-                <a:latin typeface="Inter"/>
-              </a:rPr>
-              <a:t>TCP</a:t>
-            </a:r>
-            <a:r>
-              <a:rPr lang="zh-CN" altLang="en-US" b="1" i="0" dirty="0">
-                <a:solidFill>
-                  <a:srgbClr val="222222"/>
-                </a:solidFill>
-                <a:effectLst/>
-                <a:latin typeface="Inter"/>
-              </a:rPr>
-              <a:t>：</a:t>
-            </a:r>
-            <a:r>
-              <a:rPr lang="zh-CN" altLang="en-US" b="0" i="0" dirty="0">
-                <a:solidFill>
-                  <a:srgbClr val="222222"/>
-                </a:solidFill>
-                <a:effectLst/>
-                <a:latin typeface="Inter"/>
-              </a:rPr>
-              <a:t>探针尝试连接到容器内的特定 </a:t>
-            </a:r>
-            <a:r>
-              <a:rPr lang="en-US" altLang="zh-CN" b="0" i="0" dirty="0">
-                <a:solidFill>
-                  <a:srgbClr val="222222"/>
-                </a:solidFill>
-                <a:effectLst/>
-                <a:latin typeface="Inter"/>
-              </a:rPr>
-              <a:t>TCP </a:t>
-            </a:r>
-            <a:r>
-              <a:rPr lang="zh-CN" altLang="en-US" b="0" i="0" dirty="0">
-                <a:solidFill>
-                  <a:srgbClr val="222222"/>
-                </a:solidFill>
-                <a:effectLst/>
-                <a:latin typeface="Inter"/>
-              </a:rPr>
-              <a:t>端口；如果端口打开，则认为探测成功。</a:t>
-            </a:r>
-          </a:p>
-          <a:p>
-            <a:pPr algn="l">
-              <a:buFont typeface="Arial" panose="020B0604020202020204" pitchFamily="34" charset="0"/>
-              <a:buChar char="•"/>
-            </a:pPr>
-            <a:r>
-              <a:rPr lang="en-US" altLang="zh-CN" b="1" i="0" dirty="0" err="1">
-                <a:solidFill>
-                  <a:srgbClr val="222222"/>
-                </a:solidFill>
-                <a:effectLst/>
-                <a:latin typeface="Inter"/>
-              </a:rPr>
-              <a:t>gRPC</a:t>
-            </a:r>
-            <a:r>
-              <a:rPr lang="zh-CN" altLang="en-US" b="1" i="0" dirty="0">
-                <a:solidFill>
-                  <a:srgbClr val="222222"/>
-                </a:solidFill>
-                <a:effectLst/>
-                <a:latin typeface="Inter"/>
-              </a:rPr>
-              <a:t>：使用</a:t>
-            </a:r>
-            <a:r>
-              <a:rPr lang="en-US" altLang="zh-CN" b="0" i="0" u="sng" dirty="0" err="1">
-                <a:solidFill>
-                  <a:srgbClr val="3C00E2"/>
-                </a:solidFill>
-                <a:effectLst/>
-                <a:latin typeface="Inter"/>
-                <a:hlinkClick r:id="rId3"/>
-              </a:rPr>
-              <a:t>gRPC</a:t>
-            </a:r>
-            <a:r>
-              <a:rPr lang="zh-CN" altLang="en-US" b="0" i="0" dirty="0">
-                <a:solidFill>
-                  <a:srgbClr val="222222"/>
-                </a:solidFill>
-                <a:effectLst/>
-                <a:latin typeface="Inter"/>
-              </a:rPr>
-              <a:t>的应用程序支持</a:t>
-            </a:r>
-            <a:r>
-              <a:rPr lang="en-US" altLang="zh-CN" b="0" i="0" dirty="0" err="1">
-                <a:solidFill>
-                  <a:srgbClr val="222222"/>
-                </a:solidFill>
-                <a:effectLst/>
-                <a:latin typeface="Inter"/>
-              </a:rPr>
-              <a:t>gRPC</a:t>
-            </a:r>
-            <a:r>
-              <a:rPr lang="zh-CN" altLang="en-US" b="0" i="0" u="sng" dirty="0">
-                <a:solidFill>
-                  <a:srgbClr val="3C00E2"/>
-                </a:solidFill>
-                <a:effectLst/>
-                <a:latin typeface="Inter"/>
-                <a:hlinkClick r:id="rId4"/>
-              </a:rPr>
-              <a:t>健康检查</a:t>
-            </a:r>
-            <a:r>
-              <a:rPr lang="zh-CN" altLang="en-US" b="0" i="0" dirty="0">
-                <a:solidFill>
-                  <a:srgbClr val="222222"/>
-                </a:solidFill>
-                <a:effectLst/>
-                <a:latin typeface="Inter"/>
-              </a:rPr>
-              <a:t>探测。这种类型的探针在 </a:t>
-            </a:r>
-            <a:r>
-              <a:rPr lang="en-US" altLang="zh-CN" b="0" i="0" dirty="0">
-                <a:solidFill>
-                  <a:srgbClr val="222222"/>
-                </a:solidFill>
-                <a:effectLst/>
-                <a:latin typeface="Inter"/>
-              </a:rPr>
-              <a:t>Kubernetes v1.23 </a:t>
-            </a:r>
-            <a:r>
-              <a:rPr lang="zh-CN" altLang="en-US" b="0" i="0" dirty="0">
-                <a:solidFill>
-                  <a:srgbClr val="222222"/>
-                </a:solidFill>
-                <a:effectLst/>
-                <a:latin typeface="Inter"/>
-              </a:rPr>
-              <a:t>的 </a:t>
-            </a:r>
-            <a:r>
-              <a:rPr lang="en-US" altLang="zh-CN" b="0" i="0" dirty="0">
-                <a:solidFill>
-                  <a:srgbClr val="222222"/>
-                </a:solidFill>
-                <a:effectLst/>
-                <a:latin typeface="Inter"/>
-              </a:rPr>
-              <a:t>alpha </a:t>
-            </a:r>
-            <a:r>
-              <a:rPr lang="zh-CN" altLang="en-US" b="0" i="0" dirty="0">
-                <a:solidFill>
-                  <a:srgbClr val="222222"/>
-                </a:solidFill>
-                <a:effectLst/>
-                <a:latin typeface="Inter"/>
-              </a:rPr>
-              <a:t>版本中可用。</a:t>
-            </a:r>
-          </a:p>
-          <a:p>
-            <a:endParaRPr lang="zh-CN" altLang="en-US" dirty="0"/>
-          </a:p>
-        </p:txBody>
-      </p:sp>
-    </p:spTree>
-    <p:extLst>
-      <p:ext uri="{BB962C8B-B14F-4D97-AF65-F5344CB8AC3E}">
-        <p14:creationId xmlns:p14="http://schemas.microsoft.com/office/powerpoint/2010/main" val="210326153"/>
-      </p:ext>
-    </p:extLst>
-  </p:cSld>
-  <p:clrMapOvr>
-    <a:masterClrMapping/>
-  </p:clrMapOvr>
-</p:sld>
-</file>
-
-<file path=ppt/slides/slide28.xml><?xml version="1.0" encoding="utf-8"?>
-<p:sld xmlns:a="http://schemas.openxmlformats.org/drawingml/2006/main" xmlns:r="http://schemas.openxmlformats.org/officeDocument/2006/relationships" xmlns:p="http://schemas.openxmlformats.org/presentationml/2006/main">
-  <p:cSld>
-    <p:spTree>
-      <p:nvGrpSpPr>
-        <p:cNvPr id="1" name=""/>
-        <p:cNvGrpSpPr/>
-        <p:nvPr/>
-      </p:nvGrpSpPr>
-      <p:grpSpPr>
-        <a:xfrm>
-          <a:off x="0" y="0"/>
-          <a:ext cx="0" cy="0"/>
-          <a:chOff x="0" y="0"/>
-          <a:chExt cx="0" cy="0"/>
-        </a:xfrm>
-      </p:grpSpPr>
-      <p:sp>
-        <p:nvSpPr>
-          <p:cNvPr id="2" name="标题 1">
-            <a:extLst>
-              <a:ext uri="{FF2B5EF4-FFF2-40B4-BE49-F238E27FC236}">
-                <a16:creationId xmlns:a16="http://schemas.microsoft.com/office/drawing/2014/main" id="{078D8E4F-F754-7E5C-C75C-F173E5902891}"/>
-              </a:ext>
-            </a:extLst>
-          </p:cNvPr>
-          <p:cNvSpPr>
-            <a:spLocks noGrp="1"/>
-          </p:cNvSpPr>
-          <p:nvPr>
-            <p:ph type="title"/>
-          </p:nvPr>
-        </p:nvSpPr>
-        <p:spPr/>
-        <p:txBody>
-          <a:bodyPr/>
-          <a:lstStyle/>
-          <a:p>
-            <a:r>
-              <a:rPr lang="en-US" altLang="zh-CN" dirty="0"/>
-              <a:t>5.Prode </a:t>
-            </a:r>
-            <a:r>
-              <a:rPr lang="zh-CN" altLang="en-US" dirty="0"/>
-              <a:t>示例</a:t>
-            </a:r>
-          </a:p>
-        </p:txBody>
-      </p:sp>
-      <p:sp>
-        <p:nvSpPr>
-          <p:cNvPr id="7" name="内容占位符 6">
-            <a:extLst>
-              <a:ext uri="{FF2B5EF4-FFF2-40B4-BE49-F238E27FC236}">
-                <a16:creationId xmlns:a16="http://schemas.microsoft.com/office/drawing/2014/main" id="{FC832AED-F4F2-D7AD-279C-A5C9AC873E1B}"/>
-              </a:ext>
-            </a:extLst>
-          </p:cNvPr>
-          <p:cNvSpPr>
-            <a:spLocks noGrp="1"/>
-          </p:cNvSpPr>
-          <p:nvPr>
-            <p:ph sz="half" idx="2"/>
-          </p:nvPr>
-        </p:nvSpPr>
-        <p:spPr/>
-        <p:txBody>
-          <a:bodyPr>
-            <a:normAutofit fontScale="85000" lnSpcReduction="10000"/>
-          </a:bodyPr>
-          <a:lstStyle/>
-          <a:p>
-            <a:r>
-              <a:rPr lang="en-US" altLang="zh-CN" b="1" dirty="0" err="1"/>
-              <a:t>initialDelaySeconds</a:t>
-            </a:r>
-            <a:r>
-              <a:rPr lang="en-US" altLang="zh-CN" dirty="0"/>
-              <a:t> </a:t>
-            </a:r>
-            <a:r>
-              <a:rPr lang="zh-CN" altLang="en-US" dirty="0"/>
-              <a:t>：设置容器启动和第一次执行探测之间的延迟。默认为零秒。</a:t>
-            </a:r>
-          </a:p>
-          <a:p>
-            <a:r>
-              <a:rPr lang="en-US" altLang="zh-CN" b="1" dirty="0" err="1"/>
-              <a:t>periodSeconds</a:t>
-            </a:r>
-            <a:r>
-              <a:rPr lang="en-US" altLang="zh-CN" dirty="0"/>
-              <a:t> </a:t>
-            </a:r>
-            <a:r>
-              <a:rPr lang="zh-CN" altLang="en-US" dirty="0"/>
-              <a:t>：定义在初始延迟后执行探测的频率。默认为十秒。</a:t>
-            </a:r>
-          </a:p>
-          <a:p>
-            <a:r>
-              <a:rPr lang="en-US" altLang="zh-CN" b="1" dirty="0" err="1"/>
-              <a:t>timeoutSeconds</a:t>
-            </a:r>
-            <a:r>
-              <a:rPr lang="en-US" altLang="zh-CN" dirty="0"/>
-              <a:t> </a:t>
-            </a:r>
-            <a:r>
-              <a:rPr lang="zh-CN" altLang="en-US" dirty="0"/>
-              <a:t>：每个探测将在这么多秒后超时并被标记为失败。默认为一秒。</a:t>
-            </a:r>
-          </a:p>
-          <a:p>
-            <a:pPr>
-              <a:lnSpc>
-                <a:spcPct val="160000"/>
-              </a:lnSpc>
-            </a:pPr>
-            <a:r>
-              <a:rPr lang="en-US" altLang="zh-CN" b="1" dirty="0" err="1"/>
-              <a:t>failureThreshold</a:t>
-            </a:r>
-            <a:r>
-              <a:rPr lang="zh-CN" altLang="en-US" dirty="0"/>
-              <a:t>：指示</a:t>
-            </a:r>
-            <a:r>
-              <a:rPr lang="en-US" altLang="zh-CN" dirty="0"/>
-              <a:t>Kubernetes</a:t>
-            </a:r>
-            <a:r>
-              <a:rPr lang="zh-CN" altLang="en-US" dirty="0"/>
-              <a:t>在首次记录失败后重试多次。仅当重试也失败时，才会重新启动容器。默认为三个。</a:t>
-            </a:r>
-          </a:p>
-          <a:p>
-            <a:r>
-              <a:rPr lang="en-US" altLang="zh-CN" b="1" dirty="0" err="1"/>
-              <a:t>successThreshold</a:t>
-            </a:r>
-            <a:r>
-              <a:rPr lang="zh-CN" altLang="en-US" dirty="0"/>
-              <a:t>：这设置了将不健康容器恢复为健康状态的标准。这意味着容器必须成功通过此数量的连续活动检查才能再次被视为健康。默认为一个。</a:t>
-            </a:r>
-          </a:p>
-        </p:txBody>
-      </p:sp>
-      <p:graphicFrame>
-        <p:nvGraphicFramePr>
-          <p:cNvPr id="15" name="内容占位符 14">
-            <a:extLst>
-              <a:ext uri="{FF2B5EF4-FFF2-40B4-BE49-F238E27FC236}">
-                <a16:creationId xmlns:a16="http://schemas.microsoft.com/office/drawing/2014/main" id="{714BDD6C-9AD1-8D5A-7A45-36C5F4DDF763}"/>
+                <a16:creationId xmlns:a16="http://schemas.microsoft.com/office/drawing/2014/main" id="{20B99BEE-5749-4C00-AA0C-8A7D64AC73CC}"/>
               </a:ext>
             </a:extLst>
           </p:cNvPr>
@@ -49448,17 +50225,17 @@
             <a:graphicFrameLocks noGrp="1"/>
           </p:cNvGraphicFramePr>
           <p:nvPr>
-            <p:ph sz="half" idx="1"/>
+            <p:ph idx="1"/>
             <p:extLst>
               <p:ext uri="{D42A27DB-BD31-4B8C-83A1-F6EECF244321}">
-                <p14:modId xmlns:p14="http://schemas.microsoft.com/office/powerpoint/2010/main" val="2974793345"/>
+                <p14:modId xmlns:p14="http://schemas.microsoft.com/office/powerpoint/2010/main" val="945295105"/>
               </p:ext>
             </p:extLst>
           </p:nvPr>
         </p:nvGraphicFramePr>
         <p:xfrm>
           <a:off x="677334" y="2160589"/>
-          <a:ext cx="4184035" cy="3880772"/>
+          <a:ext cx="8596668" cy="3880773"/>
         </p:xfrm>
         <a:graphic>
           <a:graphicData uri="http://schemas.openxmlformats.org/drawingml/2006/diagram">
@@ -49469,7 +50246,7 @@
     </p:spTree>
     <p:extLst>
       <p:ext uri="{BB962C8B-B14F-4D97-AF65-F5344CB8AC3E}">
-        <p14:creationId xmlns:p14="http://schemas.microsoft.com/office/powerpoint/2010/main" val="2015076948"/>
+        <p14:creationId xmlns:p14="http://schemas.microsoft.com/office/powerpoint/2010/main" val="725947467"/>
       </p:ext>
     </p:extLst>
   </p:cSld>
@@ -49479,7 +50256,7 @@
 </p:sld>
 </file>
 
-<file path=ppt/slides/slide29.xml><?xml version="1.0" encoding="utf-8"?>
+<file path=ppt/slides/slide30.xml><?xml version="1.0" encoding="utf-8"?>
 <p:sld xmlns:a="http://schemas.openxmlformats.org/drawingml/2006/main" xmlns:r="http://schemas.openxmlformats.org/officeDocument/2006/relationships" xmlns:p="http://schemas.openxmlformats.org/presentationml/2006/main">
   <p:cSld>
     <p:spTree>
@@ -49576,101 +50353,7 @@
 </p:sld>
 </file>
 
-<file path=ppt/slides/slide3.xml><?xml version="1.0" encoding="utf-8"?>
-<p:sld xmlns:a="http://schemas.openxmlformats.org/drawingml/2006/main" xmlns:r="http://schemas.openxmlformats.org/officeDocument/2006/relationships" xmlns:p="http://schemas.openxmlformats.org/presentationml/2006/main">
-  <p:cSld>
-    <p:spTree>
-      <p:nvGrpSpPr>
-        <p:cNvPr id="1" name=""/>
-        <p:cNvGrpSpPr/>
-        <p:nvPr/>
-      </p:nvGrpSpPr>
-      <p:grpSpPr>
-        <a:xfrm>
-          <a:off x="0" y="0"/>
-          <a:ext cx="0" cy="0"/>
-          <a:chOff x="0" y="0"/>
-          <a:chExt cx="0" cy="0"/>
-        </a:xfrm>
-      </p:grpSpPr>
-      <p:sp>
-        <p:nvSpPr>
-          <p:cNvPr id="2" name="标题 1">
-            <a:extLst>
-              <a:ext uri="{FF2B5EF4-FFF2-40B4-BE49-F238E27FC236}">
-                <a16:creationId xmlns:a16="http://schemas.microsoft.com/office/drawing/2014/main" id="{4D791E6F-3EE2-8CA3-E498-1FDF1DAAD624}"/>
-              </a:ext>
-            </a:extLst>
-          </p:cNvPr>
-          <p:cNvSpPr>
-            <a:spLocks noGrp="1"/>
-          </p:cNvSpPr>
-          <p:nvPr>
-            <p:ph type="title"/>
-          </p:nvPr>
-        </p:nvSpPr>
-        <p:spPr/>
-        <p:txBody>
-          <a:bodyPr/>
-          <a:lstStyle/>
-          <a:p>
-            <a:r>
-              <a:rPr lang="zh-CN" altLang="en-US" dirty="0"/>
-              <a:t>一、</a:t>
-            </a:r>
-            <a:r>
-              <a:rPr lang="en-US" altLang="zh-CN" dirty="0"/>
-              <a:t>Kubernetes Pod</a:t>
-            </a:r>
-            <a:endParaRPr lang="zh-CN" altLang="en-US" dirty="0"/>
-          </a:p>
-        </p:txBody>
-      </p:sp>
-      <p:graphicFrame>
-        <p:nvGraphicFramePr>
-          <p:cNvPr id="17" name="内容占位符 16">
-            <a:extLst>
-              <a:ext uri="{FF2B5EF4-FFF2-40B4-BE49-F238E27FC236}">
-                <a16:creationId xmlns:a16="http://schemas.microsoft.com/office/drawing/2014/main" id="{20B99BEE-5749-4C00-AA0C-8A7D64AC73CC}"/>
-              </a:ext>
-            </a:extLst>
-          </p:cNvPr>
-          <p:cNvGraphicFramePr>
-            <a:graphicFrameLocks noGrp="1"/>
-          </p:cNvGraphicFramePr>
-          <p:nvPr>
-            <p:ph idx="1"/>
-            <p:extLst>
-              <p:ext uri="{D42A27DB-BD31-4B8C-83A1-F6EECF244321}">
-                <p14:modId xmlns:p14="http://schemas.microsoft.com/office/powerpoint/2010/main" val="945295105"/>
-              </p:ext>
-            </p:extLst>
-          </p:nvPr>
-        </p:nvGraphicFramePr>
-        <p:xfrm>
-          <a:off x="677334" y="2160589"/>
-          <a:ext cx="8596668" cy="3880773"/>
-        </p:xfrm>
-        <a:graphic>
-          <a:graphicData uri="http://schemas.openxmlformats.org/drawingml/2006/diagram">
-            <dgm:relIds xmlns:dgm="http://schemas.openxmlformats.org/drawingml/2006/diagram" xmlns:r="http://schemas.openxmlformats.org/officeDocument/2006/relationships" r:dm="rId2" r:lo="rId3" r:qs="rId4" r:cs="rId5"/>
-          </a:graphicData>
-        </a:graphic>
-      </p:graphicFrame>
-    </p:spTree>
-    <p:extLst>
-      <p:ext uri="{BB962C8B-B14F-4D97-AF65-F5344CB8AC3E}">
-        <p14:creationId xmlns:p14="http://schemas.microsoft.com/office/powerpoint/2010/main" val="725947467"/>
-      </p:ext>
-    </p:extLst>
-  </p:cSld>
-  <p:clrMapOvr>
-    <a:masterClrMapping/>
-  </p:clrMapOvr>
-</p:sld>
-</file>
-
-<file path=ppt/slides/slide30.xml><?xml version="1.0" encoding="utf-8"?>
+<file path=ppt/slides/slide31.xml><?xml version="1.0" encoding="utf-8"?>
 <p:sld xmlns:a="http://schemas.openxmlformats.org/drawingml/2006/main" xmlns:r="http://schemas.openxmlformats.org/officeDocument/2006/relationships" xmlns:p="http://schemas.openxmlformats.org/presentationml/2006/main">
   <p:cSld>
     <p:spTree>
@@ -49792,7 +50475,7 @@
 </p:sld>
 </file>
 
-<file path=ppt/slides/slide31.xml><?xml version="1.0" encoding="utf-8"?>
+<file path=ppt/slides/slide32.xml><?xml version="1.0" encoding="utf-8"?>
 <p:sld xmlns:a="http://schemas.openxmlformats.org/drawingml/2006/main" xmlns:r="http://schemas.openxmlformats.org/officeDocument/2006/relationships" xmlns:p="http://schemas.openxmlformats.org/presentationml/2006/main">
   <p:cSld>
     <p:spTree>
@@ -49927,7 +50610,7 @@
 </p:sld>
 </file>
 
-<file path=ppt/slides/slide32.xml><?xml version="1.0" encoding="utf-8"?>
+<file path=ppt/slides/slide33.xml><?xml version="1.0" encoding="utf-8"?>
 <p:sld xmlns:a="http://schemas.openxmlformats.org/drawingml/2006/main" xmlns:r="http://schemas.openxmlformats.org/officeDocument/2006/relationships" xmlns:p="http://schemas.openxmlformats.org/presentationml/2006/main">
   <p:cSld>
     <p:spTree>
@@ -50048,7 +50731,7 @@
 </p:sld>
 </file>
 
-<file path=ppt/slides/slide33.xml><?xml version="1.0" encoding="utf-8"?>
+<file path=ppt/slides/slide34.xml><?xml version="1.0" encoding="utf-8"?>
 <p:sld xmlns:a="http://schemas.openxmlformats.org/drawingml/2006/main" xmlns:r="http://schemas.openxmlformats.org/officeDocument/2006/relationships" xmlns:p="http://schemas.openxmlformats.org/presentationml/2006/main">
   <p:cSld>
     <p:spTree>
@@ -50168,7 +50851,7 @@
 </p:sld>
 </file>
 
-<file path=ppt/slides/slide34.xml><?xml version="1.0" encoding="utf-8"?>
+<file path=ppt/slides/slide35.xml><?xml version="1.0" encoding="utf-8"?>
 <p:sld xmlns:a="http://schemas.openxmlformats.org/drawingml/2006/main" xmlns:r="http://schemas.openxmlformats.org/officeDocument/2006/relationships" xmlns:p="http://schemas.openxmlformats.org/presentationml/2006/main">
   <p:cSld>
     <p:spTree>
